--- a/Documentation/Getting started with Naked Functions.pptx
+++ b/Documentation/Getting started with Naked Functions.pptx
@@ -294,7 +294,7 @@
           <a:p>
             <a:fld id="{043F4643-250D-4872-831F-E20C155C92C6}" type="datetimeFigureOut">
               <a:rPr lang="en-GB" smtClean="0"/>
-              <a:t>01/03/2021</a:t>
+              <a:t>03/03/2021</a:t>
             </a:fld>
             <a:endParaRPr lang="en-GB"/>
           </a:p>
@@ -494,7 +494,7 @@
           <a:p>
             <a:fld id="{043F4643-250D-4872-831F-E20C155C92C6}" type="datetimeFigureOut">
               <a:rPr lang="en-GB" smtClean="0"/>
-              <a:t>01/03/2021</a:t>
+              <a:t>03/03/2021</a:t>
             </a:fld>
             <a:endParaRPr lang="en-GB"/>
           </a:p>
@@ -704,7 +704,7 @@
           <a:p>
             <a:fld id="{043F4643-250D-4872-831F-E20C155C92C6}" type="datetimeFigureOut">
               <a:rPr lang="en-GB" smtClean="0"/>
-              <a:t>01/03/2021</a:t>
+              <a:t>03/03/2021</a:t>
             </a:fld>
             <a:endParaRPr lang="en-GB"/>
           </a:p>
@@ -904,7 +904,7 @@
           <a:p>
             <a:fld id="{043F4643-250D-4872-831F-E20C155C92C6}" type="datetimeFigureOut">
               <a:rPr lang="en-GB" smtClean="0"/>
-              <a:t>01/03/2021</a:t>
+              <a:t>03/03/2021</a:t>
             </a:fld>
             <a:endParaRPr lang="en-GB"/>
           </a:p>
@@ -1180,7 +1180,7 @@
           <a:p>
             <a:fld id="{043F4643-250D-4872-831F-E20C155C92C6}" type="datetimeFigureOut">
               <a:rPr lang="en-GB" smtClean="0"/>
-              <a:t>01/03/2021</a:t>
+              <a:t>03/03/2021</a:t>
             </a:fld>
             <a:endParaRPr lang="en-GB"/>
           </a:p>
@@ -1448,7 +1448,7 @@
           <a:p>
             <a:fld id="{043F4643-250D-4872-831F-E20C155C92C6}" type="datetimeFigureOut">
               <a:rPr lang="en-GB" smtClean="0"/>
-              <a:t>01/03/2021</a:t>
+              <a:t>03/03/2021</a:t>
             </a:fld>
             <a:endParaRPr lang="en-GB"/>
           </a:p>
@@ -1863,7 +1863,7 @@
           <a:p>
             <a:fld id="{043F4643-250D-4872-831F-E20C155C92C6}" type="datetimeFigureOut">
               <a:rPr lang="en-GB" smtClean="0"/>
-              <a:t>01/03/2021</a:t>
+              <a:t>03/03/2021</a:t>
             </a:fld>
             <a:endParaRPr lang="en-GB"/>
           </a:p>
@@ -2005,7 +2005,7 @@
           <a:p>
             <a:fld id="{043F4643-250D-4872-831F-E20C155C92C6}" type="datetimeFigureOut">
               <a:rPr lang="en-GB" smtClean="0"/>
-              <a:t>01/03/2021</a:t>
+              <a:t>03/03/2021</a:t>
             </a:fld>
             <a:endParaRPr lang="en-GB"/>
           </a:p>
@@ -2118,7 +2118,7 @@
           <a:p>
             <a:fld id="{043F4643-250D-4872-831F-E20C155C92C6}" type="datetimeFigureOut">
               <a:rPr lang="en-GB" smtClean="0"/>
-              <a:t>01/03/2021</a:t>
+              <a:t>03/03/2021</a:t>
             </a:fld>
             <a:endParaRPr lang="en-GB"/>
           </a:p>
@@ -2431,7 +2431,7 @@
           <a:p>
             <a:fld id="{043F4643-250D-4872-831F-E20C155C92C6}" type="datetimeFigureOut">
               <a:rPr lang="en-GB" smtClean="0"/>
-              <a:t>01/03/2021</a:t>
+              <a:t>03/03/2021</a:t>
             </a:fld>
             <a:endParaRPr lang="en-GB"/>
           </a:p>
@@ -2720,7 +2720,7 @@
           <a:p>
             <a:fld id="{043F4643-250D-4872-831F-E20C155C92C6}" type="datetimeFigureOut">
               <a:rPr lang="en-GB" smtClean="0"/>
-              <a:t>01/03/2021</a:t>
+              <a:t>03/03/2021</a:t>
             </a:fld>
             <a:endParaRPr lang="en-GB"/>
           </a:p>
@@ -2963,7 +2963,7 @@
           <a:p>
             <a:fld id="{043F4643-250D-4872-831F-E20C155C92C6}" type="datetimeFigureOut">
               <a:rPr lang="en-GB" smtClean="0"/>
-              <a:t>01/03/2021</a:t>
+              <a:t>03/03/2021</a:t>
             </a:fld>
             <a:endParaRPr lang="en-GB"/>
           </a:p>
@@ -3781,7 +3781,7 @@
           <a:p>
             <a:r>
               <a:rPr lang="en-GB" dirty="0"/>
-              <a:t>Download the Template Client solution from:</a:t>
+              <a:t>Download the ‘Template’ Client solution from:</a:t>
             </a:r>
             <a:br>
               <a:rPr lang="en-GB" dirty="0"/>
@@ -3822,7 +3822,7 @@
             <a:pPr lvl="1"/>
             <a:r>
               <a:rPr lang="en-GB" dirty="0"/>
-              <a:t> we recommend using Chrome</a:t>
+              <a:t> We recommend using Chrome</a:t>
             </a:r>
           </a:p>
           <a:p>
@@ -4021,7 +4021,7 @@
             </a:br>
             <a:r>
               <a:rPr lang="en-GB" dirty="0"/>
-              <a:t>to read or even see the JSON directly.</a:t>
+              <a:t>to read or even view the JSON directly.</a:t>
             </a:r>
           </a:p>
           <a:p>
@@ -4116,7 +4116,7 @@
           <a:p>
             <a:r>
               <a:rPr lang="en-GB" dirty="0"/>
-              <a:t>With the serve running, click Home (     ) on the Client</a:t>
+              <a:t>With the Server running, click Home (     ) on the Client</a:t>
             </a:r>
           </a:p>
         </p:txBody>
@@ -4144,14 +4144,26 @@
           <a:p>
             <a:r>
               <a:rPr lang="en-GB" dirty="0"/>
-              <a:t>Then open the Students</a:t>
+              <a:t>Then open the </a:t>
+            </a:r>
+            <a:r>
+              <a:rPr lang="en-GB" b="1" dirty="0"/>
+              <a:t>Students</a:t>
             </a:r>
             <a:br>
               <a:rPr lang="en-GB" dirty="0"/>
             </a:br>
             <a:r>
               <a:rPr lang="en-GB" dirty="0"/>
-              <a:t>menu, click on All Students,</a:t>
+              <a:t>menu, click on </a:t>
+            </a:r>
+            <a:r>
+              <a:rPr lang="en-GB" b="1" dirty="0"/>
+              <a:t>All Students</a:t>
+            </a:r>
+            <a:r>
+              <a:rPr lang="en-GB" dirty="0"/>
+              <a:t>,</a:t>
             </a:r>
             <a:br>
               <a:rPr lang="en-GB" dirty="0"/>
@@ -4192,7 +4204,7 @@
         </p:blipFill>
         <p:spPr>
           <a:xfrm>
-            <a:off x="9132186" y="465931"/>
+            <a:off x="9379074" y="465931"/>
             <a:ext cx="581025" cy="561975"/>
           </a:xfrm>
           <a:prstGeom prst="rect">
@@ -4385,7 +4397,23 @@
                     <a:srgbClr val="FF0000"/>
                   </a:solidFill>
                 </a:rPr>
-                <a:t>1. Static class defining standalone functions that make up the Students menu</a:t>
+                <a:t>1. Static class defining standalone functions that make up the </a:t>
+              </a:r>
+              <a:r>
+                <a:rPr lang="en-GB" sz="1200" b="1" dirty="0">
+                  <a:solidFill>
+                    <a:srgbClr val="FF0000"/>
+                  </a:solidFill>
+                </a:rPr>
+                <a:t>Students</a:t>
+              </a:r>
+              <a:r>
+                <a:rPr lang="en-GB" sz="1200" dirty="0">
+                  <a:solidFill>
+                    <a:srgbClr val="FF0000"/>
+                  </a:solidFill>
+                </a:rPr>
+                <a:t> menu</a:t>
               </a:r>
             </a:p>
           </p:txBody>
@@ -4494,7 +4522,21 @@
                     <a:srgbClr val="FF0000"/>
                   </a:solidFill>
                 </a:rPr>
-                <a:t>2. Record defining the Student type</a:t>
+                <a:t>2. Record defining the </a:t>
+              </a:r>
+              <a:r>
+                <a:rPr lang="en-GB" sz="1100" dirty="0">
+                  <a:latin typeface="Consolas" panose="020B0609020204030204" pitchFamily="49" charset="0"/>
+                </a:rPr>
+                <a:t>Student</a:t>
+              </a:r>
+              <a:r>
+                <a:rPr lang="en-GB" sz="1200" dirty="0">
+                  <a:solidFill>
+                    <a:srgbClr val="FF0000"/>
+                  </a:solidFill>
+                </a:rPr>
+                <a:t> type</a:t>
               </a:r>
             </a:p>
           </p:txBody>
@@ -4757,10 +4799,8 @@
                 <a:t>4. </a:t>
               </a:r>
               <a:r>
-                <a:rPr lang="en-GB" sz="1200" dirty="0" err="1">
-                  <a:solidFill>
-                    <a:srgbClr val="FF0000"/>
-                  </a:solidFill>
+                <a:rPr lang="en-GB" sz="1100" dirty="0" err="1">
+                  <a:latin typeface="Consolas" panose="020B0609020204030204" pitchFamily="49" charset="0"/>
                 </a:rPr>
                 <a:t>ModelConfig</a:t>
               </a:r>
@@ -5342,10 +5382,8 @@
                 <a:t>8. Returns a function that, when invoked, will install the </a:t>
               </a:r>
               <a:r>
-                <a:rPr lang="en-GB" sz="1200" dirty="0" err="1">
-                  <a:solidFill>
-                    <a:srgbClr val="FF0000"/>
-                  </a:solidFill>
+                <a:rPr lang="en-GB" sz="1100" dirty="0" err="1">
+                  <a:latin typeface="Consolas" panose="020B0609020204030204" pitchFamily="49" charset="0"/>
                 </a:rPr>
                 <a:t>DbContext</a:t>
               </a:r>
@@ -5501,6 +5539,12 @@
         <p:txBody>
           <a:bodyPr/>
           <a:lstStyle/>
+          <a:p>
+            <a:r>
+              <a:rPr lang="en-GB" dirty="0"/>
+              <a:t>(Read The Naked Functions programming model presentation first)</a:t>
+            </a:r>
+          </a:p>
           <a:p>
             <a:r>
               <a:rPr lang="en-GB" dirty="0"/>

--- a/Documentation/Getting started with Naked Functions.pptx
+++ b/Documentation/Getting started with Naked Functions.pptx
@@ -5542,7 +5542,27 @@
           <a:p>
             <a:r>
               <a:rPr lang="en-GB" dirty="0"/>
-              <a:t>(Read The Naked Functions programming model presentation first)</a:t>
+              <a:t>(Read </a:t>
+            </a:r>
+            <a:r>
+              <a:rPr lang="en-GB" dirty="0">
+                <a:hlinkClick r:id="rId2"/>
+              </a:rPr>
+              <a:t>The Naked Functions programming </a:t>
+            </a:r>
+            <a:r>
+              <a:rPr lang="en-GB">
+                <a:hlinkClick r:id="rId2"/>
+              </a:rPr>
+              <a:t>model </a:t>
+            </a:r>
+            <a:r>
+              <a:rPr lang="en-GB"/>
+              <a:t> presentation </a:t>
+            </a:r>
+            <a:r>
+              <a:rPr lang="en-GB" dirty="0"/>
+              <a:t>first)</a:t>
             </a:r>
           </a:p>
           <a:p>

--- a/Documentation/Getting started with Naked Functions.pptx
+++ b/Documentation/Getting started with Naked Functions.pptx
@@ -11,8 +11,10 @@
     <p:sldId id="260" r:id="rId5"/>
     <p:sldId id="261" r:id="rId6"/>
     <p:sldId id="262" r:id="rId7"/>
-    <p:sldId id="263" r:id="rId8"/>
-    <p:sldId id="264" r:id="rId9"/>
+    <p:sldId id="266" r:id="rId8"/>
+    <p:sldId id="265" r:id="rId9"/>
+    <p:sldId id="263" r:id="rId10"/>
+    <p:sldId id="264" r:id="rId11"/>
   </p:sldIdLst>
   <p:sldSz cx="12192000" cy="6858000"/>
   <p:notesSz cx="6858000" cy="9144000"/>
@@ -131,20 +133,6 @@
 </p:cmAuthorLst>
 </file>
 
-<file path=ppt/comments/comment1.xml><?xml version="1.0" encoding="utf-8"?>
-<p:cmLst xmlns:a="http://schemas.openxmlformats.org/drawingml/2006/main" xmlns:r="http://schemas.openxmlformats.org/officeDocument/2006/relationships" xmlns:p="http://schemas.openxmlformats.org/presentationml/2006/main">
-  <p:cm authorId="1" dt="2021-03-01T13:00:13.159" idx="1">
-    <p:pos x="1843" y="3093"/>
-    <p:text/>
-    <p:extLst>
-      <p:ext uri="{C676402C-5697-4E1C-873F-D02D1690AC5C}">
-        <p15:threadingInfo xmlns:p15="http://schemas.microsoft.com/office/powerpoint/2012/main" timeZoneBias="0"/>
-      </p:ext>
-    </p:extLst>
-  </p:cm>
-</p:cmLst>
-</file>
-
 <file path=ppt/slideLayouts/slideLayout1.xml><?xml version="1.0" encoding="utf-8"?>
 <p:sldLayout xmlns:a="http://schemas.openxmlformats.org/drawingml/2006/main" xmlns:r="http://schemas.openxmlformats.org/officeDocument/2006/relationships" xmlns:p="http://schemas.openxmlformats.org/presentationml/2006/main" type="title" preserve="1">
   <p:cSld name="Title Slide">
@@ -294,7 +282,7 @@
           <a:p>
             <a:fld id="{043F4643-250D-4872-831F-E20C155C92C6}" type="datetimeFigureOut">
               <a:rPr lang="en-GB" smtClean="0"/>
-              <a:t>03/03/2021</a:t>
+              <a:t>04/03/2021</a:t>
             </a:fld>
             <a:endParaRPr lang="en-GB"/>
           </a:p>
@@ -494,7 +482,7 @@
           <a:p>
             <a:fld id="{043F4643-250D-4872-831F-E20C155C92C6}" type="datetimeFigureOut">
               <a:rPr lang="en-GB" smtClean="0"/>
-              <a:t>03/03/2021</a:t>
+              <a:t>04/03/2021</a:t>
             </a:fld>
             <a:endParaRPr lang="en-GB"/>
           </a:p>
@@ -704,7 +692,7 @@
           <a:p>
             <a:fld id="{043F4643-250D-4872-831F-E20C155C92C6}" type="datetimeFigureOut">
               <a:rPr lang="en-GB" smtClean="0"/>
-              <a:t>03/03/2021</a:t>
+              <a:t>04/03/2021</a:t>
             </a:fld>
             <a:endParaRPr lang="en-GB"/>
           </a:p>
@@ -904,7 +892,7 @@
           <a:p>
             <a:fld id="{043F4643-250D-4872-831F-E20C155C92C6}" type="datetimeFigureOut">
               <a:rPr lang="en-GB" smtClean="0"/>
-              <a:t>03/03/2021</a:t>
+              <a:t>04/03/2021</a:t>
             </a:fld>
             <a:endParaRPr lang="en-GB"/>
           </a:p>
@@ -1180,7 +1168,7 @@
           <a:p>
             <a:fld id="{043F4643-250D-4872-831F-E20C155C92C6}" type="datetimeFigureOut">
               <a:rPr lang="en-GB" smtClean="0"/>
-              <a:t>03/03/2021</a:t>
+              <a:t>04/03/2021</a:t>
             </a:fld>
             <a:endParaRPr lang="en-GB"/>
           </a:p>
@@ -1448,7 +1436,7 @@
           <a:p>
             <a:fld id="{043F4643-250D-4872-831F-E20C155C92C6}" type="datetimeFigureOut">
               <a:rPr lang="en-GB" smtClean="0"/>
-              <a:t>03/03/2021</a:t>
+              <a:t>04/03/2021</a:t>
             </a:fld>
             <a:endParaRPr lang="en-GB"/>
           </a:p>
@@ -1863,7 +1851,7 @@
           <a:p>
             <a:fld id="{043F4643-250D-4872-831F-E20C155C92C6}" type="datetimeFigureOut">
               <a:rPr lang="en-GB" smtClean="0"/>
-              <a:t>03/03/2021</a:t>
+              <a:t>04/03/2021</a:t>
             </a:fld>
             <a:endParaRPr lang="en-GB"/>
           </a:p>
@@ -2005,7 +1993,7 @@
           <a:p>
             <a:fld id="{043F4643-250D-4872-831F-E20C155C92C6}" type="datetimeFigureOut">
               <a:rPr lang="en-GB" smtClean="0"/>
-              <a:t>03/03/2021</a:t>
+              <a:t>04/03/2021</a:t>
             </a:fld>
             <a:endParaRPr lang="en-GB"/>
           </a:p>
@@ -2118,7 +2106,7 @@
           <a:p>
             <a:fld id="{043F4643-250D-4872-831F-E20C155C92C6}" type="datetimeFigureOut">
               <a:rPr lang="en-GB" smtClean="0"/>
-              <a:t>03/03/2021</a:t>
+              <a:t>04/03/2021</a:t>
             </a:fld>
             <a:endParaRPr lang="en-GB"/>
           </a:p>
@@ -2431,7 +2419,7 @@
           <a:p>
             <a:fld id="{043F4643-250D-4872-831F-E20C155C92C6}" type="datetimeFigureOut">
               <a:rPr lang="en-GB" smtClean="0"/>
-              <a:t>03/03/2021</a:t>
+              <a:t>04/03/2021</a:t>
             </a:fld>
             <a:endParaRPr lang="en-GB"/>
           </a:p>
@@ -2720,7 +2708,7 @@
           <a:p>
             <a:fld id="{043F4643-250D-4872-831F-E20C155C92C6}" type="datetimeFigureOut">
               <a:rPr lang="en-GB" smtClean="0"/>
-              <a:t>03/03/2021</a:t>
+              <a:t>04/03/2021</a:t>
             </a:fld>
             <a:endParaRPr lang="en-GB"/>
           </a:p>
@@ -2963,7 +2951,7 @@
           <a:p>
             <a:fld id="{043F4643-250D-4872-831F-E20C155C92C6}" type="datetimeFigureOut">
               <a:rPr lang="en-GB" smtClean="0"/>
-              <a:t>03/03/2021</a:t>
+              <a:t>04/03/2021</a:t>
             </a:fld>
             <a:endParaRPr lang="en-GB"/>
           </a:p>
@@ -3433,7 +3421,7 @@
         </p:nvSpPr>
         <p:spPr>
           <a:xfrm>
-            <a:off x="1524000" y="3602038"/>
+            <a:off x="1450848" y="4040950"/>
             <a:ext cx="9144000" cy="1058194"/>
           </a:xfrm>
         </p:spPr>
@@ -3442,23 +3430,18 @@
           <a:lstStyle/>
           <a:p>
             <a:r>
-              <a:rPr lang="en-GB"/>
-              <a:t>Richard Pawson</a:t>
-            </a:r>
-          </a:p>
-          <a:p>
-            <a:r>
-              <a:rPr lang="en-GB"/>
-              <a:t>28</a:t>
-            </a:r>
-            <a:r>
-              <a:rPr lang="en-GB" baseline="30000"/>
-              <a:t>th</a:t>
-            </a:r>
-            <a:r>
-              <a:rPr lang="en-GB"/>
-              <a:t> February 2020</a:t>
-            </a:r>
+              <a:rPr lang="en-GB" dirty="0"/>
+              <a:t>See also:</a:t>
+            </a:r>
+          </a:p>
+          <a:p>
+            <a:r>
+              <a:rPr lang="en-GB" dirty="0">
+                <a:hlinkClick r:id="rId2"/>
+              </a:rPr>
+              <a:t>The Naked Functions programming model</a:t>
+            </a:r>
+            <a:endParaRPr lang="en-GB" dirty="0"/>
           </a:p>
         </p:txBody>
       </p:sp>
@@ -3466,6 +3449,509 @@
     <p:extLst>
       <p:ext uri="{BB962C8B-B14F-4D97-AF65-F5344CB8AC3E}">
         <p14:creationId xmlns:p14="http://schemas.microsoft.com/office/powerpoint/2010/main" val="2680136974"/>
+      </p:ext>
+    </p:extLst>
+  </p:cSld>
+  <p:clrMapOvr>
+    <a:masterClrMapping/>
+  </p:clrMapOvr>
+</p:sld>
+</file>
+
+<file path=ppt/slides/slide10.xml><?xml version="1.0" encoding="utf-8"?>
+<p:sld xmlns:a="http://schemas.openxmlformats.org/drawingml/2006/main" xmlns:r="http://schemas.openxmlformats.org/officeDocument/2006/relationships" xmlns:p="http://schemas.openxmlformats.org/presentationml/2006/main">
+  <p:cSld>
+    <p:spTree>
+      <p:nvGrpSpPr>
+        <p:cNvPr id="1" name=""/>
+        <p:cNvGrpSpPr/>
+        <p:nvPr/>
+      </p:nvGrpSpPr>
+      <p:grpSpPr>
+        <a:xfrm>
+          <a:off x="0" y="0"/>
+          <a:ext cx="0" cy="0"/>
+          <a:chOff x="0" y="0"/>
+          <a:chExt cx="0" cy="0"/>
+        </a:xfrm>
+      </p:grpSpPr>
+      <p:sp>
+        <p:nvSpPr>
+          <p:cNvPr id="2" name="Title 1">
+            <a:extLst>
+              <a:ext uri="{FF2B5EF4-FFF2-40B4-BE49-F238E27FC236}">
+                <a16:creationId xmlns:a16="http://schemas.microsoft.com/office/drawing/2014/main" id="{A00CDC9E-6B01-41C9-8F86-6EDBEC3C5CF9}"/>
+              </a:ext>
+            </a:extLst>
+          </p:cNvPr>
+          <p:cNvSpPr>
+            <a:spLocks noGrp="1"/>
+          </p:cNvSpPr>
+          <p:nvPr>
+            <p:ph type="title"/>
+          </p:nvPr>
+        </p:nvSpPr>
+        <p:spPr>
+          <a:xfrm>
+            <a:off x="838200" y="365125"/>
+            <a:ext cx="10515600" cy="823595"/>
+          </a:xfrm>
+        </p:spPr>
+        <p:txBody>
+          <a:bodyPr>
+            <a:normAutofit fontScale="90000"/>
+          </a:bodyPr>
+          <a:lstStyle/>
+          <a:p>
+            <a:r>
+              <a:rPr lang="en-GB" dirty="0"/>
+              <a:t>Create a new type e.g. </a:t>
+            </a:r>
+            <a:r>
+              <a:rPr lang="en-GB" sz="3600" dirty="0">
+                <a:latin typeface="Consolas" panose="020B0609020204030204" pitchFamily="49" charset="0"/>
+              </a:rPr>
+              <a:t>Subject</a:t>
+            </a:r>
+            <a:r>
+              <a:rPr lang="en-GB" dirty="0"/>
+              <a:t>, remembering:</a:t>
+            </a:r>
+          </a:p>
+        </p:txBody>
+      </p:sp>
+      <p:sp>
+        <p:nvSpPr>
+          <p:cNvPr id="3" name="Content Placeholder 2">
+            <a:extLst>
+              <a:ext uri="{FF2B5EF4-FFF2-40B4-BE49-F238E27FC236}">
+                <a16:creationId xmlns:a16="http://schemas.microsoft.com/office/drawing/2014/main" id="{DCE4B2EB-62D8-454F-8D29-00B9793552A1}"/>
+              </a:ext>
+            </a:extLst>
+          </p:cNvPr>
+          <p:cNvSpPr>
+            <a:spLocks noGrp="1"/>
+          </p:cNvSpPr>
+          <p:nvPr>
+            <p:ph idx="1"/>
+          </p:nvPr>
+        </p:nvSpPr>
+        <p:spPr>
+          <a:xfrm>
+            <a:off x="838200" y="1825625"/>
+            <a:ext cx="11039856" cy="4351338"/>
+          </a:xfrm>
+        </p:spPr>
+        <p:txBody>
+          <a:bodyPr>
+            <a:normAutofit fontScale="92500" lnSpcReduction="10000"/>
+          </a:bodyPr>
+          <a:lstStyle/>
+          <a:p>
+            <a:r>
+              <a:rPr lang="en-GB" dirty="0"/>
+              <a:t>To work with Entity framework, all records need an </a:t>
+            </a:r>
+            <a:r>
+              <a:rPr lang="en-GB" sz="1900" dirty="0">
+                <a:solidFill>
+                  <a:srgbClr val="000000"/>
+                </a:solidFill>
+                <a:latin typeface="Consolas" panose="020B0609020204030204" pitchFamily="49" charset="0"/>
+              </a:rPr>
+              <a:t>Id</a:t>
+            </a:r>
+            <a:r>
+              <a:rPr lang="en-GB" dirty="0"/>
+              <a:t> property</a:t>
+            </a:r>
+          </a:p>
+          <a:p>
+            <a:r>
+              <a:rPr lang="en-GB" dirty="0"/>
+              <a:t>All properties must be marked </a:t>
+            </a:r>
+            <a:r>
+              <a:rPr lang="en-GB" sz="1900" dirty="0">
+                <a:solidFill>
+                  <a:srgbClr val="000000"/>
+                </a:solidFill>
+                <a:latin typeface="Consolas" panose="020B0609020204030204" pitchFamily="49" charset="0"/>
+              </a:rPr>
+              <a:t>virtual</a:t>
+            </a:r>
+          </a:p>
+          <a:p>
+            <a:pPr lvl="1"/>
+            <a:r>
+              <a:rPr lang="en-GB" dirty="0"/>
+              <a:t>Needed by Entity Framework to permit ‘lazy loading’ of references	</a:t>
+            </a:r>
+          </a:p>
+          <a:p>
+            <a:r>
+              <a:rPr lang="en-GB" dirty="0"/>
+              <a:t>Record properties should have </a:t>
+            </a:r>
+            <a:r>
+              <a:rPr lang="en-GB" sz="1900" dirty="0">
+                <a:solidFill>
+                  <a:srgbClr val="000000"/>
+                </a:solidFill>
+                <a:latin typeface="Consolas" panose="020B0609020204030204" pitchFamily="49" charset="0"/>
+              </a:rPr>
+              <a:t>{get; </a:t>
+            </a:r>
+            <a:r>
+              <a:rPr lang="en-GB" sz="1900" dirty="0" err="1">
+                <a:solidFill>
+                  <a:srgbClr val="000000"/>
+                </a:solidFill>
+                <a:latin typeface="Consolas" panose="020B0609020204030204" pitchFamily="49" charset="0"/>
+              </a:rPr>
+              <a:t>init</a:t>
+            </a:r>
+            <a:r>
+              <a:rPr lang="en-GB" sz="1900" dirty="0">
+                <a:solidFill>
+                  <a:srgbClr val="000000"/>
+                </a:solidFill>
+                <a:latin typeface="Consolas" panose="020B0609020204030204" pitchFamily="49" charset="0"/>
+              </a:rPr>
+              <a:t>;} </a:t>
+            </a:r>
+            <a:r>
+              <a:rPr lang="en-GB" dirty="0"/>
+              <a:t>accessors</a:t>
+            </a:r>
+          </a:p>
+          <a:p>
+            <a:r>
+              <a:rPr lang="en-GB" dirty="0"/>
+              <a:t>Collections must return </a:t>
+            </a:r>
+            <a:r>
+              <a:rPr lang="en-GB" sz="1900" dirty="0" err="1">
+                <a:solidFill>
+                  <a:srgbClr val="000000"/>
+                </a:solidFill>
+                <a:latin typeface="Consolas" panose="020B0609020204030204" pitchFamily="49" charset="0"/>
+              </a:rPr>
+              <a:t>ICollection</a:t>
+            </a:r>
+            <a:r>
+              <a:rPr lang="en-GB" sz="1900" dirty="0">
+                <a:solidFill>
+                  <a:srgbClr val="000000"/>
+                </a:solidFill>
+                <a:latin typeface="Consolas" panose="020B0609020204030204" pitchFamily="49" charset="0"/>
+              </a:rPr>
+              <a:t>&lt;T&gt;</a:t>
+            </a:r>
+            <a:r>
+              <a:rPr lang="en-GB" dirty="0"/>
+              <a:t> , and should be initialized</a:t>
+            </a:r>
+          </a:p>
+          <a:p>
+            <a:r>
+              <a:rPr lang="en-GB" dirty="0"/>
+              <a:t>Override the </a:t>
+            </a:r>
+            <a:r>
+              <a:rPr lang="en-GB" sz="1900" dirty="0" err="1">
+                <a:solidFill>
+                  <a:srgbClr val="000000"/>
+                </a:solidFill>
+                <a:latin typeface="Consolas" panose="020B0609020204030204" pitchFamily="49" charset="0"/>
+              </a:rPr>
+              <a:t>ToString</a:t>
+            </a:r>
+            <a:r>
+              <a:rPr lang="en-GB" dirty="0"/>
+              <a:t> method to define a display title</a:t>
+            </a:r>
+          </a:p>
+          <a:p>
+            <a:r>
+              <a:rPr lang="en-GB" dirty="0"/>
+              <a:t>Add these two lines of boilerplate code:</a:t>
+            </a:r>
+            <a:br>
+              <a:rPr lang="en-GB" dirty="0"/>
+            </a:br>
+            <a:endParaRPr lang="en-GB" dirty="0"/>
+          </a:p>
+          <a:p>
+            <a:pPr marL="457200" lvl="1" indent="0">
+              <a:buNone/>
+            </a:pPr>
+            <a:r>
+              <a:rPr lang="en-US" sz="1500" dirty="0">
+                <a:solidFill>
+                  <a:srgbClr val="0000FF"/>
+                </a:solidFill>
+                <a:latin typeface="Consolas" panose="020B0609020204030204" pitchFamily="49" charset="0"/>
+              </a:rPr>
+              <a:t>public</a:t>
+            </a:r>
+            <a:r>
+              <a:rPr lang="en-US" sz="1500" dirty="0">
+                <a:solidFill>
+                  <a:srgbClr val="000000"/>
+                </a:solidFill>
+                <a:latin typeface="Consolas" panose="020B0609020204030204" pitchFamily="49" charset="0"/>
+              </a:rPr>
+              <a:t> </a:t>
+            </a:r>
+            <a:r>
+              <a:rPr lang="en-US" sz="1500" dirty="0">
+                <a:solidFill>
+                  <a:srgbClr val="0000FF"/>
+                </a:solidFill>
+                <a:latin typeface="Consolas" panose="020B0609020204030204" pitchFamily="49" charset="0"/>
+              </a:rPr>
+              <a:t>override</a:t>
+            </a:r>
+            <a:r>
+              <a:rPr lang="en-US" sz="1500" dirty="0">
+                <a:solidFill>
+                  <a:srgbClr val="000000"/>
+                </a:solidFill>
+                <a:latin typeface="Consolas" panose="020B0609020204030204" pitchFamily="49" charset="0"/>
+              </a:rPr>
+              <a:t> </a:t>
+            </a:r>
+            <a:r>
+              <a:rPr lang="en-US" sz="1500" dirty="0">
+                <a:solidFill>
+                  <a:srgbClr val="0000FF"/>
+                </a:solidFill>
+                <a:latin typeface="Consolas" panose="020B0609020204030204" pitchFamily="49" charset="0"/>
+              </a:rPr>
+              <a:t>int</a:t>
+            </a:r>
+            <a:r>
+              <a:rPr lang="en-US" sz="1500" dirty="0">
+                <a:solidFill>
+                  <a:srgbClr val="000000"/>
+                </a:solidFill>
+                <a:latin typeface="Consolas" panose="020B0609020204030204" pitchFamily="49" charset="0"/>
+              </a:rPr>
+              <a:t> </a:t>
+            </a:r>
+            <a:r>
+              <a:rPr lang="en-US" sz="1500" dirty="0" err="1">
+                <a:solidFill>
+                  <a:srgbClr val="000000"/>
+                </a:solidFill>
+                <a:latin typeface="Consolas" panose="020B0609020204030204" pitchFamily="49" charset="0"/>
+              </a:rPr>
+              <a:t>GetHashCode</a:t>
+            </a:r>
+            <a:r>
+              <a:rPr lang="en-US" sz="1500" dirty="0">
+                <a:solidFill>
+                  <a:srgbClr val="000000"/>
+                </a:solidFill>
+                <a:latin typeface="Consolas" panose="020B0609020204030204" pitchFamily="49" charset="0"/>
+              </a:rPr>
+              <a:t>() =&gt; </a:t>
+            </a:r>
+            <a:r>
+              <a:rPr lang="en-US" sz="1500" dirty="0" err="1">
+                <a:solidFill>
+                  <a:srgbClr val="0000FF"/>
+                </a:solidFill>
+                <a:latin typeface="Consolas" panose="020B0609020204030204" pitchFamily="49" charset="0"/>
+              </a:rPr>
+              <a:t>base</a:t>
+            </a:r>
+            <a:r>
+              <a:rPr lang="en-US" sz="1500" dirty="0" err="1">
+                <a:solidFill>
+                  <a:srgbClr val="000000"/>
+                </a:solidFill>
+                <a:latin typeface="Consolas" panose="020B0609020204030204" pitchFamily="49" charset="0"/>
+              </a:rPr>
+              <a:t>.GetHashCode</a:t>
+            </a:r>
+            <a:r>
+              <a:rPr lang="en-US" sz="1500" dirty="0">
+                <a:solidFill>
+                  <a:srgbClr val="000000"/>
+                </a:solidFill>
+                <a:latin typeface="Consolas" panose="020B0609020204030204" pitchFamily="49" charset="0"/>
+              </a:rPr>
+              <a:t>();</a:t>
+            </a:r>
+            <a:endParaRPr lang="en-GB" sz="1500" dirty="0">
+              <a:solidFill>
+                <a:srgbClr val="000000"/>
+              </a:solidFill>
+              <a:latin typeface="Consolas" panose="020B0609020204030204" pitchFamily="49" charset="0"/>
+            </a:endParaRPr>
+          </a:p>
+          <a:p>
+            <a:pPr marL="457200" lvl="1" indent="0">
+              <a:buNone/>
+            </a:pPr>
+            <a:r>
+              <a:rPr lang="en-US" sz="1500" dirty="0">
+                <a:solidFill>
+                  <a:srgbClr val="0000FF"/>
+                </a:solidFill>
+                <a:latin typeface="Consolas" panose="020B0609020204030204" pitchFamily="49" charset="0"/>
+              </a:rPr>
+              <a:t>public</a:t>
+            </a:r>
+            <a:r>
+              <a:rPr lang="en-US" sz="1500" dirty="0">
+                <a:solidFill>
+                  <a:srgbClr val="000000"/>
+                </a:solidFill>
+                <a:latin typeface="Consolas" panose="020B0609020204030204" pitchFamily="49" charset="0"/>
+              </a:rPr>
+              <a:t> </a:t>
+            </a:r>
+            <a:r>
+              <a:rPr lang="en-US" sz="1500" dirty="0">
+                <a:solidFill>
+                  <a:srgbClr val="0000FF"/>
+                </a:solidFill>
+                <a:latin typeface="Consolas" panose="020B0609020204030204" pitchFamily="49" charset="0"/>
+              </a:rPr>
+              <a:t>virtual</a:t>
+            </a:r>
+            <a:r>
+              <a:rPr lang="en-US" sz="1500" dirty="0">
+                <a:solidFill>
+                  <a:srgbClr val="000000"/>
+                </a:solidFill>
+                <a:latin typeface="Consolas" panose="020B0609020204030204" pitchFamily="49" charset="0"/>
+              </a:rPr>
+              <a:t> </a:t>
+            </a:r>
+            <a:r>
+              <a:rPr lang="en-US" sz="1500" dirty="0">
+                <a:solidFill>
+                  <a:srgbClr val="0000FF"/>
+                </a:solidFill>
+                <a:latin typeface="Consolas" panose="020B0609020204030204" pitchFamily="49" charset="0"/>
+              </a:rPr>
+              <a:t>bool</a:t>
+            </a:r>
+            <a:r>
+              <a:rPr lang="en-US" sz="1500" dirty="0">
+                <a:solidFill>
+                  <a:srgbClr val="000000"/>
+                </a:solidFill>
+                <a:latin typeface="Consolas" panose="020B0609020204030204" pitchFamily="49" charset="0"/>
+              </a:rPr>
+              <a:t> Equals(</a:t>
+            </a:r>
+            <a:r>
+              <a:rPr lang="en-US" sz="1500" dirty="0">
+                <a:solidFill>
+                  <a:srgbClr val="FF0000"/>
+                </a:solidFill>
+                <a:latin typeface="Consolas" panose="020B0609020204030204" pitchFamily="49" charset="0"/>
+              </a:rPr>
+              <a:t>[</a:t>
+            </a:r>
+            <a:r>
+              <a:rPr lang="en-US" sz="1500" dirty="0" err="1">
+                <a:solidFill>
+                  <a:srgbClr val="FF0000"/>
+                </a:solidFill>
+                <a:latin typeface="Consolas" panose="020B0609020204030204" pitchFamily="49" charset="0"/>
+              </a:rPr>
+              <a:t>NewTypeName</a:t>
+            </a:r>
+            <a:r>
+              <a:rPr lang="en-US" sz="1500" dirty="0">
+                <a:solidFill>
+                  <a:srgbClr val="FF0000"/>
+                </a:solidFill>
+                <a:latin typeface="Consolas" panose="020B0609020204030204" pitchFamily="49" charset="0"/>
+              </a:rPr>
+              <a:t>]</a:t>
+            </a:r>
+            <a:r>
+              <a:rPr lang="en-US" sz="1500" dirty="0">
+                <a:solidFill>
+                  <a:srgbClr val="000000"/>
+                </a:solidFill>
+                <a:latin typeface="Consolas" panose="020B0609020204030204" pitchFamily="49" charset="0"/>
+              </a:rPr>
+              <a:t> other) =&gt; </a:t>
+            </a:r>
+            <a:r>
+              <a:rPr lang="en-US" sz="1500" dirty="0" err="1">
+                <a:solidFill>
+                  <a:srgbClr val="000000"/>
+                </a:solidFill>
+                <a:latin typeface="Consolas" panose="020B0609020204030204" pitchFamily="49" charset="0"/>
+              </a:rPr>
+              <a:t>ReferenceEquals</a:t>
+            </a:r>
+            <a:r>
+              <a:rPr lang="en-US" sz="1500" dirty="0">
+                <a:solidFill>
+                  <a:srgbClr val="000000"/>
+                </a:solidFill>
+                <a:latin typeface="Consolas" panose="020B0609020204030204" pitchFamily="49" charset="0"/>
+              </a:rPr>
+              <a:t>(</a:t>
+            </a:r>
+            <a:r>
+              <a:rPr lang="en-US" sz="1500" dirty="0">
+                <a:solidFill>
+                  <a:srgbClr val="0000FF"/>
+                </a:solidFill>
+                <a:latin typeface="Consolas" panose="020B0609020204030204" pitchFamily="49" charset="0"/>
+              </a:rPr>
+              <a:t>this</a:t>
+            </a:r>
+            <a:r>
+              <a:rPr lang="en-US" sz="1500" dirty="0">
+                <a:solidFill>
+                  <a:srgbClr val="000000"/>
+                </a:solidFill>
+                <a:latin typeface="Consolas" panose="020B0609020204030204" pitchFamily="49" charset="0"/>
+              </a:rPr>
+              <a:t>, other);</a:t>
+            </a:r>
+            <a:endParaRPr lang="en-GB" sz="1500" dirty="0"/>
+          </a:p>
+          <a:p>
+            <a:pPr marL="457200" lvl="1" indent="0">
+              <a:buNone/>
+            </a:pPr>
+            <a:br>
+              <a:rPr lang="en-GB" dirty="0"/>
+            </a:br>
+            <a:r>
+              <a:rPr lang="en-GB" dirty="0"/>
+              <a:t>(Entity Framework currently needs these - to handle records correctly).</a:t>
+            </a:r>
+          </a:p>
+          <a:p>
+            <a:pPr marL="457200" lvl="1" indent="0">
+              <a:buNone/>
+            </a:pPr>
+            <a:endParaRPr lang="en-GB" dirty="0"/>
+          </a:p>
+          <a:p>
+            <a:pPr lvl="1"/>
+            <a:endParaRPr lang="en-GB" dirty="0"/>
+          </a:p>
+        </p:txBody>
+      </p:sp>
+    </p:spTree>
+    <p:extLst>
+      <p:ext uri="{BB962C8B-B14F-4D97-AF65-F5344CB8AC3E}">
+        <p14:creationId xmlns:p14="http://schemas.microsoft.com/office/powerpoint/2010/main" val="2156418802"/>
       </p:ext>
     </p:extLst>
   </p:cSld>
@@ -3990,6 +4476,10 @@
               <a:rPr lang="en-GB" dirty="0"/>
               <a:t>Running the server will launch its own browser showing the JSON Home representation of the RESTful API:</a:t>
             </a:r>
+            <a:br>
+              <a:rPr lang="en-GB" dirty="0"/>
+            </a:br>
+            <a:endParaRPr lang="en-GB" dirty="0"/>
           </a:p>
           <a:p>
             <a:pPr lvl="1"/>
@@ -4328,7 +4818,7 @@
         </p:blipFill>
         <p:spPr>
           <a:xfrm>
-            <a:off x="2258670" y="1221766"/>
+            <a:off x="3472137" y="2560228"/>
             <a:ext cx="3618450" cy="2413794"/>
           </a:xfrm>
           <a:prstGeom prst="rect">
@@ -4350,10 +4840,10 @@
         </p:nvGrpSpPr>
         <p:grpSpPr>
           <a:xfrm>
-            <a:off x="323913" y="1208941"/>
-            <a:ext cx="2419287" cy="954260"/>
-            <a:chOff x="560966" y="2501775"/>
-            <a:chExt cx="2419287" cy="954260"/>
+            <a:off x="237259" y="3159225"/>
+            <a:ext cx="3234878" cy="646331"/>
+            <a:chOff x="487642" y="4421495"/>
+            <a:chExt cx="3234878" cy="646331"/>
           </a:xfrm>
         </p:grpSpPr>
         <p:sp>
@@ -4370,8 +4860,8 @@
           </p:nvSpPr>
           <p:spPr>
             <a:xfrm>
-              <a:off x="560966" y="2501775"/>
-              <a:ext cx="1672752" cy="830997"/>
+              <a:off x="487642" y="4421495"/>
+              <a:ext cx="2241941" cy="646331"/>
             </a:xfrm>
             <a:prstGeom prst="rect">
               <a:avLst/>
@@ -4435,8 +4925,8 @@
           </p:nvCxnSpPr>
           <p:spPr>
             <a:xfrm>
-              <a:off x="2233718" y="2917274"/>
-              <a:ext cx="746535" cy="538761"/>
+              <a:off x="2729583" y="4744661"/>
+              <a:ext cx="992937" cy="0"/>
             </a:xfrm>
             <a:prstGeom prst="straightConnector1">
               <a:avLst/>
@@ -4475,10 +4965,10 @@
         </p:nvGrpSpPr>
         <p:grpSpPr>
           <a:xfrm>
-            <a:off x="323913" y="2197053"/>
-            <a:ext cx="2419287" cy="495517"/>
-            <a:chOff x="556986" y="2414048"/>
-            <a:chExt cx="2336991" cy="495517"/>
+            <a:off x="5669280" y="3901226"/>
+            <a:ext cx="4761799" cy="276999"/>
+            <a:chOff x="-1572752" y="2621733"/>
+            <a:chExt cx="4008445" cy="276999"/>
           </a:xfrm>
         </p:grpSpPr>
         <p:sp>
@@ -4495,8 +4985,8 @@
           </p:nvSpPr>
           <p:spPr>
             <a:xfrm>
-              <a:off x="556986" y="2414048"/>
-              <a:ext cx="1672752" cy="461665"/>
+              <a:off x="339587" y="2621733"/>
+              <a:ext cx="2096106" cy="276999"/>
             </a:xfrm>
             <a:prstGeom prst="rect">
               <a:avLst/>
@@ -4552,14 +5042,14 @@
             </p:cNvPr>
             <p:cNvCxnSpPr>
               <a:cxnSpLocks/>
-              <a:stCxn id="13" idx="3"/>
+              <a:stCxn id="13" idx="1"/>
             </p:cNvCxnSpPr>
             <p:nvPr/>
           </p:nvCxnSpPr>
           <p:spPr>
-            <a:xfrm>
-              <a:off x="2229738" y="2644881"/>
-              <a:ext cx="664239" cy="264684"/>
+            <a:xfrm flipH="1">
+              <a:off x="-1572752" y="2760233"/>
+              <a:ext cx="1912339" cy="17781"/>
             </a:xfrm>
             <a:prstGeom prst="straightConnector1">
               <a:avLst/>
@@ -4598,10 +5088,10 @@
         </p:nvGrpSpPr>
         <p:grpSpPr>
           <a:xfrm>
-            <a:off x="323913" y="2879968"/>
-            <a:ext cx="2538159" cy="646331"/>
-            <a:chOff x="556986" y="2414048"/>
-            <a:chExt cx="2538159" cy="646331"/>
+            <a:off x="237259" y="4178225"/>
+            <a:ext cx="3362409" cy="461665"/>
+            <a:chOff x="-43955" y="2430870"/>
+            <a:chExt cx="3362409" cy="461665"/>
           </a:xfrm>
         </p:grpSpPr>
         <p:sp>
@@ -4618,8 +5108,8 @@
           </p:nvSpPr>
           <p:spPr>
             <a:xfrm>
-              <a:off x="556986" y="2414048"/>
-              <a:ext cx="1672752" cy="646331"/>
+              <a:off x="-43955" y="2430870"/>
+              <a:ext cx="2241941" cy="461665"/>
             </a:xfrm>
             <a:prstGeom prst="rect">
               <a:avLst/>
@@ -4667,8 +5157,8 @@
           </p:nvCxnSpPr>
           <p:spPr>
             <a:xfrm flipV="1">
-              <a:off x="2229738" y="2522236"/>
-              <a:ext cx="761443" cy="214978"/>
+              <a:off x="2197986" y="2576293"/>
+              <a:ext cx="1120468" cy="85410"/>
             </a:xfrm>
             <a:prstGeom prst="straightConnector1">
               <a:avLst/>
@@ -4709,8 +5199,8 @@
           </p:nvCxnSpPr>
           <p:spPr>
             <a:xfrm>
-              <a:off x="2229738" y="2737214"/>
-              <a:ext cx="865407" cy="27579"/>
+              <a:off x="2197986" y="2661703"/>
+              <a:ext cx="1120468" cy="145423"/>
             </a:xfrm>
             <a:prstGeom prst="straightConnector1">
               <a:avLst/>
@@ -4749,10 +5239,10 @@
         </p:nvGrpSpPr>
         <p:grpSpPr>
           <a:xfrm>
-            <a:off x="4553713" y="2082290"/>
-            <a:ext cx="7270939" cy="1444009"/>
-            <a:chOff x="-851412" y="1631682"/>
-            <a:chExt cx="7270939" cy="1444009"/>
+            <a:off x="5870448" y="4502269"/>
+            <a:ext cx="4701091" cy="646331"/>
+            <a:chOff x="-1922615" y="2084212"/>
+            <a:chExt cx="6556262" cy="608903"/>
           </a:xfrm>
         </p:grpSpPr>
         <p:sp>
@@ -4769,8 +5259,8 @@
           </p:nvSpPr>
           <p:spPr>
             <a:xfrm>
-              <a:off x="2741416" y="1631682"/>
-              <a:ext cx="3678111" cy="1015663"/>
+              <a:off x="965065" y="2084212"/>
+              <a:ext cx="3668582" cy="608903"/>
             </a:xfrm>
             <a:prstGeom prst="rect">
               <a:avLst/>
@@ -4810,7 +5300,7 @@
                     <a:srgbClr val="FF0000"/>
                   </a:solidFill>
                 </a:rPr>
-                <a:t> is the mechanism by which the Server project finds out about the Types and Functions in the model it needs to work with. You don’t have to do it this way, but it is very convenient. See expanded version below:</a:t>
+                <a:t> is how the Server project reads the capabilities of the Model.  (Explained on next slide.)</a:t>
               </a:r>
             </a:p>
           </p:txBody>
@@ -4832,611 +5322,8 @@
           </p:nvCxnSpPr>
           <p:spPr>
             <a:xfrm flipH="1">
-              <a:off x="-851412" y="2139514"/>
-              <a:ext cx="3592828" cy="936177"/>
-            </a:xfrm>
-            <a:prstGeom prst="straightConnector1">
-              <a:avLst/>
-            </a:prstGeom>
-            <a:ln w="28575">
-              <a:tailEnd type="triangle"/>
-            </a:ln>
-          </p:spPr>
-          <p:style>
-            <a:lnRef idx="1">
-              <a:schemeClr val="accent1"/>
-            </a:lnRef>
-            <a:fillRef idx="0">
-              <a:schemeClr val="accent1"/>
-            </a:fillRef>
-            <a:effectRef idx="0">
-              <a:schemeClr val="accent1"/>
-            </a:effectRef>
-            <a:fontRef idx="minor">
-              <a:schemeClr val="tx1"/>
-            </a:fontRef>
-          </p:style>
-        </p:cxnSp>
-      </p:grpSp>
-      <p:pic>
-        <p:nvPicPr>
-          <p:cNvPr id="38" name="Picture 37">
-            <a:extLst>
-              <a:ext uri="{FF2B5EF4-FFF2-40B4-BE49-F238E27FC236}">
-                <a16:creationId xmlns:a16="http://schemas.microsoft.com/office/drawing/2014/main" id="{F45450FC-D061-4CBF-B996-F0E1E912D86C}"/>
-              </a:ext>
-            </a:extLst>
-          </p:cNvPr>
-          <p:cNvPicPr>
-            <a:picLocks noChangeAspect="1"/>
-          </p:cNvPicPr>
-          <p:nvPr/>
-        </p:nvPicPr>
-        <p:blipFill>
-          <a:blip r:embed="rId3"/>
-          <a:stretch>
-            <a:fillRect/>
-          </a:stretch>
-        </p:blipFill>
-        <p:spPr>
-          <a:xfrm>
-            <a:off x="717042" y="3972423"/>
-            <a:ext cx="7429500" cy="2476500"/>
-          </a:xfrm>
-          <a:prstGeom prst="rect">
-            <a:avLst/>
-          </a:prstGeom>
-        </p:spPr>
-      </p:pic>
-      <p:grpSp>
-        <p:nvGrpSpPr>
-          <p:cNvPr id="39" name="Group 38">
-            <a:extLst>
-              <a:ext uri="{FF2B5EF4-FFF2-40B4-BE49-F238E27FC236}">
-                <a16:creationId xmlns:a16="http://schemas.microsoft.com/office/drawing/2014/main" id="{8807BA71-DEE5-40A6-9508-2DD32615E352}"/>
-              </a:ext>
-            </a:extLst>
-          </p:cNvPr>
-          <p:cNvGrpSpPr/>
-          <p:nvPr/>
-        </p:nvGrpSpPr>
-        <p:grpSpPr>
-          <a:xfrm>
-            <a:off x="3054096" y="3461694"/>
-            <a:ext cx="8776340" cy="646331"/>
-            <a:chOff x="-3565884" y="899574"/>
-            <a:chExt cx="8776340" cy="646331"/>
-          </a:xfrm>
-        </p:grpSpPr>
-        <p:sp>
-          <p:nvSpPr>
-            <p:cNvPr id="40" name="TextBox 39">
-              <a:extLst>
-                <a:ext uri="{FF2B5EF4-FFF2-40B4-BE49-F238E27FC236}">
-                  <a16:creationId xmlns:a16="http://schemas.microsoft.com/office/drawing/2014/main" id="{21F3BA42-B5FE-4D49-8F5A-6518643E1124}"/>
-                </a:ext>
-              </a:extLst>
-            </p:cNvPr>
-            <p:cNvSpPr txBox="1"/>
-            <p:nvPr/>
-          </p:nvSpPr>
-          <p:spPr>
-            <a:xfrm>
-              <a:off x="1532345" y="899574"/>
-              <a:ext cx="3678111" cy="646331"/>
-            </a:xfrm>
-            <a:prstGeom prst="rect">
-              <a:avLst/>
-            </a:prstGeom>
-            <a:solidFill>
-              <a:schemeClr val="bg1"/>
-            </a:solidFill>
-            <a:ln w="28575">
-              <a:solidFill>
-                <a:schemeClr val="accent1"/>
-              </a:solidFill>
-            </a:ln>
-          </p:spPr>
-          <p:txBody>
-            <a:bodyPr wrap="square" rtlCol="0">
-              <a:spAutoFit/>
-            </a:bodyPr>
-            <a:lstStyle/>
-            <a:p>
-              <a:r>
-                <a:rPr lang="en-GB" sz="1200" dirty="0">
-                  <a:solidFill>
-                    <a:srgbClr val="FF0000"/>
-                  </a:solidFill>
-                </a:rPr>
-                <a:t>5. Returns a list of domain types, using the </a:t>
-              </a:r>
-              <a:r>
-                <a:rPr lang="en-GB" sz="1200" i="1" dirty="0">
-                  <a:solidFill>
-                    <a:srgbClr val="FF0000"/>
-                  </a:solidFill>
-                </a:rPr>
-                <a:t>convention of all</a:t>
-              </a:r>
-              <a:r>
-                <a:rPr lang="en-GB" sz="1200" dirty="0">
-                  <a:solidFill>
-                    <a:srgbClr val="FF0000"/>
-                  </a:solidFill>
-                </a:rPr>
-                <a:t> records or </a:t>
-              </a:r>
-              <a:r>
-                <a:rPr lang="en-GB" sz="1200" dirty="0" err="1">
-                  <a:solidFill>
-                    <a:srgbClr val="FF0000"/>
-                  </a:solidFill>
-                </a:rPr>
-                <a:t>enums</a:t>
-              </a:r>
-              <a:r>
-                <a:rPr lang="en-GB" sz="1200" dirty="0">
-                  <a:solidFill>
-                    <a:srgbClr val="FF0000"/>
-                  </a:solidFill>
-                </a:rPr>
-                <a:t> found in </a:t>
-              </a:r>
-              <a:r>
-                <a:rPr lang="en-GB" sz="1050" dirty="0" err="1">
-                  <a:latin typeface="Consolas" panose="020B0609020204030204" pitchFamily="49" charset="0"/>
-                </a:rPr>
-                <a:t>Template.Model.Types</a:t>
-              </a:r>
-              <a:r>
-                <a:rPr lang="en-GB" sz="1200" dirty="0">
-                  <a:solidFill>
-                    <a:srgbClr val="FF0000"/>
-                  </a:solidFill>
-                </a:rPr>
-                <a:t>. (You may edit this to suit).</a:t>
-              </a:r>
-            </a:p>
-          </p:txBody>
-        </p:sp>
-        <p:cxnSp>
-          <p:nvCxnSpPr>
-            <p:cNvPr id="41" name="Straight Arrow Connector 40">
-              <a:extLst>
-                <a:ext uri="{FF2B5EF4-FFF2-40B4-BE49-F238E27FC236}">
-                  <a16:creationId xmlns:a16="http://schemas.microsoft.com/office/drawing/2014/main" id="{0D113E6B-C662-4717-A189-8A9B02210E6D}"/>
-                </a:ext>
-              </a:extLst>
-            </p:cNvPr>
-            <p:cNvCxnSpPr>
-              <a:cxnSpLocks/>
-              <a:stCxn id="40" idx="1"/>
-            </p:cNvCxnSpPr>
-            <p:nvPr/>
-          </p:nvCxnSpPr>
-          <p:spPr>
-            <a:xfrm flipH="1">
-              <a:off x="-3565884" y="1222740"/>
-              <a:ext cx="5098229" cy="322366"/>
-            </a:xfrm>
-            <a:prstGeom prst="straightConnector1">
-              <a:avLst/>
-            </a:prstGeom>
-            <a:ln w="28575">
-              <a:tailEnd type="triangle"/>
-            </a:ln>
-          </p:spPr>
-          <p:style>
-            <a:lnRef idx="1">
-              <a:schemeClr val="accent1"/>
-            </a:lnRef>
-            <a:fillRef idx="0">
-              <a:schemeClr val="accent1"/>
-            </a:fillRef>
-            <a:effectRef idx="0">
-              <a:schemeClr val="accent1"/>
-            </a:effectRef>
-            <a:fontRef idx="minor">
-              <a:schemeClr val="tx1"/>
-            </a:fontRef>
-          </p:style>
-        </p:cxnSp>
-      </p:grpSp>
-      <p:grpSp>
-        <p:nvGrpSpPr>
-          <p:cNvPr id="45" name="Group 44">
-            <a:extLst>
-              <a:ext uri="{FF2B5EF4-FFF2-40B4-BE49-F238E27FC236}">
-                <a16:creationId xmlns:a16="http://schemas.microsoft.com/office/drawing/2014/main" id="{DD95BFAB-386A-4685-8EB7-EB9C31CCF8E8}"/>
-              </a:ext>
-            </a:extLst>
-          </p:cNvPr>
-          <p:cNvGrpSpPr/>
-          <p:nvPr/>
-        </p:nvGrpSpPr>
-        <p:grpSpPr>
-          <a:xfrm>
-            <a:off x="3355849" y="4256526"/>
-            <a:ext cx="8474587" cy="830997"/>
-            <a:chOff x="-3443962" y="899574"/>
-            <a:chExt cx="8474587" cy="830997"/>
-          </a:xfrm>
-        </p:grpSpPr>
-        <p:sp>
-          <p:nvSpPr>
-            <p:cNvPr id="46" name="TextBox 45">
-              <a:extLst>
-                <a:ext uri="{FF2B5EF4-FFF2-40B4-BE49-F238E27FC236}">
-                  <a16:creationId xmlns:a16="http://schemas.microsoft.com/office/drawing/2014/main" id="{A78498D6-2115-4471-87FB-C01070C28A66}"/>
-                </a:ext>
-              </a:extLst>
-            </p:cNvPr>
-            <p:cNvSpPr txBox="1"/>
-            <p:nvPr/>
-          </p:nvSpPr>
-          <p:spPr>
-            <a:xfrm>
-              <a:off x="1346730" y="899574"/>
-              <a:ext cx="3683895" cy="830997"/>
-            </a:xfrm>
-            <a:prstGeom prst="rect">
-              <a:avLst/>
-            </a:prstGeom>
-            <a:solidFill>
-              <a:schemeClr val="bg1"/>
-            </a:solidFill>
-            <a:ln w="28575">
-              <a:solidFill>
-                <a:schemeClr val="accent1"/>
-              </a:solidFill>
-            </a:ln>
-          </p:spPr>
-          <p:txBody>
-            <a:bodyPr wrap="square" rtlCol="0">
-              <a:spAutoFit/>
-            </a:bodyPr>
-            <a:lstStyle/>
-            <a:p>
-              <a:r>
-                <a:rPr lang="en-GB" sz="1200" dirty="0">
-                  <a:solidFill>
-                    <a:srgbClr val="FF0000"/>
-                  </a:solidFill>
-                </a:rPr>
-                <a:t>6. Returns a list of static types defining </a:t>
-              </a:r>
-              <a:r>
-                <a:rPr lang="en-GB" sz="1200" i="1" dirty="0">
-                  <a:solidFill>
-                    <a:srgbClr val="FF0000"/>
-                  </a:solidFill>
-                </a:rPr>
-                <a:t>all </a:t>
-              </a:r>
-              <a:r>
-                <a:rPr lang="en-GB" sz="1200" dirty="0">
-                  <a:solidFill>
-                    <a:srgbClr val="FF0000"/>
-                  </a:solidFill>
-                </a:rPr>
-                <a:t>domain functions (both main-menu functions and object-contributed functions), using </a:t>
-              </a:r>
-              <a:r>
-                <a:rPr lang="en-GB" sz="1200" i="1" dirty="0">
-                  <a:solidFill>
-                    <a:srgbClr val="FF0000"/>
-                  </a:solidFill>
-                </a:rPr>
-                <a:t>convention </a:t>
-              </a:r>
-              <a:r>
-                <a:rPr lang="en-GB" sz="1200" dirty="0">
-                  <a:solidFill>
-                    <a:srgbClr val="FF0000"/>
-                  </a:solidFill>
-                </a:rPr>
-                <a:t> of all static types found in namespace </a:t>
-              </a:r>
-              <a:r>
-                <a:rPr lang="en-GB" sz="1050" dirty="0" err="1">
-                  <a:latin typeface="Consolas" panose="020B0609020204030204" pitchFamily="49" charset="0"/>
-                </a:rPr>
-                <a:t>Template.Model.Types</a:t>
-              </a:r>
-              <a:endParaRPr lang="en-GB" sz="1200" dirty="0">
-                <a:solidFill>
-                  <a:srgbClr val="FF0000"/>
-                </a:solidFill>
-              </a:endParaRPr>
-            </a:p>
-          </p:txBody>
-        </p:sp>
-        <p:cxnSp>
-          <p:nvCxnSpPr>
-            <p:cNvPr id="47" name="Straight Arrow Connector 46">
-              <a:extLst>
-                <a:ext uri="{FF2B5EF4-FFF2-40B4-BE49-F238E27FC236}">
-                  <a16:creationId xmlns:a16="http://schemas.microsoft.com/office/drawing/2014/main" id="{BDBAB5F0-6736-4BBB-8181-00844146CF6C}"/>
-                </a:ext>
-              </a:extLst>
-            </p:cNvPr>
-            <p:cNvCxnSpPr>
-              <a:cxnSpLocks/>
-              <a:stCxn id="46" idx="1"/>
-            </p:cNvCxnSpPr>
-            <p:nvPr/>
-          </p:nvCxnSpPr>
-          <p:spPr>
-            <a:xfrm flipH="1">
-              <a:off x="-3443962" y="1315073"/>
-              <a:ext cx="4790692" cy="86702"/>
-            </a:xfrm>
-            <a:prstGeom prst="straightConnector1">
-              <a:avLst/>
-            </a:prstGeom>
-            <a:ln w="28575">
-              <a:tailEnd type="triangle"/>
-            </a:ln>
-          </p:spPr>
-          <p:style>
-            <a:lnRef idx="1">
-              <a:schemeClr val="accent1"/>
-            </a:lnRef>
-            <a:fillRef idx="0">
-              <a:schemeClr val="accent1"/>
-            </a:fillRef>
-            <a:effectRef idx="0">
-              <a:schemeClr val="accent1"/>
-            </a:effectRef>
-            <a:fontRef idx="minor">
-              <a:schemeClr val="tx1"/>
-            </a:fontRef>
-          </p:style>
-        </p:cxnSp>
-      </p:grpSp>
-      <p:grpSp>
-        <p:nvGrpSpPr>
-          <p:cNvPr id="53" name="Group 52">
-            <a:extLst>
-              <a:ext uri="{FF2B5EF4-FFF2-40B4-BE49-F238E27FC236}">
-                <a16:creationId xmlns:a16="http://schemas.microsoft.com/office/drawing/2014/main" id="{194B606D-5ACB-431F-B993-41A7F675E181}"/>
-              </a:ext>
-            </a:extLst>
-          </p:cNvPr>
-          <p:cNvGrpSpPr/>
-          <p:nvPr/>
-        </p:nvGrpSpPr>
-        <p:grpSpPr>
-          <a:xfrm>
-            <a:off x="3355849" y="5224266"/>
-            <a:ext cx="8474587" cy="646331"/>
-            <a:chOff x="-3443962" y="632571"/>
-            <a:chExt cx="8474587" cy="646331"/>
-          </a:xfrm>
-        </p:grpSpPr>
-        <p:sp>
-          <p:nvSpPr>
-            <p:cNvPr id="54" name="TextBox 53">
-              <a:extLst>
-                <a:ext uri="{FF2B5EF4-FFF2-40B4-BE49-F238E27FC236}">
-                  <a16:creationId xmlns:a16="http://schemas.microsoft.com/office/drawing/2014/main" id="{1C43C115-841A-4513-9373-ACC9A3E8ACB3}"/>
-                </a:ext>
-              </a:extLst>
-            </p:cNvPr>
-            <p:cNvSpPr txBox="1"/>
-            <p:nvPr/>
-          </p:nvSpPr>
-          <p:spPr>
-            <a:xfrm>
-              <a:off x="1346730" y="632571"/>
-              <a:ext cx="3683895" cy="646331"/>
-            </a:xfrm>
-            <a:prstGeom prst="rect">
-              <a:avLst/>
-            </a:prstGeom>
-            <a:solidFill>
-              <a:schemeClr val="bg1"/>
-            </a:solidFill>
-            <a:ln w="28575">
-              <a:solidFill>
-                <a:schemeClr val="accent1"/>
-              </a:solidFill>
-            </a:ln>
-          </p:spPr>
-          <p:txBody>
-            <a:bodyPr wrap="square" rtlCol="0">
-              <a:spAutoFit/>
-            </a:bodyPr>
-            <a:lstStyle/>
-            <a:p>
-              <a:r>
-                <a:rPr lang="en-GB" sz="1200" dirty="0">
-                  <a:solidFill>
-                    <a:srgbClr val="FF0000"/>
-                  </a:solidFill>
-                </a:rPr>
-                <a:t>7. Returns a list of static types defining main menu functions: using convention of any static type where name contains ‘</a:t>
-              </a:r>
-              <a:r>
-                <a:rPr lang="en-GB" sz="1050" dirty="0" err="1">
-                  <a:latin typeface="Consolas" panose="020B0609020204030204" pitchFamily="49" charset="0"/>
-                </a:rPr>
-                <a:t>MenuFunctions</a:t>
-              </a:r>
-              <a:r>
-                <a:rPr lang="en-GB" sz="1200" dirty="0">
-                  <a:solidFill>
-                    <a:srgbClr val="FF0000"/>
-                  </a:solidFill>
-                </a:rPr>
-                <a:t>’</a:t>
-              </a:r>
-            </a:p>
-          </p:txBody>
-        </p:sp>
-        <p:cxnSp>
-          <p:nvCxnSpPr>
-            <p:cNvPr id="55" name="Straight Arrow Connector 54">
-              <a:extLst>
-                <a:ext uri="{FF2B5EF4-FFF2-40B4-BE49-F238E27FC236}">
-                  <a16:creationId xmlns:a16="http://schemas.microsoft.com/office/drawing/2014/main" id="{023ABBDA-E7E0-4389-BD1D-C7A5FD92CD7D}"/>
-                </a:ext>
-              </a:extLst>
-            </p:cNvPr>
-            <p:cNvCxnSpPr>
-              <a:cxnSpLocks/>
-              <a:stCxn id="54" idx="1"/>
-            </p:cNvCxnSpPr>
-            <p:nvPr/>
-          </p:nvCxnSpPr>
-          <p:spPr>
-            <a:xfrm flipH="1" flipV="1">
-              <a:off x="-3443962" y="852046"/>
-              <a:ext cx="4790692" cy="103691"/>
-            </a:xfrm>
-            <a:prstGeom prst="straightConnector1">
-              <a:avLst/>
-            </a:prstGeom>
-            <a:ln w="28575">
-              <a:tailEnd type="triangle"/>
-            </a:ln>
-          </p:spPr>
-          <p:style>
-            <a:lnRef idx="1">
-              <a:schemeClr val="accent1"/>
-            </a:lnRef>
-            <a:fillRef idx="0">
-              <a:schemeClr val="accent1"/>
-            </a:fillRef>
-            <a:effectRef idx="0">
-              <a:schemeClr val="accent1"/>
-            </a:effectRef>
-            <a:fontRef idx="minor">
-              <a:schemeClr val="tx1"/>
-            </a:fontRef>
-          </p:style>
-        </p:cxnSp>
-      </p:grpSp>
-      <p:grpSp>
-        <p:nvGrpSpPr>
-          <p:cNvPr id="58" name="Group 57">
-            <a:extLst>
-              <a:ext uri="{FF2B5EF4-FFF2-40B4-BE49-F238E27FC236}">
-                <a16:creationId xmlns:a16="http://schemas.microsoft.com/office/drawing/2014/main" id="{997FC38A-AB15-43AD-AF25-E6E7D6A98FAE}"/>
-              </a:ext>
-            </a:extLst>
-          </p:cNvPr>
-          <p:cNvGrpSpPr/>
-          <p:nvPr/>
-        </p:nvGrpSpPr>
-        <p:grpSpPr>
-          <a:xfrm>
-            <a:off x="5614416" y="6022067"/>
-            <a:ext cx="6216020" cy="646331"/>
-            <a:chOff x="-1185395" y="722248"/>
-            <a:chExt cx="6216020" cy="646331"/>
-          </a:xfrm>
-        </p:grpSpPr>
-        <p:sp>
-          <p:nvSpPr>
-            <p:cNvPr id="59" name="TextBox 58">
-              <a:extLst>
-                <a:ext uri="{FF2B5EF4-FFF2-40B4-BE49-F238E27FC236}">
-                  <a16:creationId xmlns:a16="http://schemas.microsoft.com/office/drawing/2014/main" id="{BBB902A1-C932-4D9F-B8AA-36940D712D9A}"/>
-                </a:ext>
-              </a:extLst>
-            </p:cNvPr>
-            <p:cNvSpPr txBox="1"/>
-            <p:nvPr/>
-          </p:nvSpPr>
-          <p:spPr>
-            <a:xfrm>
-              <a:off x="1346730" y="722248"/>
-              <a:ext cx="3683895" cy="646331"/>
-            </a:xfrm>
-            <a:prstGeom prst="rect">
-              <a:avLst/>
-            </a:prstGeom>
-            <a:solidFill>
-              <a:schemeClr val="bg1"/>
-            </a:solidFill>
-            <a:ln w="28575">
-              <a:solidFill>
-                <a:schemeClr val="accent1"/>
-              </a:solidFill>
-            </a:ln>
-          </p:spPr>
-          <p:txBody>
-            <a:bodyPr wrap="square" rtlCol="0">
-              <a:spAutoFit/>
-            </a:bodyPr>
-            <a:lstStyle/>
-            <a:p>
-              <a:r>
-                <a:rPr lang="en-GB" sz="1200" dirty="0">
-                  <a:solidFill>
-                    <a:srgbClr val="FF0000"/>
-                  </a:solidFill>
-                </a:rPr>
-                <a:t>8. Returns a function that, when invoked, will install the </a:t>
-              </a:r>
-              <a:r>
-                <a:rPr lang="en-GB" sz="1100" dirty="0" err="1">
-                  <a:latin typeface="Consolas" panose="020B0609020204030204" pitchFamily="49" charset="0"/>
-                </a:rPr>
-                <a:t>DbContext</a:t>
-              </a:r>
-              <a:r>
-                <a:rPr lang="en-GB" sz="1200" dirty="0">
-                  <a:solidFill>
-                    <a:srgbClr val="FF0000"/>
-                  </a:solidFill>
-                </a:rPr>
-                <a:t>. Note that the connection string is defined in the Server project’s </a:t>
-              </a:r>
-              <a:r>
-                <a:rPr lang="en-GB" sz="1050" dirty="0" err="1">
-                  <a:latin typeface="Consolas" panose="020B0609020204030204" pitchFamily="49" charset="0"/>
-                </a:rPr>
-                <a:t>appsettings.json</a:t>
-              </a:r>
-              <a:r>
-                <a:rPr lang="en-GB" sz="1050" dirty="0">
-                  <a:latin typeface="Consolas" panose="020B0609020204030204" pitchFamily="49" charset="0"/>
-                </a:rPr>
-                <a:t> </a:t>
-              </a:r>
-              <a:r>
-                <a:rPr lang="en-GB" sz="1200" dirty="0">
-                  <a:solidFill>
-                    <a:srgbClr val="FF0000"/>
-                  </a:solidFill>
-                </a:rPr>
-                <a:t>as normal.</a:t>
-              </a:r>
-            </a:p>
-          </p:txBody>
-        </p:sp>
-        <p:cxnSp>
-          <p:nvCxnSpPr>
-            <p:cNvPr id="60" name="Straight Arrow Connector 59">
-              <a:extLst>
-                <a:ext uri="{FF2B5EF4-FFF2-40B4-BE49-F238E27FC236}">
-                  <a16:creationId xmlns:a16="http://schemas.microsoft.com/office/drawing/2014/main" id="{ECCC1BEA-2C72-48A1-A25F-5AC9B8DC35A9}"/>
-                </a:ext>
-              </a:extLst>
-            </p:cNvPr>
-            <p:cNvCxnSpPr>
-              <a:cxnSpLocks/>
-              <a:stCxn id="59" idx="1"/>
-            </p:cNvCxnSpPr>
-            <p:nvPr/>
-          </p:nvCxnSpPr>
-          <p:spPr>
-            <a:xfrm flipH="1" flipV="1">
-              <a:off x="-1185395" y="836141"/>
-              <a:ext cx="2532125" cy="209273"/>
+              <a:off x="-1922615" y="2388664"/>
+              <a:ext cx="2887681" cy="16999"/>
             </a:xfrm>
             <a:prstGeom prst="straightConnector1">
               <a:avLst/>
@@ -5496,7 +5383,7 @@
           <p:cNvPr id="2" name="Title 1">
             <a:extLst>
               <a:ext uri="{FF2B5EF4-FFF2-40B4-BE49-F238E27FC236}">
-                <a16:creationId xmlns:a16="http://schemas.microsoft.com/office/drawing/2014/main" id="{61240CD2-8904-4513-909A-712129DBD0A2}"/>
+                <a16:creationId xmlns:a16="http://schemas.microsoft.com/office/drawing/2014/main" id="{5DD8FEE4-CE69-4FA0-9723-13AFB84ED7A0}"/>
               </a:ext>
             </a:extLst>
           </p:cNvPr>
@@ -5507,14 +5394,27 @@
             <p:ph type="title"/>
           </p:nvPr>
         </p:nvSpPr>
-        <p:spPr/>
+        <p:spPr>
+          <a:xfrm>
+            <a:off x="838200" y="365125"/>
+            <a:ext cx="10515600" cy="613283"/>
+          </a:xfrm>
+        </p:spPr>
         <p:txBody>
-          <a:bodyPr/>
+          <a:bodyPr>
+            <a:normAutofit/>
+          </a:bodyPr>
           <a:lstStyle/>
           <a:p>
             <a:r>
-              <a:rPr lang="en-GB" dirty="0"/>
-              <a:t>Things to try</a:t>
+              <a:rPr lang="en-GB" sz="2400" dirty="0" err="1">
+                <a:latin typeface="Consolas" panose="020B0609020204030204" pitchFamily="49" charset="0"/>
+              </a:rPr>
+              <a:t>ModelConfig</a:t>
+            </a:r>
+            <a:r>
+              <a:rPr lang="en-GB" sz="2800" dirty="0"/>
+              <a:t> is how the Server ‘reads’ the capabilities of the model</a:t>
             </a:r>
           </a:p>
         </p:txBody>
@@ -5524,7 +5424,7 @@
           <p:cNvPr id="3" name="Content Placeholder 2">
             <a:extLst>
               <a:ext uri="{FF2B5EF4-FFF2-40B4-BE49-F238E27FC236}">
-                <a16:creationId xmlns:a16="http://schemas.microsoft.com/office/drawing/2014/main" id="{ED8569CB-720F-4CB8-9719-8FCC9AACDE9D}"/>
+                <a16:creationId xmlns:a16="http://schemas.microsoft.com/office/drawing/2014/main" id="{0DFC6630-CA28-4FE7-94DD-20CCE5B52B8A}"/>
               </a:ext>
             </a:extLst>
           </p:cNvPr>
@@ -5535,106 +5435,177 @@
             <p:ph idx="1"/>
           </p:nvPr>
         </p:nvSpPr>
-        <p:spPr/>
+        <p:spPr>
+          <a:xfrm>
+            <a:off x="838200" y="1834769"/>
+            <a:ext cx="11195304" cy="4658106"/>
+          </a:xfrm>
+        </p:spPr>
         <p:txBody>
-          <a:bodyPr/>
+          <a:bodyPr>
+            <a:noAutofit/>
+          </a:bodyPr>
           <a:lstStyle/>
           <a:p>
-            <a:r>
-              <a:rPr lang="en-GB" dirty="0"/>
-              <a:t>(Read </a:t>
-            </a:r>
-            <a:r>
-              <a:rPr lang="en-GB" dirty="0">
-                <a:hlinkClick r:id="rId2"/>
-              </a:rPr>
-              <a:t>The Naked Functions programming </a:t>
-            </a:r>
-            <a:r>
-              <a:rPr lang="en-GB">
-                <a:hlinkClick r:id="rId2"/>
-              </a:rPr>
-              <a:t>model </a:t>
-            </a:r>
-            <a:r>
-              <a:rPr lang="en-GB"/>
-              <a:t> presentation </a:t>
-            </a:r>
-            <a:r>
-              <a:rPr lang="en-GB" dirty="0"/>
-              <a:t>first)</a:t>
-            </a:r>
-          </a:p>
-          <a:p>
-            <a:r>
-              <a:rPr lang="en-GB" dirty="0"/>
-              <a:t>Adding new properties to the Student type</a:t>
-            </a:r>
-          </a:p>
-          <a:p>
-            <a:pPr lvl="1"/>
-            <a:r>
-              <a:rPr lang="en-GB" sz="1900" dirty="0" err="1">
-                <a:solidFill>
-                  <a:srgbClr val="000000"/>
-                </a:solidFill>
-                <a:latin typeface="Consolas" panose="020B0609020204030204" pitchFamily="49" charset="0"/>
-              </a:rPr>
-              <a:t>DateOfBirth</a:t>
-            </a:r>
-            <a:r>
-              <a:rPr lang="en-GB" sz="2400" dirty="0"/>
-              <a:t>,</a:t>
-            </a:r>
-            <a:r>
-              <a:rPr lang="en-GB" sz="1900" dirty="0">
-                <a:solidFill>
-                  <a:srgbClr val="000000"/>
-                </a:solidFill>
-                <a:latin typeface="Consolas" panose="020B0609020204030204" pitchFamily="49" charset="0"/>
-              </a:rPr>
-              <a:t> Address</a:t>
-            </a:r>
-            <a:r>
-              <a:rPr lang="en-GB" dirty="0"/>
-              <a:t>, or splitting the </a:t>
-            </a:r>
-            <a:r>
-              <a:rPr lang="en-GB" sz="1900" dirty="0" err="1">
-                <a:solidFill>
-                  <a:srgbClr val="000000"/>
-                </a:solidFill>
-                <a:latin typeface="Consolas" panose="020B0609020204030204" pitchFamily="49" charset="0"/>
-              </a:rPr>
-              <a:t>FullName</a:t>
-            </a:r>
-            <a:r>
-              <a:rPr lang="en-GB" dirty="0"/>
-              <a:t> into </a:t>
-            </a:r>
-            <a:r>
-              <a:rPr lang="en-GB" sz="1900" dirty="0">
-                <a:solidFill>
-                  <a:srgbClr val="000000"/>
-                </a:solidFill>
-                <a:latin typeface="Consolas" panose="020B0609020204030204" pitchFamily="49" charset="0"/>
-              </a:rPr>
-              <a:t>FirstName</a:t>
-            </a:r>
-            <a:r>
-              <a:rPr lang="en-GB" dirty="0"/>
-              <a:t> and </a:t>
-            </a:r>
-            <a:r>
-              <a:rPr lang="en-GB" sz="1900" dirty="0" err="1">
-                <a:solidFill>
-                  <a:srgbClr val="000000"/>
-                </a:solidFill>
-                <a:latin typeface="Consolas" panose="020B0609020204030204" pitchFamily="49" charset="0"/>
-              </a:rPr>
-              <a:t>LastName</a:t>
-            </a:r>
-            <a:endParaRPr lang="en-GB" sz="1900" dirty="0">
+            <a:pPr marL="0" indent="0">
+              <a:buNone/>
+            </a:pPr>
+            <a:r>
+              <a:rPr lang="en-GB" sz="1400" dirty="0">
+                <a:solidFill>
+                  <a:srgbClr val="0000FF"/>
+                </a:solidFill>
+                <a:latin typeface="Consolas" panose="020B0609020204030204" pitchFamily="49" charset="0"/>
+              </a:rPr>
+              <a:t>public</a:t>
+            </a:r>
+            <a:r>
+              <a:rPr lang="en-GB" sz="1400" dirty="0">
+                <a:solidFill>
+                  <a:srgbClr val="000000"/>
+                </a:solidFill>
+                <a:latin typeface="Consolas" panose="020B0609020204030204" pitchFamily="49" charset="0"/>
+              </a:rPr>
+              <a:t> </a:t>
+            </a:r>
+            <a:r>
+              <a:rPr lang="en-GB" sz="1400" dirty="0">
+                <a:solidFill>
+                  <a:srgbClr val="0000FF"/>
+                </a:solidFill>
+                <a:latin typeface="Consolas" panose="020B0609020204030204" pitchFamily="49" charset="0"/>
+              </a:rPr>
+              <a:t>static</a:t>
+            </a:r>
+            <a:r>
+              <a:rPr lang="en-GB" sz="1400" dirty="0">
+                <a:solidFill>
+                  <a:srgbClr val="000000"/>
+                </a:solidFill>
+                <a:latin typeface="Consolas" panose="020B0609020204030204" pitchFamily="49" charset="0"/>
+              </a:rPr>
+              <a:t> </a:t>
+            </a:r>
+            <a:r>
+              <a:rPr lang="en-GB" sz="1400" dirty="0">
+                <a:solidFill>
+                  <a:srgbClr val="0000FF"/>
+                </a:solidFill>
+                <a:latin typeface="Consolas" panose="020B0609020204030204" pitchFamily="49" charset="0"/>
+              </a:rPr>
+              <a:t>class</a:t>
+            </a:r>
+            <a:r>
+              <a:rPr lang="en-GB" sz="1400" dirty="0">
+                <a:solidFill>
+                  <a:srgbClr val="000000"/>
+                </a:solidFill>
+                <a:latin typeface="Consolas" panose="020B0609020204030204" pitchFamily="49" charset="0"/>
+              </a:rPr>
+              <a:t> </a:t>
+            </a:r>
+            <a:r>
+              <a:rPr lang="en-GB" sz="1400" dirty="0" err="1">
+                <a:solidFill>
+                  <a:srgbClr val="2B91AF"/>
+                </a:solidFill>
+                <a:latin typeface="Consolas" panose="020B0609020204030204" pitchFamily="49" charset="0"/>
+              </a:rPr>
+              <a:t>ModelConfig</a:t>
+            </a:r>
+            <a:br>
+              <a:rPr lang="en-GB" sz="1400" dirty="0">
+                <a:solidFill>
+                  <a:srgbClr val="000000"/>
+                </a:solidFill>
+                <a:latin typeface="Consolas" panose="020B0609020204030204" pitchFamily="49" charset="0"/>
+              </a:rPr>
+            </a:br>
+            <a:r>
+              <a:rPr lang="en-GB" sz="1400" dirty="0">
+                <a:solidFill>
+                  <a:srgbClr val="000000"/>
+                </a:solidFill>
+                <a:latin typeface="Consolas" panose="020B0609020204030204" pitchFamily="49" charset="0"/>
+              </a:rPr>
+              <a:t>{</a:t>
+            </a:r>
+            <a:br>
+              <a:rPr lang="en-GB" sz="1400" dirty="0">
+                <a:solidFill>
+                  <a:srgbClr val="000000"/>
+                </a:solidFill>
+                <a:latin typeface="Consolas" panose="020B0609020204030204" pitchFamily="49" charset="0"/>
+              </a:rPr>
+            </a:br>
+            <a:r>
+              <a:rPr lang="en-GB" sz="1400" dirty="0">
+                <a:solidFill>
+                  <a:srgbClr val="000000"/>
+                </a:solidFill>
+                <a:latin typeface="Consolas" panose="020B0609020204030204" pitchFamily="49" charset="0"/>
+              </a:rPr>
+              <a:t>    </a:t>
+            </a:r>
+            <a:r>
+              <a:rPr lang="en-GB" sz="1400" dirty="0">
+                <a:solidFill>
+                  <a:srgbClr val="0000FF"/>
+                </a:solidFill>
+                <a:latin typeface="Consolas" panose="020B0609020204030204" pitchFamily="49" charset="0"/>
+              </a:rPr>
+              <a:t>public</a:t>
+            </a:r>
+            <a:r>
+              <a:rPr lang="en-GB" sz="1400" dirty="0">
+                <a:solidFill>
+                  <a:srgbClr val="000000"/>
+                </a:solidFill>
+                <a:latin typeface="Consolas" panose="020B0609020204030204" pitchFamily="49" charset="0"/>
+              </a:rPr>
+              <a:t> </a:t>
+            </a:r>
+            <a:r>
+              <a:rPr lang="en-GB" sz="1400" dirty="0">
+                <a:solidFill>
+                  <a:srgbClr val="0000FF"/>
+                </a:solidFill>
+                <a:latin typeface="Consolas" panose="020B0609020204030204" pitchFamily="49" charset="0"/>
+              </a:rPr>
+              <a:t>static</a:t>
+            </a:r>
+            <a:r>
+              <a:rPr lang="en-GB" sz="1400" dirty="0">
+                <a:solidFill>
+                  <a:srgbClr val="000000"/>
+                </a:solidFill>
+                <a:latin typeface="Consolas" panose="020B0609020204030204" pitchFamily="49" charset="0"/>
+              </a:rPr>
+              <a:t> Type[] Types() =&gt; </a:t>
+            </a:r>
+            <a:br>
+              <a:rPr lang="en-GB" sz="1400" dirty="0">
+                <a:solidFill>
+                  <a:srgbClr val="000000"/>
+                </a:solidFill>
+                <a:latin typeface="Consolas" panose="020B0609020204030204" pitchFamily="49" charset="0"/>
+              </a:rPr>
+            </a:br>
+            <a:r>
+              <a:rPr lang="en-GB" sz="1400" dirty="0">
+                <a:solidFill>
+                  <a:srgbClr val="000000"/>
+                </a:solidFill>
+                <a:latin typeface="Consolas" panose="020B0609020204030204" pitchFamily="49" charset="0"/>
+              </a:rPr>
+              <a:t>    </a:t>
+            </a:r>
+          </a:p>
+          <a:p>
+            <a:pPr marL="0" indent="0">
+              <a:buNone/>
+            </a:pPr>
+            <a:endParaRPr lang="en-GB" sz="1400" dirty="0">
               <a:solidFill>
                 <a:srgbClr val="000000"/>
               </a:solidFill>
@@ -5642,94 +5613,104 @@
             </a:endParaRPr>
           </a:p>
           <a:p>
-            <a:pPr lvl="1"/>
-            <a:r>
-              <a:rPr lang="en-GB" dirty="0"/>
-              <a:t>Use </a:t>
-            </a:r>
-            <a:r>
-              <a:rPr lang="en-GB" sz="1900" dirty="0">
-                <a:solidFill>
-                  <a:srgbClr val="000000"/>
-                </a:solidFill>
-                <a:latin typeface="Consolas" panose="020B0609020204030204" pitchFamily="49" charset="0"/>
-              </a:rPr>
-              <a:t>[</a:t>
-            </a:r>
-            <a:r>
-              <a:rPr lang="en-GB" sz="1900" dirty="0" err="1">
-                <a:solidFill>
-                  <a:srgbClr val="000000"/>
-                </a:solidFill>
-                <a:latin typeface="Consolas" panose="020B0609020204030204" pitchFamily="49" charset="0"/>
-              </a:rPr>
-              <a:t>MemberOrder</a:t>
-            </a:r>
-            <a:r>
-              <a:rPr lang="en-GB" sz="1900" dirty="0">
-                <a:solidFill>
-                  <a:srgbClr val="000000"/>
-                </a:solidFill>
-                <a:latin typeface="Consolas" panose="020B0609020204030204" pitchFamily="49" charset="0"/>
-              </a:rPr>
-              <a:t>] </a:t>
-            </a:r>
-            <a:r>
-              <a:rPr lang="en-GB" dirty="0"/>
-              <a:t>to control ordering, </a:t>
+            <a:pPr marL="0" indent="0">
+              <a:buNone/>
+            </a:pPr>
+            <a:r>
+              <a:rPr lang="en-GB" sz="1400" dirty="0">
+                <a:solidFill>
+                  <a:srgbClr val="000000"/>
+                </a:solidFill>
+                <a:latin typeface="Consolas" panose="020B0609020204030204" pitchFamily="49" charset="0"/>
+              </a:rPr>
+              <a:t>    </a:t>
+            </a:r>
+            <a:r>
+              <a:rPr lang="en-GB" sz="1400" dirty="0">
+                <a:solidFill>
+                  <a:srgbClr val="0000FF"/>
+                </a:solidFill>
+                <a:latin typeface="Consolas" panose="020B0609020204030204" pitchFamily="49" charset="0"/>
+              </a:rPr>
+              <a:t>public</a:t>
+            </a:r>
+            <a:r>
+              <a:rPr lang="en-GB" sz="1400" dirty="0">
+                <a:solidFill>
+                  <a:srgbClr val="000000"/>
+                </a:solidFill>
+                <a:latin typeface="Consolas" panose="020B0609020204030204" pitchFamily="49" charset="0"/>
+              </a:rPr>
+              <a:t> </a:t>
+            </a:r>
+            <a:r>
+              <a:rPr lang="en-GB" sz="1400" dirty="0">
+                <a:solidFill>
+                  <a:srgbClr val="0000FF"/>
+                </a:solidFill>
+                <a:latin typeface="Consolas" panose="020B0609020204030204" pitchFamily="49" charset="0"/>
+              </a:rPr>
+              <a:t>static</a:t>
+            </a:r>
+            <a:r>
+              <a:rPr lang="en-GB" sz="1400" dirty="0">
+                <a:solidFill>
+                  <a:srgbClr val="000000"/>
+                </a:solidFill>
+                <a:latin typeface="Consolas" panose="020B0609020204030204" pitchFamily="49" charset="0"/>
+              </a:rPr>
+              <a:t> Type[] Functions() =&gt;</a:t>
             </a:r>
             <a:br>
-              <a:rPr lang="en-GB" dirty="0"/>
+              <a:rPr lang="en-GB" sz="1400" dirty="0">
+                <a:solidFill>
+                  <a:srgbClr val="000000"/>
+                </a:solidFill>
+                <a:latin typeface="Consolas" panose="020B0609020204030204" pitchFamily="49" charset="0"/>
+              </a:rPr>
             </a:br>
-            <a:r>
-              <a:rPr lang="en-GB" sz="1900" dirty="0">
-                <a:solidFill>
-                  <a:srgbClr val="000000"/>
-                </a:solidFill>
-                <a:latin typeface="Consolas" panose="020B0609020204030204" pitchFamily="49" charset="0"/>
-              </a:rPr>
-              <a:t>[Mask("d")] </a:t>
-            </a:r>
-            <a:r>
-              <a:rPr lang="en-GB" dirty="0"/>
-              <a:t>to format the </a:t>
-            </a:r>
-            <a:r>
-              <a:rPr lang="en-GB" sz="1900" dirty="0" err="1">
-                <a:solidFill>
-                  <a:srgbClr val="000000"/>
-                </a:solidFill>
-                <a:latin typeface="Consolas" panose="020B0609020204030204" pitchFamily="49" charset="0"/>
-              </a:rPr>
-              <a:t>DateTime</a:t>
-            </a:r>
-            <a:r>
-              <a:rPr lang="en-GB" dirty="0"/>
-              <a:t> property nicely</a:t>
-            </a:r>
-          </a:p>
-          <a:p>
-            <a:r>
-              <a:rPr lang="en-GB" dirty="0"/>
-              <a:t>Adding or modifying a menu function, to find students using new properties</a:t>
-            </a:r>
-          </a:p>
-          <a:p>
-            <a:r>
-              <a:rPr lang="en-GB" dirty="0"/>
-              <a:t>Creating a new </a:t>
-            </a:r>
-            <a:r>
-              <a:rPr lang="en-GB" sz="1900" dirty="0" err="1">
-                <a:solidFill>
-                  <a:srgbClr val="000000"/>
-                </a:solidFill>
-                <a:latin typeface="Consolas" panose="020B0609020204030204" pitchFamily="49" charset="0"/>
-              </a:rPr>
-              <a:t>Student_Functions</a:t>
-            </a:r>
-            <a:r>
-              <a:rPr lang="en-GB" sz="1900" dirty="0">
+            <a:endParaRPr lang="en-GB" sz="1400" dirty="0">
+              <a:solidFill>
+                <a:srgbClr val="000000"/>
+              </a:solidFill>
+              <a:latin typeface="Consolas" panose="020B0609020204030204" pitchFamily="49" charset="0"/>
+            </a:endParaRPr>
+          </a:p>
+          <a:p>
+            <a:pPr marL="0" indent="0">
+              <a:buNone/>
+            </a:pPr>
+            <a:endParaRPr lang="en-GB" sz="1400" dirty="0">
+              <a:solidFill>
+                <a:srgbClr val="000000"/>
+              </a:solidFill>
+              <a:latin typeface="Consolas" panose="020B0609020204030204" pitchFamily="49" charset="0"/>
+            </a:endParaRPr>
+          </a:p>
+          <a:p>
+            <a:pPr marL="0" indent="0">
+              <a:buNone/>
+            </a:pPr>
+            <a:r>
+              <a:rPr lang="en-GB" sz="1400" dirty="0">
+                <a:solidFill>
+                  <a:srgbClr val="000000"/>
+                </a:solidFill>
+                <a:latin typeface="Consolas" panose="020B0609020204030204" pitchFamily="49" charset="0"/>
+              </a:rPr>
+              <a:t>    </a:t>
+            </a:r>
+            <a:r>
+              <a:rPr lang="en-GB" sz="1400" dirty="0">
+                <a:solidFill>
+                  <a:srgbClr val="0000FF"/>
+                </a:solidFill>
+                <a:latin typeface="Consolas" panose="020B0609020204030204" pitchFamily="49" charset="0"/>
+              </a:rPr>
+              <a:t>public</a:t>
+            </a:r>
+            <a:r>
+              <a:rPr lang="en-GB" sz="1400" dirty="0">
                 <a:solidFill>
                   <a:srgbClr val="000000"/>
                 </a:solidFill>
@@ -5738,36 +5719,751 @@
               <a:t> </a:t>
             </a:r>
             <a:r>
-              <a:rPr lang="en-GB" dirty="0"/>
-              <a:t>static type, with static functions taking </a:t>
-            </a:r>
-            <a:r>
-              <a:rPr lang="en-GB" sz="1900" dirty="0">
-                <a:solidFill>
-                  <a:srgbClr val="000000"/>
-                </a:solidFill>
-                <a:latin typeface="Consolas" panose="020B0609020204030204" pitchFamily="49" charset="0"/>
-              </a:rPr>
-              <a:t>this Student s </a:t>
-            </a:r>
-            <a:r>
-              <a:rPr lang="en-GB" dirty="0"/>
-              <a:t>as the first parameter</a:t>
-            </a:r>
-          </a:p>
-          <a:p>
-            <a:pPr lvl="1"/>
-            <a:r>
-              <a:rPr lang="en-GB" dirty="0"/>
-              <a:t>Use this pattern to allow properties of a student to be edited, for example</a:t>
-            </a:r>
+              <a:rPr lang="en-GB" sz="1400" dirty="0">
+                <a:solidFill>
+                  <a:srgbClr val="0000FF"/>
+                </a:solidFill>
+                <a:latin typeface="Consolas" panose="020B0609020204030204" pitchFamily="49" charset="0"/>
+              </a:rPr>
+              <a:t>static</a:t>
+            </a:r>
+            <a:r>
+              <a:rPr lang="en-GB" sz="1400" dirty="0">
+                <a:solidFill>
+                  <a:srgbClr val="000000"/>
+                </a:solidFill>
+                <a:latin typeface="Consolas" panose="020B0609020204030204" pitchFamily="49" charset="0"/>
+              </a:rPr>
+              <a:t> Type[] </a:t>
+            </a:r>
+            <a:r>
+              <a:rPr lang="en-GB" sz="1400" dirty="0" err="1">
+                <a:solidFill>
+                  <a:srgbClr val="000000"/>
+                </a:solidFill>
+                <a:latin typeface="Consolas" panose="020B0609020204030204" pitchFamily="49" charset="0"/>
+              </a:rPr>
+              <a:t>MainMenus</a:t>
+            </a:r>
+            <a:r>
+              <a:rPr lang="en-GB" sz="1400" dirty="0">
+                <a:solidFill>
+                  <a:srgbClr val="000000"/>
+                </a:solidFill>
+                <a:latin typeface="Consolas" panose="020B0609020204030204" pitchFamily="49" charset="0"/>
+              </a:rPr>
+              <a:t>() =&gt;</a:t>
+            </a:r>
+          </a:p>
+          <a:p>
+            <a:pPr marL="0" indent="0">
+              <a:buNone/>
+            </a:pPr>
+            <a:endParaRPr lang="en-GB" sz="1400" dirty="0">
+              <a:solidFill>
+                <a:srgbClr val="000000"/>
+              </a:solidFill>
+              <a:latin typeface="Consolas" panose="020B0609020204030204" pitchFamily="49" charset="0"/>
+            </a:endParaRPr>
+          </a:p>
+          <a:p>
+            <a:pPr marL="0" indent="0">
+              <a:buNone/>
+            </a:pPr>
+            <a:endParaRPr lang="en-GB" sz="1400" dirty="0">
+              <a:solidFill>
+                <a:srgbClr val="000000"/>
+              </a:solidFill>
+              <a:latin typeface="Consolas" panose="020B0609020204030204" pitchFamily="49" charset="0"/>
+            </a:endParaRPr>
+          </a:p>
+          <a:p>
+            <a:pPr marL="0" indent="0">
+              <a:buNone/>
+            </a:pPr>
+            <a:r>
+              <a:rPr lang="en-GB" sz="1400" dirty="0">
+                <a:solidFill>
+                  <a:srgbClr val="000000"/>
+                </a:solidFill>
+                <a:latin typeface="Consolas" panose="020B0609020204030204" pitchFamily="49" charset="0"/>
+              </a:rPr>
+              <a:t>    </a:t>
+            </a:r>
+            <a:r>
+              <a:rPr lang="en-GB" sz="1400" dirty="0">
+                <a:solidFill>
+                  <a:srgbClr val="0000FF"/>
+                </a:solidFill>
+                <a:latin typeface="Consolas" panose="020B0609020204030204" pitchFamily="49" charset="0"/>
+              </a:rPr>
+              <a:t>public</a:t>
+            </a:r>
+            <a:r>
+              <a:rPr lang="en-GB" sz="1400" dirty="0">
+                <a:solidFill>
+                  <a:srgbClr val="000000"/>
+                </a:solidFill>
+                <a:latin typeface="Consolas" panose="020B0609020204030204" pitchFamily="49" charset="0"/>
+              </a:rPr>
+              <a:t> </a:t>
+            </a:r>
+            <a:r>
+              <a:rPr lang="en-GB" sz="1400" dirty="0">
+                <a:solidFill>
+                  <a:srgbClr val="0000FF"/>
+                </a:solidFill>
+                <a:latin typeface="Consolas" panose="020B0609020204030204" pitchFamily="49" charset="0"/>
+              </a:rPr>
+              <a:t>static</a:t>
+            </a:r>
+            <a:r>
+              <a:rPr lang="en-GB" sz="1400" dirty="0">
+                <a:solidFill>
+                  <a:srgbClr val="000000"/>
+                </a:solidFill>
+                <a:latin typeface="Consolas" panose="020B0609020204030204" pitchFamily="49" charset="0"/>
+              </a:rPr>
+              <a:t> </a:t>
+            </a:r>
+            <a:r>
+              <a:rPr lang="en-GB" sz="1400" dirty="0" err="1">
+                <a:solidFill>
+                  <a:srgbClr val="000000"/>
+                </a:solidFill>
+                <a:latin typeface="Consolas" panose="020B0609020204030204" pitchFamily="49" charset="0"/>
+              </a:rPr>
+              <a:t>Func</a:t>
+            </a:r>
+            <a:r>
+              <a:rPr lang="en-GB" sz="1400" dirty="0">
+                <a:solidFill>
+                  <a:srgbClr val="000000"/>
+                </a:solidFill>
+                <a:latin typeface="Consolas" panose="020B0609020204030204" pitchFamily="49" charset="0"/>
+              </a:rPr>
+              <a:t>&lt;</a:t>
+            </a:r>
+            <a:r>
+              <a:rPr lang="en-GB" sz="1400" dirty="0" err="1">
+                <a:solidFill>
+                  <a:srgbClr val="000000"/>
+                </a:solidFill>
+                <a:latin typeface="Consolas" panose="020B0609020204030204" pitchFamily="49" charset="0"/>
+              </a:rPr>
+              <a:t>IConfiguration</a:t>
+            </a:r>
+            <a:r>
+              <a:rPr lang="en-GB" sz="1400" dirty="0">
+                <a:solidFill>
+                  <a:srgbClr val="000000"/>
+                </a:solidFill>
+                <a:latin typeface="Consolas" panose="020B0609020204030204" pitchFamily="49" charset="0"/>
+              </a:rPr>
+              <a:t>, </a:t>
+            </a:r>
+            <a:r>
+              <a:rPr lang="en-GB" sz="1400" dirty="0" err="1">
+                <a:solidFill>
+                  <a:srgbClr val="000000"/>
+                </a:solidFill>
+                <a:latin typeface="Consolas" panose="020B0609020204030204" pitchFamily="49" charset="0"/>
+              </a:rPr>
+              <a:t>DbContext</a:t>
+            </a:r>
+            <a:r>
+              <a:rPr lang="en-GB" sz="1400" dirty="0">
+                <a:solidFill>
+                  <a:srgbClr val="000000"/>
+                </a:solidFill>
+                <a:latin typeface="Consolas" panose="020B0609020204030204" pitchFamily="49" charset="0"/>
+              </a:rPr>
+              <a:t>&gt; </a:t>
+            </a:r>
+            <a:r>
+              <a:rPr lang="en-GB" sz="1400" dirty="0" err="1">
+                <a:solidFill>
+                  <a:srgbClr val="000000"/>
+                </a:solidFill>
+                <a:latin typeface="Consolas" panose="020B0609020204030204" pitchFamily="49" charset="0"/>
+              </a:rPr>
+              <a:t>DbContextInstaller</a:t>
+            </a:r>
+            <a:r>
+              <a:rPr lang="en-GB" sz="1400" dirty="0">
+                <a:solidFill>
+                  <a:srgbClr val="000000"/>
+                </a:solidFill>
+                <a:latin typeface="Consolas" panose="020B0609020204030204" pitchFamily="49" charset="0"/>
+              </a:rPr>
+              <a:t> =&gt;</a:t>
+            </a:r>
+          </a:p>
+          <a:p>
+            <a:pPr marL="0" indent="0">
+              <a:buNone/>
+            </a:pPr>
+            <a:r>
+              <a:rPr lang="en-GB" sz="1400" dirty="0">
+                <a:solidFill>
+                  <a:srgbClr val="000000"/>
+                </a:solidFill>
+                <a:latin typeface="Consolas" panose="020B0609020204030204" pitchFamily="49" charset="0"/>
+              </a:rPr>
+              <a:t>}</a:t>
+            </a:r>
+            <a:endParaRPr lang="en-GB" sz="1400" dirty="0"/>
           </a:p>
         </p:txBody>
       </p:sp>
+      <p:grpSp>
+        <p:nvGrpSpPr>
+          <p:cNvPr id="4" name="Group 3">
+            <a:extLst>
+              <a:ext uri="{FF2B5EF4-FFF2-40B4-BE49-F238E27FC236}">
+                <a16:creationId xmlns:a16="http://schemas.microsoft.com/office/drawing/2014/main" id="{FC8B4A1A-4411-4119-806F-EDBA78C2B188}"/>
+              </a:ext>
+            </a:extLst>
+          </p:cNvPr>
+          <p:cNvGrpSpPr/>
+          <p:nvPr/>
+        </p:nvGrpSpPr>
+        <p:grpSpPr>
+          <a:xfrm>
+            <a:off x="4453128" y="2019428"/>
+            <a:ext cx="5824728" cy="661543"/>
+            <a:chOff x="-653601" y="1325177"/>
+            <a:chExt cx="5174274" cy="661543"/>
+          </a:xfrm>
+        </p:grpSpPr>
+        <p:sp>
+          <p:nvSpPr>
+            <p:cNvPr id="5" name="TextBox 4">
+              <a:extLst>
+                <a:ext uri="{FF2B5EF4-FFF2-40B4-BE49-F238E27FC236}">
+                  <a16:creationId xmlns:a16="http://schemas.microsoft.com/office/drawing/2014/main" id="{5F47FE34-B73F-4BB1-84E7-A069082A9CBA}"/>
+                </a:ext>
+              </a:extLst>
+            </p:cNvPr>
+            <p:cNvSpPr txBox="1"/>
+            <p:nvPr/>
+          </p:nvSpPr>
+          <p:spPr>
+            <a:xfrm>
+              <a:off x="624531" y="1325177"/>
+              <a:ext cx="3896142" cy="661543"/>
+            </a:xfrm>
+            <a:prstGeom prst="rect">
+              <a:avLst/>
+            </a:prstGeom>
+            <a:solidFill>
+              <a:schemeClr val="bg1"/>
+            </a:solidFill>
+            <a:ln w="28575">
+              <a:solidFill>
+                <a:schemeClr val="accent1"/>
+              </a:solidFill>
+            </a:ln>
+          </p:spPr>
+          <p:txBody>
+            <a:bodyPr wrap="square" rtlCol="0">
+              <a:spAutoFit/>
+            </a:bodyPr>
+            <a:lstStyle/>
+            <a:p>
+              <a:r>
+                <a:rPr lang="en-GB" sz="1200" dirty="0">
+                  <a:solidFill>
+                    <a:srgbClr val="FF0000"/>
+                  </a:solidFill>
+                </a:rPr>
+                <a:t>1. Return an array of all domain types (</a:t>
+              </a:r>
+              <a:r>
+                <a:rPr lang="en-GB" sz="1100" dirty="0">
+                  <a:latin typeface="Consolas" panose="020B0609020204030204" pitchFamily="49" charset="0"/>
+                </a:rPr>
+                <a:t>record</a:t>
+              </a:r>
+              <a:r>
+                <a:rPr lang="en-GB" sz="1200" dirty="0">
+                  <a:solidFill>
+                    <a:srgbClr val="FF0000"/>
+                  </a:solidFill>
+                </a:rPr>
+                <a:t>, </a:t>
+              </a:r>
+              <a:r>
+                <a:rPr lang="en-GB" sz="1100" dirty="0">
+                  <a:latin typeface="Consolas" panose="020B0609020204030204" pitchFamily="49" charset="0"/>
+                </a:rPr>
+                <a:t>interface</a:t>
+              </a:r>
+              <a:r>
+                <a:rPr lang="en-GB" sz="1200" dirty="0">
+                  <a:solidFill>
+                    <a:srgbClr val="FF0000"/>
+                  </a:solidFill>
+                </a:rPr>
+                <a:t>, </a:t>
+              </a:r>
+              <a:r>
+                <a:rPr lang="en-GB" sz="1100" dirty="0" err="1">
+                  <a:latin typeface="Consolas" panose="020B0609020204030204" pitchFamily="49" charset="0"/>
+                </a:rPr>
+                <a:t>enum</a:t>
+              </a:r>
+              <a:r>
+                <a:rPr lang="en-GB" sz="1200" dirty="0">
+                  <a:solidFill>
+                    <a:srgbClr val="FF0000"/>
+                  </a:solidFill>
+                </a:rPr>
+                <a:t>). The array may be constructed manually, or generated reflectively based on naming or namespace conventions.</a:t>
+              </a:r>
+            </a:p>
+          </p:txBody>
+        </p:sp>
+        <p:cxnSp>
+          <p:nvCxnSpPr>
+            <p:cNvPr id="6" name="Straight Arrow Connector 5">
+              <a:extLst>
+                <a:ext uri="{FF2B5EF4-FFF2-40B4-BE49-F238E27FC236}">
+                  <a16:creationId xmlns:a16="http://schemas.microsoft.com/office/drawing/2014/main" id="{C3EB4DC9-5E45-4737-A01E-1F656DECD484}"/>
+                </a:ext>
+              </a:extLst>
+            </p:cNvPr>
+            <p:cNvCxnSpPr>
+              <a:cxnSpLocks/>
+              <a:stCxn id="5" idx="1"/>
+            </p:cNvCxnSpPr>
+            <p:nvPr/>
+          </p:nvCxnSpPr>
+          <p:spPr>
+            <a:xfrm flipH="1">
+              <a:off x="-653601" y="1655949"/>
+              <a:ext cx="1278132" cy="0"/>
+            </a:xfrm>
+            <a:prstGeom prst="straightConnector1">
+              <a:avLst/>
+            </a:prstGeom>
+            <a:ln w="28575">
+              <a:tailEnd type="triangle"/>
+            </a:ln>
+          </p:spPr>
+          <p:style>
+            <a:lnRef idx="1">
+              <a:schemeClr val="accent1"/>
+            </a:lnRef>
+            <a:fillRef idx="0">
+              <a:schemeClr val="accent1"/>
+            </a:fillRef>
+            <a:effectRef idx="0">
+              <a:schemeClr val="accent1"/>
+            </a:effectRef>
+            <a:fontRef idx="minor">
+              <a:schemeClr val="tx1"/>
+            </a:fontRef>
+          </p:style>
+        </p:cxnSp>
+      </p:grpSp>
+      <p:grpSp>
+        <p:nvGrpSpPr>
+          <p:cNvPr id="17" name="Group 16">
+            <a:extLst>
+              <a:ext uri="{FF2B5EF4-FFF2-40B4-BE49-F238E27FC236}">
+                <a16:creationId xmlns:a16="http://schemas.microsoft.com/office/drawing/2014/main" id="{756DC5EC-B244-4A6A-B480-162F720DBB38}"/>
+              </a:ext>
+            </a:extLst>
+          </p:cNvPr>
+          <p:cNvGrpSpPr/>
+          <p:nvPr/>
+        </p:nvGrpSpPr>
+        <p:grpSpPr>
+          <a:xfrm>
+            <a:off x="4901184" y="2865630"/>
+            <a:ext cx="5391569" cy="646331"/>
+            <a:chOff x="-725195" y="922496"/>
+            <a:chExt cx="4926826" cy="646331"/>
+          </a:xfrm>
+        </p:grpSpPr>
+        <p:sp>
+          <p:nvSpPr>
+            <p:cNvPr id="18" name="TextBox 17">
+              <a:extLst>
+                <a:ext uri="{FF2B5EF4-FFF2-40B4-BE49-F238E27FC236}">
+                  <a16:creationId xmlns:a16="http://schemas.microsoft.com/office/drawing/2014/main" id="{8BADA3DC-ED8C-455A-B7E3-90E9994FB8BA}"/>
+                </a:ext>
+              </a:extLst>
+            </p:cNvPr>
+            <p:cNvSpPr txBox="1"/>
+            <p:nvPr/>
+          </p:nvSpPr>
+          <p:spPr>
+            <a:xfrm>
+              <a:off x="180153" y="922496"/>
+              <a:ext cx="4021478" cy="646331"/>
+            </a:xfrm>
+            <a:prstGeom prst="rect">
+              <a:avLst/>
+            </a:prstGeom>
+            <a:solidFill>
+              <a:schemeClr val="bg1"/>
+            </a:solidFill>
+            <a:ln w="28575">
+              <a:solidFill>
+                <a:schemeClr val="accent1"/>
+              </a:solidFill>
+            </a:ln>
+          </p:spPr>
+          <p:txBody>
+            <a:bodyPr wrap="square" rtlCol="0">
+              <a:spAutoFit/>
+            </a:bodyPr>
+            <a:lstStyle/>
+            <a:p>
+              <a:pPr marL="0" indent="0">
+                <a:buNone/>
+              </a:pPr>
+              <a:r>
+                <a:rPr lang="en-GB" sz="1200" dirty="0">
+                  <a:solidFill>
+                    <a:srgbClr val="FF0000"/>
+                  </a:solidFill>
+                </a:rPr>
+                <a:t>2. Return an array of </a:t>
+              </a:r>
+              <a:r>
+                <a:rPr lang="en-GB" sz="1200" i="1" dirty="0">
+                  <a:solidFill>
+                    <a:srgbClr val="FF0000"/>
+                  </a:solidFill>
+                </a:rPr>
+                <a:t>all</a:t>
+              </a:r>
+              <a:r>
+                <a:rPr lang="en-GB" sz="1200" dirty="0">
+                  <a:solidFill>
+                    <a:srgbClr val="FF0000"/>
+                  </a:solidFill>
+                </a:rPr>
+                <a:t> static classes that define (</a:t>
+              </a:r>
+              <a:r>
+                <a:rPr lang="en-GB" sz="1100" dirty="0">
+                  <a:latin typeface="Consolas" panose="020B0609020204030204" pitchFamily="49" charset="0"/>
+                </a:rPr>
+                <a:t>public</a:t>
+              </a:r>
+              <a:r>
+                <a:rPr lang="en-GB" sz="1200" dirty="0">
+                  <a:solidFill>
+                    <a:srgbClr val="FF0000"/>
+                  </a:solidFill>
+                </a:rPr>
+                <a:t>) domain functions, whether ‘main menu’ or ‘type-contributed’ functions. Used by the framework to build the meta-model of all user actions.</a:t>
+              </a:r>
+            </a:p>
+          </p:txBody>
+        </p:sp>
+        <p:cxnSp>
+          <p:nvCxnSpPr>
+            <p:cNvPr id="19" name="Straight Arrow Connector 18">
+              <a:extLst>
+                <a:ext uri="{FF2B5EF4-FFF2-40B4-BE49-F238E27FC236}">
+                  <a16:creationId xmlns:a16="http://schemas.microsoft.com/office/drawing/2014/main" id="{05CFBA16-3FCC-4465-919E-81FE953ECDDD}"/>
+                </a:ext>
+              </a:extLst>
+            </p:cNvPr>
+            <p:cNvCxnSpPr>
+              <a:cxnSpLocks/>
+              <a:stCxn id="18" idx="1"/>
+            </p:cNvCxnSpPr>
+            <p:nvPr/>
+          </p:nvCxnSpPr>
+          <p:spPr>
+            <a:xfrm flipH="1">
+              <a:off x="-725195" y="1245662"/>
+              <a:ext cx="905348" cy="0"/>
+            </a:xfrm>
+            <a:prstGeom prst="straightConnector1">
+              <a:avLst/>
+            </a:prstGeom>
+            <a:ln w="28575">
+              <a:tailEnd type="triangle"/>
+            </a:ln>
+          </p:spPr>
+          <p:style>
+            <a:lnRef idx="1">
+              <a:schemeClr val="accent1"/>
+            </a:lnRef>
+            <a:fillRef idx="0">
+              <a:schemeClr val="accent1"/>
+            </a:fillRef>
+            <a:effectRef idx="0">
+              <a:schemeClr val="accent1"/>
+            </a:effectRef>
+            <a:fontRef idx="minor">
+              <a:schemeClr val="tx1"/>
+            </a:fontRef>
+          </p:style>
+        </p:cxnSp>
+      </p:grpSp>
+      <p:grpSp>
+        <p:nvGrpSpPr>
+          <p:cNvPr id="26" name="Group 25">
+            <a:extLst>
+              <a:ext uri="{FF2B5EF4-FFF2-40B4-BE49-F238E27FC236}">
+                <a16:creationId xmlns:a16="http://schemas.microsoft.com/office/drawing/2014/main" id="{5D0A9A52-AF9C-442B-BB39-ACFFBBC0E162}"/>
+              </a:ext>
+            </a:extLst>
+          </p:cNvPr>
+          <p:cNvGrpSpPr/>
+          <p:nvPr/>
+        </p:nvGrpSpPr>
+        <p:grpSpPr>
+          <a:xfrm>
+            <a:off x="4901184" y="3789380"/>
+            <a:ext cx="5391569" cy="461665"/>
+            <a:chOff x="-725195" y="979497"/>
+            <a:chExt cx="4926826" cy="461665"/>
+          </a:xfrm>
+        </p:grpSpPr>
+        <p:sp>
+          <p:nvSpPr>
+            <p:cNvPr id="27" name="TextBox 26">
+              <a:extLst>
+                <a:ext uri="{FF2B5EF4-FFF2-40B4-BE49-F238E27FC236}">
+                  <a16:creationId xmlns:a16="http://schemas.microsoft.com/office/drawing/2014/main" id="{6B7E4D73-F1BF-4654-BF2B-54F19323D2F2}"/>
+                </a:ext>
+              </a:extLst>
+            </p:cNvPr>
+            <p:cNvSpPr txBox="1"/>
+            <p:nvPr/>
+          </p:nvSpPr>
+          <p:spPr>
+            <a:xfrm>
+              <a:off x="180153" y="979497"/>
+              <a:ext cx="4021478" cy="461665"/>
+            </a:xfrm>
+            <a:prstGeom prst="rect">
+              <a:avLst/>
+            </a:prstGeom>
+            <a:solidFill>
+              <a:schemeClr val="bg1"/>
+            </a:solidFill>
+            <a:ln w="28575">
+              <a:solidFill>
+                <a:schemeClr val="accent1"/>
+              </a:solidFill>
+            </a:ln>
+          </p:spPr>
+          <p:txBody>
+            <a:bodyPr wrap="square" rtlCol="0">
+              <a:spAutoFit/>
+            </a:bodyPr>
+            <a:lstStyle/>
+            <a:p>
+              <a:pPr marL="0" indent="0">
+                <a:buNone/>
+              </a:pPr>
+              <a:r>
+                <a:rPr lang="en-GB" sz="1200" dirty="0">
+                  <a:solidFill>
+                    <a:srgbClr val="FF0000"/>
+                  </a:solidFill>
+                </a:rPr>
+                <a:t>3. Return an array of static classes that define just the main menus. (Used by the framework to construct the actual menus).</a:t>
+              </a:r>
+            </a:p>
+          </p:txBody>
+        </p:sp>
+        <p:cxnSp>
+          <p:nvCxnSpPr>
+            <p:cNvPr id="28" name="Straight Arrow Connector 27">
+              <a:extLst>
+                <a:ext uri="{FF2B5EF4-FFF2-40B4-BE49-F238E27FC236}">
+                  <a16:creationId xmlns:a16="http://schemas.microsoft.com/office/drawing/2014/main" id="{994E62DD-B161-4352-A33A-B476AB54DDD4}"/>
+                </a:ext>
+              </a:extLst>
+            </p:cNvPr>
+            <p:cNvCxnSpPr>
+              <a:cxnSpLocks/>
+              <a:stCxn id="27" idx="1"/>
+            </p:cNvCxnSpPr>
+            <p:nvPr/>
+          </p:nvCxnSpPr>
+          <p:spPr>
+            <a:xfrm flipH="1" flipV="1">
+              <a:off x="-725195" y="1210329"/>
+              <a:ext cx="905348" cy="1"/>
+            </a:xfrm>
+            <a:prstGeom prst="straightConnector1">
+              <a:avLst/>
+            </a:prstGeom>
+            <a:ln w="28575">
+              <a:tailEnd type="triangle"/>
+            </a:ln>
+          </p:spPr>
+          <p:style>
+            <a:lnRef idx="1">
+              <a:schemeClr val="accent1"/>
+            </a:lnRef>
+            <a:fillRef idx="0">
+              <a:schemeClr val="accent1"/>
+            </a:fillRef>
+            <a:effectRef idx="0">
+              <a:schemeClr val="accent1"/>
+            </a:effectRef>
+            <a:fontRef idx="minor">
+              <a:schemeClr val="tx1"/>
+            </a:fontRef>
+          </p:style>
+        </p:cxnSp>
+      </p:grpSp>
+      <p:grpSp>
+        <p:nvGrpSpPr>
+          <p:cNvPr id="32" name="Group 31">
+            <a:extLst>
+              <a:ext uri="{FF2B5EF4-FFF2-40B4-BE49-F238E27FC236}">
+                <a16:creationId xmlns:a16="http://schemas.microsoft.com/office/drawing/2014/main" id="{80DBC55C-8486-448C-9BB4-7E7A00D99964}"/>
+              </a:ext>
+            </a:extLst>
+          </p:cNvPr>
+          <p:cNvGrpSpPr/>
+          <p:nvPr/>
+        </p:nvGrpSpPr>
+        <p:grpSpPr>
+          <a:xfrm>
+            <a:off x="5891933" y="4990384"/>
+            <a:ext cx="4400820" cy="969495"/>
+            <a:chOff x="121349" y="580034"/>
+            <a:chExt cx="4021478" cy="969495"/>
+          </a:xfrm>
+        </p:grpSpPr>
+        <p:sp>
+          <p:nvSpPr>
+            <p:cNvPr id="33" name="TextBox 32">
+              <a:extLst>
+                <a:ext uri="{FF2B5EF4-FFF2-40B4-BE49-F238E27FC236}">
+                  <a16:creationId xmlns:a16="http://schemas.microsoft.com/office/drawing/2014/main" id="{805BB43A-B73B-4FC4-8071-395A0764E06B}"/>
+                </a:ext>
+              </a:extLst>
+            </p:cNvPr>
+            <p:cNvSpPr txBox="1"/>
+            <p:nvPr/>
+          </p:nvSpPr>
+          <p:spPr>
+            <a:xfrm>
+              <a:off x="121349" y="903198"/>
+              <a:ext cx="4021478" cy="646331"/>
+            </a:xfrm>
+            <a:prstGeom prst="rect">
+              <a:avLst/>
+            </a:prstGeom>
+            <a:solidFill>
+              <a:schemeClr val="bg1"/>
+            </a:solidFill>
+            <a:ln w="28575">
+              <a:solidFill>
+                <a:schemeClr val="accent1"/>
+              </a:solidFill>
+            </a:ln>
+          </p:spPr>
+          <p:txBody>
+            <a:bodyPr wrap="square" rtlCol="0">
+              <a:spAutoFit/>
+            </a:bodyPr>
+            <a:lstStyle/>
+            <a:p>
+              <a:pPr marL="0" indent="0">
+                <a:buNone/>
+              </a:pPr>
+              <a:r>
+                <a:rPr lang="en-GB" sz="1200" dirty="0">
+                  <a:solidFill>
+                    <a:srgbClr val="FF0000"/>
+                  </a:solidFill>
+                </a:rPr>
+                <a:t>4. Return a </a:t>
+              </a:r>
+              <a:r>
+                <a:rPr lang="en-GB" sz="1100" dirty="0" err="1">
+                  <a:latin typeface="Consolas" panose="020B0609020204030204" pitchFamily="49" charset="0"/>
+                </a:rPr>
+                <a:t>Func</a:t>
+              </a:r>
+              <a:r>
+                <a:rPr lang="en-GB" sz="1200" dirty="0">
+                  <a:solidFill>
+                    <a:srgbClr val="FF0000"/>
+                  </a:solidFill>
+                </a:rPr>
+                <a:t> that, when invoked by the framework at the appropriate point in the start-up sequence, will generate and return a </a:t>
+              </a:r>
+              <a:r>
+                <a:rPr lang="en-GB" sz="1100" dirty="0" err="1">
+                  <a:latin typeface="Consolas" panose="020B0609020204030204" pitchFamily="49" charset="0"/>
+                </a:rPr>
+                <a:t>DbContext</a:t>
+              </a:r>
+              <a:r>
+                <a:rPr lang="en-GB" sz="1200" dirty="0">
+                  <a:solidFill>
+                    <a:srgbClr val="FF0000"/>
+                  </a:solidFill>
+                </a:rPr>
+                <a:t>.</a:t>
+              </a:r>
+            </a:p>
+          </p:txBody>
+        </p:sp>
+        <p:cxnSp>
+          <p:nvCxnSpPr>
+            <p:cNvPr id="34" name="Straight Arrow Connector 33">
+              <a:extLst>
+                <a:ext uri="{FF2B5EF4-FFF2-40B4-BE49-F238E27FC236}">
+                  <a16:creationId xmlns:a16="http://schemas.microsoft.com/office/drawing/2014/main" id="{BD699680-0AB9-4165-8116-E816B3C7FA03}"/>
+                </a:ext>
+              </a:extLst>
+            </p:cNvPr>
+            <p:cNvCxnSpPr>
+              <a:cxnSpLocks/>
+            </p:cNvCxnSpPr>
+            <p:nvPr/>
+          </p:nvCxnSpPr>
+          <p:spPr>
+            <a:xfrm flipH="1" flipV="1">
+              <a:off x="2118475" y="580034"/>
+              <a:ext cx="6807" cy="323164"/>
+            </a:xfrm>
+            <a:prstGeom prst="straightConnector1">
+              <a:avLst/>
+            </a:prstGeom>
+            <a:ln w="28575">
+              <a:tailEnd type="triangle"/>
+            </a:ln>
+          </p:spPr>
+          <p:style>
+            <a:lnRef idx="1">
+              <a:schemeClr val="accent1"/>
+            </a:lnRef>
+            <a:fillRef idx="0">
+              <a:schemeClr val="accent1"/>
+            </a:fillRef>
+            <a:effectRef idx="0">
+              <a:schemeClr val="accent1"/>
+            </a:effectRef>
+            <a:fontRef idx="minor">
+              <a:schemeClr val="tx1"/>
+            </a:fontRef>
+          </p:style>
+        </p:cxnSp>
+      </p:grpSp>
     </p:spTree>
     <p:extLst>
       <p:ext uri="{BB962C8B-B14F-4D97-AF65-F5344CB8AC3E}">
-        <p14:creationId xmlns:p14="http://schemas.microsoft.com/office/powerpoint/2010/main" val="1177773297"/>
+        <p14:creationId xmlns:p14="http://schemas.microsoft.com/office/powerpoint/2010/main" val="107678382"/>
       </p:ext>
     </p:extLst>
   </p:cSld>
@@ -5799,7 +6495,7 @@
           <p:cNvPr id="2" name="Title 1">
             <a:extLst>
               <a:ext uri="{FF2B5EF4-FFF2-40B4-BE49-F238E27FC236}">
-                <a16:creationId xmlns:a16="http://schemas.microsoft.com/office/drawing/2014/main" id="{A00CDC9E-6B01-41C9-8F86-6EDBEC3C5CF9}"/>
+                <a16:creationId xmlns:a16="http://schemas.microsoft.com/office/drawing/2014/main" id="{5DD8FEE4-CE69-4FA0-9723-13AFB84ED7A0}"/>
               </a:ext>
             </a:extLst>
           </p:cNvPr>
@@ -5813,16 +6509,28 @@
         <p:spPr>
           <a:xfrm>
             <a:off x="838200" y="365125"/>
-            <a:ext cx="10515600" cy="823595"/>
+            <a:ext cx="10515600" cy="613283"/>
           </a:xfrm>
         </p:spPr>
         <p:txBody>
-          <a:bodyPr/>
+          <a:bodyPr>
+            <a:normAutofit/>
+          </a:bodyPr>
           <a:lstStyle/>
           <a:p>
             <a:r>
-              <a:rPr lang="en-GB" dirty="0"/>
-              <a:t>Create a new type e.g. Subject, remembering:</a:t>
+              <a:rPr lang="en-GB" sz="2800" dirty="0"/>
+              <a:t>A default implementation of </a:t>
+            </a:r>
+            <a:r>
+              <a:rPr lang="en-GB" sz="2200" dirty="0" err="1">
+                <a:latin typeface="Consolas" panose="020B0609020204030204" pitchFamily="49" charset="0"/>
+              </a:rPr>
+              <a:t>ModelConfig</a:t>
+            </a:r>
+            <a:r>
+              <a:rPr lang="en-GB" sz="2800" dirty="0"/>
+              <a:t> is supplied with the template:</a:t>
             </a:r>
           </a:p>
         </p:txBody>
@@ -5832,7 +6540,7 @@
           <p:cNvPr id="3" name="Content Placeholder 2">
             <a:extLst>
               <a:ext uri="{FF2B5EF4-FFF2-40B4-BE49-F238E27FC236}">
-                <a16:creationId xmlns:a16="http://schemas.microsoft.com/office/drawing/2014/main" id="{DCE4B2EB-62D8-454F-8D29-00B9793552A1}"/>
+                <a16:creationId xmlns:a16="http://schemas.microsoft.com/office/drawing/2014/main" id="{0DFC6630-CA28-4FE7-94DD-20CCE5B52B8A}"/>
               </a:ext>
             </a:extLst>
           </p:cNvPr>
@@ -5845,19 +6553,1599 @@
         </p:nvSpPr>
         <p:spPr>
           <a:xfrm>
-            <a:off x="838200" y="1825625"/>
-            <a:ext cx="11039856" cy="4351338"/>
+            <a:off x="838200" y="1834769"/>
+            <a:ext cx="11195304" cy="4351338"/>
           </a:xfrm>
         </p:spPr>
         <p:txBody>
           <a:bodyPr>
-            <a:normAutofit lnSpcReduction="10000"/>
+            <a:noAutofit/>
           </a:bodyPr>
           <a:lstStyle/>
           <a:p>
+            <a:pPr marL="0" indent="0">
+              <a:buNone/>
+            </a:pPr>
+            <a:r>
+              <a:rPr lang="en-GB" sz="1400" dirty="0">
+                <a:solidFill>
+                  <a:srgbClr val="0000FF"/>
+                </a:solidFill>
+                <a:latin typeface="Consolas" panose="020B0609020204030204" pitchFamily="49" charset="0"/>
+              </a:rPr>
+              <a:t>public</a:t>
+            </a:r>
+            <a:r>
+              <a:rPr lang="en-GB" sz="1400" dirty="0">
+                <a:solidFill>
+                  <a:srgbClr val="000000"/>
+                </a:solidFill>
+                <a:latin typeface="Consolas" panose="020B0609020204030204" pitchFamily="49" charset="0"/>
+              </a:rPr>
+              <a:t> </a:t>
+            </a:r>
+            <a:r>
+              <a:rPr lang="en-GB" sz="1400" dirty="0">
+                <a:solidFill>
+                  <a:srgbClr val="0000FF"/>
+                </a:solidFill>
+                <a:latin typeface="Consolas" panose="020B0609020204030204" pitchFamily="49" charset="0"/>
+              </a:rPr>
+              <a:t>static</a:t>
+            </a:r>
+            <a:r>
+              <a:rPr lang="en-GB" sz="1400" dirty="0">
+                <a:solidFill>
+                  <a:srgbClr val="000000"/>
+                </a:solidFill>
+                <a:latin typeface="Consolas" panose="020B0609020204030204" pitchFamily="49" charset="0"/>
+              </a:rPr>
+              <a:t> </a:t>
+            </a:r>
+            <a:r>
+              <a:rPr lang="en-GB" sz="1400" dirty="0">
+                <a:solidFill>
+                  <a:srgbClr val="0000FF"/>
+                </a:solidFill>
+                <a:latin typeface="Consolas" panose="020B0609020204030204" pitchFamily="49" charset="0"/>
+              </a:rPr>
+              <a:t>class</a:t>
+            </a:r>
+            <a:r>
+              <a:rPr lang="en-GB" sz="1400" dirty="0">
+                <a:solidFill>
+                  <a:srgbClr val="000000"/>
+                </a:solidFill>
+                <a:latin typeface="Consolas" panose="020B0609020204030204" pitchFamily="49" charset="0"/>
+              </a:rPr>
+              <a:t> </a:t>
+            </a:r>
+            <a:r>
+              <a:rPr lang="en-GB" sz="1400" dirty="0" err="1">
+                <a:solidFill>
+                  <a:srgbClr val="2B91AF"/>
+                </a:solidFill>
+                <a:latin typeface="Consolas" panose="020B0609020204030204" pitchFamily="49" charset="0"/>
+              </a:rPr>
+              <a:t>ModelConfig</a:t>
+            </a:r>
+            <a:br>
+              <a:rPr lang="en-GB" sz="1400" dirty="0">
+                <a:solidFill>
+                  <a:srgbClr val="000000"/>
+                </a:solidFill>
+                <a:latin typeface="Consolas" panose="020B0609020204030204" pitchFamily="49" charset="0"/>
+              </a:rPr>
+            </a:br>
+            <a:r>
+              <a:rPr lang="en-GB" sz="1400" dirty="0">
+                <a:solidFill>
+                  <a:srgbClr val="000000"/>
+                </a:solidFill>
+                <a:latin typeface="Consolas" panose="020B0609020204030204" pitchFamily="49" charset="0"/>
+              </a:rPr>
+              <a:t>{</a:t>
+            </a:r>
+            <a:br>
+              <a:rPr lang="en-GB" sz="1400" dirty="0">
+                <a:solidFill>
+                  <a:srgbClr val="000000"/>
+                </a:solidFill>
+                <a:latin typeface="Consolas" panose="020B0609020204030204" pitchFamily="49" charset="0"/>
+              </a:rPr>
+            </a:br>
+            <a:r>
+              <a:rPr lang="en-GB" sz="1400" dirty="0">
+                <a:solidFill>
+                  <a:srgbClr val="000000"/>
+                </a:solidFill>
+                <a:latin typeface="Consolas" panose="020B0609020204030204" pitchFamily="49" charset="0"/>
+              </a:rPr>
+              <a:t>    </a:t>
+            </a:r>
+            <a:r>
+              <a:rPr lang="en-GB" sz="1400" dirty="0">
+                <a:solidFill>
+                  <a:srgbClr val="0000FF"/>
+                </a:solidFill>
+                <a:latin typeface="Consolas" panose="020B0609020204030204" pitchFamily="49" charset="0"/>
+              </a:rPr>
+              <a:t>public</a:t>
+            </a:r>
+            <a:r>
+              <a:rPr lang="en-GB" sz="1400" dirty="0">
+                <a:solidFill>
+                  <a:srgbClr val="000000"/>
+                </a:solidFill>
+                <a:latin typeface="Consolas" panose="020B0609020204030204" pitchFamily="49" charset="0"/>
+              </a:rPr>
+              <a:t> </a:t>
+            </a:r>
+            <a:r>
+              <a:rPr lang="en-GB" sz="1400" dirty="0">
+                <a:solidFill>
+                  <a:srgbClr val="0000FF"/>
+                </a:solidFill>
+                <a:latin typeface="Consolas" panose="020B0609020204030204" pitchFamily="49" charset="0"/>
+              </a:rPr>
+              <a:t>static</a:t>
+            </a:r>
+            <a:r>
+              <a:rPr lang="en-GB" sz="1400" dirty="0">
+                <a:solidFill>
+                  <a:srgbClr val="000000"/>
+                </a:solidFill>
+                <a:latin typeface="Consolas" panose="020B0609020204030204" pitchFamily="49" charset="0"/>
+              </a:rPr>
+              <a:t> Type[] Types() =&gt; </a:t>
+            </a:r>
+            <a:br>
+              <a:rPr lang="en-GB" sz="1400" dirty="0">
+                <a:solidFill>
+                  <a:srgbClr val="000000"/>
+                </a:solidFill>
+                <a:latin typeface="Consolas" panose="020B0609020204030204" pitchFamily="49" charset="0"/>
+              </a:rPr>
+            </a:br>
+            <a:r>
+              <a:rPr lang="en-GB" sz="1400" dirty="0">
+                <a:solidFill>
+                  <a:srgbClr val="000000"/>
+                </a:solidFill>
+                <a:latin typeface="Consolas" panose="020B0609020204030204" pitchFamily="49" charset="0"/>
+              </a:rPr>
+              <a:t>        </a:t>
+            </a:r>
+            <a:r>
+              <a:rPr lang="en-GB" sz="1400" dirty="0" err="1">
+                <a:solidFill>
+                  <a:srgbClr val="000000"/>
+                </a:solidFill>
+                <a:latin typeface="Consolas" panose="020B0609020204030204" pitchFamily="49" charset="0"/>
+              </a:rPr>
+              <a:t>DomainClasses.Where</a:t>
+            </a:r>
+            <a:r>
+              <a:rPr lang="en-GB" sz="1400" dirty="0">
+                <a:solidFill>
+                  <a:srgbClr val="000000"/>
+                </a:solidFill>
+                <a:latin typeface="Consolas" panose="020B0609020204030204" pitchFamily="49" charset="0"/>
+              </a:rPr>
+              <a:t>(t =&gt; </a:t>
+            </a:r>
+            <a:r>
+              <a:rPr lang="en-GB" sz="1400" dirty="0" err="1">
+                <a:solidFill>
+                  <a:srgbClr val="000000"/>
+                </a:solidFill>
+                <a:latin typeface="Consolas" panose="020B0609020204030204" pitchFamily="49" charset="0"/>
+              </a:rPr>
+              <a:t>t.Namespace</a:t>
+            </a:r>
+            <a:r>
+              <a:rPr lang="en-GB" sz="1400" dirty="0">
+                <a:solidFill>
+                  <a:srgbClr val="000000"/>
+                </a:solidFill>
+                <a:latin typeface="Consolas" panose="020B0609020204030204" pitchFamily="49" charset="0"/>
+              </a:rPr>
+              <a:t> == </a:t>
+            </a:r>
+            <a:r>
+              <a:rPr lang="en-GB" sz="1400" dirty="0">
+                <a:solidFill>
+                  <a:srgbClr val="A31515"/>
+                </a:solidFill>
+                <a:latin typeface="Consolas" panose="020B0609020204030204" pitchFamily="49" charset="0"/>
+              </a:rPr>
+              <a:t>"</a:t>
+            </a:r>
+            <a:r>
+              <a:rPr lang="en-GB" sz="1400" dirty="0" err="1">
+                <a:solidFill>
+                  <a:srgbClr val="A31515"/>
+                </a:solidFill>
+                <a:latin typeface="Consolas" panose="020B0609020204030204" pitchFamily="49" charset="0"/>
+              </a:rPr>
+              <a:t>Template.Model.Types</a:t>
+            </a:r>
+            <a:r>
+              <a:rPr lang="en-GB" sz="1400" dirty="0">
+                <a:solidFill>
+                  <a:srgbClr val="A31515"/>
+                </a:solidFill>
+                <a:latin typeface="Consolas" panose="020B0609020204030204" pitchFamily="49" charset="0"/>
+              </a:rPr>
+              <a:t>"</a:t>
+            </a:r>
+            <a:r>
+              <a:rPr lang="en-GB" sz="1400" dirty="0">
+                <a:solidFill>
+                  <a:srgbClr val="000000"/>
+                </a:solidFill>
+                <a:latin typeface="Consolas" panose="020B0609020204030204" pitchFamily="49" charset="0"/>
+              </a:rPr>
+              <a:t> &amp;&amp; !</a:t>
+            </a:r>
+            <a:r>
+              <a:rPr lang="en-GB" sz="1400" dirty="0" err="1">
+                <a:solidFill>
+                  <a:srgbClr val="000000"/>
+                </a:solidFill>
+                <a:latin typeface="Consolas" panose="020B0609020204030204" pitchFamily="49" charset="0"/>
+              </a:rPr>
+              <a:t>t.IsStaticClass</a:t>
+            </a:r>
+            <a:r>
+              <a:rPr lang="en-GB" sz="1400" dirty="0">
+                <a:solidFill>
+                  <a:srgbClr val="000000"/>
+                </a:solidFill>
+                <a:latin typeface="Consolas" panose="020B0609020204030204" pitchFamily="49" charset="0"/>
+              </a:rPr>
+              <a:t>()).</a:t>
+            </a:r>
+            <a:r>
+              <a:rPr lang="en-GB" sz="1400" dirty="0" err="1">
+                <a:solidFill>
+                  <a:srgbClr val="000000"/>
+                </a:solidFill>
+                <a:latin typeface="Consolas" panose="020B0609020204030204" pitchFamily="49" charset="0"/>
+              </a:rPr>
+              <a:t>ToArray</a:t>
+            </a:r>
+            <a:r>
+              <a:rPr lang="en-GB" sz="1400" dirty="0">
+                <a:solidFill>
+                  <a:srgbClr val="000000"/>
+                </a:solidFill>
+                <a:latin typeface="Consolas" panose="020B0609020204030204" pitchFamily="49" charset="0"/>
+              </a:rPr>
+              <a:t>();</a:t>
+            </a:r>
+          </a:p>
+          <a:p>
+            <a:pPr marL="0" indent="0">
+              <a:buNone/>
+            </a:pPr>
+            <a:endParaRPr lang="en-GB" sz="1400" dirty="0">
+              <a:solidFill>
+                <a:srgbClr val="000000"/>
+              </a:solidFill>
+              <a:latin typeface="Consolas" panose="020B0609020204030204" pitchFamily="49" charset="0"/>
+            </a:endParaRPr>
+          </a:p>
+          <a:p>
+            <a:pPr marL="0" indent="0">
+              <a:buNone/>
+            </a:pPr>
+            <a:endParaRPr lang="en-GB" sz="1400" dirty="0">
+              <a:solidFill>
+                <a:srgbClr val="000000"/>
+              </a:solidFill>
+              <a:latin typeface="Consolas" panose="020B0609020204030204" pitchFamily="49" charset="0"/>
+            </a:endParaRPr>
+          </a:p>
+          <a:p>
+            <a:pPr marL="0" indent="0">
+              <a:buNone/>
+            </a:pPr>
+            <a:r>
+              <a:rPr lang="en-GB" sz="1400" dirty="0">
+                <a:solidFill>
+                  <a:srgbClr val="000000"/>
+                </a:solidFill>
+                <a:latin typeface="Consolas" panose="020B0609020204030204" pitchFamily="49" charset="0"/>
+              </a:rPr>
+              <a:t>    </a:t>
+            </a:r>
+            <a:r>
+              <a:rPr lang="en-GB" sz="1400" dirty="0">
+                <a:solidFill>
+                  <a:srgbClr val="0000FF"/>
+                </a:solidFill>
+                <a:latin typeface="Consolas" panose="020B0609020204030204" pitchFamily="49" charset="0"/>
+              </a:rPr>
+              <a:t>public</a:t>
+            </a:r>
+            <a:r>
+              <a:rPr lang="en-GB" sz="1400" dirty="0">
+                <a:solidFill>
+                  <a:srgbClr val="000000"/>
+                </a:solidFill>
+                <a:latin typeface="Consolas" panose="020B0609020204030204" pitchFamily="49" charset="0"/>
+              </a:rPr>
+              <a:t> </a:t>
+            </a:r>
+            <a:r>
+              <a:rPr lang="en-GB" sz="1400" dirty="0">
+                <a:solidFill>
+                  <a:srgbClr val="0000FF"/>
+                </a:solidFill>
+                <a:latin typeface="Consolas" panose="020B0609020204030204" pitchFamily="49" charset="0"/>
+              </a:rPr>
+              <a:t>static</a:t>
+            </a:r>
+            <a:r>
+              <a:rPr lang="en-GB" sz="1400" dirty="0">
+                <a:solidFill>
+                  <a:srgbClr val="000000"/>
+                </a:solidFill>
+                <a:latin typeface="Consolas" panose="020B0609020204030204" pitchFamily="49" charset="0"/>
+              </a:rPr>
+              <a:t> Type[] Functions() =&gt;</a:t>
+            </a:r>
+            <a:br>
+              <a:rPr lang="en-GB" sz="1400" dirty="0">
+                <a:solidFill>
+                  <a:srgbClr val="000000"/>
+                </a:solidFill>
+                <a:latin typeface="Consolas" panose="020B0609020204030204" pitchFamily="49" charset="0"/>
+              </a:rPr>
+            </a:br>
+            <a:r>
+              <a:rPr lang="en-GB" sz="1400" dirty="0">
+                <a:solidFill>
+                  <a:srgbClr val="000000"/>
+                </a:solidFill>
+                <a:latin typeface="Consolas" panose="020B0609020204030204" pitchFamily="49" charset="0"/>
+              </a:rPr>
+              <a:t>        </a:t>
+            </a:r>
+            <a:r>
+              <a:rPr lang="en-GB" sz="1400" dirty="0" err="1">
+                <a:solidFill>
+                  <a:srgbClr val="000000"/>
+                </a:solidFill>
+                <a:latin typeface="Consolas" panose="020B0609020204030204" pitchFamily="49" charset="0"/>
+              </a:rPr>
+              <a:t>DomainClasses.Where</a:t>
+            </a:r>
+            <a:r>
+              <a:rPr lang="en-GB" sz="1400" dirty="0">
+                <a:solidFill>
+                  <a:srgbClr val="000000"/>
+                </a:solidFill>
+                <a:latin typeface="Consolas" panose="020B0609020204030204" pitchFamily="49" charset="0"/>
+              </a:rPr>
+              <a:t>(t =&gt; </a:t>
+            </a:r>
+            <a:r>
+              <a:rPr lang="en-GB" sz="1400" dirty="0" err="1">
+                <a:solidFill>
+                  <a:srgbClr val="000000"/>
+                </a:solidFill>
+                <a:latin typeface="Consolas" panose="020B0609020204030204" pitchFamily="49" charset="0"/>
+              </a:rPr>
+              <a:t>t.Namespace</a:t>
+            </a:r>
+            <a:r>
+              <a:rPr lang="en-GB" sz="1400" dirty="0">
+                <a:solidFill>
+                  <a:srgbClr val="000000"/>
+                </a:solidFill>
+                <a:latin typeface="Consolas" panose="020B0609020204030204" pitchFamily="49" charset="0"/>
+              </a:rPr>
+              <a:t> == </a:t>
+            </a:r>
+            <a:r>
+              <a:rPr lang="en-GB" sz="1400" dirty="0">
+                <a:solidFill>
+                  <a:srgbClr val="A31515"/>
+                </a:solidFill>
+                <a:latin typeface="Consolas" panose="020B0609020204030204" pitchFamily="49" charset="0"/>
+              </a:rPr>
+              <a:t>"</a:t>
+            </a:r>
+            <a:r>
+              <a:rPr lang="en-GB" sz="1400" dirty="0" err="1">
+                <a:solidFill>
+                  <a:srgbClr val="A31515"/>
+                </a:solidFill>
+                <a:latin typeface="Consolas" panose="020B0609020204030204" pitchFamily="49" charset="0"/>
+              </a:rPr>
+              <a:t>Template.Model.Functions</a:t>
+            </a:r>
+            <a:r>
+              <a:rPr lang="en-GB" sz="1400" dirty="0">
+                <a:solidFill>
+                  <a:srgbClr val="A31515"/>
+                </a:solidFill>
+                <a:latin typeface="Consolas" panose="020B0609020204030204" pitchFamily="49" charset="0"/>
+              </a:rPr>
+              <a:t>"</a:t>
+            </a:r>
+            <a:r>
+              <a:rPr lang="en-GB" sz="1400" dirty="0">
+                <a:solidFill>
+                  <a:srgbClr val="000000"/>
+                </a:solidFill>
+                <a:latin typeface="Consolas" panose="020B0609020204030204" pitchFamily="49" charset="0"/>
+              </a:rPr>
+              <a:t> &amp;&amp; </a:t>
+            </a:r>
+            <a:r>
+              <a:rPr lang="en-GB" sz="1400" dirty="0" err="1">
+                <a:solidFill>
+                  <a:srgbClr val="000000"/>
+                </a:solidFill>
+                <a:latin typeface="Consolas" panose="020B0609020204030204" pitchFamily="49" charset="0"/>
+              </a:rPr>
+              <a:t>t.IsStaticClass</a:t>
+            </a:r>
+            <a:r>
+              <a:rPr lang="en-GB" sz="1400" dirty="0">
+                <a:solidFill>
+                  <a:srgbClr val="000000"/>
+                </a:solidFill>
+                <a:latin typeface="Consolas" panose="020B0609020204030204" pitchFamily="49" charset="0"/>
+              </a:rPr>
+              <a:t>()).</a:t>
+            </a:r>
+            <a:r>
+              <a:rPr lang="en-GB" sz="1400" dirty="0" err="1">
+                <a:solidFill>
+                  <a:srgbClr val="000000"/>
+                </a:solidFill>
+                <a:latin typeface="Consolas" panose="020B0609020204030204" pitchFamily="49" charset="0"/>
+              </a:rPr>
+              <a:t>ToArray</a:t>
+            </a:r>
+            <a:r>
+              <a:rPr lang="en-GB" sz="1400" dirty="0">
+                <a:solidFill>
+                  <a:srgbClr val="000000"/>
+                </a:solidFill>
+                <a:latin typeface="Consolas" panose="020B0609020204030204" pitchFamily="49" charset="0"/>
+              </a:rPr>
+              <a:t>();</a:t>
+            </a:r>
+          </a:p>
+          <a:p>
+            <a:pPr marL="0" indent="0">
+              <a:buNone/>
+            </a:pPr>
+            <a:endParaRPr lang="en-GB" sz="1400" dirty="0">
+              <a:solidFill>
+                <a:srgbClr val="000000"/>
+              </a:solidFill>
+              <a:latin typeface="Consolas" panose="020B0609020204030204" pitchFamily="49" charset="0"/>
+            </a:endParaRPr>
+          </a:p>
+          <a:p>
+            <a:pPr marL="0" indent="0">
+              <a:buNone/>
+            </a:pPr>
+            <a:endParaRPr lang="en-GB" sz="1400" dirty="0">
+              <a:solidFill>
+                <a:srgbClr val="000000"/>
+              </a:solidFill>
+              <a:latin typeface="Consolas" panose="020B0609020204030204" pitchFamily="49" charset="0"/>
+            </a:endParaRPr>
+          </a:p>
+          <a:p>
+            <a:pPr marL="0" indent="0">
+              <a:buNone/>
+            </a:pPr>
+            <a:r>
+              <a:rPr lang="en-GB" sz="1400" dirty="0">
+                <a:solidFill>
+                  <a:srgbClr val="000000"/>
+                </a:solidFill>
+                <a:latin typeface="Consolas" panose="020B0609020204030204" pitchFamily="49" charset="0"/>
+              </a:rPr>
+              <a:t>    </a:t>
+            </a:r>
+            <a:r>
+              <a:rPr lang="en-GB" sz="1400" dirty="0">
+                <a:solidFill>
+                  <a:srgbClr val="0000FF"/>
+                </a:solidFill>
+                <a:latin typeface="Consolas" panose="020B0609020204030204" pitchFamily="49" charset="0"/>
+              </a:rPr>
+              <a:t>public</a:t>
+            </a:r>
+            <a:r>
+              <a:rPr lang="en-GB" sz="1400" dirty="0">
+                <a:solidFill>
+                  <a:srgbClr val="000000"/>
+                </a:solidFill>
+                <a:latin typeface="Consolas" panose="020B0609020204030204" pitchFamily="49" charset="0"/>
+              </a:rPr>
+              <a:t> </a:t>
+            </a:r>
+            <a:r>
+              <a:rPr lang="en-GB" sz="1400" dirty="0">
+                <a:solidFill>
+                  <a:srgbClr val="0000FF"/>
+                </a:solidFill>
+                <a:latin typeface="Consolas" panose="020B0609020204030204" pitchFamily="49" charset="0"/>
+              </a:rPr>
+              <a:t>static</a:t>
+            </a:r>
+            <a:r>
+              <a:rPr lang="en-GB" sz="1400" dirty="0">
+                <a:solidFill>
+                  <a:srgbClr val="000000"/>
+                </a:solidFill>
+                <a:latin typeface="Consolas" panose="020B0609020204030204" pitchFamily="49" charset="0"/>
+              </a:rPr>
+              <a:t> Type[] </a:t>
+            </a:r>
+            <a:r>
+              <a:rPr lang="en-GB" sz="1400" dirty="0" err="1">
+                <a:solidFill>
+                  <a:srgbClr val="000000"/>
+                </a:solidFill>
+                <a:latin typeface="Consolas" panose="020B0609020204030204" pitchFamily="49" charset="0"/>
+              </a:rPr>
+              <a:t>MainMenus</a:t>
+            </a:r>
+            <a:r>
+              <a:rPr lang="en-GB" sz="1400" dirty="0">
+                <a:solidFill>
+                  <a:srgbClr val="000000"/>
+                </a:solidFill>
+                <a:latin typeface="Consolas" panose="020B0609020204030204" pitchFamily="49" charset="0"/>
+              </a:rPr>
+              <a:t>() =&gt;</a:t>
+            </a:r>
+            <a:br>
+              <a:rPr lang="en-GB" sz="1400" dirty="0">
+                <a:solidFill>
+                  <a:srgbClr val="000000"/>
+                </a:solidFill>
+                <a:latin typeface="Consolas" panose="020B0609020204030204" pitchFamily="49" charset="0"/>
+              </a:rPr>
+            </a:br>
+            <a:r>
+              <a:rPr lang="en-US" sz="1400" dirty="0">
+                <a:solidFill>
+                  <a:srgbClr val="000000"/>
+                </a:solidFill>
+                <a:latin typeface="Consolas" panose="020B0609020204030204" pitchFamily="49" charset="0"/>
+              </a:rPr>
+              <a:t>        Functions().Where(t =&gt; </a:t>
+            </a:r>
+            <a:r>
+              <a:rPr lang="en-US" sz="1400" dirty="0" err="1">
+                <a:solidFill>
+                  <a:srgbClr val="000000"/>
+                </a:solidFill>
+                <a:latin typeface="Consolas" panose="020B0609020204030204" pitchFamily="49" charset="0"/>
+              </a:rPr>
+              <a:t>t.FullName.Contains</a:t>
+            </a:r>
+            <a:r>
+              <a:rPr lang="en-US" sz="1400" dirty="0">
+                <a:solidFill>
+                  <a:srgbClr val="000000"/>
+                </a:solidFill>
+                <a:latin typeface="Consolas" panose="020B0609020204030204" pitchFamily="49" charset="0"/>
+              </a:rPr>
+              <a:t>(</a:t>
+            </a:r>
+            <a:r>
+              <a:rPr lang="en-US" sz="1400" dirty="0">
+                <a:solidFill>
+                  <a:srgbClr val="A31515"/>
+                </a:solidFill>
+                <a:latin typeface="Consolas" panose="020B0609020204030204" pitchFamily="49" charset="0"/>
+              </a:rPr>
+              <a:t>"</a:t>
+            </a:r>
+            <a:r>
+              <a:rPr lang="en-US" sz="1400" dirty="0" err="1">
+                <a:solidFill>
+                  <a:srgbClr val="A31515"/>
+                </a:solidFill>
+                <a:latin typeface="Consolas" panose="020B0609020204030204" pitchFamily="49" charset="0"/>
+              </a:rPr>
+              <a:t>MenuFunctions</a:t>
+            </a:r>
+            <a:r>
+              <a:rPr lang="en-US" sz="1400" dirty="0">
+                <a:solidFill>
+                  <a:srgbClr val="A31515"/>
+                </a:solidFill>
+                <a:latin typeface="Consolas" panose="020B0609020204030204" pitchFamily="49" charset="0"/>
+              </a:rPr>
+              <a:t>"</a:t>
+            </a:r>
+            <a:r>
+              <a:rPr lang="en-US" sz="1400" dirty="0">
+                <a:solidFill>
+                  <a:srgbClr val="000000"/>
+                </a:solidFill>
+                <a:latin typeface="Consolas" panose="020B0609020204030204" pitchFamily="49" charset="0"/>
+              </a:rPr>
+              <a:t>)).</a:t>
+            </a:r>
+            <a:r>
+              <a:rPr lang="en-US" sz="1400" dirty="0" err="1">
+                <a:solidFill>
+                  <a:srgbClr val="000000"/>
+                </a:solidFill>
+                <a:latin typeface="Consolas" panose="020B0609020204030204" pitchFamily="49" charset="0"/>
+              </a:rPr>
+              <a:t>ToArray</a:t>
+            </a:r>
+            <a:r>
+              <a:rPr lang="en-US" sz="1400" dirty="0">
+                <a:solidFill>
+                  <a:srgbClr val="000000"/>
+                </a:solidFill>
+                <a:latin typeface="Consolas" panose="020B0609020204030204" pitchFamily="49" charset="0"/>
+              </a:rPr>
+              <a:t>();</a:t>
+            </a:r>
+          </a:p>
+          <a:p>
+            <a:pPr marL="0" indent="0">
+              <a:buNone/>
+            </a:pPr>
+            <a:endParaRPr lang="en-GB" sz="1400" dirty="0">
+              <a:solidFill>
+                <a:srgbClr val="000000"/>
+              </a:solidFill>
+              <a:latin typeface="Consolas" panose="020B0609020204030204" pitchFamily="49" charset="0"/>
+            </a:endParaRPr>
+          </a:p>
+          <a:p>
+            <a:pPr marL="0" indent="0">
+              <a:buNone/>
+            </a:pPr>
+            <a:endParaRPr lang="en-GB" sz="1400" dirty="0">
+              <a:solidFill>
+                <a:srgbClr val="000000"/>
+              </a:solidFill>
+              <a:latin typeface="Consolas" panose="020B0609020204030204" pitchFamily="49" charset="0"/>
+            </a:endParaRPr>
+          </a:p>
+          <a:p>
+            <a:pPr marL="0" indent="0">
+              <a:buNone/>
+            </a:pPr>
+            <a:r>
+              <a:rPr lang="en-GB" sz="1400" dirty="0">
+                <a:solidFill>
+                  <a:srgbClr val="000000"/>
+                </a:solidFill>
+                <a:latin typeface="Consolas" panose="020B0609020204030204" pitchFamily="49" charset="0"/>
+              </a:rPr>
+              <a:t>    </a:t>
+            </a:r>
+          </a:p>
+          <a:p>
+            <a:pPr marL="0" indent="0">
+              <a:buNone/>
+            </a:pPr>
+            <a:r>
+              <a:rPr lang="en-GB" sz="1400" dirty="0">
+                <a:solidFill>
+                  <a:srgbClr val="0000FF"/>
+                </a:solidFill>
+                <a:latin typeface="Consolas" panose="020B0609020204030204" pitchFamily="49" charset="0"/>
+              </a:rPr>
+              <a:t>public</a:t>
+            </a:r>
+            <a:r>
+              <a:rPr lang="en-GB" sz="1400" dirty="0">
+                <a:solidFill>
+                  <a:srgbClr val="000000"/>
+                </a:solidFill>
+                <a:latin typeface="Consolas" panose="020B0609020204030204" pitchFamily="49" charset="0"/>
+              </a:rPr>
+              <a:t> </a:t>
+            </a:r>
+            <a:r>
+              <a:rPr lang="en-GB" sz="1400" dirty="0">
+                <a:solidFill>
+                  <a:srgbClr val="0000FF"/>
+                </a:solidFill>
+                <a:latin typeface="Consolas" panose="020B0609020204030204" pitchFamily="49" charset="0"/>
+              </a:rPr>
+              <a:t>static</a:t>
+            </a:r>
+            <a:r>
+              <a:rPr lang="en-GB" sz="1400" dirty="0">
+                <a:solidFill>
+                  <a:srgbClr val="000000"/>
+                </a:solidFill>
+                <a:latin typeface="Consolas" panose="020B0609020204030204" pitchFamily="49" charset="0"/>
+              </a:rPr>
+              <a:t> </a:t>
+            </a:r>
+            <a:r>
+              <a:rPr lang="en-GB" sz="1400" dirty="0" err="1">
+                <a:solidFill>
+                  <a:srgbClr val="000000"/>
+                </a:solidFill>
+                <a:latin typeface="Consolas" panose="020B0609020204030204" pitchFamily="49" charset="0"/>
+              </a:rPr>
+              <a:t>Func</a:t>
+            </a:r>
+            <a:r>
+              <a:rPr lang="en-GB" sz="1400" dirty="0">
+                <a:solidFill>
+                  <a:srgbClr val="000000"/>
+                </a:solidFill>
+                <a:latin typeface="Consolas" panose="020B0609020204030204" pitchFamily="49" charset="0"/>
+              </a:rPr>
+              <a:t>&lt;</a:t>
+            </a:r>
+            <a:r>
+              <a:rPr lang="en-GB" sz="1400" dirty="0" err="1">
+                <a:solidFill>
+                  <a:srgbClr val="000000"/>
+                </a:solidFill>
+                <a:latin typeface="Consolas" panose="020B0609020204030204" pitchFamily="49" charset="0"/>
+              </a:rPr>
+              <a:t>IConfiguration</a:t>
+            </a:r>
+            <a:r>
+              <a:rPr lang="en-GB" sz="1400" dirty="0">
+                <a:solidFill>
+                  <a:srgbClr val="000000"/>
+                </a:solidFill>
+                <a:latin typeface="Consolas" panose="020B0609020204030204" pitchFamily="49" charset="0"/>
+              </a:rPr>
+              <a:t>, </a:t>
+            </a:r>
+            <a:r>
+              <a:rPr lang="en-GB" sz="1400" dirty="0" err="1">
+                <a:solidFill>
+                  <a:srgbClr val="000000"/>
+                </a:solidFill>
+                <a:latin typeface="Consolas" panose="020B0609020204030204" pitchFamily="49" charset="0"/>
+              </a:rPr>
+              <a:t>DbContext</a:t>
+            </a:r>
+            <a:r>
+              <a:rPr lang="en-GB" sz="1400" dirty="0">
+                <a:solidFill>
+                  <a:srgbClr val="000000"/>
+                </a:solidFill>
+                <a:latin typeface="Consolas" panose="020B0609020204030204" pitchFamily="49" charset="0"/>
+              </a:rPr>
+              <a:t>&gt; </a:t>
+            </a:r>
+            <a:r>
+              <a:rPr lang="en-GB" sz="1400" dirty="0" err="1">
+                <a:solidFill>
+                  <a:srgbClr val="000000"/>
+                </a:solidFill>
+                <a:latin typeface="Consolas" panose="020B0609020204030204" pitchFamily="49" charset="0"/>
+              </a:rPr>
+              <a:t>DbContextInstaller</a:t>
+            </a:r>
+            <a:r>
+              <a:rPr lang="en-GB" sz="1400" dirty="0">
+                <a:solidFill>
+                  <a:srgbClr val="000000"/>
+                </a:solidFill>
+                <a:latin typeface="Consolas" panose="020B0609020204030204" pitchFamily="49" charset="0"/>
+              </a:rPr>
+              <a:t> =&gt;</a:t>
+            </a:r>
+            <a:br>
+              <a:rPr lang="en-GB" sz="1400" dirty="0">
+                <a:solidFill>
+                  <a:srgbClr val="000000"/>
+                </a:solidFill>
+                <a:latin typeface="Consolas" panose="020B0609020204030204" pitchFamily="49" charset="0"/>
+              </a:rPr>
+            </a:br>
+            <a:r>
+              <a:rPr lang="en-US" sz="1400" dirty="0">
+                <a:solidFill>
+                  <a:srgbClr val="000000"/>
+                </a:solidFill>
+                <a:latin typeface="Consolas" panose="020B0609020204030204" pitchFamily="49" charset="0"/>
+              </a:rPr>
+              <a:t>        c =&gt; </a:t>
+            </a:r>
+            <a:r>
+              <a:rPr lang="en-US" sz="1400" dirty="0">
+                <a:solidFill>
+                  <a:srgbClr val="0000FF"/>
+                </a:solidFill>
+                <a:latin typeface="Consolas" panose="020B0609020204030204" pitchFamily="49" charset="0"/>
+              </a:rPr>
+              <a:t>new</a:t>
+            </a:r>
+            <a:r>
+              <a:rPr lang="en-US" sz="1400" dirty="0">
+                <a:solidFill>
+                  <a:srgbClr val="000000"/>
+                </a:solidFill>
+                <a:latin typeface="Consolas" panose="020B0609020204030204" pitchFamily="49" charset="0"/>
+              </a:rPr>
+              <a:t> </a:t>
+            </a:r>
+            <a:r>
+              <a:rPr lang="en-US" sz="1400" dirty="0" err="1">
+                <a:solidFill>
+                  <a:srgbClr val="000000"/>
+                </a:solidFill>
+                <a:latin typeface="Consolas" panose="020B0609020204030204" pitchFamily="49" charset="0"/>
+              </a:rPr>
+              <a:t>ExampleDbContext</a:t>
+            </a:r>
+            <a:r>
+              <a:rPr lang="en-US" sz="1400" dirty="0">
+                <a:solidFill>
+                  <a:srgbClr val="000000"/>
+                </a:solidFill>
+                <a:latin typeface="Consolas" panose="020B0609020204030204" pitchFamily="49" charset="0"/>
+              </a:rPr>
+              <a:t>(</a:t>
+            </a:r>
+            <a:r>
+              <a:rPr lang="en-US" sz="1400" dirty="0" err="1">
+                <a:solidFill>
+                  <a:srgbClr val="000000"/>
+                </a:solidFill>
+                <a:latin typeface="Consolas" panose="020B0609020204030204" pitchFamily="49" charset="0"/>
+              </a:rPr>
+              <a:t>c.GetConnectionString</a:t>
+            </a:r>
+            <a:r>
+              <a:rPr lang="en-US" sz="1400" dirty="0">
+                <a:solidFill>
+                  <a:srgbClr val="000000"/>
+                </a:solidFill>
+                <a:latin typeface="Consolas" panose="020B0609020204030204" pitchFamily="49" charset="0"/>
+              </a:rPr>
+              <a:t>(</a:t>
+            </a:r>
+            <a:r>
+              <a:rPr lang="en-US" sz="1400" dirty="0">
+                <a:solidFill>
+                  <a:srgbClr val="A31515"/>
+                </a:solidFill>
+                <a:latin typeface="Consolas" panose="020B0609020204030204" pitchFamily="49" charset="0"/>
+              </a:rPr>
+              <a:t>"</a:t>
+            </a:r>
+            <a:r>
+              <a:rPr lang="en-US" sz="1400" dirty="0" err="1">
+                <a:solidFill>
+                  <a:srgbClr val="A31515"/>
+                </a:solidFill>
+                <a:latin typeface="Consolas" panose="020B0609020204030204" pitchFamily="49" charset="0"/>
+              </a:rPr>
+              <a:t>ExampleCS</a:t>
+            </a:r>
+            <a:r>
+              <a:rPr lang="en-US" sz="1400" dirty="0">
+                <a:solidFill>
+                  <a:srgbClr val="A31515"/>
+                </a:solidFill>
+                <a:latin typeface="Consolas" panose="020B0609020204030204" pitchFamily="49" charset="0"/>
+              </a:rPr>
+              <a:t>"</a:t>
+            </a:r>
+            <a:r>
+              <a:rPr lang="en-US" sz="1400" dirty="0">
+                <a:solidFill>
+                  <a:srgbClr val="000000"/>
+                </a:solidFill>
+                <a:latin typeface="Consolas" panose="020B0609020204030204" pitchFamily="49" charset="0"/>
+              </a:rPr>
+              <a:t>), </a:t>
+            </a:r>
+            <a:r>
+              <a:rPr lang="en-US" sz="1400" dirty="0">
+                <a:solidFill>
+                  <a:srgbClr val="0000FF"/>
+                </a:solidFill>
+                <a:latin typeface="Consolas" panose="020B0609020204030204" pitchFamily="49" charset="0"/>
+              </a:rPr>
+              <a:t>new</a:t>
+            </a:r>
+            <a:r>
+              <a:rPr lang="en-US" sz="1400" dirty="0">
+                <a:solidFill>
+                  <a:srgbClr val="000000"/>
+                </a:solidFill>
+                <a:latin typeface="Consolas" panose="020B0609020204030204" pitchFamily="49" charset="0"/>
+              </a:rPr>
+              <a:t> </a:t>
+            </a:r>
+            <a:r>
+              <a:rPr lang="en-US" sz="1400" dirty="0" err="1">
+                <a:solidFill>
+                  <a:srgbClr val="000000"/>
+                </a:solidFill>
+                <a:latin typeface="Consolas" panose="020B0609020204030204" pitchFamily="49" charset="0"/>
+              </a:rPr>
+              <a:t>ExampleDbInitializer</a:t>
+            </a:r>
+            <a:r>
+              <a:rPr lang="en-US" sz="1400" dirty="0">
+                <a:solidFill>
+                  <a:srgbClr val="000000"/>
+                </a:solidFill>
+                <a:latin typeface="Consolas" panose="020B0609020204030204" pitchFamily="49" charset="0"/>
+              </a:rPr>
+              <a:t>()); </a:t>
+            </a:r>
+            <a:br>
+              <a:rPr lang="en-GB" sz="1800" dirty="0">
+                <a:solidFill>
+                  <a:srgbClr val="000000"/>
+                </a:solidFill>
+                <a:latin typeface="Consolas" panose="020B0609020204030204" pitchFamily="49" charset="0"/>
+              </a:rPr>
+            </a:br>
+            <a:r>
+              <a:rPr lang="en-GB" sz="1400" dirty="0">
+                <a:solidFill>
+                  <a:srgbClr val="000000"/>
+                </a:solidFill>
+                <a:latin typeface="Consolas" panose="020B0609020204030204" pitchFamily="49" charset="0"/>
+              </a:rPr>
+              <a:t>}</a:t>
+            </a:r>
+            <a:endParaRPr lang="en-GB" sz="1400" dirty="0"/>
+          </a:p>
+        </p:txBody>
+      </p:sp>
+      <p:grpSp>
+        <p:nvGrpSpPr>
+          <p:cNvPr id="4" name="Group 3">
+            <a:extLst>
+              <a:ext uri="{FF2B5EF4-FFF2-40B4-BE49-F238E27FC236}">
+                <a16:creationId xmlns:a16="http://schemas.microsoft.com/office/drawing/2014/main" id="{24005F7F-4BC8-4CFA-954D-FE4FEF967DBD}"/>
+              </a:ext>
+            </a:extLst>
+          </p:cNvPr>
+          <p:cNvGrpSpPr/>
+          <p:nvPr/>
+        </p:nvGrpSpPr>
+        <p:grpSpPr>
+          <a:xfrm>
+            <a:off x="4840373" y="1603936"/>
+            <a:ext cx="4385923" cy="764360"/>
+            <a:chOff x="-374583" y="1312021"/>
+            <a:chExt cx="3896142" cy="764360"/>
+          </a:xfrm>
+        </p:grpSpPr>
+        <p:sp>
+          <p:nvSpPr>
+            <p:cNvPr id="5" name="TextBox 4">
+              <a:extLst>
+                <a:ext uri="{FF2B5EF4-FFF2-40B4-BE49-F238E27FC236}">
+                  <a16:creationId xmlns:a16="http://schemas.microsoft.com/office/drawing/2014/main" id="{CFE531B8-136F-4148-83F8-1B831A9F6B13}"/>
+                </a:ext>
+              </a:extLst>
+            </p:cNvPr>
+            <p:cNvSpPr txBox="1"/>
+            <p:nvPr/>
+          </p:nvSpPr>
+          <p:spPr>
+            <a:xfrm>
+              <a:off x="-374583" y="1312021"/>
+              <a:ext cx="3896142" cy="461665"/>
+            </a:xfrm>
+            <a:prstGeom prst="rect">
+              <a:avLst/>
+            </a:prstGeom>
+            <a:solidFill>
+              <a:schemeClr val="bg1"/>
+            </a:solidFill>
+            <a:ln w="28575">
+              <a:solidFill>
+                <a:schemeClr val="accent1"/>
+              </a:solidFill>
+            </a:ln>
+          </p:spPr>
+          <p:txBody>
+            <a:bodyPr wrap="square" rtlCol="0">
+              <a:spAutoFit/>
+            </a:bodyPr>
+            <a:lstStyle/>
+            <a:p>
+              <a:r>
+                <a:rPr lang="en-GB" sz="1200" dirty="0">
+                  <a:solidFill>
+                    <a:srgbClr val="FF0000"/>
+                  </a:solidFill>
+                </a:rPr>
+                <a:t>1. Returns all non-static types from the model found in this namespace. (Change the namespace if you wish.)</a:t>
+              </a:r>
+            </a:p>
+          </p:txBody>
+        </p:sp>
+        <p:cxnSp>
+          <p:nvCxnSpPr>
+            <p:cNvPr id="6" name="Straight Arrow Connector 5">
+              <a:extLst>
+                <a:ext uri="{FF2B5EF4-FFF2-40B4-BE49-F238E27FC236}">
+                  <a16:creationId xmlns:a16="http://schemas.microsoft.com/office/drawing/2014/main" id="{DBF4D77D-1D0D-4EAD-9EE4-90B10049B1CB}"/>
+                </a:ext>
+              </a:extLst>
+            </p:cNvPr>
+            <p:cNvCxnSpPr>
+              <a:cxnSpLocks/>
+              <a:stCxn id="5" idx="2"/>
+            </p:cNvCxnSpPr>
+            <p:nvPr/>
+          </p:nvCxnSpPr>
+          <p:spPr>
+            <a:xfrm>
+              <a:off x="1573488" y="1773686"/>
+              <a:ext cx="1" cy="302695"/>
+            </a:xfrm>
+            <a:prstGeom prst="straightConnector1">
+              <a:avLst/>
+            </a:prstGeom>
+            <a:ln w="28575">
+              <a:tailEnd type="triangle"/>
+            </a:ln>
+          </p:spPr>
+          <p:style>
+            <a:lnRef idx="1">
+              <a:schemeClr val="accent1"/>
+            </a:lnRef>
+            <a:fillRef idx="0">
+              <a:schemeClr val="accent1"/>
+            </a:fillRef>
+            <a:effectRef idx="0">
+              <a:schemeClr val="accent1"/>
+            </a:effectRef>
+            <a:fontRef idx="minor">
+              <a:schemeClr val="tx1"/>
+            </a:fontRef>
+          </p:style>
+        </p:cxnSp>
+      </p:grpSp>
+      <p:grpSp>
+        <p:nvGrpSpPr>
+          <p:cNvPr id="11" name="Group 10">
+            <a:extLst>
+              <a:ext uri="{FF2B5EF4-FFF2-40B4-BE49-F238E27FC236}">
+                <a16:creationId xmlns:a16="http://schemas.microsoft.com/office/drawing/2014/main" id="{E406D07C-8C2C-492E-BEFF-C428A5EEDAB0}"/>
+              </a:ext>
+            </a:extLst>
+          </p:cNvPr>
+          <p:cNvGrpSpPr/>
+          <p:nvPr/>
+        </p:nvGrpSpPr>
+        <p:grpSpPr>
+          <a:xfrm>
+            <a:off x="4840372" y="2842477"/>
+            <a:ext cx="4385923" cy="764360"/>
+            <a:chOff x="-374583" y="1312021"/>
+            <a:chExt cx="3896142" cy="764360"/>
+          </a:xfrm>
+        </p:grpSpPr>
+        <p:sp>
+          <p:nvSpPr>
+            <p:cNvPr id="12" name="TextBox 11">
+              <a:extLst>
+                <a:ext uri="{FF2B5EF4-FFF2-40B4-BE49-F238E27FC236}">
+                  <a16:creationId xmlns:a16="http://schemas.microsoft.com/office/drawing/2014/main" id="{31C848F5-AD1B-4188-80B5-0F0E349BD392}"/>
+                </a:ext>
+              </a:extLst>
+            </p:cNvPr>
+            <p:cNvSpPr txBox="1"/>
+            <p:nvPr/>
+          </p:nvSpPr>
+          <p:spPr>
+            <a:xfrm>
+              <a:off x="-374583" y="1312021"/>
+              <a:ext cx="3896142" cy="461665"/>
+            </a:xfrm>
+            <a:prstGeom prst="rect">
+              <a:avLst/>
+            </a:prstGeom>
+            <a:solidFill>
+              <a:schemeClr val="bg1"/>
+            </a:solidFill>
+            <a:ln w="28575">
+              <a:solidFill>
+                <a:schemeClr val="accent1"/>
+              </a:solidFill>
+            </a:ln>
+          </p:spPr>
+          <p:txBody>
+            <a:bodyPr wrap="square" rtlCol="0">
+              <a:spAutoFit/>
+            </a:bodyPr>
+            <a:lstStyle/>
+            <a:p>
+              <a:r>
+                <a:rPr lang="en-GB" sz="1200" dirty="0">
+                  <a:solidFill>
+                    <a:srgbClr val="FF0000"/>
+                  </a:solidFill>
+                </a:rPr>
+                <a:t>2. Returns static types from the model found in this namespace (Change the namespace if you wish.)</a:t>
+              </a:r>
+            </a:p>
+          </p:txBody>
+        </p:sp>
+        <p:cxnSp>
+          <p:nvCxnSpPr>
+            <p:cNvPr id="13" name="Straight Arrow Connector 12">
+              <a:extLst>
+                <a:ext uri="{FF2B5EF4-FFF2-40B4-BE49-F238E27FC236}">
+                  <a16:creationId xmlns:a16="http://schemas.microsoft.com/office/drawing/2014/main" id="{510F787E-D12D-4343-8AB7-40B9F6133ECD}"/>
+                </a:ext>
+              </a:extLst>
+            </p:cNvPr>
+            <p:cNvCxnSpPr>
+              <a:cxnSpLocks/>
+              <a:stCxn id="12" idx="2"/>
+            </p:cNvCxnSpPr>
+            <p:nvPr/>
+          </p:nvCxnSpPr>
+          <p:spPr>
+            <a:xfrm flipH="1">
+              <a:off x="1573488" y="1773686"/>
+              <a:ext cx="1" cy="302695"/>
+            </a:xfrm>
+            <a:prstGeom prst="straightConnector1">
+              <a:avLst/>
+            </a:prstGeom>
+            <a:ln w="28575">
+              <a:tailEnd type="triangle"/>
+            </a:ln>
+          </p:spPr>
+          <p:style>
+            <a:lnRef idx="1">
+              <a:schemeClr val="accent1"/>
+            </a:lnRef>
+            <a:fillRef idx="0">
+              <a:schemeClr val="accent1"/>
+            </a:fillRef>
+            <a:effectRef idx="0">
+              <a:schemeClr val="accent1"/>
+            </a:effectRef>
+            <a:fontRef idx="minor">
+              <a:schemeClr val="tx1"/>
+            </a:fontRef>
+          </p:style>
+        </p:cxnSp>
+      </p:grpSp>
+      <p:grpSp>
+        <p:nvGrpSpPr>
+          <p:cNvPr id="14" name="Group 13">
+            <a:extLst>
+              <a:ext uri="{FF2B5EF4-FFF2-40B4-BE49-F238E27FC236}">
+                <a16:creationId xmlns:a16="http://schemas.microsoft.com/office/drawing/2014/main" id="{99F18413-5281-41DE-ACAB-AE71A881703B}"/>
+              </a:ext>
+            </a:extLst>
+          </p:cNvPr>
+          <p:cNvGrpSpPr/>
+          <p:nvPr/>
+        </p:nvGrpSpPr>
+        <p:grpSpPr>
+          <a:xfrm>
+            <a:off x="4840372" y="4028040"/>
+            <a:ext cx="4385923" cy="764360"/>
+            <a:chOff x="-374583" y="1312021"/>
+            <a:chExt cx="3896142" cy="764360"/>
+          </a:xfrm>
+        </p:grpSpPr>
+        <p:sp>
+          <p:nvSpPr>
+            <p:cNvPr id="15" name="TextBox 14">
+              <a:extLst>
+                <a:ext uri="{FF2B5EF4-FFF2-40B4-BE49-F238E27FC236}">
+                  <a16:creationId xmlns:a16="http://schemas.microsoft.com/office/drawing/2014/main" id="{2A9DBFE8-621B-4DFC-8D58-5F2C51A3CD61}"/>
+                </a:ext>
+              </a:extLst>
+            </p:cNvPr>
+            <p:cNvSpPr txBox="1"/>
+            <p:nvPr/>
+          </p:nvSpPr>
+          <p:spPr>
+            <a:xfrm>
+              <a:off x="-374583" y="1312021"/>
+              <a:ext cx="3896142" cy="461665"/>
+            </a:xfrm>
+            <a:prstGeom prst="rect">
+              <a:avLst/>
+            </a:prstGeom>
+            <a:solidFill>
+              <a:schemeClr val="bg1"/>
+            </a:solidFill>
+            <a:ln w="28575">
+              <a:solidFill>
+                <a:schemeClr val="accent1"/>
+              </a:solidFill>
+            </a:ln>
+          </p:spPr>
+          <p:txBody>
+            <a:bodyPr wrap="square" rtlCol="0">
+              <a:spAutoFit/>
+            </a:bodyPr>
+            <a:lstStyle/>
+            <a:p>
+              <a:r>
+                <a:rPr lang="en-GB" sz="1200" dirty="0">
+                  <a:solidFill>
+                    <a:srgbClr val="FF0000"/>
+                  </a:solidFill>
+                </a:rPr>
+                <a:t>3. Returns those static types defined in 2, where the name contains ‘</a:t>
+              </a:r>
+              <a:r>
+                <a:rPr lang="en-GB" sz="1100" dirty="0" err="1">
+                  <a:latin typeface="Consolas" panose="020B0609020204030204" pitchFamily="49" charset="0"/>
+                </a:rPr>
+                <a:t>MenuFunctions</a:t>
+              </a:r>
+              <a:r>
+                <a:rPr lang="en-GB" sz="1200" dirty="0">
+                  <a:solidFill>
+                    <a:srgbClr val="FF0000"/>
+                  </a:solidFill>
+                </a:rPr>
+                <a:t>’. (Use a different convention if you wish.)</a:t>
+              </a:r>
+            </a:p>
+          </p:txBody>
+        </p:sp>
+        <p:cxnSp>
+          <p:nvCxnSpPr>
+            <p:cNvPr id="16" name="Straight Arrow Connector 15">
+              <a:extLst>
+                <a:ext uri="{FF2B5EF4-FFF2-40B4-BE49-F238E27FC236}">
+                  <a16:creationId xmlns:a16="http://schemas.microsoft.com/office/drawing/2014/main" id="{0742120D-1443-4189-BA45-9CC95553B6CB}"/>
+                </a:ext>
+              </a:extLst>
+            </p:cNvPr>
+            <p:cNvCxnSpPr>
+              <a:cxnSpLocks/>
+              <a:stCxn id="15" idx="2"/>
+            </p:cNvCxnSpPr>
+            <p:nvPr/>
+          </p:nvCxnSpPr>
+          <p:spPr>
+            <a:xfrm>
+              <a:off x="1573488" y="1773686"/>
+              <a:ext cx="1" cy="302695"/>
+            </a:xfrm>
+            <a:prstGeom prst="straightConnector1">
+              <a:avLst/>
+            </a:prstGeom>
+            <a:ln w="28575">
+              <a:tailEnd type="triangle"/>
+            </a:ln>
+          </p:spPr>
+          <p:style>
+            <a:lnRef idx="1">
+              <a:schemeClr val="accent1"/>
+            </a:lnRef>
+            <a:fillRef idx="0">
+              <a:schemeClr val="accent1"/>
+            </a:fillRef>
+            <a:effectRef idx="0">
+              <a:schemeClr val="accent1"/>
+            </a:effectRef>
+            <a:fontRef idx="minor">
+              <a:schemeClr val="tx1"/>
+            </a:fontRef>
+          </p:style>
+        </p:cxnSp>
+      </p:grpSp>
+      <p:grpSp>
+        <p:nvGrpSpPr>
+          <p:cNvPr id="17" name="Group 16">
+            <a:extLst>
+              <a:ext uri="{FF2B5EF4-FFF2-40B4-BE49-F238E27FC236}">
+                <a16:creationId xmlns:a16="http://schemas.microsoft.com/office/drawing/2014/main" id="{86C00977-8E56-4AD6-9892-40D54B8984A1}"/>
+              </a:ext>
+            </a:extLst>
+          </p:cNvPr>
+          <p:cNvGrpSpPr/>
+          <p:nvPr/>
+        </p:nvGrpSpPr>
+        <p:grpSpPr>
+          <a:xfrm>
+            <a:off x="4840372" y="5110629"/>
+            <a:ext cx="4385923" cy="877164"/>
+            <a:chOff x="-374583" y="1312021"/>
+            <a:chExt cx="3896142" cy="877164"/>
+          </a:xfrm>
+        </p:grpSpPr>
+        <p:sp>
+          <p:nvSpPr>
+            <p:cNvPr id="18" name="TextBox 17">
+              <a:extLst>
+                <a:ext uri="{FF2B5EF4-FFF2-40B4-BE49-F238E27FC236}">
+                  <a16:creationId xmlns:a16="http://schemas.microsoft.com/office/drawing/2014/main" id="{76C2FD02-688B-41BE-BFEC-BE7C89631388}"/>
+                </a:ext>
+              </a:extLst>
+            </p:cNvPr>
+            <p:cNvSpPr txBox="1"/>
+            <p:nvPr/>
+          </p:nvSpPr>
+          <p:spPr>
+            <a:xfrm>
+              <a:off x="-374583" y="1312021"/>
+              <a:ext cx="3896142" cy="646331"/>
+            </a:xfrm>
+            <a:prstGeom prst="rect">
+              <a:avLst/>
+            </a:prstGeom>
+            <a:solidFill>
+              <a:schemeClr val="bg1"/>
+            </a:solidFill>
+            <a:ln w="28575">
+              <a:solidFill>
+                <a:schemeClr val="accent1"/>
+              </a:solidFill>
+            </a:ln>
+          </p:spPr>
+          <p:txBody>
+            <a:bodyPr wrap="square" rtlCol="0">
+              <a:spAutoFit/>
+            </a:bodyPr>
+            <a:lstStyle/>
+            <a:p>
+              <a:r>
+                <a:rPr lang="en-GB" sz="1200" dirty="0">
+                  <a:solidFill>
+                    <a:srgbClr val="FF0000"/>
+                  </a:solidFill>
+                </a:rPr>
+                <a:t>4. Returns a lambda</a:t>
+              </a:r>
+              <a:r>
+                <a:rPr lang="en-GB" sz="1100" dirty="0">
+                  <a:solidFill>
+                    <a:srgbClr val="FF0000"/>
+                  </a:solidFill>
+                  <a:latin typeface="Consolas" panose="020B0609020204030204" pitchFamily="49" charset="0"/>
+                </a:rPr>
+                <a:t> </a:t>
+              </a:r>
+              <a:r>
+                <a:rPr lang="en-GB" sz="1200" dirty="0">
+                  <a:solidFill>
+                    <a:srgbClr val="FF0000"/>
+                  </a:solidFill>
+                </a:rPr>
+                <a:t>that creates a new </a:t>
+              </a:r>
+              <a:r>
+                <a:rPr lang="en-GB" sz="1100" dirty="0" err="1">
+                  <a:latin typeface="Consolas" panose="020B0609020204030204" pitchFamily="49" charset="0"/>
+                </a:rPr>
+                <a:t>ExampleDbContext</a:t>
+              </a:r>
+              <a:r>
+                <a:rPr lang="en-GB" sz="1200" dirty="0">
+                  <a:solidFill>
+                    <a:srgbClr val="FF0000"/>
+                  </a:solidFill>
+                </a:rPr>
+                <a:t>, with the connection string (defined in the Server &gt; </a:t>
+              </a:r>
+              <a:r>
+                <a:rPr lang="en-GB" sz="1100" dirty="0" err="1">
+                  <a:latin typeface="Consolas" panose="020B0609020204030204" pitchFamily="49" charset="0"/>
+                </a:rPr>
+                <a:t>appsettings.json</a:t>
+              </a:r>
+              <a:r>
+                <a:rPr lang="en-GB" sz="1200" dirty="0">
+                  <a:solidFill>
+                    <a:srgbClr val="FF0000"/>
+                  </a:solidFill>
+                </a:rPr>
+                <a:t>), and the </a:t>
+              </a:r>
+              <a:r>
+                <a:rPr lang="en-GB" sz="1100" dirty="0" err="1">
+                  <a:latin typeface="Consolas" panose="020B0609020204030204" pitchFamily="49" charset="0"/>
+                </a:rPr>
+                <a:t>ExampleDbInitializer</a:t>
+              </a:r>
+              <a:r>
+                <a:rPr lang="en-GB" sz="1200" dirty="0">
+                  <a:solidFill>
+                    <a:srgbClr val="FF0000"/>
+                  </a:solidFill>
+                </a:rPr>
+                <a:t>. (Change any names as needed.)</a:t>
+              </a:r>
+            </a:p>
+          </p:txBody>
+        </p:sp>
+        <p:cxnSp>
+          <p:nvCxnSpPr>
+            <p:cNvPr id="19" name="Straight Arrow Connector 18">
+              <a:extLst>
+                <a:ext uri="{FF2B5EF4-FFF2-40B4-BE49-F238E27FC236}">
+                  <a16:creationId xmlns:a16="http://schemas.microsoft.com/office/drawing/2014/main" id="{AB3297E8-7E9B-4474-8D9A-9F52DA96C34F}"/>
+                </a:ext>
+              </a:extLst>
+            </p:cNvPr>
+            <p:cNvCxnSpPr>
+              <a:cxnSpLocks/>
+              <a:stCxn id="18" idx="2"/>
+            </p:cNvCxnSpPr>
+            <p:nvPr/>
+          </p:nvCxnSpPr>
+          <p:spPr>
+            <a:xfrm>
+              <a:off x="1573488" y="1958352"/>
+              <a:ext cx="0" cy="230833"/>
+            </a:xfrm>
+            <a:prstGeom prst="straightConnector1">
+              <a:avLst/>
+            </a:prstGeom>
+            <a:ln w="28575">
+              <a:tailEnd type="triangle"/>
+            </a:ln>
+          </p:spPr>
+          <p:style>
+            <a:lnRef idx="1">
+              <a:schemeClr val="accent1"/>
+            </a:lnRef>
+            <a:fillRef idx="0">
+              <a:schemeClr val="accent1"/>
+            </a:fillRef>
+            <a:effectRef idx="0">
+              <a:schemeClr val="accent1"/>
+            </a:effectRef>
+            <a:fontRef idx="minor">
+              <a:schemeClr val="tx1"/>
+            </a:fontRef>
+          </p:style>
+        </p:cxnSp>
+      </p:grpSp>
+    </p:spTree>
+    <p:extLst>
+      <p:ext uri="{BB962C8B-B14F-4D97-AF65-F5344CB8AC3E}">
+        <p14:creationId xmlns:p14="http://schemas.microsoft.com/office/powerpoint/2010/main" val="488524886"/>
+      </p:ext>
+    </p:extLst>
+  </p:cSld>
+  <p:clrMapOvr>
+    <a:masterClrMapping/>
+  </p:clrMapOvr>
+</p:sld>
+</file>
+
+<file path=ppt/slides/slide9.xml><?xml version="1.0" encoding="utf-8"?>
+<p:sld xmlns:a="http://schemas.openxmlformats.org/drawingml/2006/main" xmlns:r="http://schemas.openxmlformats.org/officeDocument/2006/relationships" xmlns:p="http://schemas.openxmlformats.org/presentationml/2006/main">
+  <p:cSld>
+    <p:spTree>
+      <p:nvGrpSpPr>
+        <p:cNvPr id="1" name=""/>
+        <p:cNvGrpSpPr/>
+        <p:nvPr/>
+      </p:nvGrpSpPr>
+      <p:grpSpPr>
+        <a:xfrm>
+          <a:off x="0" y="0"/>
+          <a:ext cx="0" cy="0"/>
+          <a:chOff x="0" y="0"/>
+          <a:chExt cx="0" cy="0"/>
+        </a:xfrm>
+      </p:grpSpPr>
+      <p:sp>
+        <p:nvSpPr>
+          <p:cNvPr id="2" name="Title 1">
+            <a:extLst>
+              <a:ext uri="{FF2B5EF4-FFF2-40B4-BE49-F238E27FC236}">
+                <a16:creationId xmlns:a16="http://schemas.microsoft.com/office/drawing/2014/main" id="{61240CD2-8904-4513-909A-712129DBD0A2}"/>
+              </a:ext>
+            </a:extLst>
+          </p:cNvPr>
+          <p:cNvSpPr>
+            <a:spLocks noGrp="1"/>
+          </p:cNvSpPr>
+          <p:nvPr>
+            <p:ph type="title"/>
+          </p:nvPr>
+        </p:nvSpPr>
+        <p:spPr/>
+        <p:txBody>
+          <a:bodyPr/>
+          <a:lstStyle/>
+          <a:p>
             <a:r>
               <a:rPr lang="en-GB" dirty="0"/>
-              <a:t>To work with Entity framework, all records need an </a:t>
+              <a:t>Things to try</a:t>
+            </a:r>
+          </a:p>
+        </p:txBody>
+      </p:sp>
+      <p:sp>
+        <p:nvSpPr>
+          <p:cNvPr id="3" name="Content Placeholder 2">
+            <a:extLst>
+              <a:ext uri="{FF2B5EF4-FFF2-40B4-BE49-F238E27FC236}">
+                <a16:creationId xmlns:a16="http://schemas.microsoft.com/office/drawing/2014/main" id="{ED8569CB-720F-4CB8-9719-8FCC9AACDE9D}"/>
+              </a:ext>
+            </a:extLst>
+          </p:cNvPr>
+          <p:cNvSpPr>
+            <a:spLocks noGrp="1"/>
+          </p:cNvSpPr>
+          <p:nvPr>
+            <p:ph idx="1"/>
+          </p:nvPr>
+        </p:nvSpPr>
+        <p:spPr/>
+        <p:txBody>
+          <a:bodyPr/>
+          <a:lstStyle/>
+          <a:p>
+            <a:r>
+              <a:rPr lang="en-GB" dirty="0"/>
+              <a:t>(Read </a:t>
+            </a:r>
+            <a:r>
+              <a:rPr lang="en-GB" dirty="0">
+                <a:hlinkClick r:id="rId2"/>
+              </a:rPr>
+              <a:t>The Naked Functions programming </a:t>
+            </a:r>
+            <a:r>
+              <a:rPr lang="en-GB">
+                <a:hlinkClick r:id="rId2"/>
+              </a:rPr>
+              <a:t>model </a:t>
+            </a:r>
+            <a:r>
+              <a:rPr lang="en-GB"/>
+              <a:t> presentation </a:t>
+            </a:r>
+            <a:r>
+              <a:rPr lang="en-GB" dirty="0"/>
+              <a:t>first)</a:t>
+            </a:r>
+          </a:p>
+          <a:p>
+            <a:r>
+              <a:rPr lang="en-GB" dirty="0"/>
+              <a:t>Adding new properties to the Student type</a:t>
+            </a:r>
+          </a:p>
+          <a:p>
+            <a:pPr lvl="1"/>
+            <a:r>
+              <a:rPr lang="en-GB" sz="1900" dirty="0" err="1">
+                <a:solidFill>
+                  <a:srgbClr val="000000"/>
+                </a:solidFill>
+                <a:latin typeface="Consolas" panose="020B0609020204030204" pitchFamily="49" charset="0"/>
+              </a:rPr>
+              <a:t>DateOfBirth</a:t>
+            </a:r>
+            <a:r>
+              <a:rPr lang="en-GB" sz="2400" dirty="0"/>
+              <a:t>,</a:t>
             </a:r>
             <a:r>
               <a:rPr lang="en-GB" sz="1900" dirty="0">
@@ -5866,17 +8154,24 @@
                 </a:solidFill>
                 <a:latin typeface="Consolas" panose="020B0609020204030204" pitchFamily="49" charset="0"/>
               </a:rPr>
-              <a:t>Id</a:t>
+              <a:t> Address</a:t>
             </a:r>
             <a:r>
               <a:rPr lang="en-GB" dirty="0"/>
-              <a:t> property</a:t>
-            </a:r>
-          </a:p>
-          <a:p>
+              <a:t>, or splitting the </a:t>
+            </a:r>
+            <a:r>
+              <a:rPr lang="en-GB" sz="1900" dirty="0" err="1">
+                <a:solidFill>
+                  <a:srgbClr val="000000"/>
+                </a:solidFill>
+                <a:latin typeface="Consolas" panose="020B0609020204030204" pitchFamily="49" charset="0"/>
+              </a:rPr>
+              <a:t>FullName</a:t>
+            </a:r>
             <a:r>
               <a:rPr lang="en-GB" dirty="0"/>
-              <a:t>All properties must be marked </a:t>
+              <a:t> into </a:t>
             </a:r>
             <a:r>
               <a:rPr lang="en-GB" sz="1900" dirty="0">
@@ -5885,29 +8180,11 @@
                 </a:solidFill>
                 <a:latin typeface="Consolas" panose="020B0609020204030204" pitchFamily="49" charset="0"/>
               </a:rPr>
-              <a:t>virtual</a:t>
-            </a:r>
-          </a:p>
-          <a:p>
-            <a:pPr lvl="1"/>
+              <a:t>FirstName</a:t>
+            </a:r>
             <a:r>
               <a:rPr lang="en-GB" dirty="0"/>
-              <a:t>Needed by Entity Framework to permit ‘lazy loading’ of references	</a:t>
-            </a:r>
-          </a:p>
-          <a:p>
-            <a:r>
-              <a:rPr lang="en-GB" dirty="0"/>
-              <a:t>Record properties should have </a:t>
-            </a:r>
-            <a:r>
-              <a:rPr lang="en-GB" sz="1900" dirty="0">
-                <a:solidFill>
-                  <a:srgbClr val="000000"/>
-                </a:solidFill>
-                <a:latin typeface="Consolas" panose="020B0609020204030204" pitchFamily="49" charset="0"/>
-              </a:rPr>
-              <a:t>{get; </a:t>
+              <a:t> and </a:t>
             </a:r>
             <a:r>
               <a:rPr lang="en-GB" sz="1900" dirty="0" err="1">
@@ -5916,177 +8193,7 @@
                 </a:solidFill>
                 <a:latin typeface="Consolas" panose="020B0609020204030204" pitchFamily="49" charset="0"/>
               </a:rPr>
-              <a:t>init</a:t>
-            </a:r>
-            <a:r>
-              <a:rPr lang="en-GB" sz="1900" dirty="0">
-                <a:solidFill>
-                  <a:srgbClr val="000000"/>
-                </a:solidFill>
-                <a:latin typeface="Consolas" panose="020B0609020204030204" pitchFamily="49" charset="0"/>
-              </a:rPr>
-              <a:t>;} </a:t>
-            </a:r>
-            <a:r>
-              <a:rPr lang="en-GB" dirty="0"/>
-              <a:t>accessors</a:t>
-            </a:r>
-          </a:p>
-          <a:p>
-            <a:r>
-              <a:rPr lang="en-GB" dirty="0"/>
-              <a:t>Collections must return </a:t>
-            </a:r>
-            <a:r>
-              <a:rPr lang="en-GB" sz="1900" dirty="0" err="1">
-                <a:solidFill>
-                  <a:srgbClr val="000000"/>
-                </a:solidFill>
-                <a:latin typeface="Consolas" panose="020B0609020204030204" pitchFamily="49" charset="0"/>
-              </a:rPr>
-              <a:t>ICollection</a:t>
-            </a:r>
-            <a:r>
-              <a:rPr lang="en-GB" sz="1900" dirty="0">
-                <a:solidFill>
-                  <a:srgbClr val="000000"/>
-                </a:solidFill>
-                <a:latin typeface="Consolas" panose="020B0609020204030204" pitchFamily="49" charset="0"/>
-              </a:rPr>
-              <a:t>&lt;T&gt;</a:t>
-            </a:r>
-            <a:r>
-              <a:rPr lang="en-GB" dirty="0"/>
-              <a:t> and should be initialized</a:t>
-            </a:r>
-          </a:p>
-          <a:p>
-            <a:r>
-              <a:rPr lang="en-GB" dirty="0"/>
-              <a:t>Override the </a:t>
-            </a:r>
-            <a:r>
-              <a:rPr lang="en-GB" sz="1900" dirty="0" err="1">
-                <a:solidFill>
-                  <a:srgbClr val="000000"/>
-                </a:solidFill>
-                <a:latin typeface="Consolas" panose="020B0609020204030204" pitchFamily="49" charset="0"/>
-              </a:rPr>
-              <a:t>ToString</a:t>
-            </a:r>
-            <a:r>
-              <a:rPr lang="en-GB" dirty="0"/>
-              <a:t> method to define a display title</a:t>
-            </a:r>
-          </a:p>
-          <a:p>
-            <a:r>
-              <a:rPr lang="en-GB" dirty="0"/>
-              <a:t>Add these two lines of boilerplate code:</a:t>
-            </a:r>
-          </a:p>
-          <a:p>
-            <a:pPr marL="0" indent="0">
-              <a:buNone/>
-            </a:pPr>
-            <a:r>
-              <a:rPr lang="en-US" sz="1900" dirty="0">
-                <a:solidFill>
-                  <a:srgbClr val="0000FF"/>
-                </a:solidFill>
-                <a:latin typeface="Consolas" panose="020B0609020204030204" pitchFamily="49" charset="0"/>
-              </a:rPr>
-              <a:t>public</a:t>
-            </a:r>
-            <a:r>
-              <a:rPr lang="en-US" sz="1900" dirty="0">
-                <a:solidFill>
-                  <a:srgbClr val="000000"/>
-                </a:solidFill>
-                <a:latin typeface="Consolas" panose="020B0609020204030204" pitchFamily="49" charset="0"/>
-              </a:rPr>
-              <a:t> </a:t>
-            </a:r>
-            <a:r>
-              <a:rPr lang="en-US" sz="1900" dirty="0">
-                <a:solidFill>
-                  <a:srgbClr val="0000FF"/>
-                </a:solidFill>
-                <a:latin typeface="Consolas" panose="020B0609020204030204" pitchFamily="49" charset="0"/>
-              </a:rPr>
-              <a:t>override</a:t>
-            </a:r>
-            <a:r>
-              <a:rPr lang="en-US" sz="1900" dirty="0">
-                <a:solidFill>
-                  <a:srgbClr val="000000"/>
-                </a:solidFill>
-                <a:latin typeface="Consolas" panose="020B0609020204030204" pitchFamily="49" charset="0"/>
-              </a:rPr>
-              <a:t> </a:t>
-            </a:r>
-            <a:r>
-              <a:rPr lang="en-US" sz="1900" dirty="0">
-                <a:solidFill>
-                  <a:srgbClr val="0000FF"/>
-                </a:solidFill>
-                <a:latin typeface="Consolas" panose="020B0609020204030204" pitchFamily="49" charset="0"/>
-              </a:rPr>
-              <a:t>int</a:t>
-            </a:r>
-            <a:r>
-              <a:rPr lang="en-US" sz="1900" dirty="0">
-                <a:solidFill>
-                  <a:srgbClr val="000000"/>
-                </a:solidFill>
-                <a:latin typeface="Consolas" panose="020B0609020204030204" pitchFamily="49" charset="0"/>
-              </a:rPr>
-              <a:t> </a:t>
-            </a:r>
-            <a:r>
-              <a:rPr lang="en-US" sz="1900" dirty="0" err="1">
-                <a:solidFill>
-                  <a:srgbClr val="000000"/>
-                </a:solidFill>
-                <a:latin typeface="Consolas" panose="020B0609020204030204" pitchFamily="49" charset="0"/>
-              </a:rPr>
-              <a:t>GetHashCode</a:t>
-            </a:r>
-            <a:r>
-              <a:rPr lang="en-US" sz="1900" dirty="0">
-                <a:solidFill>
-                  <a:srgbClr val="000000"/>
-                </a:solidFill>
-                <a:latin typeface="Consolas" panose="020B0609020204030204" pitchFamily="49" charset="0"/>
-              </a:rPr>
-              <a:t>() =&gt; </a:t>
-            </a:r>
-            <a:r>
-              <a:rPr lang="en-US" sz="1900" dirty="0" err="1">
-                <a:solidFill>
-                  <a:srgbClr val="0000FF"/>
-                </a:solidFill>
-                <a:latin typeface="Consolas" panose="020B0609020204030204" pitchFamily="49" charset="0"/>
-              </a:rPr>
-              <a:t>base</a:t>
-            </a:r>
-            <a:r>
-              <a:rPr lang="en-US" sz="1900" dirty="0" err="1">
-                <a:solidFill>
-                  <a:srgbClr val="000000"/>
-                </a:solidFill>
-                <a:latin typeface="Consolas" panose="020B0609020204030204" pitchFamily="49" charset="0"/>
-              </a:rPr>
-              <a:t>.GetHashCode</a:t>
-            </a:r>
-            <a:r>
-              <a:rPr lang="en-US" sz="1900" dirty="0">
-                <a:solidFill>
-                  <a:srgbClr val="000000"/>
-                </a:solidFill>
-                <a:latin typeface="Consolas" panose="020B0609020204030204" pitchFamily="49" charset="0"/>
-              </a:rPr>
-              <a:t>();</a:t>
+              <a:t>LastName</a:t>
             </a:r>
             <a:endParaRPr lang="en-GB" sz="1900" dirty="0">
               <a:solidFill>
@@ -6096,20 +8203,94 @@
             </a:endParaRPr>
           </a:p>
           <a:p>
-            <a:pPr marL="0" indent="0">
-              <a:buNone/>
-            </a:pPr>
-            <a:r>
-              <a:rPr lang="en-US" sz="1900" dirty="0">
-                <a:solidFill>
-                  <a:srgbClr val="0000FF"/>
-                </a:solidFill>
-                <a:latin typeface="Consolas" panose="020B0609020204030204" pitchFamily="49" charset="0"/>
-              </a:rPr>
-              <a:t>public</a:t>
-            </a:r>
-            <a:r>
-              <a:rPr lang="en-US" sz="1900" dirty="0">
+            <a:pPr lvl="1"/>
+            <a:r>
+              <a:rPr lang="en-GB" dirty="0"/>
+              <a:t>Use </a:t>
+            </a:r>
+            <a:r>
+              <a:rPr lang="en-GB" sz="1900" dirty="0">
+                <a:solidFill>
+                  <a:srgbClr val="000000"/>
+                </a:solidFill>
+                <a:latin typeface="Consolas" panose="020B0609020204030204" pitchFamily="49" charset="0"/>
+              </a:rPr>
+              <a:t>[</a:t>
+            </a:r>
+            <a:r>
+              <a:rPr lang="en-GB" sz="1900" dirty="0" err="1">
+                <a:solidFill>
+                  <a:srgbClr val="000000"/>
+                </a:solidFill>
+                <a:latin typeface="Consolas" panose="020B0609020204030204" pitchFamily="49" charset="0"/>
+              </a:rPr>
+              <a:t>MemberOrder</a:t>
+            </a:r>
+            <a:r>
+              <a:rPr lang="en-GB" sz="1900" dirty="0">
+                <a:solidFill>
+                  <a:srgbClr val="000000"/>
+                </a:solidFill>
+                <a:latin typeface="Consolas" panose="020B0609020204030204" pitchFamily="49" charset="0"/>
+              </a:rPr>
+              <a:t>] </a:t>
+            </a:r>
+            <a:r>
+              <a:rPr lang="en-GB" dirty="0"/>
+              <a:t>to control ordering, </a:t>
+            </a:r>
+            <a:br>
+              <a:rPr lang="en-GB" dirty="0"/>
+            </a:br>
+            <a:r>
+              <a:rPr lang="en-GB" sz="1900" dirty="0">
+                <a:solidFill>
+                  <a:srgbClr val="000000"/>
+                </a:solidFill>
+                <a:latin typeface="Consolas" panose="020B0609020204030204" pitchFamily="49" charset="0"/>
+              </a:rPr>
+              <a:t>[Mask("d")] </a:t>
+            </a:r>
+            <a:r>
+              <a:rPr lang="en-GB" dirty="0"/>
+              <a:t>to format the </a:t>
+            </a:r>
+            <a:r>
+              <a:rPr lang="en-GB" sz="1900" dirty="0" err="1">
+                <a:solidFill>
+                  <a:srgbClr val="000000"/>
+                </a:solidFill>
+                <a:latin typeface="Consolas" panose="020B0609020204030204" pitchFamily="49" charset="0"/>
+              </a:rPr>
+              <a:t>DateTime</a:t>
+            </a:r>
+            <a:r>
+              <a:rPr lang="en-GB" dirty="0"/>
+              <a:t> property nicely</a:t>
+            </a:r>
+          </a:p>
+          <a:p>
+            <a:r>
+              <a:rPr lang="en-GB" dirty="0"/>
+              <a:t>Adding or modifying a menu function, to find students using new properties</a:t>
+            </a:r>
+          </a:p>
+          <a:p>
+            <a:r>
+              <a:rPr lang="en-GB" dirty="0"/>
+              <a:t>Creating a new </a:t>
+            </a:r>
+            <a:r>
+              <a:rPr lang="en-GB" sz="1900" dirty="0" err="1">
+                <a:solidFill>
+                  <a:srgbClr val="000000"/>
+                </a:solidFill>
+                <a:latin typeface="Consolas" panose="020B0609020204030204" pitchFamily="49" charset="0"/>
+              </a:rPr>
+              <a:t>Student_Functions</a:t>
+            </a:r>
+            <a:r>
+              <a:rPr lang="en-GB" sz="1900" dirty="0">
                 <a:solidFill>
                   <a:srgbClr val="000000"/>
                 </a:solidFill>
@@ -6118,122 +8299,36 @@
               <a:t> </a:t>
             </a:r>
             <a:r>
-              <a:rPr lang="en-US" sz="1900" dirty="0">
-                <a:solidFill>
-                  <a:srgbClr val="0000FF"/>
-                </a:solidFill>
-                <a:latin typeface="Consolas" panose="020B0609020204030204" pitchFamily="49" charset="0"/>
-              </a:rPr>
-              <a:t>virtual</a:t>
-            </a:r>
-            <a:r>
-              <a:rPr lang="en-US" sz="1900" dirty="0">
-                <a:solidFill>
-                  <a:srgbClr val="000000"/>
-                </a:solidFill>
-                <a:latin typeface="Consolas" panose="020B0609020204030204" pitchFamily="49" charset="0"/>
-              </a:rPr>
-              <a:t> </a:t>
-            </a:r>
-            <a:r>
-              <a:rPr lang="en-US" sz="1900" dirty="0">
-                <a:solidFill>
-                  <a:srgbClr val="0000FF"/>
-                </a:solidFill>
-                <a:latin typeface="Consolas" panose="020B0609020204030204" pitchFamily="49" charset="0"/>
-              </a:rPr>
-              <a:t>bool</a:t>
-            </a:r>
-            <a:r>
-              <a:rPr lang="en-US" sz="1900" dirty="0">
-                <a:solidFill>
-                  <a:srgbClr val="000000"/>
-                </a:solidFill>
-                <a:latin typeface="Consolas" panose="020B0609020204030204" pitchFamily="49" charset="0"/>
-              </a:rPr>
-              <a:t> Equals([</a:t>
-            </a:r>
-            <a:r>
-              <a:rPr lang="en-US" sz="1900" dirty="0" err="1">
-                <a:solidFill>
-                  <a:srgbClr val="000000"/>
-                </a:solidFill>
-                <a:latin typeface="Consolas" panose="020B0609020204030204" pitchFamily="49" charset="0"/>
-              </a:rPr>
-              <a:t>NewTypeName</a:t>
-            </a:r>
-            <a:r>
-              <a:rPr lang="en-US" sz="1900" dirty="0">
-                <a:solidFill>
-                  <a:srgbClr val="000000"/>
-                </a:solidFill>
-                <a:latin typeface="Consolas" panose="020B0609020204030204" pitchFamily="49" charset="0"/>
-              </a:rPr>
-              <a:t>] other) =&gt; </a:t>
-            </a:r>
-            <a:r>
-              <a:rPr lang="en-US" sz="1900" dirty="0" err="1">
-                <a:solidFill>
-                  <a:srgbClr val="000000"/>
-                </a:solidFill>
-                <a:latin typeface="Consolas" panose="020B0609020204030204" pitchFamily="49" charset="0"/>
-              </a:rPr>
-              <a:t>ReferenceEquals</a:t>
-            </a:r>
-            <a:r>
-              <a:rPr lang="en-US" sz="1900" dirty="0">
-                <a:solidFill>
-                  <a:srgbClr val="000000"/>
-                </a:solidFill>
-                <a:latin typeface="Consolas" panose="020B0609020204030204" pitchFamily="49" charset="0"/>
-              </a:rPr>
-              <a:t>(</a:t>
-            </a:r>
-            <a:r>
-              <a:rPr lang="en-US" sz="1900" dirty="0">
-                <a:solidFill>
-                  <a:srgbClr val="0000FF"/>
-                </a:solidFill>
-                <a:latin typeface="Consolas" panose="020B0609020204030204" pitchFamily="49" charset="0"/>
-              </a:rPr>
-              <a:t>this</a:t>
-            </a:r>
-            <a:r>
-              <a:rPr lang="en-US" sz="1900" dirty="0">
-                <a:solidFill>
-                  <a:srgbClr val="000000"/>
-                </a:solidFill>
-                <a:latin typeface="Consolas" panose="020B0609020204030204" pitchFamily="49" charset="0"/>
-              </a:rPr>
-              <a:t>, other);</a:t>
-            </a:r>
-            <a:endParaRPr lang="en-GB" sz="3500" dirty="0"/>
-          </a:p>
-          <a:p>
-            <a:pPr marL="457200" lvl="1" indent="0">
-              <a:buNone/>
-            </a:pPr>
-            <a:r>
               <a:rPr lang="en-GB" dirty="0"/>
-              <a:t>(Entity Framework currently needs these - to handle records correctly).</a:t>
-            </a:r>
-          </a:p>
-          <a:p>
-            <a:pPr marL="457200" lvl="1" indent="0">
-              <a:buNone/>
-            </a:pPr>
-            <a:endParaRPr lang="en-GB" dirty="0"/>
+              <a:t>static type, with static functions taking </a:t>
+            </a:r>
+            <a:r>
+              <a:rPr lang="en-GB" sz="1900" dirty="0">
+                <a:solidFill>
+                  <a:srgbClr val="000000"/>
+                </a:solidFill>
+                <a:latin typeface="Consolas" panose="020B0609020204030204" pitchFamily="49" charset="0"/>
+              </a:rPr>
+              <a:t>this Student s </a:t>
+            </a:r>
+            <a:r>
+              <a:rPr lang="en-GB" dirty="0"/>
+              <a:t>as the first parameter</a:t>
+            </a:r>
           </a:p>
           <a:p>
             <a:pPr lvl="1"/>
-            <a:endParaRPr lang="en-GB" dirty="0"/>
+            <a:r>
+              <a:rPr lang="en-GB" dirty="0"/>
+              <a:t>Use this pattern to allow properties of a student to be edited, for example</a:t>
+            </a:r>
           </a:p>
         </p:txBody>
       </p:sp>
     </p:spTree>
     <p:extLst>
       <p:ext uri="{BB962C8B-B14F-4D97-AF65-F5344CB8AC3E}">
-        <p14:creationId xmlns:p14="http://schemas.microsoft.com/office/powerpoint/2010/main" val="2156418802"/>
+        <p14:creationId xmlns:p14="http://schemas.microsoft.com/office/powerpoint/2010/main" val="1177773297"/>
       </p:ext>
     </p:extLst>
   </p:cSld>

--- a/Documentation/Getting started with Naked Functions.pptx
+++ b/Documentation/Getting started with Naked Functions.pptx
@@ -6,15 +6,18 @@
   </p:sldMasterIdLst>
   <p:sldIdLst>
     <p:sldId id="256" r:id="rId2"/>
-    <p:sldId id="258" r:id="rId3"/>
-    <p:sldId id="259" r:id="rId4"/>
-    <p:sldId id="260" r:id="rId5"/>
-    <p:sldId id="261" r:id="rId6"/>
-    <p:sldId id="262" r:id="rId7"/>
-    <p:sldId id="266" r:id="rId8"/>
-    <p:sldId id="265" r:id="rId9"/>
-    <p:sldId id="263" r:id="rId10"/>
-    <p:sldId id="264" r:id="rId11"/>
+    <p:sldId id="267" r:id="rId3"/>
+    <p:sldId id="268" r:id="rId4"/>
+    <p:sldId id="269" r:id="rId5"/>
+    <p:sldId id="258" r:id="rId6"/>
+    <p:sldId id="259" r:id="rId7"/>
+    <p:sldId id="260" r:id="rId8"/>
+    <p:sldId id="261" r:id="rId9"/>
+    <p:sldId id="262" r:id="rId10"/>
+    <p:sldId id="266" r:id="rId11"/>
+    <p:sldId id="265" r:id="rId12"/>
+    <p:sldId id="263" r:id="rId13"/>
+    <p:sldId id="264" r:id="rId14"/>
   </p:sldIdLst>
   <p:sldSz cx="12192000" cy="6858000"/>
   <p:notesSz cx="6858000" cy="9144000"/>
@@ -282,7 +285,7 @@
           <a:p>
             <a:fld id="{043F4643-250D-4872-831F-E20C155C92C6}" type="datetimeFigureOut">
               <a:rPr lang="en-GB" smtClean="0"/>
-              <a:t>04/03/2021</a:t>
+              <a:t>11/03/2021</a:t>
             </a:fld>
             <a:endParaRPr lang="en-GB"/>
           </a:p>
@@ -482,7 +485,7 @@
           <a:p>
             <a:fld id="{043F4643-250D-4872-831F-E20C155C92C6}" type="datetimeFigureOut">
               <a:rPr lang="en-GB" smtClean="0"/>
-              <a:t>04/03/2021</a:t>
+              <a:t>11/03/2021</a:t>
             </a:fld>
             <a:endParaRPr lang="en-GB"/>
           </a:p>
@@ -692,7 +695,7 @@
           <a:p>
             <a:fld id="{043F4643-250D-4872-831F-E20C155C92C6}" type="datetimeFigureOut">
               <a:rPr lang="en-GB" smtClean="0"/>
-              <a:t>04/03/2021</a:t>
+              <a:t>11/03/2021</a:t>
             </a:fld>
             <a:endParaRPr lang="en-GB"/>
           </a:p>
@@ -892,7 +895,7 @@
           <a:p>
             <a:fld id="{043F4643-250D-4872-831F-E20C155C92C6}" type="datetimeFigureOut">
               <a:rPr lang="en-GB" smtClean="0"/>
-              <a:t>04/03/2021</a:t>
+              <a:t>11/03/2021</a:t>
             </a:fld>
             <a:endParaRPr lang="en-GB"/>
           </a:p>
@@ -1168,7 +1171,7 @@
           <a:p>
             <a:fld id="{043F4643-250D-4872-831F-E20C155C92C6}" type="datetimeFigureOut">
               <a:rPr lang="en-GB" smtClean="0"/>
-              <a:t>04/03/2021</a:t>
+              <a:t>11/03/2021</a:t>
             </a:fld>
             <a:endParaRPr lang="en-GB"/>
           </a:p>
@@ -1436,7 +1439,7 @@
           <a:p>
             <a:fld id="{043F4643-250D-4872-831F-E20C155C92C6}" type="datetimeFigureOut">
               <a:rPr lang="en-GB" smtClean="0"/>
-              <a:t>04/03/2021</a:t>
+              <a:t>11/03/2021</a:t>
             </a:fld>
             <a:endParaRPr lang="en-GB"/>
           </a:p>
@@ -1851,7 +1854,7 @@
           <a:p>
             <a:fld id="{043F4643-250D-4872-831F-E20C155C92C6}" type="datetimeFigureOut">
               <a:rPr lang="en-GB" smtClean="0"/>
-              <a:t>04/03/2021</a:t>
+              <a:t>11/03/2021</a:t>
             </a:fld>
             <a:endParaRPr lang="en-GB"/>
           </a:p>
@@ -1993,7 +1996,7 @@
           <a:p>
             <a:fld id="{043F4643-250D-4872-831F-E20C155C92C6}" type="datetimeFigureOut">
               <a:rPr lang="en-GB" smtClean="0"/>
-              <a:t>04/03/2021</a:t>
+              <a:t>11/03/2021</a:t>
             </a:fld>
             <a:endParaRPr lang="en-GB"/>
           </a:p>
@@ -2106,7 +2109,7 @@
           <a:p>
             <a:fld id="{043F4643-250D-4872-831F-E20C155C92C6}" type="datetimeFigureOut">
               <a:rPr lang="en-GB" smtClean="0"/>
-              <a:t>04/03/2021</a:t>
+              <a:t>11/03/2021</a:t>
             </a:fld>
             <a:endParaRPr lang="en-GB"/>
           </a:p>
@@ -2419,7 +2422,7 @@
           <a:p>
             <a:fld id="{043F4643-250D-4872-831F-E20C155C92C6}" type="datetimeFigureOut">
               <a:rPr lang="en-GB" smtClean="0"/>
-              <a:t>04/03/2021</a:t>
+              <a:t>11/03/2021</a:t>
             </a:fld>
             <a:endParaRPr lang="en-GB"/>
           </a:p>
@@ -2708,7 +2711,7 @@
           <a:p>
             <a:fld id="{043F4643-250D-4872-831F-E20C155C92C6}" type="datetimeFigureOut">
               <a:rPr lang="en-GB" smtClean="0"/>
-              <a:t>04/03/2021</a:t>
+              <a:t>11/03/2021</a:t>
             </a:fld>
             <a:endParaRPr lang="en-GB"/>
           </a:p>
@@ -2951,7 +2954,7 @@
           <a:p>
             <a:fld id="{043F4643-250D-4872-831F-E20C155C92C6}" type="datetimeFigureOut">
               <a:rPr lang="en-GB" smtClean="0"/>
-              <a:t>04/03/2021</a:t>
+              <a:t>11/03/2021</a:t>
             </a:fld>
             <a:endParaRPr lang="en-GB"/>
           </a:p>
@@ -3480,1909 +3483,6 @@
           <p:cNvPr id="2" name="Title 1">
             <a:extLst>
               <a:ext uri="{FF2B5EF4-FFF2-40B4-BE49-F238E27FC236}">
-                <a16:creationId xmlns:a16="http://schemas.microsoft.com/office/drawing/2014/main" id="{A00CDC9E-6B01-41C9-8F86-6EDBEC3C5CF9}"/>
-              </a:ext>
-            </a:extLst>
-          </p:cNvPr>
-          <p:cNvSpPr>
-            <a:spLocks noGrp="1"/>
-          </p:cNvSpPr>
-          <p:nvPr>
-            <p:ph type="title"/>
-          </p:nvPr>
-        </p:nvSpPr>
-        <p:spPr>
-          <a:xfrm>
-            <a:off x="838200" y="365125"/>
-            <a:ext cx="10515600" cy="823595"/>
-          </a:xfrm>
-        </p:spPr>
-        <p:txBody>
-          <a:bodyPr>
-            <a:normAutofit fontScale="90000"/>
-          </a:bodyPr>
-          <a:lstStyle/>
-          <a:p>
-            <a:r>
-              <a:rPr lang="en-GB" dirty="0"/>
-              <a:t>Create a new type e.g. </a:t>
-            </a:r>
-            <a:r>
-              <a:rPr lang="en-GB" sz="3600" dirty="0">
-                <a:latin typeface="Consolas" panose="020B0609020204030204" pitchFamily="49" charset="0"/>
-              </a:rPr>
-              <a:t>Subject</a:t>
-            </a:r>
-            <a:r>
-              <a:rPr lang="en-GB" dirty="0"/>
-              <a:t>, remembering:</a:t>
-            </a:r>
-          </a:p>
-        </p:txBody>
-      </p:sp>
-      <p:sp>
-        <p:nvSpPr>
-          <p:cNvPr id="3" name="Content Placeholder 2">
-            <a:extLst>
-              <a:ext uri="{FF2B5EF4-FFF2-40B4-BE49-F238E27FC236}">
-                <a16:creationId xmlns:a16="http://schemas.microsoft.com/office/drawing/2014/main" id="{DCE4B2EB-62D8-454F-8D29-00B9793552A1}"/>
-              </a:ext>
-            </a:extLst>
-          </p:cNvPr>
-          <p:cNvSpPr>
-            <a:spLocks noGrp="1"/>
-          </p:cNvSpPr>
-          <p:nvPr>
-            <p:ph idx="1"/>
-          </p:nvPr>
-        </p:nvSpPr>
-        <p:spPr>
-          <a:xfrm>
-            <a:off x="838200" y="1825625"/>
-            <a:ext cx="11039856" cy="4351338"/>
-          </a:xfrm>
-        </p:spPr>
-        <p:txBody>
-          <a:bodyPr>
-            <a:normAutofit fontScale="92500" lnSpcReduction="10000"/>
-          </a:bodyPr>
-          <a:lstStyle/>
-          <a:p>
-            <a:r>
-              <a:rPr lang="en-GB" dirty="0"/>
-              <a:t>To work with Entity framework, all records need an </a:t>
-            </a:r>
-            <a:r>
-              <a:rPr lang="en-GB" sz="1900" dirty="0">
-                <a:solidFill>
-                  <a:srgbClr val="000000"/>
-                </a:solidFill>
-                <a:latin typeface="Consolas" panose="020B0609020204030204" pitchFamily="49" charset="0"/>
-              </a:rPr>
-              <a:t>Id</a:t>
-            </a:r>
-            <a:r>
-              <a:rPr lang="en-GB" dirty="0"/>
-              <a:t> property</a:t>
-            </a:r>
-          </a:p>
-          <a:p>
-            <a:r>
-              <a:rPr lang="en-GB" dirty="0"/>
-              <a:t>All properties must be marked </a:t>
-            </a:r>
-            <a:r>
-              <a:rPr lang="en-GB" sz="1900" dirty="0">
-                <a:solidFill>
-                  <a:srgbClr val="000000"/>
-                </a:solidFill>
-                <a:latin typeface="Consolas" panose="020B0609020204030204" pitchFamily="49" charset="0"/>
-              </a:rPr>
-              <a:t>virtual</a:t>
-            </a:r>
-          </a:p>
-          <a:p>
-            <a:pPr lvl="1"/>
-            <a:r>
-              <a:rPr lang="en-GB" dirty="0"/>
-              <a:t>Needed by Entity Framework to permit ‘lazy loading’ of references	</a:t>
-            </a:r>
-          </a:p>
-          <a:p>
-            <a:r>
-              <a:rPr lang="en-GB" dirty="0"/>
-              <a:t>Record properties should have </a:t>
-            </a:r>
-            <a:r>
-              <a:rPr lang="en-GB" sz="1900" dirty="0">
-                <a:solidFill>
-                  <a:srgbClr val="000000"/>
-                </a:solidFill>
-                <a:latin typeface="Consolas" panose="020B0609020204030204" pitchFamily="49" charset="0"/>
-              </a:rPr>
-              <a:t>{get; </a:t>
-            </a:r>
-            <a:r>
-              <a:rPr lang="en-GB" sz="1900" dirty="0" err="1">
-                <a:solidFill>
-                  <a:srgbClr val="000000"/>
-                </a:solidFill>
-                <a:latin typeface="Consolas" panose="020B0609020204030204" pitchFamily="49" charset="0"/>
-              </a:rPr>
-              <a:t>init</a:t>
-            </a:r>
-            <a:r>
-              <a:rPr lang="en-GB" sz="1900" dirty="0">
-                <a:solidFill>
-                  <a:srgbClr val="000000"/>
-                </a:solidFill>
-                <a:latin typeface="Consolas" panose="020B0609020204030204" pitchFamily="49" charset="0"/>
-              </a:rPr>
-              <a:t>;} </a:t>
-            </a:r>
-            <a:r>
-              <a:rPr lang="en-GB" dirty="0"/>
-              <a:t>accessors</a:t>
-            </a:r>
-          </a:p>
-          <a:p>
-            <a:r>
-              <a:rPr lang="en-GB" dirty="0"/>
-              <a:t>Collections must return </a:t>
-            </a:r>
-            <a:r>
-              <a:rPr lang="en-GB" sz="1900" dirty="0" err="1">
-                <a:solidFill>
-                  <a:srgbClr val="000000"/>
-                </a:solidFill>
-                <a:latin typeface="Consolas" panose="020B0609020204030204" pitchFamily="49" charset="0"/>
-              </a:rPr>
-              <a:t>ICollection</a:t>
-            </a:r>
-            <a:r>
-              <a:rPr lang="en-GB" sz="1900" dirty="0">
-                <a:solidFill>
-                  <a:srgbClr val="000000"/>
-                </a:solidFill>
-                <a:latin typeface="Consolas" panose="020B0609020204030204" pitchFamily="49" charset="0"/>
-              </a:rPr>
-              <a:t>&lt;T&gt;</a:t>
-            </a:r>
-            <a:r>
-              <a:rPr lang="en-GB" dirty="0"/>
-              <a:t> , and should be initialized</a:t>
-            </a:r>
-          </a:p>
-          <a:p>
-            <a:r>
-              <a:rPr lang="en-GB" dirty="0"/>
-              <a:t>Override the </a:t>
-            </a:r>
-            <a:r>
-              <a:rPr lang="en-GB" sz="1900" dirty="0" err="1">
-                <a:solidFill>
-                  <a:srgbClr val="000000"/>
-                </a:solidFill>
-                <a:latin typeface="Consolas" panose="020B0609020204030204" pitchFamily="49" charset="0"/>
-              </a:rPr>
-              <a:t>ToString</a:t>
-            </a:r>
-            <a:r>
-              <a:rPr lang="en-GB" dirty="0"/>
-              <a:t> method to define a display title</a:t>
-            </a:r>
-          </a:p>
-          <a:p>
-            <a:r>
-              <a:rPr lang="en-GB" dirty="0"/>
-              <a:t>Add these two lines of boilerplate code:</a:t>
-            </a:r>
-            <a:br>
-              <a:rPr lang="en-GB" dirty="0"/>
-            </a:br>
-            <a:endParaRPr lang="en-GB" dirty="0"/>
-          </a:p>
-          <a:p>
-            <a:pPr marL="457200" lvl="1" indent="0">
-              <a:buNone/>
-            </a:pPr>
-            <a:r>
-              <a:rPr lang="en-US" sz="1500" dirty="0">
-                <a:solidFill>
-                  <a:srgbClr val="0000FF"/>
-                </a:solidFill>
-                <a:latin typeface="Consolas" panose="020B0609020204030204" pitchFamily="49" charset="0"/>
-              </a:rPr>
-              <a:t>public</a:t>
-            </a:r>
-            <a:r>
-              <a:rPr lang="en-US" sz="1500" dirty="0">
-                <a:solidFill>
-                  <a:srgbClr val="000000"/>
-                </a:solidFill>
-                <a:latin typeface="Consolas" panose="020B0609020204030204" pitchFamily="49" charset="0"/>
-              </a:rPr>
-              <a:t> </a:t>
-            </a:r>
-            <a:r>
-              <a:rPr lang="en-US" sz="1500" dirty="0">
-                <a:solidFill>
-                  <a:srgbClr val="0000FF"/>
-                </a:solidFill>
-                <a:latin typeface="Consolas" panose="020B0609020204030204" pitchFamily="49" charset="0"/>
-              </a:rPr>
-              <a:t>override</a:t>
-            </a:r>
-            <a:r>
-              <a:rPr lang="en-US" sz="1500" dirty="0">
-                <a:solidFill>
-                  <a:srgbClr val="000000"/>
-                </a:solidFill>
-                <a:latin typeface="Consolas" panose="020B0609020204030204" pitchFamily="49" charset="0"/>
-              </a:rPr>
-              <a:t> </a:t>
-            </a:r>
-            <a:r>
-              <a:rPr lang="en-US" sz="1500" dirty="0">
-                <a:solidFill>
-                  <a:srgbClr val="0000FF"/>
-                </a:solidFill>
-                <a:latin typeface="Consolas" panose="020B0609020204030204" pitchFamily="49" charset="0"/>
-              </a:rPr>
-              <a:t>int</a:t>
-            </a:r>
-            <a:r>
-              <a:rPr lang="en-US" sz="1500" dirty="0">
-                <a:solidFill>
-                  <a:srgbClr val="000000"/>
-                </a:solidFill>
-                <a:latin typeface="Consolas" panose="020B0609020204030204" pitchFamily="49" charset="0"/>
-              </a:rPr>
-              <a:t> </a:t>
-            </a:r>
-            <a:r>
-              <a:rPr lang="en-US" sz="1500" dirty="0" err="1">
-                <a:solidFill>
-                  <a:srgbClr val="000000"/>
-                </a:solidFill>
-                <a:latin typeface="Consolas" panose="020B0609020204030204" pitchFamily="49" charset="0"/>
-              </a:rPr>
-              <a:t>GetHashCode</a:t>
-            </a:r>
-            <a:r>
-              <a:rPr lang="en-US" sz="1500" dirty="0">
-                <a:solidFill>
-                  <a:srgbClr val="000000"/>
-                </a:solidFill>
-                <a:latin typeface="Consolas" panose="020B0609020204030204" pitchFamily="49" charset="0"/>
-              </a:rPr>
-              <a:t>() =&gt; </a:t>
-            </a:r>
-            <a:r>
-              <a:rPr lang="en-US" sz="1500" dirty="0" err="1">
-                <a:solidFill>
-                  <a:srgbClr val="0000FF"/>
-                </a:solidFill>
-                <a:latin typeface="Consolas" panose="020B0609020204030204" pitchFamily="49" charset="0"/>
-              </a:rPr>
-              <a:t>base</a:t>
-            </a:r>
-            <a:r>
-              <a:rPr lang="en-US" sz="1500" dirty="0" err="1">
-                <a:solidFill>
-                  <a:srgbClr val="000000"/>
-                </a:solidFill>
-                <a:latin typeface="Consolas" panose="020B0609020204030204" pitchFamily="49" charset="0"/>
-              </a:rPr>
-              <a:t>.GetHashCode</a:t>
-            </a:r>
-            <a:r>
-              <a:rPr lang="en-US" sz="1500" dirty="0">
-                <a:solidFill>
-                  <a:srgbClr val="000000"/>
-                </a:solidFill>
-                <a:latin typeface="Consolas" panose="020B0609020204030204" pitchFamily="49" charset="0"/>
-              </a:rPr>
-              <a:t>();</a:t>
-            </a:r>
-            <a:endParaRPr lang="en-GB" sz="1500" dirty="0">
-              <a:solidFill>
-                <a:srgbClr val="000000"/>
-              </a:solidFill>
-              <a:latin typeface="Consolas" panose="020B0609020204030204" pitchFamily="49" charset="0"/>
-            </a:endParaRPr>
-          </a:p>
-          <a:p>
-            <a:pPr marL="457200" lvl="1" indent="0">
-              <a:buNone/>
-            </a:pPr>
-            <a:r>
-              <a:rPr lang="en-US" sz="1500" dirty="0">
-                <a:solidFill>
-                  <a:srgbClr val="0000FF"/>
-                </a:solidFill>
-                <a:latin typeface="Consolas" panose="020B0609020204030204" pitchFamily="49" charset="0"/>
-              </a:rPr>
-              <a:t>public</a:t>
-            </a:r>
-            <a:r>
-              <a:rPr lang="en-US" sz="1500" dirty="0">
-                <a:solidFill>
-                  <a:srgbClr val="000000"/>
-                </a:solidFill>
-                <a:latin typeface="Consolas" panose="020B0609020204030204" pitchFamily="49" charset="0"/>
-              </a:rPr>
-              <a:t> </a:t>
-            </a:r>
-            <a:r>
-              <a:rPr lang="en-US" sz="1500" dirty="0">
-                <a:solidFill>
-                  <a:srgbClr val="0000FF"/>
-                </a:solidFill>
-                <a:latin typeface="Consolas" panose="020B0609020204030204" pitchFamily="49" charset="0"/>
-              </a:rPr>
-              <a:t>virtual</a:t>
-            </a:r>
-            <a:r>
-              <a:rPr lang="en-US" sz="1500" dirty="0">
-                <a:solidFill>
-                  <a:srgbClr val="000000"/>
-                </a:solidFill>
-                <a:latin typeface="Consolas" panose="020B0609020204030204" pitchFamily="49" charset="0"/>
-              </a:rPr>
-              <a:t> </a:t>
-            </a:r>
-            <a:r>
-              <a:rPr lang="en-US" sz="1500" dirty="0">
-                <a:solidFill>
-                  <a:srgbClr val="0000FF"/>
-                </a:solidFill>
-                <a:latin typeface="Consolas" panose="020B0609020204030204" pitchFamily="49" charset="0"/>
-              </a:rPr>
-              <a:t>bool</a:t>
-            </a:r>
-            <a:r>
-              <a:rPr lang="en-US" sz="1500" dirty="0">
-                <a:solidFill>
-                  <a:srgbClr val="000000"/>
-                </a:solidFill>
-                <a:latin typeface="Consolas" panose="020B0609020204030204" pitchFamily="49" charset="0"/>
-              </a:rPr>
-              <a:t> Equals(</a:t>
-            </a:r>
-            <a:r>
-              <a:rPr lang="en-US" sz="1500" dirty="0">
-                <a:solidFill>
-                  <a:srgbClr val="FF0000"/>
-                </a:solidFill>
-                <a:latin typeface="Consolas" panose="020B0609020204030204" pitchFamily="49" charset="0"/>
-              </a:rPr>
-              <a:t>[</a:t>
-            </a:r>
-            <a:r>
-              <a:rPr lang="en-US" sz="1500" dirty="0" err="1">
-                <a:solidFill>
-                  <a:srgbClr val="FF0000"/>
-                </a:solidFill>
-                <a:latin typeface="Consolas" panose="020B0609020204030204" pitchFamily="49" charset="0"/>
-              </a:rPr>
-              <a:t>NewTypeName</a:t>
-            </a:r>
-            <a:r>
-              <a:rPr lang="en-US" sz="1500" dirty="0">
-                <a:solidFill>
-                  <a:srgbClr val="FF0000"/>
-                </a:solidFill>
-                <a:latin typeface="Consolas" panose="020B0609020204030204" pitchFamily="49" charset="0"/>
-              </a:rPr>
-              <a:t>]</a:t>
-            </a:r>
-            <a:r>
-              <a:rPr lang="en-US" sz="1500" dirty="0">
-                <a:solidFill>
-                  <a:srgbClr val="000000"/>
-                </a:solidFill>
-                <a:latin typeface="Consolas" panose="020B0609020204030204" pitchFamily="49" charset="0"/>
-              </a:rPr>
-              <a:t> other) =&gt; </a:t>
-            </a:r>
-            <a:r>
-              <a:rPr lang="en-US" sz="1500" dirty="0" err="1">
-                <a:solidFill>
-                  <a:srgbClr val="000000"/>
-                </a:solidFill>
-                <a:latin typeface="Consolas" panose="020B0609020204030204" pitchFamily="49" charset="0"/>
-              </a:rPr>
-              <a:t>ReferenceEquals</a:t>
-            </a:r>
-            <a:r>
-              <a:rPr lang="en-US" sz="1500" dirty="0">
-                <a:solidFill>
-                  <a:srgbClr val="000000"/>
-                </a:solidFill>
-                <a:latin typeface="Consolas" panose="020B0609020204030204" pitchFamily="49" charset="0"/>
-              </a:rPr>
-              <a:t>(</a:t>
-            </a:r>
-            <a:r>
-              <a:rPr lang="en-US" sz="1500" dirty="0">
-                <a:solidFill>
-                  <a:srgbClr val="0000FF"/>
-                </a:solidFill>
-                <a:latin typeface="Consolas" panose="020B0609020204030204" pitchFamily="49" charset="0"/>
-              </a:rPr>
-              <a:t>this</a:t>
-            </a:r>
-            <a:r>
-              <a:rPr lang="en-US" sz="1500" dirty="0">
-                <a:solidFill>
-                  <a:srgbClr val="000000"/>
-                </a:solidFill>
-                <a:latin typeface="Consolas" panose="020B0609020204030204" pitchFamily="49" charset="0"/>
-              </a:rPr>
-              <a:t>, other);</a:t>
-            </a:r>
-            <a:endParaRPr lang="en-GB" sz="1500" dirty="0"/>
-          </a:p>
-          <a:p>
-            <a:pPr marL="457200" lvl="1" indent="0">
-              <a:buNone/>
-            </a:pPr>
-            <a:br>
-              <a:rPr lang="en-GB" dirty="0"/>
-            </a:br>
-            <a:r>
-              <a:rPr lang="en-GB" dirty="0"/>
-              <a:t>(Entity Framework currently needs these - to handle records correctly).</a:t>
-            </a:r>
-          </a:p>
-          <a:p>
-            <a:pPr marL="457200" lvl="1" indent="0">
-              <a:buNone/>
-            </a:pPr>
-            <a:endParaRPr lang="en-GB" dirty="0"/>
-          </a:p>
-          <a:p>
-            <a:pPr lvl="1"/>
-            <a:endParaRPr lang="en-GB" dirty="0"/>
-          </a:p>
-        </p:txBody>
-      </p:sp>
-    </p:spTree>
-    <p:extLst>
-      <p:ext uri="{BB962C8B-B14F-4D97-AF65-F5344CB8AC3E}">
-        <p14:creationId xmlns:p14="http://schemas.microsoft.com/office/powerpoint/2010/main" val="2156418802"/>
-      </p:ext>
-    </p:extLst>
-  </p:cSld>
-  <p:clrMapOvr>
-    <a:masterClrMapping/>
-  </p:clrMapOvr>
-</p:sld>
-</file>
-
-<file path=ppt/slides/slide2.xml><?xml version="1.0" encoding="utf-8"?>
-<p:sld xmlns:a="http://schemas.openxmlformats.org/drawingml/2006/main" xmlns:r="http://schemas.openxmlformats.org/officeDocument/2006/relationships" xmlns:p="http://schemas.openxmlformats.org/presentationml/2006/main">
-  <p:cSld>
-    <p:spTree>
-      <p:nvGrpSpPr>
-        <p:cNvPr id="1" name=""/>
-        <p:cNvGrpSpPr/>
-        <p:nvPr/>
-      </p:nvGrpSpPr>
-      <p:grpSpPr>
-        <a:xfrm>
-          <a:off x="0" y="0"/>
-          <a:ext cx="0" cy="0"/>
-          <a:chOff x="0" y="0"/>
-          <a:chExt cx="0" cy="0"/>
-        </a:xfrm>
-      </p:grpSpPr>
-      <p:sp>
-        <p:nvSpPr>
-          <p:cNvPr id="2" name="Title 1">
-            <a:extLst>
-              <a:ext uri="{FF2B5EF4-FFF2-40B4-BE49-F238E27FC236}">
-                <a16:creationId xmlns:a16="http://schemas.microsoft.com/office/drawing/2014/main" id="{D917275F-D04F-41A9-8438-79942634ED1E}"/>
-              </a:ext>
-            </a:extLst>
-          </p:cNvPr>
-          <p:cNvSpPr>
-            <a:spLocks noGrp="1"/>
-          </p:cNvSpPr>
-          <p:nvPr>
-            <p:ph type="title"/>
-          </p:nvPr>
-        </p:nvSpPr>
-        <p:spPr/>
-        <p:txBody>
-          <a:bodyPr/>
-          <a:lstStyle/>
-          <a:p>
-            <a:r>
-              <a:rPr lang="en-GB"/>
-              <a:t>Pre-requisites</a:t>
-            </a:r>
-          </a:p>
-        </p:txBody>
-      </p:sp>
-      <p:sp>
-        <p:nvSpPr>
-          <p:cNvPr id="3" name="Content Placeholder 2">
-            <a:extLst>
-              <a:ext uri="{FF2B5EF4-FFF2-40B4-BE49-F238E27FC236}">
-                <a16:creationId xmlns:a16="http://schemas.microsoft.com/office/drawing/2014/main" id="{9C64A82A-75FB-4EB2-8297-75B53A2AC9D2}"/>
-              </a:ext>
-            </a:extLst>
-          </p:cNvPr>
-          <p:cNvSpPr>
-            <a:spLocks noGrp="1"/>
-          </p:cNvSpPr>
-          <p:nvPr>
-            <p:ph idx="1"/>
-          </p:nvPr>
-        </p:nvSpPr>
-        <p:spPr/>
-        <p:txBody>
-          <a:bodyPr>
-            <a:normAutofit/>
-          </a:bodyPr>
-          <a:lstStyle/>
-          <a:p>
-            <a:r>
-              <a:rPr kumimoji="0" lang="en-GB" altLang="en-US" sz="2800" b="0" i="0" u="none" strike="noStrike" cap="none" normalizeH="0" baseline="0" dirty="0">
-                <a:ln>
-                  <a:noFill/>
-                </a:ln>
-                <a:solidFill>
-                  <a:schemeClr val="tx1"/>
-                </a:solidFill>
-                <a:effectLst/>
-                <a:latin typeface="Arial" panose="020B0604020202020204" pitchFamily="34" charset="0"/>
-                <a:ea typeface="Times New Roman" panose="02020603050405020304" pitchFamily="18" charset="0"/>
-              </a:rPr>
-              <a:t>Visual Studio 2019 </a:t>
-            </a:r>
-          </a:p>
-          <a:p>
-            <a:pPr lvl="1"/>
-            <a:r>
-              <a:rPr lang="en-GB" altLang="en-US" dirty="0">
-                <a:latin typeface="Arial" panose="020B0604020202020204" pitchFamily="34" charset="0"/>
-                <a:ea typeface="Times New Roman" panose="02020603050405020304" pitchFamily="18" charset="0"/>
-              </a:rPr>
-              <a:t>C</a:t>
-            </a:r>
-            <a:r>
-              <a:rPr kumimoji="0" lang="en-GB" altLang="en-US" b="0" i="0" u="none" strike="noStrike" cap="none" normalizeH="0" baseline="0" dirty="0">
-                <a:ln>
-                  <a:noFill/>
-                </a:ln>
-                <a:solidFill>
-                  <a:schemeClr val="tx1"/>
-                </a:solidFill>
-                <a:effectLst/>
-                <a:latin typeface="Arial" panose="020B0604020202020204" pitchFamily="34" charset="0"/>
-                <a:ea typeface="Times New Roman" panose="02020603050405020304" pitchFamily="18" charset="0"/>
-              </a:rPr>
-              <a:t>ommunity Edition is fine</a:t>
-            </a:r>
-          </a:p>
-          <a:p>
-            <a:r>
-              <a:rPr lang="en-GB" altLang="en-US" dirty="0">
-                <a:latin typeface="Arial" panose="020B0604020202020204" pitchFamily="34" charset="0"/>
-                <a:ea typeface="Times New Roman" panose="02020603050405020304" pitchFamily="18" charset="0"/>
-              </a:rPr>
-              <a:t>.NET 5.0 and C# 9 installed</a:t>
-            </a:r>
-          </a:p>
-          <a:p>
-            <a:r>
-              <a:rPr kumimoji="0" lang="en-GB" altLang="en-US" sz="2800" b="0" i="0" u="none" strike="noStrike" cap="none" normalizeH="0" baseline="0" dirty="0">
-                <a:ln>
-                  <a:noFill/>
-                </a:ln>
-                <a:solidFill>
-                  <a:schemeClr val="tx1"/>
-                </a:solidFill>
-                <a:effectLst/>
-                <a:latin typeface="Arial" panose="020B0604020202020204" pitchFamily="34" charset="0"/>
-                <a:ea typeface="Times New Roman" panose="02020603050405020304" pitchFamily="18" charset="0"/>
-              </a:rPr>
-              <a:t>SQL Server</a:t>
-            </a:r>
-          </a:p>
-          <a:p>
-            <a:pPr lvl="1"/>
-            <a:r>
-              <a:rPr kumimoji="0" lang="en-GB" altLang="en-US" b="0" i="0" u="none" strike="noStrike" cap="none" normalizeH="0" baseline="0" dirty="0">
-                <a:ln>
-                  <a:noFill/>
-                </a:ln>
-                <a:solidFill>
-                  <a:schemeClr val="tx1"/>
-                </a:solidFill>
-                <a:effectLst/>
-                <a:latin typeface="Arial" panose="020B0604020202020204" pitchFamily="34" charset="0"/>
-                <a:ea typeface="Times New Roman" panose="02020603050405020304" pitchFamily="18" charset="0"/>
-              </a:rPr>
-              <a:t>the </a:t>
-            </a:r>
-            <a:r>
-              <a:rPr kumimoji="0" lang="en-GB" altLang="en-US" b="0" i="0" u="none" strike="noStrike" cap="none" normalizeH="0" baseline="0" dirty="0" err="1">
-                <a:ln>
-                  <a:noFill/>
-                </a:ln>
-                <a:solidFill>
-                  <a:schemeClr val="tx1"/>
-                </a:solidFill>
-                <a:effectLst/>
-                <a:latin typeface="Arial" panose="020B0604020202020204" pitchFamily="34" charset="0"/>
-                <a:ea typeface="Times New Roman" panose="02020603050405020304" pitchFamily="18" charset="0"/>
-              </a:rPr>
-              <a:t>LocalDb</a:t>
-            </a:r>
-            <a:r>
-              <a:rPr kumimoji="0" lang="en-GB" altLang="en-US" b="0" i="0" u="none" strike="noStrike" cap="none" normalizeH="0" baseline="0" dirty="0">
-                <a:ln>
-                  <a:noFill/>
-                </a:ln>
-                <a:solidFill>
-                  <a:schemeClr val="tx1"/>
-                </a:solidFill>
-                <a:effectLst/>
-                <a:latin typeface="Arial" panose="020B0604020202020204" pitchFamily="34" charset="0"/>
-                <a:ea typeface="Times New Roman" panose="02020603050405020304" pitchFamily="18" charset="0"/>
-              </a:rPr>
-              <a:t> version included with VS is fine</a:t>
-            </a:r>
-          </a:p>
-        </p:txBody>
-      </p:sp>
-    </p:spTree>
-    <p:extLst>
-      <p:ext uri="{BB962C8B-B14F-4D97-AF65-F5344CB8AC3E}">
-        <p14:creationId xmlns:p14="http://schemas.microsoft.com/office/powerpoint/2010/main" val="838566347"/>
-      </p:ext>
-    </p:extLst>
-  </p:cSld>
-  <p:clrMapOvr>
-    <a:masterClrMapping/>
-  </p:clrMapOvr>
-</p:sld>
-</file>
-
-<file path=ppt/slides/slide3.xml><?xml version="1.0" encoding="utf-8"?>
-<p:sld xmlns:a="http://schemas.openxmlformats.org/drawingml/2006/main" xmlns:r="http://schemas.openxmlformats.org/officeDocument/2006/relationships" xmlns:p="http://schemas.openxmlformats.org/presentationml/2006/main">
-  <p:cSld>
-    <p:spTree>
-      <p:nvGrpSpPr>
-        <p:cNvPr id="1" name=""/>
-        <p:cNvGrpSpPr/>
-        <p:nvPr/>
-      </p:nvGrpSpPr>
-      <p:grpSpPr>
-        <a:xfrm>
-          <a:off x="0" y="0"/>
-          <a:ext cx="0" cy="0"/>
-          <a:chOff x="0" y="0"/>
-          <a:chExt cx="0" cy="0"/>
-        </a:xfrm>
-      </p:grpSpPr>
-      <p:sp>
-        <p:nvSpPr>
-          <p:cNvPr id="2" name="Title 1">
-            <a:extLst>
-              <a:ext uri="{FF2B5EF4-FFF2-40B4-BE49-F238E27FC236}">
-                <a16:creationId xmlns:a16="http://schemas.microsoft.com/office/drawing/2014/main" id="{B6EC7554-5717-4CE3-B20D-EA3766AB7E00}"/>
-              </a:ext>
-            </a:extLst>
-          </p:cNvPr>
-          <p:cNvSpPr>
-            <a:spLocks noGrp="1"/>
-          </p:cNvSpPr>
-          <p:nvPr>
-            <p:ph type="title"/>
-          </p:nvPr>
-        </p:nvSpPr>
-        <p:spPr/>
-        <p:txBody>
-          <a:bodyPr>
-            <a:noAutofit/>
-          </a:bodyPr>
-          <a:lstStyle/>
-          <a:p>
-            <a:r>
-              <a:rPr kumimoji="0" lang="en-GB" altLang="en-US" sz="3200" b="0" i="0" u="none" strike="noStrike" cap="none" normalizeH="0" baseline="0" dirty="0">
-                <a:ln>
-                  <a:noFill/>
-                </a:ln>
-                <a:solidFill>
-                  <a:schemeClr val="tx1"/>
-                </a:solidFill>
-                <a:effectLst/>
-                <a:latin typeface="Arial" panose="020B0604020202020204" pitchFamily="34" charset="0"/>
-                <a:ea typeface="Times New Roman" panose="02020603050405020304" pitchFamily="18" charset="0"/>
-              </a:rPr>
-              <a:t>A Naked Functions application consists of two solutions:</a:t>
-            </a:r>
-            <a:br>
-              <a:rPr kumimoji="0" lang="en-GB" altLang="en-US" sz="3200" b="0" i="0" u="none" strike="noStrike" cap="none" normalizeH="0" baseline="0" dirty="0">
-                <a:ln>
-                  <a:noFill/>
-                </a:ln>
-                <a:solidFill>
-                  <a:schemeClr val="tx1"/>
-                </a:solidFill>
-                <a:effectLst/>
-                <a:latin typeface="Arial" panose="020B0604020202020204" pitchFamily="34" charset="0"/>
-                <a:ea typeface="Times New Roman" panose="02020603050405020304" pitchFamily="18" charset="0"/>
-              </a:rPr>
-            </a:br>
-            <a:r>
-              <a:rPr kumimoji="0" lang="en-GB" altLang="en-US" sz="3200" b="0" i="0" u="none" strike="noStrike" cap="none" normalizeH="0" baseline="0" dirty="0">
-                <a:ln>
-                  <a:noFill/>
-                </a:ln>
-                <a:solidFill>
-                  <a:schemeClr val="tx1"/>
-                </a:solidFill>
-                <a:effectLst/>
-                <a:latin typeface="Arial" panose="020B0604020202020204" pitchFamily="34" charset="0"/>
-                <a:ea typeface="Times New Roman" panose="02020603050405020304" pitchFamily="18" charset="0"/>
-              </a:rPr>
-              <a:t>Server and Client</a:t>
-            </a:r>
-            <a:endParaRPr lang="en-GB" sz="3200" dirty="0"/>
-          </a:p>
-        </p:txBody>
-      </p:sp>
-      <p:sp>
-        <p:nvSpPr>
-          <p:cNvPr id="3" name="Content Placeholder 2">
-            <a:extLst>
-              <a:ext uri="{FF2B5EF4-FFF2-40B4-BE49-F238E27FC236}">
-                <a16:creationId xmlns:a16="http://schemas.microsoft.com/office/drawing/2014/main" id="{DB082346-F917-4AF8-A0E9-81E8FFEC7E87}"/>
-              </a:ext>
-            </a:extLst>
-          </p:cNvPr>
-          <p:cNvSpPr>
-            <a:spLocks noGrp="1"/>
-          </p:cNvSpPr>
-          <p:nvPr>
-            <p:ph idx="1"/>
-          </p:nvPr>
-        </p:nvSpPr>
-        <p:spPr/>
-        <p:txBody>
-          <a:bodyPr/>
-          <a:lstStyle/>
-          <a:p>
-            <a:r>
-              <a:rPr lang="en-GB" dirty="0"/>
-              <a:t>During development, it is best to run these two solutions in parallel, from two separate instances of Visual Studio</a:t>
-            </a:r>
-          </a:p>
-          <a:p>
-            <a:r>
-              <a:rPr lang="en-GB" dirty="0"/>
-              <a:t>Download the ‘Template’ Client solution from:</a:t>
-            </a:r>
-            <a:br>
-              <a:rPr lang="en-GB" dirty="0"/>
-            </a:br>
-            <a:r>
-              <a:rPr kumimoji="0" lang="en-GB" altLang="en-US" sz="1600" b="0" i="0" u="none" strike="noStrike" cap="none" normalizeH="0" baseline="0" dirty="0">
-                <a:ln>
-                  <a:noFill/>
-                </a:ln>
-                <a:solidFill>
-                  <a:srgbClr val="0563C1"/>
-                </a:solidFill>
-                <a:effectLst/>
-                <a:latin typeface="Arial" panose="020B0604020202020204" pitchFamily="34" charset="0"/>
-                <a:ea typeface="Times New Roman" panose="02020603050405020304" pitchFamily="18" charset="0"/>
-                <a:hlinkClick r:id="rId2"/>
-              </a:rPr>
-              <a:t>https://github.com/NakedObjectsGroup/NakedObjectsFramework/tree/master/Template/SPA%20Client</a:t>
-            </a:r>
-            <a:endParaRPr kumimoji="0" lang="en-GB" altLang="en-US" sz="400" b="0" i="0" u="none" strike="noStrike" cap="none" normalizeH="0" baseline="0" dirty="0">
-              <a:ln>
-                <a:noFill/>
-              </a:ln>
-              <a:solidFill>
-                <a:schemeClr val="tx1"/>
-              </a:solidFill>
-              <a:effectLst/>
-              <a:latin typeface="Arial" panose="020B0604020202020204" pitchFamily="34" charset="0"/>
-            </a:endParaRPr>
-          </a:p>
-          <a:p>
-            <a:r>
-              <a:rPr lang="en-GB" dirty="0"/>
-              <a:t>Running the client will launch a browser</a:t>
-            </a:r>
-          </a:p>
-          <a:p>
-            <a:pPr lvl="1"/>
-            <a:r>
-              <a:rPr lang="en-GB" dirty="0"/>
-              <a:t> We recommend using Chrome</a:t>
-            </a:r>
-          </a:p>
-          <a:p>
-            <a:pPr lvl="1"/>
-            <a:r>
-              <a:rPr lang="en-GB" dirty="0"/>
-              <a:t>After a short delay the client will </a:t>
-            </a:r>
-            <a:br>
-              <a:rPr lang="en-GB" dirty="0"/>
-            </a:br>
-            <a:r>
-              <a:rPr lang="en-GB" dirty="0"/>
-              <a:t>state that it cannot access the server</a:t>
-            </a:r>
-          </a:p>
-          <a:p>
-            <a:pPr marL="0" indent="0">
-              <a:buNone/>
-            </a:pPr>
-            <a:endParaRPr lang="en-GB" dirty="0"/>
-          </a:p>
-        </p:txBody>
-      </p:sp>
-      <p:pic>
-        <p:nvPicPr>
-          <p:cNvPr id="7" name="Picture 6">
-            <a:extLst>
-              <a:ext uri="{FF2B5EF4-FFF2-40B4-BE49-F238E27FC236}">
-                <a16:creationId xmlns:a16="http://schemas.microsoft.com/office/drawing/2014/main" id="{504B6FD1-CBB5-4E4B-BD97-926004F7F6AB}"/>
-              </a:ext>
-            </a:extLst>
-          </p:cNvPr>
-          <p:cNvPicPr>
-            <a:picLocks noChangeAspect="1"/>
-          </p:cNvPicPr>
-          <p:nvPr/>
-        </p:nvPicPr>
-        <p:blipFill rotWithShape="1">
-          <a:blip r:embed="rId3"/>
-          <a:srcRect r="13721"/>
-          <a:stretch/>
-        </p:blipFill>
-        <p:spPr>
-          <a:xfrm>
-            <a:off x="7199690" y="3429000"/>
-            <a:ext cx="4687510" cy="3311888"/>
-          </a:xfrm>
-          <a:prstGeom prst="rect">
-            <a:avLst/>
-          </a:prstGeom>
-        </p:spPr>
-      </p:pic>
-    </p:spTree>
-    <p:extLst>
-      <p:ext uri="{BB962C8B-B14F-4D97-AF65-F5344CB8AC3E}">
-        <p14:creationId xmlns:p14="http://schemas.microsoft.com/office/powerpoint/2010/main" val="2348787512"/>
-      </p:ext>
-    </p:extLst>
-  </p:cSld>
-  <p:clrMapOvr>
-    <a:masterClrMapping/>
-  </p:clrMapOvr>
-</p:sld>
-</file>
-
-<file path=ppt/slides/slide4.xml><?xml version="1.0" encoding="utf-8"?>
-<p:sld xmlns:a="http://schemas.openxmlformats.org/drawingml/2006/main" xmlns:r="http://schemas.openxmlformats.org/officeDocument/2006/relationships" xmlns:p="http://schemas.openxmlformats.org/presentationml/2006/main">
-  <p:cSld>
-    <p:spTree>
-      <p:nvGrpSpPr>
-        <p:cNvPr id="1" name=""/>
-        <p:cNvGrpSpPr/>
-        <p:nvPr/>
-      </p:nvGrpSpPr>
-      <p:grpSpPr>
-        <a:xfrm>
-          <a:off x="0" y="0"/>
-          <a:ext cx="0" cy="0"/>
-          <a:chOff x="0" y="0"/>
-          <a:chExt cx="0" cy="0"/>
-        </a:xfrm>
-      </p:grpSpPr>
-      <p:sp>
-        <p:nvSpPr>
-          <p:cNvPr id="2" name="Title 1">
-            <a:extLst>
-              <a:ext uri="{FF2B5EF4-FFF2-40B4-BE49-F238E27FC236}">
-                <a16:creationId xmlns:a16="http://schemas.microsoft.com/office/drawing/2014/main" id="{A2EB6ECB-3DC8-4C9E-8D8C-A477EA6E4D77}"/>
-              </a:ext>
-            </a:extLst>
-          </p:cNvPr>
-          <p:cNvSpPr>
-            <a:spLocks noGrp="1"/>
-          </p:cNvSpPr>
-          <p:nvPr>
-            <p:ph type="title"/>
-          </p:nvPr>
-        </p:nvSpPr>
-        <p:spPr/>
-        <p:txBody>
-          <a:bodyPr/>
-          <a:lstStyle/>
-          <a:p>
-            <a:r>
-              <a:rPr lang="en-GB" dirty="0"/>
-              <a:t>For the Server…</a:t>
-            </a:r>
-          </a:p>
-        </p:txBody>
-      </p:sp>
-      <p:sp>
-        <p:nvSpPr>
-          <p:cNvPr id="3" name="Content Placeholder 2">
-            <a:extLst>
-              <a:ext uri="{FF2B5EF4-FFF2-40B4-BE49-F238E27FC236}">
-                <a16:creationId xmlns:a16="http://schemas.microsoft.com/office/drawing/2014/main" id="{2CF4B1D3-AD5F-4658-ABCF-BB6777408DC3}"/>
-              </a:ext>
-            </a:extLst>
-          </p:cNvPr>
-          <p:cNvSpPr>
-            <a:spLocks noGrp="1"/>
-          </p:cNvSpPr>
-          <p:nvPr>
-            <p:ph idx="1"/>
-          </p:nvPr>
-        </p:nvSpPr>
-        <p:spPr/>
-        <p:txBody>
-          <a:bodyPr/>
-          <a:lstStyle/>
-          <a:p>
-            <a:r>
-              <a:rPr lang="en-GB" dirty="0"/>
-              <a:t>Download the ‘Template’ Server solution, from: </a:t>
-            </a:r>
-            <a:r>
-              <a:rPr kumimoji="0" lang="en-GB" altLang="en-US" sz="1400" b="0" i="0" u="none" strike="noStrike" cap="none" normalizeH="0" baseline="0" dirty="0">
-                <a:ln>
-                  <a:noFill/>
-                </a:ln>
-                <a:solidFill>
-                  <a:srgbClr val="0563C1"/>
-                </a:solidFill>
-                <a:effectLst/>
-                <a:latin typeface="Arial" panose="020B0604020202020204" pitchFamily="34" charset="0"/>
-                <a:ea typeface="Times New Roman" panose="02020603050405020304" pitchFamily="18" charset="0"/>
-                <a:hlinkClick r:id="rId2"/>
-              </a:rPr>
-              <a:t>https://github.com/NakedObjectsGroup/NakedObjectsFramework/tree/master/Template/Naked%20Functions%20Server</a:t>
-            </a:r>
-            <a:endParaRPr kumimoji="0" lang="en-GB" altLang="en-US" sz="300" b="0" i="0" u="none" strike="noStrike" cap="none" normalizeH="0" baseline="0" dirty="0">
-              <a:ln>
-                <a:noFill/>
-              </a:ln>
-              <a:solidFill>
-                <a:schemeClr val="tx1"/>
-              </a:solidFill>
-              <a:effectLst/>
-              <a:latin typeface="Arial" panose="020B0604020202020204" pitchFamily="34" charset="0"/>
-            </a:endParaRPr>
-          </a:p>
-          <a:p>
-            <a:r>
-              <a:rPr lang="en-GB" dirty="0"/>
-              <a:t>Running the server will launch its own browser showing the JSON Home representation of the RESTful API:</a:t>
-            </a:r>
-            <a:br>
-              <a:rPr lang="en-GB" dirty="0"/>
-            </a:br>
-            <a:endParaRPr lang="en-GB" dirty="0"/>
-          </a:p>
-          <a:p>
-            <a:pPr lvl="1"/>
-            <a:r>
-              <a:rPr lang="en-GB" dirty="0"/>
-              <a:t>Shown here in Chrome with the JSON</a:t>
-            </a:r>
-            <a:br>
-              <a:rPr lang="en-GB" dirty="0"/>
-            </a:br>
-            <a:r>
-              <a:rPr lang="en-GB" dirty="0"/>
-              <a:t>formatted by </a:t>
-            </a:r>
-            <a:r>
-              <a:rPr lang="en-GB" dirty="0" err="1"/>
-              <a:t>JSONView</a:t>
-            </a:r>
-            <a:endParaRPr lang="en-GB" dirty="0"/>
-          </a:p>
-          <a:p>
-            <a:pPr lvl="1"/>
-            <a:r>
-              <a:rPr lang="en-GB" dirty="0"/>
-              <a:t>But there is no need to be able</a:t>
-            </a:r>
-            <a:br>
-              <a:rPr lang="en-GB" dirty="0"/>
-            </a:br>
-            <a:r>
-              <a:rPr lang="en-GB" dirty="0"/>
-              <a:t>to read or even view the JSON directly.</a:t>
-            </a:r>
-          </a:p>
-          <a:p>
-            <a:pPr lvl="1"/>
-            <a:endParaRPr lang="en-GB" dirty="0"/>
-          </a:p>
-          <a:p>
-            <a:endParaRPr lang="en-GB" dirty="0"/>
-          </a:p>
-        </p:txBody>
-      </p:sp>
-      <p:pic>
-        <p:nvPicPr>
-          <p:cNvPr id="7" name="Picture 6">
-            <a:extLst>
-              <a:ext uri="{FF2B5EF4-FFF2-40B4-BE49-F238E27FC236}">
-                <a16:creationId xmlns:a16="http://schemas.microsoft.com/office/drawing/2014/main" id="{B6FF5231-CC65-4C13-B1A4-B3402E377071}"/>
-              </a:ext>
-            </a:extLst>
-          </p:cNvPr>
-          <p:cNvPicPr>
-            <a:picLocks noChangeAspect="1"/>
-          </p:cNvPicPr>
-          <p:nvPr/>
-        </p:nvPicPr>
-        <p:blipFill>
-          <a:blip r:embed="rId3"/>
-          <a:stretch>
-            <a:fillRect/>
-          </a:stretch>
-        </p:blipFill>
-        <p:spPr>
-          <a:xfrm>
-            <a:off x="6400801" y="3370274"/>
-            <a:ext cx="5565612" cy="3418473"/>
-          </a:xfrm>
-          <a:prstGeom prst="rect">
-            <a:avLst/>
-          </a:prstGeom>
-        </p:spPr>
-      </p:pic>
-    </p:spTree>
-    <p:extLst>
-      <p:ext uri="{BB962C8B-B14F-4D97-AF65-F5344CB8AC3E}">
-        <p14:creationId xmlns:p14="http://schemas.microsoft.com/office/powerpoint/2010/main" val="956630224"/>
-      </p:ext>
-    </p:extLst>
-  </p:cSld>
-  <p:clrMapOvr>
-    <a:masterClrMapping/>
-  </p:clrMapOvr>
-</p:sld>
-</file>
-
-<file path=ppt/slides/slide5.xml><?xml version="1.0" encoding="utf-8"?>
-<p:sld xmlns:a="http://schemas.openxmlformats.org/drawingml/2006/main" xmlns:r="http://schemas.openxmlformats.org/officeDocument/2006/relationships" xmlns:p="http://schemas.openxmlformats.org/presentationml/2006/main">
-  <p:cSld>
-    <p:spTree>
-      <p:nvGrpSpPr>
-        <p:cNvPr id="1" name=""/>
-        <p:cNvGrpSpPr/>
-        <p:nvPr/>
-      </p:nvGrpSpPr>
-      <p:grpSpPr>
-        <a:xfrm>
-          <a:off x="0" y="0"/>
-          <a:ext cx="0" cy="0"/>
-          <a:chOff x="0" y="0"/>
-          <a:chExt cx="0" cy="0"/>
-        </a:xfrm>
-      </p:grpSpPr>
-      <p:sp>
-        <p:nvSpPr>
-          <p:cNvPr id="2" name="Title 1">
-            <a:extLst>
-              <a:ext uri="{FF2B5EF4-FFF2-40B4-BE49-F238E27FC236}">
-                <a16:creationId xmlns:a16="http://schemas.microsoft.com/office/drawing/2014/main" id="{628D410C-A833-42CD-BD64-93FE7595A09A}"/>
-              </a:ext>
-            </a:extLst>
-          </p:cNvPr>
-          <p:cNvSpPr>
-            <a:spLocks noGrp="1"/>
-          </p:cNvSpPr>
-          <p:nvPr>
-            <p:ph type="title"/>
-          </p:nvPr>
-        </p:nvSpPr>
-        <p:spPr/>
-        <p:txBody>
-          <a:bodyPr/>
-          <a:lstStyle/>
-          <a:p>
-            <a:r>
-              <a:rPr lang="en-GB" dirty="0"/>
-              <a:t>With the Server running, click Home (     ) on the Client</a:t>
-            </a:r>
-          </a:p>
-        </p:txBody>
-      </p:sp>
-      <p:sp>
-        <p:nvSpPr>
-          <p:cNvPr id="3" name="Content Placeholder 2">
-            <a:extLst>
-              <a:ext uri="{FF2B5EF4-FFF2-40B4-BE49-F238E27FC236}">
-                <a16:creationId xmlns:a16="http://schemas.microsoft.com/office/drawing/2014/main" id="{B18ED2AF-4D03-4E93-AAE5-BB304F41262C}"/>
-              </a:ext>
-            </a:extLst>
-          </p:cNvPr>
-          <p:cNvSpPr>
-            <a:spLocks noGrp="1"/>
-          </p:cNvSpPr>
-          <p:nvPr>
-            <p:ph idx="1"/>
-          </p:nvPr>
-        </p:nvSpPr>
-        <p:spPr/>
-        <p:txBody>
-          <a:bodyPr/>
-          <a:lstStyle/>
-          <a:p>
-            <a:r>
-              <a:rPr lang="en-GB" dirty="0"/>
-              <a:t>Then open the </a:t>
-            </a:r>
-            <a:r>
-              <a:rPr lang="en-GB" b="1" dirty="0"/>
-              <a:t>Students</a:t>
-            </a:r>
-            <a:br>
-              <a:rPr lang="en-GB" dirty="0"/>
-            </a:br>
-            <a:r>
-              <a:rPr lang="en-GB" dirty="0"/>
-              <a:t>menu, click on </a:t>
-            </a:r>
-            <a:r>
-              <a:rPr lang="en-GB" b="1" dirty="0"/>
-              <a:t>All Students</a:t>
-            </a:r>
-            <a:r>
-              <a:rPr lang="en-GB" dirty="0"/>
-              <a:t>,</a:t>
-            </a:r>
-            <a:br>
-              <a:rPr lang="en-GB" dirty="0"/>
-            </a:br>
-            <a:r>
-              <a:rPr lang="en-GB" dirty="0"/>
-              <a:t>then right-click on one of </a:t>
-            </a:r>
-            <a:br>
-              <a:rPr lang="en-GB" dirty="0"/>
-            </a:br>
-            <a:r>
-              <a:rPr lang="en-GB" dirty="0"/>
-              <a:t>the returned list…</a:t>
-            </a:r>
-          </a:p>
-        </p:txBody>
-      </p:sp>
-      <p:pic>
-        <p:nvPicPr>
-          <p:cNvPr id="4" name="Picture 3">
-            <a:extLst>
-              <a:ext uri="{FF2B5EF4-FFF2-40B4-BE49-F238E27FC236}">
-                <a16:creationId xmlns:a16="http://schemas.microsoft.com/office/drawing/2014/main" id="{E1B67AF8-18D9-4B7B-AC77-B916D69255AE}"/>
-              </a:ext>
-            </a:extLst>
-          </p:cNvPr>
-          <p:cNvPicPr>
-            <a:picLocks noChangeAspect="1"/>
-          </p:cNvPicPr>
-          <p:nvPr/>
-        </p:nvPicPr>
-        <p:blipFill>
-          <a:blip r:embed="rId2"/>
-          <a:stretch>
-            <a:fillRect/>
-          </a:stretch>
-        </p:blipFill>
-        <p:spPr>
-          <a:xfrm>
-            <a:off x="9379074" y="465931"/>
-            <a:ext cx="581025" cy="561975"/>
-          </a:xfrm>
-          <a:prstGeom prst="rect">
-            <a:avLst/>
-          </a:prstGeom>
-        </p:spPr>
-      </p:pic>
-      <p:pic>
-        <p:nvPicPr>
-          <p:cNvPr id="6" name="Picture 5">
-            <a:extLst>
-              <a:ext uri="{FF2B5EF4-FFF2-40B4-BE49-F238E27FC236}">
-                <a16:creationId xmlns:a16="http://schemas.microsoft.com/office/drawing/2014/main" id="{82B84BB2-0CDE-46AD-BA48-EB65B085CF9C}"/>
-              </a:ext>
-            </a:extLst>
-          </p:cNvPr>
-          <p:cNvPicPr>
-            <a:picLocks noChangeAspect="1"/>
-          </p:cNvPicPr>
-          <p:nvPr/>
-        </p:nvPicPr>
-        <p:blipFill>
-          <a:blip r:embed="rId3"/>
-          <a:stretch>
-            <a:fillRect/>
-          </a:stretch>
-        </p:blipFill>
-        <p:spPr>
-          <a:xfrm>
-            <a:off x="5387762" y="1825625"/>
-            <a:ext cx="5966038" cy="3498410"/>
-          </a:xfrm>
-          <a:prstGeom prst="rect">
-            <a:avLst/>
-          </a:prstGeom>
-        </p:spPr>
-      </p:pic>
-    </p:spTree>
-    <p:extLst>
-      <p:ext uri="{BB962C8B-B14F-4D97-AF65-F5344CB8AC3E}">
-        <p14:creationId xmlns:p14="http://schemas.microsoft.com/office/powerpoint/2010/main" val="3432565729"/>
-      </p:ext>
-    </p:extLst>
-  </p:cSld>
-  <p:clrMapOvr>
-    <a:masterClrMapping/>
-  </p:clrMapOvr>
-</p:sld>
-</file>
-
-<file path=ppt/slides/slide6.xml><?xml version="1.0" encoding="utf-8"?>
-<p:sld xmlns:a="http://schemas.openxmlformats.org/drawingml/2006/main" xmlns:r="http://schemas.openxmlformats.org/officeDocument/2006/relationships" xmlns:p="http://schemas.openxmlformats.org/presentationml/2006/main">
-  <p:cSld>
-    <p:spTree>
-      <p:nvGrpSpPr>
-        <p:cNvPr id="1" name=""/>
-        <p:cNvGrpSpPr/>
-        <p:nvPr/>
-      </p:nvGrpSpPr>
-      <p:grpSpPr>
-        <a:xfrm>
-          <a:off x="0" y="0"/>
-          <a:ext cx="0" cy="0"/>
-          <a:chOff x="0" y="0"/>
-          <a:chExt cx="0" cy="0"/>
-        </a:xfrm>
-      </p:grpSpPr>
-      <p:sp>
-        <p:nvSpPr>
-          <p:cNvPr id="2" name="Title 1">
-            <a:extLst>
-              <a:ext uri="{FF2B5EF4-FFF2-40B4-BE49-F238E27FC236}">
-                <a16:creationId xmlns:a16="http://schemas.microsoft.com/office/drawing/2014/main" id="{019B83BF-9A0E-4926-A579-8DA46A939B6E}"/>
-              </a:ext>
-            </a:extLst>
-          </p:cNvPr>
-          <p:cNvSpPr>
-            <a:spLocks noGrp="1"/>
-          </p:cNvSpPr>
-          <p:nvPr>
-            <p:ph type="title"/>
-          </p:nvPr>
-        </p:nvSpPr>
-        <p:spPr>
-          <a:xfrm>
-            <a:off x="838200" y="365125"/>
-            <a:ext cx="10515600" cy="677291"/>
-          </a:xfrm>
-        </p:spPr>
-        <p:txBody>
-          <a:bodyPr>
-            <a:normAutofit fontScale="90000"/>
-          </a:bodyPr>
-          <a:lstStyle/>
-          <a:p>
-            <a:r>
-              <a:rPr lang="en-GB" dirty="0"/>
-              <a:t>Explore the classes in the Model project:</a:t>
-            </a:r>
-          </a:p>
-        </p:txBody>
-      </p:sp>
-      <p:pic>
-        <p:nvPicPr>
-          <p:cNvPr id="4" name="Picture 3">
-            <a:extLst>
-              <a:ext uri="{FF2B5EF4-FFF2-40B4-BE49-F238E27FC236}">
-                <a16:creationId xmlns:a16="http://schemas.microsoft.com/office/drawing/2014/main" id="{ACD96090-8DFC-4EAC-A269-BAFCC66D376A}"/>
-              </a:ext>
-            </a:extLst>
-          </p:cNvPr>
-          <p:cNvPicPr>
-            <a:picLocks noChangeAspect="1"/>
-          </p:cNvPicPr>
-          <p:nvPr/>
-        </p:nvPicPr>
-        <p:blipFill rotWithShape="1">
-          <a:blip r:embed="rId2"/>
-          <a:srcRect l="28832" b="26728"/>
-          <a:stretch/>
-        </p:blipFill>
-        <p:spPr>
-          <a:xfrm>
-            <a:off x="3472137" y="2560228"/>
-            <a:ext cx="3618450" cy="2413794"/>
-          </a:xfrm>
-          <a:prstGeom prst="rect">
-            <a:avLst/>
-          </a:prstGeom>
-        </p:spPr>
-      </p:pic>
-      <p:grpSp>
-        <p:nvGrpSpPr>
-          <p:cNvPr id="5" name="Group 4">
-            <a:extLst>
-              <a:ext uri="{FF2B5EF4-FFF2-40B4-BE49-F238E27FC236}">
-                <a16:creationId xmlns:a16="http://schemas.microsoft.com/office/drawing/2014/main" id="{70B857B3-2A99-4C63-B13E-D4F46F9316E4}"/>
-              </a:ext>
-            </a:extLst>
-          </p:cNvPr>
-          <p:cNvGrpSpPr/>
-          <p:nvPr/>
-        </p:nvGrpSpPr>
-        <p:grpSpPr>
-          <a:xfrm>
-            <a:off x="237259" y="3159225"/>
-            <a:ext cx="3234878" cy="646331"/>
-            <a:chOff x="487642" y="4421495"/>
-            <a:chExt cx="3234878" cy="646331"/>
-          </a:xfrm>
-        </p:grpSpPr>
-        <p:sp>
-          <p:nvSpPr>
-            <p:cNvPr id="6" name="TextBox 5">
-              <a:extLst>
-                <a:ext uri="{FF2B5EF4-FFF2-40B4-BE49-F238E27FC236}">
-                  <a16:creationId xmlns:a16="http://schemas.microsoft.com/office/drawing/2014/main" id="{30CC434C-EF65-4413-88DF-293BCF73AF40}"/>
-                </a:ext>
-              </a:extLst>
-            </p:cNvPr>
-            <p:cNvSpPr txBox="1"/>
-            <p:nvPr/>
-          </p:nvSpPr>
-          <p:spPr>
-            <a:xfrm>
-              <a:off x="487642" y="4421495"/>
-              <a:ext cx="2241941" cy="646331"/>
-            </a:xfrm>
-            <a:prstGeom prst="rect">
-              <a:avLst/>
-            </a:prstGeom>
-            <a:solidFill>
-              <a:schemeClr val="bg1"/>
-            </a:solidFill>
-            <a:ln w="28575">
-              <a:solidFill>
-                <a:schemeClr val="accent1"/>
-              </a:solidFill>
-            </a:ln>
-          </p:spPr>
-          <p:txBody>
-            <a:bodyPr wrap="square" rtlCol="0">
-              <a:spAutoFit/>
-            </a:bodyPr>
-            <a:lstStyle/>
-            <a:p>
-              <a:r>
-                <a:rPr lang="en-GB" sz="1200" dirty="0">
-                  <a:solidFill>
-                    <a:srgbClr val="FF0000"/>
-                  </a:solidFill>
-                </a:rPr>
-                <a:t>1. Static class defining standalone functions that make up the </a:t>
-              </a:r>
-              <a:r>
-                <a:rPr lang="en-GB" sz="1200" b="1" dirty="0">
-                  <a:solidFill>
-                    <a:srgbClr val="FF0000"/>
-                  </a:solidFill>
-                </a:rPr>
-                <a:t>Students</a:t>
-              </a:r>
-              <a:r>
-                <a:rPr lang="en-GB" sz="1200" dirty="0">
-                  <a:solidFill>
-                    <a:srgbClr val="FF0000"/>
-                  </a:solidFill>
-                </a:rPr>
-                <a:t> menu</a:t>
-              </a:r>
-            </a:p>
-          </p:txBody>
-        </p:sp>
-        <p:cxnSp>
-          <p:nvCxnSpPr>
-            <p:cNvPr id="8" name="Straight Arrow Connector 7">
-              <a:extLst>
-                <a:ext uri="{FF2B5EF4-FFF2-40B4-BE49-F238E27FC236}">
-                  <a16:creationId xmlns:a16="http://schemas.microsoft.com/office/drawing/2014/main" id="{F37ED13D-9ACF-4E0F-A541-6D2E6EAC4A09}"/>
-                </a:ext>
-              </a:extLst>
-            </p:cNvPr>
-            <p:cNvCxnSpPr>
-              <a:cxnSpLocks/>
-              <a:stCxn id="6" idx="3"/>
-            </p:cNvCxnSpPr>
-            <p:nvPr/>
-          </p:nvCxnSpPr>
-          <p:spPr>
-            <a:xfrm>
-              <a:off x="2729583" y="4744661"/>
-              <a:ext cx="992937" cy="0"/>
-            </a:xfrm>
-            <a:prstGeom prst="straightConnector1">
-              <a:avLst/>
-            </a:prstGeom>
-            <a:ln w="28575">
-              <a:tailEnd type="triangle"/>
-            </a:ln>
-          </p:spPr>
-          <p:style>
-            <a:lnRef idx="1">
-              <a:schemeClr val="accent1"/>
-            </a:lnRef>
-            <a:fillRef idx="0">
-              <a:schemeClr val="accent1"/>
-            </a:fillRef>
-            <a:effectRef idx="0">
-              <a:schemeClr val="accent1"/>
-            </a:effectRef>
-            <a:fontRef idx="minor">
-              <a:schemeClr val="tx1"/>
-            </a:fontRef>
-          </p:style>
-        </p:cxnSp>
-      </p:grpSp>
-      <p:grpSp>
-        <p:nvGrpSpPr>
-          <p:cNvPr id="12" name="Group 11">
-            <a:extLst>
-              <a:ext uri="{FF2B5EF4-FFF2-40B4-BE49-F238E27FC236}">
-                <a16:creationId xmlns:a16="http://schemas.microsoft.com/office/drawing/2014/main" id="{A20B4745-6578-4FD1-A941-4D3979666A5C}"/>
-              </a:ext>
-            </a:extLst>
-          </p:cNvPr>
-          <p:cNvGrpSpPr/>
-          <p:nvPr/>
-        </p:nvGrpSpPr>
-        <p:grpSpPr>
-          <a:xfrm>
-            <a:off x="5669280" y="3901226"/>
-            <a:ext cx="4761799" cy="276999"/>
-            <a:chOff x="-1572752" y="2621733"/>
-            <a:chExt cx="4008445" cy="276999"/>
-          </a:xfrm>
-        </p:grpSpPr>
-        <p:sp>
-          <p:nvSpPr>
-            <p:cNvPr id="13" name="TextBox 12">
-              <a:extLst>
-                <a:ext uri="{FF2B5EF4-FFF2-40B4-BE49-F238E27FC236}">
-                  <a16:creationId xmlns:a16="http://schemas.microsoft.com/office/drawing/2014/main" id="{5F995B6E-6323-43FB-86EA-65BB9F63B940}"/>
-                </a:ext>
-              </a:extLst>
-            </p:cNvPr>
-            <p:cNvSpPr txBox="1"/>
-            <p:nvPr/>
-          </p:nvSpPr>
-          <p:spPr>
-            <a:xfrm>
-              <a:off x="339587" y="2621733"/>
-              <a:ext cx="2096106" cy="276999"/>
-            </a:xfrm>
-            <a:prstGeom prst="rect">
-              <a:avLst/>
-            </a:prstGeom>
-            <a:solidFill>
-              <a:schemeClr val="bg1"/>
-            </a:solidFill>
-            <a:ln w="28575">
-              <a:solidFill>
-                <a:schemeClr val="accent1"/>
-              </a:solidFill>
-            </a:ln>
-          </p:spPr>
-          <p:txBody>
-            <a:bodyPr wrap="square" rtlCol="0">
-              <a:spAutoFit/>
-            </a:bodyPr>
-            <a:lstStyle/>
-            <a:p>
-              <a:r>
-                <a:rPr lang="en-GB" sz="1200" dirty="0">
-                  <a:solidFill>
-                    <a:srgbClr val="FF0000"/>
-                  </a:solidFill>
-                </a:rPr>
-                <a:t>2. Record defining the </a:t>
-              </a:r>
-              <a:r>
-                <a:rPr lang="en-GB" sz="1100" dirty="0">
-                  <a:latin typeface="Consolas" panose="020B0609020204030204" pitchFamily="49" charset="0"/>
-                </a:rPr>
-                <a:t>Student</a:t>
-              </a:r>
-              <a:r>
-                <a:rPr lang="en-GB" sz="1200" dirty="0">
-                  <a:solidFill>
-                    <a:srgbClr val="FF0000"/>
-                  </a:solidFill>
-                </a:rPr>
-                <a:t> type</a:t>
-              </a:r>
-            </a:p>
-          </p:txBody>
-        </p:sp>
-        <p:cxnSp>
-          <p:nvCxnSpPr>
-            <p:cNvPr id="14" name="Straight Arrow Connector 13">
-              <a:extLst>
-                <a:ext uri="{FF2B5EF4-FFF2-40B4-BE49-F238E27FC236}">
-                  <a16:creationId xmlns:a16="http://schemas.microsoft.com/office/drawing/2014/main" id="{1ED1FA0C-DD01-46DA-AE39-02F993EF825A}"/>
-                </a:ext>
-              </a:extLst>
-            </p:cNvPr>
-            <p:cNvCxnSpPr>
-              <a:cxnSpLocks/>
-              <a:stCxn id="13" idx="1"/>
-            </p:cNvCxnSpPr>
-            <p:nvPr/>
-          </p:nvCxnSpPr>
-          <p:spPr>
-            <a:xfrm flipH="1">
-              <a:off x="-1572752" y="2760233"/>
-              <a:ext cx="1912339" cy="17781"/>
-            </a:xfrm>
-            <a:prstGeom prst="straightConnector1">
-              <a:avLst/>
-            </a:prstGeom>
-            <a:ln w="28575">
-              <a:tailEnd type="triangle"/>
-            </a:ln>
-          </p:spPr>
-          <p:style>
-            <a:lnRef idx="1">
-              <a:schemeClr val="accent1"/>
-            </a:lnRef>
-            <a:fillRef idx="0">
-              <a:schemeClr val="accent1"/>
-            </a:fillRef>
-            <a:effectRef idx="0">
-              <a:schemeClr val="accent1"/>
-            </a:effectRef>
-            <a:fontRef idx="minor">
-              <a:schemeClr val="tx1"/>
-            </a:fontRef>
-          </p:style>
-        </p:cxnSp>
-      </p:grpSp>
-      <p:grpSp>
-        <p:nvGrpSpPr>
-          <p:cNvPr id="19" name="Group 18">
-            <a:extLst>
-              <a:ext uri="{FF2B5EF4-FFF2-40B4-BE49-F238E27FC236}">
-                <a16:creationId xmlns:a16="http://schemas.microsoft.com/office/drawing/2014/main" id="{683658DE-3CB9-4542-B4D0-EB7AF13D0CF4}"/>
-              </a:ext>
-            </a:extLst>
-          </p:cNvPr>
-          <p:cNvGrpSpPr/>
-          <p:nvPr/>
-        </p:nvGrpSpPr>
-        <p:grpSpPr>
-          <a:xfrm>
-            <a:off x="237259" y="4178225"/>
-            <a:ext cx="3362409" cy="461665"/>
-            <a:chOff x="-43955" y="2430870"/>
-            <a:chExt cx="3362409" cy="461665"/>
-          </a:xfrm>
-        </p:grpSpPr>
-        <p:sp>
-          <p:nvSpPr>
-            <p:cNvPr id="20" name="TextBox 19">
-              <a:extLst>
-                <a:ext uri="{FF2B5EF4-FFF2-40B4-BE49-F238E27FC236}">
-                  <a16:creationId xmlns:a16="http://schemas.microsoft.com/office/drawing/2014/main" id="{D18AF7E5-DE34-410D-BA8D-D5C56A5F2E88}"/>
-                </a:ext>
-              </a:extLst>
-            </p:cNvPr>
-            <p:cNvSpPr txBox="1"/>
-            <p:nvPr/>
-          </p:nvSpPr>
-          <p:spPr>
-            <a:xfrm>
-              <a:off x="-43955" y="2430870"/>
-              <a:ext cx="2241941" cy="461665"/>
-            </a:xfrm>
-            <a:prstGeom prst="rect">
-              <a:avLst/>
-            </a:prstGeom>
-            <a:solidFill>
-              <a:schemeClr val="bg1"/>
-            </a:solidFill>
-            <a:ln w="28575">
-              <a:solidFill>
-                <a:schemeClr val="accent1"/>
-              </a:solidFill>
-            </a:ln>
-          </p:spPr>
-          <p:txBody>
-            <a:bodyPr wrap="square" rtlCol="0">
-              <a:spAutoFit/>
-            </a:bodyPr>
-            <a:lstStyle/>
-            <a:p>
-              <a:r>
-                <a:rPr lang="en-GB" sz="1200" dirty="0">
-                  <a:solidFill>
-                    <a:srgbClr val="FF0000"/>
-                  </a:solidFill>
-                </a:rPr>
-                <a:t>3. Standard Entity Framework classes to manage persistence</a:t>
-              </a:r>
-            </a:p>
-          </p:txBody>
-        </p:sp>
-        <p:cxnSp>
-          <p:nvCxnSpPr>
-            <p:cNvPr id="21" name="Straight Arrow Connector 20">
-              <a:extLst>
-                <a:ext uri="{FF2B5EF4-FFF2-40B4-BE49-F238E27FC236}">
-                  <a16:creationId xmlns:a16="http://schemas.microsoft.com/office/drawing/2014/main" id="{D17ED453-84A0-4885-AABC-C1EA4BB23D18}"/>
-                </a:ext>
-              </a:extLst>
-            </p:cNvPr>
-            <p:cNvCxnSpPr>
-              <a:cxnSpLocks/>
-              <a:stCxn id="20" idx="3"/>
-            </p:cNvCxnSpPr>
-            <p:nvPr/>
-          </p:nvCxnSpPr>
-          <p:spPr>
-            <a:xfrm flipV="1">
-              <a:off x="2197986" y="2576293"/>
-              <a:ext cx="1120468" cy="85410"/>
-            </a:xfrm>
-            <a:prstGeom prst="straightConnector1">
-              <a:avLst/>
-            </a:prstGeom>
-            <a:ln w="28575">
-              <a:tailEnd type="triangle"/>
-            </a:ln>
-          </p:spPr>
-          <p:style>
-            <a:lnRef idx="1">
-              <a:schemeClr val="accent1"/>
-            </a:lnRef>
-            <a:fillRef idx="0">
-              <a:schemeClr val="accent1"/>
-            </a:fillRef>
-            <a:effectRef idx="0">
-              <a:schemeClr val="accent1"/>
-            </a:effectRef>
-            <a:fontRef idx="minor">
-              <a:schemeClr val="tx1"/>
-            </a:fontRef>
-          </p:style>
-        </p:cxnSp>
-        <p:cxnSp>
-          <p:nvCxnSpPr>
-            <p:cNvPr id="23" name="Straight Arrow Connector 22">
-              <a:extLst>
-                <a:ext uri="{FF2B5EF4-FFF2-40B4-BE49-F238E27FC236}">
-                  <a16:creationId xmlns:a16="http://schemas.microsoft.com/office/drawing/2014/main" id="{2DEA5BD2-E5D3-4492-AC1C-D5137769EF62}"/>
-                </a:ext>
-              </a:extLst>
-            </p:cNvPr>
-            <p:cNvCxnSpPr>
-              <a:cxnSpLocks/>
-              <a:stCxn id="20" idx="3"/>
-            </p:cNvCxnSpPr>
-            <p:nvPr/>
-          </p:nvCxnSpPr>
-          <p:spPr>
-            <a:xfrm>
-              <a:off x="2197986" y="2661703"/>
-              <a:ext cx="1120468" cy="145423"/>
-            </a:xfrm>
-            <a:prstGeom prst="straightConnector1">
-              <a:avLst/>
-            </a:prstGeom>
-            <a:ln w="28575">
-              <a:tailEnd type="triangle"/>
-            </a:ln>
-          </p:spPr>
-          <p:style>
-            <a:lnRef idx="1">
-              <a:schemeClr val="accent1"/>
-            </a:lnRef>
-            <a:fillRef idx="0">
-              <a:schemeClr val="accent1"/>
-            </a:fillRef>
-            <a:effectRef idx="0">
-              <a:schemeClr val="accent1"/>
-            </a:effectRef>
-            <a:fontRef idx="minor">
-              <a:schemeClr val="tx1"/>
-            </a:fontRef>
-          </p:style>
-        </p:cxnSp>
-      </p:grpSp>
-      <p:grpSp>
-        <p:nvGrpSpPr>
-          <p:cNvPr id="28" name="Group 27">
-            <a:extLst>
-              <a:ext uri="{FF2B5EF4-FFF2-40B4-BE49-F238E27FC236}">
-                <a16:creationId xmlns:a16="http://schemas.microsoft.com/office/drawing/2014/main" id="{E90C3423-08B3-42C9-B5C5-EB95DE2B8246}"/>
-              </a:ext>
-            </a:extLst>
-          </p:cNvPr>
-          <p:cNvGrpSpPr/>
-          <p:nvPr/>
-        </p:nvGrpSpPr>
-        <p:grpSpPr>
-          <a:xfrm>
-            <a:off x="5870448" y="4502269"/>
-            <a:ext cx="4701091" cy="646331"/>
-            <a:chOff x="-1922615" y="2084212"/>
-            <a:chExt cx="6556262" cy="608903"/>
-          </a:xfrm>
-        </p:grpSpPr>
-        <p:sp>
-          <p:nvSpPr>
-            <p:cNvPr id="29" name="TextBox 28">
-              <a:extLst>
-                <a:ext uri="{FF2B5EF4-FFF2-40B4-BE49-F238E27FC236}">
-                  <a16:creationId xmlns:a16="http://schemas.microsoft.com/office/drawing/2014/main" id="{5C8FF11D-0193-47A2-A7CB-4DD7C99057F5}"/>
-                </a:ext>
-              </a:extLst>
-            </p:cNvPr>
-            <p:cNvSpPr txBox="1"/>
-            <p:nvPr/>
-          </p:nvSpPr>
-          <p:spPr>
-            <a:xfrm>
-              <a:off x="965065" y="2084212"/>
-              <a:ext cx="3668582" cy="608903"/>
-            </a:xfrm>
-            <a:prstGeom prst="rect">
-              <a:avLst/>
-            </a:prstGeom>
-            <a:solidFill>
-              <a:schemeClr val="bg1"/>
-            </a:solidFill>
-            <a:ln w="28575">
-              <a:solidFill>
-                <a:schemeClr val="accent1"/>
-              </a:solidFill>
-            </a:ln>
-          </p:spPr>
-          <p:txBody>
-            <a:bodyPr wrap="square" rtlCol="0">
-              <a:spAutoFit/>
-            </a:bodyPr>
-            <a:lstStyle/>
-            <a:p>
-              <a:r>
-                <a:rPr lang="en-GB" sz="1200" dirty="0">
-                  <a:solidFill>
-                    <a:srgbClr val="FF0000"/>
-                  </a:solidFill>
-                </a:rPr>
-                <a:t>4. </a:t>
-              </a:r>
-              <a:r>
-                <a:rPr lang="en-GB" sz="1100" dirty="0" err="1">
-                  <a:latin typeface="Consolas" panose="020B0609020204030204" pitchFamily="49" charset="0"/>
-                </a:rPr>
-                <a:t>ModelConfig</a:t>
-              </a:r>
-              <a:r>
-                <a:rPr lang="en-GB" sz="1200" dirty="0">
-                  <a:solidFill>
-                    <a:srgbClr val="FF0000"/>
-                  </a:solidFill>
-                </a:rPr>
-                <a:t> is how the Server project reads the capabilities of the Model.  (Explained on next slide.)</a:t>
-              </a:r>
-            </a:p>
-          </p:txBody>
-        </p:sp>
-        <p:cxnSp>
-          <p:nvCxnSpPr>
-            <p:cNvPr id="30" name="Straight Arrow Connector 29">
-              <a:extLst>
-                <a:ext uri="{FF2B5EF4-FFF2-40B4-BE49-F238E27FC236}">
-                  <a16:creationId xmlns:a16="http://schemas.microsoft.com/office/drawing/2014/main" id="{978FDBBF-8947-415F-B701-2E5473BFD3D3}"/>
-                </a:ext>
-              </a:extLst>
-            </p:cNvPr>
-            <p:cNvCxnSpPr>
-              <a:cxnSpLocks/>
-              <a:stCxn id="29" idx="1"/>
-            </p:cNvCxnSpPr>
-            <p:nvPr/>
-          </p:nvCxnSpPr>
-          <p:spPr>
-            <a:xfrm flipH="1">
-              <a:off x="-1922615" y="2388664"/>
-              <a:ext cx="2887681" cy="16999"/>
-            </a:xfrm>
-            <a:prstGeom prst="straightConnector1">
-              <a:avLst/>
-            </a:prstGeom>
-            <a:ln w="28575">
-              <a:tailEnd type="triangle"/>
-            </a:ln>
-          </p:spPr>
-          <p:style>
-            <a:lnRef idx="1">
-              <a:schemeClr val="accent1"/>
-            </a:lnRef>
-            <a:fillRef idx="0">
-              <a:schemeClr val="accent1"/>
-            </a:fillRef>
-            <a:effectRef idx="0">
-              <a:schemeClr val="accent1"/>
-            </a:effectRef>
-            <a:fontRef idx="minor">
-              <a:schemeClr val="tx1"/>
-            </a:fontRef>
-          </p:style>
-        </p:cxnSp>
-      </p:grpSp>
-    </p:spTree>
-    <p:extLst>
-      <p:ext uri="{BB962C8B-B14F-4D97-AF65-F5344CB8AC3E}">
-        <p14:creationId xmlns:p14="http://schemas.microsoft.com/office/powerpoint/2010/main" val="1674066649"/>
-      </p:ext>
-    </p:extLst>
-  </p:cSld>
-  <p:clrMapOvr>
-    <a:masterClrMapping/>
-  </p:clrMapOvr>
-</p:sld>
-</file>
-
-<file path=ppt/slides/slide7.xml><?xml version="1.0" encoding="utf-8"?>
-<p:sld xmlns:a="http://schemas.openxmlformats.org/drawingml/2006/main" xmlns:r="http://schemas.openxmlformats.org/officeDocument/2006/relationships" xmlns:p="http://schemas.openxmlformats.org/presentationml/2006/main">
-  <p:cSld>
-    <p:spTree>
-      <p:nvGrpSpPr>
-        <p:cNvPr id="1" name=""/>
-        <p:cNvGrpSpPr/>
-        <p:nvPr/>
-      </p:nvGrpSpPr>
-      <p:grpSpPr>
-        <a:xfrm>
-          <a:off x="0" y="0"/>
-          <a:ext cx="0" cy="0"/>
-          <a:chOff x="0" y="0"/>
-          <a:chExt cx="0" cy="0"/>
-        </a:xfrm>
-      </p:grpSpPr>
-      <p:sp>
-        <p:nvSpPr>
-          <p:cNvPr id="2" name="Title 1">
-            <a:extLst>
-              <a:ext uri="{FF2B5EF4-FFF2-40B4-BE49-F238E27FC236}">
                 <a16:creationId xmlns:a16="http://schemas.microsoft.com/office/drawing/2014/main" id="{5DD8FEE4-CE69-4FA0-9723-13AFB84ED7A0}"/>
               </a:ext>
             </a:extLst>
@@ -6473,7 +4573,7 @@
 </p:sld>
 </file>
 
-<file path=ppt/slides/slide8.xml><?xml version="1.0" encoding="utf-8"?>
+<file path=ppt/slides/slide11.xml><?xml version="1.0" encoding="utf-8"?>
 <p:sld xmlns:a="http://schemas.openxmlformats.org/drawingml/2006/main" xmlns:r="http://schemas.openxmlformats.org/officeDocument/2006/relationships" xmlns:p="http://schemas.openxmlformats.org/presentationml/2006/main">
   <p:cSld>
     <p:spTree>
@@ -8035,6 +6135,2024 @@
 </p:sld>
 </file>
 
+<file path=ppt/slides/slide12.xml><?xml version="1.0" encoding="utf-8"?>
+<p:sld xmlns:a="http://schemas.openxmlformats.org/drawingml/2006/main" xmlns:r="http://schemas.openxmlformats.org/officeDocument/2006/relationships" xmlns:p="http://schemas.openxmlformats.org/presentationml/2006/main">
+  <p:cSld>
+    <p:spTree>
+      <p:nvGrpSpPr>
+        <p:cNvPr id="1" name=""/>
+        <p:cNvGrpSpPr/>
+        <p:nvPr/>
+      </p:nvGrpSpPr>
+      <p:grpSpPr>
+        <a:xfrm>
+          <a:off x="0" y="0"/>
+          <a:ext cx="0" cy="0"/>
+          <a:chOff x="0" y="0"/>
+          <a:chExt cx="0" cy="0"/>
+        </a:xfrm>
+      </p:grpSpPr>
+      <p:sp>
+        <p:nvSpPr>
+          <p:cNvPr id="2" name="Title 1">
+            <a:extLst>
+              <a:ext uri="{FF2B5EF4-FFF2-40B4-BE49-F238E27FC236}">
+                <a16:creationId xmlns:a16="http://schemas.microsoft.com/office/drawing/2014/main" id="{61240CD2-8904-4513-909A-712129DBD0A2}"/>
+              </a:ext>
+            </a:extLst>
+          </p:cNvPr>
+          <p:cNvSpPr>
+            <a:spLocks noGrp="1"/>
+          </p:cNvSpPr>
+          <p:nvPr>
+            <p:ph type="title"/>
+          </p:nvPr>
+        </p:nvSpPr>
+        <p:spPr/>
+        <p:txBody>
+          <a:bodyPr/>
+          <a:lstStyle/>
+          <a:p>
+            <a:r>
+              <a:rPr lang="en-GB" dirty="0"/>
+              <a:t>Things to try</a:t>
+            </a:r>
+          </a:p>
+        </p:txBody>
+      </p:sp>
+      <p:sp>
+        <p:nvSpPr>
+          <p:cNvPr id="3" name="Content Placeholder 2">
+            <a:extLst>
+              <a:ext uri="{FF2B5EF4-FFF2-40B4-BE49-F238E27FC236}">
+                <a16:creationId xmlns:a16="http://schemas.microsoft.com/office/drawing/2014/main" id="{ED8569CB-720F-4CB8-9719-8FCC9AACDE9D}"/>
+              </a:ext>
+            </a:extLst>
+          </p:cNvPr>
+          <p:cNvSpPr>
+            <a:spLocks noGrp="1"/>
+          </p:cNvSpPr>
+          <p:nvPr>
+            <p:ph idx="1"/>
+          </p:nvPr>
+        </p:nvSpPr>
+        <p:spPr/>
+        <p:txBody>
+          <a:bodyPr/>
+          <a:lstStyle/>
+          <a:p>
+            <a:r>
+              <a:rPr lang="en-GB" dirty="0"/>
+              <a:t>(Read </a:t>
+            </a:r>
+            <a:r>
+              <a:rPr lang="en-GB" dirty="0">
+                <a:hlinkClick r:id="rId2"/>
+              </a:rPr>
+              <a:t>The Naked Functions programming </a:t>
+            </a:r>
+            <a:r>
+              <a:rPr lang="en-GB">
+                <a:hlinkClick r:id="rId2"/>
+              </a:rPr>
+              <a:t>model </a:t>
+            </a:r>
+            <a:r>
+              <a:rPr lang="en-GB"/>
+              <a:t> presentation </a:t>
+            </a:r>
+            <a:r>
+              <a:rPr lang="en-GB" dirty="0"/>
+              <a:t>first)</a:t>
+            </a:r>
+          </a:p>
+          <a:p>
+            <a:r>
+              <a:rPr lang="en-GB" dirty="0"/>
+              <a:t>Adding new properties to the Student type</a:t>
+            </a:r>
+          </a:p>
+          <a:p>
+            <a:pPr lvl="1"/>
+            <a:r>
+              <a:rPr lang="en-GB" sz="1900" dirty="0" err="1">
+                <a:solidFill>
+                  <a:srgbClr val="000000"/>
+                </a:solidFill>
+                <a:latin typeface="Consolas" panose="020B0609020204030204" pitchFamily="49" charset="0"/>
+              </a:rPr>
+              <a:t>DateOfBirth</a:t>
+            </a:r>
+            <a:r>
+              <a:rPr lang="en-GB" sz="2400" dirty="0"/>
+              <a:t>,</a:t>
+            </a:r>
+            <a:r>
+              <a:rPr lang="en-GB" sz="1900" dirty="0">
+                <a:solidFill>
+                  <a:srgbClr val="000000"/>
+                </a:solidFill>
+                <a:latin typeface="Consolas" panose="020B0609020204030204" pitchFamily="49" charset="0"/>
+              </a:rPr>
+              <a:t> Address</a:t>
+            </a:r>
+            <a:r>
+              <a:rPr lang="en-GB" dirty="0"/>
+              <a:t>, or splitting the </a:t>
+            </a:r>
+            <a:r>
+              <a:rPr lang="en-GB" sz="1900" dirty="0" err="1">
+                <a:solidFill>
+                  <a:srgbClr val="000000"/>
+                </a:solidFill>
+                <a:latin typeface="Consolas" panose="020B0609020204030204" pitchFamily="49" charset="0"/>
+              </a:rPr>
+              <a:t>FullName</a:t>
+            </a:r>
+            <a:r>
+              <a:rPr lang="en-GB" dirty="0"/>
+              <a:t> into </a:t>
+            </a:r>
+            <a:r>
+              <a:rPr lang="en-GB" sz="1900" dirty="0">
+                <a:solidFill>
+                  <a:srgbClr val="000000"/>
+                </a:solidFill>
+                <a:latin typeface="Consolas" panose="020B0609020204030204" pitchFamily="49" charset="0"/>
+              </a:rPr>
+              <a:t>FirstName</a:t>
+            </a:r>
+            <a:r>
+              <a:rPr lang="en-GB" dirty="0"/>
+              <a:t> and </a:t>
+            </a:r>
+            <a:r>
+              <a:rPr lang="en-GB" sz="1900" dirty="0" err="1">
+                <a:solidFill>
+                  <a:srgbClr val="000000"/>
+                </a:solidFill>
+                <a:latin typeface="Consolas" panose="020B0609020204030204" pitchFamily="49" charset="0"/>
+              </a:rPr>
+              <a:t>LastName</a:t>
+            </a:r>
+            <a:endParaRPr lang="en-GB" sz="1900" dirty="0">
+              <a:solidFill>
+                <a:srgbClr val="000000"/>
+              </a:solidFill>
+              <a:latin typeface="Consolas" panose="020B0609020204030204" pitchFamily="49" charset="0"/>
+            </a:endParaRPr>
+          </a:p>
+          <a:p>
+            <a:pPr lvl="1"/>
+            <a:r>
+              <a:rPr lang="en-GB" dirty="0"/>
+              <a:t>Use </a:t>
+            </a:r>
+            <a:r>
+              <a:rPr lang="en-GB" sz="1900" dirty="0">
+                <a:solidFill>
+                  <a:srgbClr val="000000"/>
+                </a:solidFill>
+                <a:latin typeface="Consolas" panose="020B0609020204030204" pitchFamily="49" charset="0"/>
+              </a:rPr>
+              <a:t>[</a:t>
+            </a:r>
+            <a:r>
+              <a:rPr lang="en-GB" sz="1900" dirty="0" err="1">
+                <a:solidFill>
+                  <a:srgbClr val="000000"/>
+                </a:solidFill>
+                <a:latin typeface="Consolas" panose="020B0609020204030204" pitchFamily="49" charset="0"/>
+              </a:rPr>
+              <a:t>MemberOrder</a:t>
+            </a:r>
+            <a:r>
+              <a:rPr lang="en-GB" sz="1900" dirty="0">
+                <a:solidFill>
+                  <a:srgbClr val="000000"/>
+                </a:solidFill>
+                <a:latin typeface="Consolas" panose="020B0609020204030204" pitchFamily="49" charset="0"/>
+              </a:rPr>
+              <a:t>] </a:t>
+            </a:r>
+            <a:r>
+              <a:rPr lang="en-GB" dirty="0"/>
+              <a:t>to control ordering, </a:t>
+            </a:r>
+            <a:br>
+              <a:rPr lang="en-GB" dirty="0"/>
+            </a:br>
+            <a:r>
+              <a:rPr lang="en-GB" sz="1900" dirty="0">
+                <a:solidFill>
+                  <a:srgbClr val="000000"/>
+                </a:solidFill>
+                <a:latin typeface="Consolas" panose="020B0609020204030204" pitchFamily="49" charset="0"/>
+              </a:rPr>
+              <a:t>[Mask("d")] </a:t>
+            </a:r>
+            <a:r>
+              <a:rPr lang="en-GB" dirty="0"/>
+              <a:t>to format the </a:t>
+            </a:r>
+            <a:r>
+              <a:rPr lang="en-GB" sz="1900" dirty="0" err="1">
+                <a:solidFill>
+                  <a:srgbClr val="000000"/>
+                </a:solidFill>
+                <a:latin typeface="Consolas" panose="020B0609020204030204" pitchFamily="49" charset="0"/>
+              </a:rPr>
+              <a:t>DateTime</a:t>
+            </a:r>
+            <a:r>
+              <a:rPr lang="en-GB" dirty="0"/>
+              <a:t> property nicely</a:t>
+            </a:r>
+          </a:p>
+          <a:p>
+            <a:r>
+              <a:rPr lang="en-GB" dirty="0"/>
+              <a:t>Adding or modifying a menu function, to find students using new properties</a:t>
+            </a:r>
+          </a:p>
+          <a:p>
+            <a:r>
+              <a:rPr lang="en-GB" dirty="0"/>
+              <a:t>Creating a new </a:t>
+            </a:r>
+            <a:r>
+              <a:rPr lang="en-GB" sz="1900" dirty="0" err="1">
+                <a:solidFill>
+                  <a:srgbClr val="000000"/>
+                </a:solidFill>
+                <a:latin typeface="Consolas" panose="020B0609020204030204" pitchFamily="49" charset="0"/>
+              </a:rPr>
+              <a:t>Student_Functions</a:t>
+            </a:r>
+            <a:r>
+              <a:rPr lang="en-GB" sz="1900" dirty="0">
+                <a:solidFill>
+                  <a:srgbClr val="000000"/>
+                </a:solidFill>
+                <a:latin typeface="Consolas" panose="020B0609020204030204" pitchFamily="49" charset="0"/>
+              </a:rPr>
+              <a:t> </a:t>
+            </a:r>
+            <a:r>
+              <a:rPr lang="en-GB" dirty="0"/>
+              <a:t>static type, with static functions taking </a:t>
+            </a:r>
+            <a:r>
+              <a:rPr lang="en-GB" sz="1900" dirty="0">
+                <a:solidFill>
+                  <a:srgbClr val="000000"/>
+                </a:solidFill>
+                <a:latin typeface="Consolas" panose="020B0609020204030204" pitchFamily="49" charset="0"/>
+              </a:rPr>
+              <a:t>this Student s </a:t>
+            </a:r>
+            <a:r>
+              <a:rPr lang="en-GB" dirty="0"/>
+              <a:t>as the first parameter</a:t>
+            </a:r>
+          </a:p>
+          <a:p>
+            <a:pPr lvl="1"/>
+            <a:r>
+              <a:rPr lang="en-GB" dirty="0"/>
+              <a:t>Use this pattern to allow properties of a student to be edited, for example</a:t>
+            </a:r>
+          </a:p>
+        </p:txBody>
+      </p:sp>
+    </p:spTree>
+    <p:extLst>
+      <p:ext uri="{BB962C8B-B14F-4D97-AF65-F5344CB8AC3E}">
+        <p14:creationId xmlns:p14="http://schemas.microsoft.com/office/powerpoint/2010/main" val="1177773297"/>
+      </p:ext>
+    </p:extLst>
+  </p:cSld>
+  <p:clrMapOvr>
+    <a:masterClrMapping/>
+  </p:clrMapOvr>
+</p:sld>
+</file>
+
+<file path=ppt/slides/slide13.xml><?xml version="1.0" encoding="utf-8"?>
+<p:sld xmlns:a="http://schemas.openxmlformats.org/drawingml/2006/main" xmlns:r="http://schemas.openxmlformats.org/officeDocument/2006/relationships" xmlns:p="http://schemas.openxmlformats.org/presentationml/2006/main">
+  <p:cSld>
+    <p:spTree>
+      <p:nvGrpSpPr>
+        <p:cNvPr id="1" name=""/>
+        <p:cNvGrpSpPr/>
+        <p:nvPr/>
+      </p:nvGrpSpPr>
+      <p:grpSpPr>
+        <a:xfrm>
+          <a:off x="0" y="0"/>
+          <a:ext cx="0" cy="0"/>
+          <a:chOff x="0" y="0"/>
+          <a:chExt cx="0" cy="0"/>
+        </a:xfrm>
+      </p:grpSpPr>
+      <p:sp>
+        <p:nvSpPr>
+          <p:cNvPr id="2" name="Title 1">
+            <a:extLst>
+              <a:ext uri="{FF2B5EF4-FFF2-40B4-BE49-F238E27FC236}">
+                <a16:creationId xmlns:a16="http://schemas.microsoft.com/office/drawing/2014/main" id="{A00CDC9E-6B01-41C9-8F86-6EDBEC3C5CF9}"/>
+              </a:ext>
+            </a:extLst>
+          </p:cNvPr>
+          <p:cNvSpPr>
+            <a:spLocks noGrp="1"/>
+          </p:cNvSpPr>
+          <p:nvPr>
+            <p:ph type="title"/>
+          </p:nvPr>
+        </p:nvSpPr>
+        <p:spPr>
+          <a:xfrm>
+            <a:off x="838200" y="365125"/>
+            <a:ext cx="10515600" cy="823595"/>
+          </a:xfrm>
+        </p:spPr>
+        <p:txBody>
+          <a:bodyPr>
+            <a:normAutofit fontScale="90000"/>
+          </a:bodyPr>
+          <a:lstStyle/>
+          <a:p>
+            <a:r>
+              <a:rPr lang="en-GB" dirty="0"/>
+              <a:t>Create a new type e.g. </a:t>
+            </a:r>
+            <a:r>
+              <a:rPr lang="en-GB" sz="3600" dirty="0">
+                <a:latin typeface="Consolas" panose="020B0609020204030204" pitchFamily="49" charset="0"/>
+              </a:rPr>
+              <a:t>Subject</a:t>
+            </a:r>
+            <a:r>
+              <a:rPr lang="en-GB" dirty="0"/>
+              <a:t>, remembering:</a:t>
+            </a:r>
+          </a:p>
+        </p:txBody>
+      </p:sp>
+      <p:sp>
+        <p:nvSpPr>
+          <p:cNvPr id="3" name="Content Placeholder 2">
+            <a:extLst>
+              <a:ext uri="{FF2B5EF4-FFF2-40B4-BE49-F238E27FC236}">
+                <a16:creationId xmlns:a16="http://schemas.microsoft.com/office/drawing/2014/main" id="{DCE4B2EB-62D8-454F-8D29-00B9793552A1}"/>
+              </a:ext>
+            </a:extLst>
+          </p:cNvPr>
+          <p:cNvSpPr>
+            <a:spLocks noGrp="1"/>
+          </p:cNvSpPr>
+          <p:nvPr>
+            <p:ph idx="1"/>
+          </p:nvPr>
+        </p:nvSpPr>
+        <p:spPr>
+          <a:xfrm>
+            <a:off x="838200" y="1825625"/>
+            <a:ext cx="11039856" cy="4351338"/>
+          </a:xfrm>
+        </p:spPr>
+        <p:txBody>
+          <a:bodyPr>
+            <a:normAutofit fontScale="92500" lnSpcReduction="10000"/>
+          </a:bodyPr>
+          <a:lstStyle/>
+          <a:p>
+            <a:r>
+              <a:rPr lang="en-GB" dirty="0"/>
+              <a:t>To work with Entity framework, all records need an </a:t>
+            </a:r>
+            <a:r>
+              <a:rPr lang="en-GB" sz="1900" dirty="0">
+                <a:solidFill>
+                  <a:srgbClr val="000000"/>
+                </a:solidFill>
+                <a:latin typeface="Consolas" panose="020B0609020204030204" pitchFamily="49" charset="0"/>
+              </a:rPr>
+              <a:t>Id</a:t>
+            </a:r>
+            <a:r>
+              <a:rPr lang="en-GB" dirty="0"/>
+              <a:t> property</a:t>
+            </a:r>
+          </a:p>
+          <a:p>
+            <a:r>
+              <a:rPr lang="en-GB" dirty="0"/>
+              <a:t>All properties must be marked </a:t>
+            </a:r>
+            <a:r>
+              <a:rPr lang="en-GB" sz="1900" dirty="0">
+                <a:solidFill>
+                  <a:srgbClr val="000000"/>
+                </a:solidFill>
+                <a:latin typeface="Consolas" panose="020B0609020204030204" pitchFamily="49" charset="0"/>
+              </a:rPr>
+              <a:t>virtual</a:t>
+            </a:r>
+          </a:p>
+          <a:p>
+            <a:pPr lvl="1"/>
+            <a:r>
+              <a:rPr lang="en-GB" dirty="0"/>
+              <a:t>Needed by Entity Framework to permit ‘lazy loading’ of references	</a:t>
+            </a:r>
+          </a:p>
+          <a:p>
+            <a:r>
+              <a:rPr lang="en-GB" dirty="0"/>
+              <a:t>Record properties should have </a:t>
+            </a:r>
+            <a:r>
+              <a:rPr lang="en-GB" sz="1900" dirty="0">
+                <a:solidFill>
+                  <a:srgbClr val="000000"/>
+                </a:solidFill>
+                <a:latin typeface="Consolas" panose="020B0609020204030204" pitchFamily="49" charset="0"/>
+              </a:rPr>
+              <a:t>{get; </a:t>
+            </a:r>
+            <a:r>
+              <a:rPr lang="en-GB" sz="1900" dirty="0" err="1">
+                <a:solidFill>
+                  <a:srgbClr val="000000"/>
+                </a:solidFill>
+                <a:latin typeface="Consolas" panose="020B0609020204030204" pitchFamily="49" charset="0"/>
+              </a:rPr>
+              <a:t>init</a:t>
+            </a:r>
+            <a:r>
+              <a:rPr lang="en-GB" sz="1900" dirty="0">
+                <a:solidFill>
+                  <a:srgbClr val="000000"/>
+                </a:solidFill>
+                <a:latin typeface="Consolas" panose="020B0609020204030204" pitchFamily="49" charset="0"/>
+              </a:rPr>
+              <a:t>;} </a:t>
+            </a:r>
+            <a:r>
+              <a:rPr lang="en-GB" dirty="0"/>
+              <a:t>accessors</a:t>
+            </a:r>
+          </a:p>
+          <a:p>
+            <a:r>
+              <a:rPr lang="en-GB" dirty="0"/>
+              <a:t>Collections must return </a:t>
+            </a:r>
+            <a:r>
+              <a:rPr lang="en-GB" sz="1900" dirty="0" err="1">
+                <a:solidFill>
+                  <a:srgbClr val="000000"/>
+                </a:solidFill>
+                <a:latin typeface="Consolas" panose="020B0609020204030204" pitchFamily="49" charset="0"/>
+              </a:rPr>
+              <a:t>ICollection</a:t>
+            </a:r>
+            <a:r>
+              <a:rPr lang="en-GB" sz="1900" dirty="0">
+                <a:solidFill>
+                  <a:srgbClr val="000000"/>
+                </a:solidFill>
+                <a:latin typeface="Consolas" panose="020B0609020204030204" pitchFamily="49" charset="0"/>
+              </a:rPr>
+              <a:t>&lt;T&gt;</a:t>
+            </a:r>
+            <a:r>
+              <a:rPr lang="en-GB" dirty="0"/>
+              <a:t> , and should be initialized</a:t>
+            </a:r>
+          </a:p>
+          <a:p>
+            <a:r>
+              <a:rPr lang="en-GB" dirty="0"/>
+              <a:t>Override the </a:t>
+            </a:r>
+            <a:r>
+              <a:rPr lang="en-GB" sz="1900" dirty="0" err="1">
+                <a:solidFill>
+                  <a:srgbClr val="000000"/>
+                </a:solidFill>
+                <a:latin typeface="Consolas" panose="020B0609020204030204" pitchFamily="49" charset="0"/>
+              </a:rPr>
+              <a:t>ToString</a:t>
+            </a:r>
+            <a:r>
+              <a:rPr lang="en-GB" dirty="0"/>
+              <a:t> method to define a display title</a:t>
+            </a:r>
+          </a:p>
+          <a:p>
+            <a:r>
+              <a:rPr lang="en-GB" dirty="0"/>
+              <a:t>Add these two lines of boilerplate code:</a:t>
+            </a:r>
+            <a:br>
+              <a:rPr lang="en-GB" dirty="0"/>
+            </a:br>
+            <a:endParaRPr lang="en-GB" dirty="0"/>
+          </a:p>
+          <a:p>
+            <a:pPr marL="457200" lvl="1" indent="0">
+              <a:buNone/>
+            </a:pPr>
+            <a:r>
+              <a:rPr lang="en-US" sz="1500" dirty="0">
+                <a:solidFill>
+                  <a:srgbClr val="0000FF"/>
+                </a:solidFill>
+                <a:latin typeface="Consolas" panose="020B0609020204030204" pitchFamily="49" charset="0"/>
+              </a:rPr>
+              <a:t>public</a:t>
+            </a:r>
+            <a:r>
+              <a:rPr lang="en-US" sz="1500" dirty="0">
+                <a:solidFill>
+                  <a:srgbClr val="000000"/>
+                </a:solidFill>
+                <a:latin typeface="Consolas" panose="020B0609020204030204" pitchFamily="49" charset="0"/>
+              </a:rPr>
+              <a:t> </a:t>
+            </a:r>
+            <a:r>
+              <a:rPr lang="en-US" sz="1500" dirty="0">
+                <a:solidFill>
+                  <a:srgbClr val="0000FF"/>
+                </a:solidFill>
+                <a:latin typeface="Consolas" panose="020B0609020204030204" pitchFamily="49" charset="0"/>
+              </a:rPr>
+              <a:t>override</a:t>
+            </a:r>
+            <a:r>
+              <a:rPr lang="en-US" sz="1500" dirty="0">
+                <a:solidFill>
+                  <a:srgbClr val="000000"/>
+                </a:solidFill>
+                <a:latin typeface="Consolas" panose="020B0609020204030204" pitchFamily="49" charset="0"/>
+              </a:rPr>
+              <a:t> </a:t>
+            </a:r>
+            <a:r>
+              <a:rPr lang="en-US" sz="1500" dirty="0">
+                <a:solidFill>
+                  <a:srgbClr val="0000FF"/>
+                </a:solidFill>
+                <a:latin typeface="Consolas" panose="020B0609020204030204" pitchFamily="49" charset="0"/>
+              </a:rPr>
+              <a:t>int</a:t>
+            </a:r>
+            <a:r>
+              <a:rPr lang="en-US" sz="1500" dirty="0">
+                <a:solidFill>
+                  <a:srgbClr val="000000"/>
+                </a:solidFill>
+                <a:latin typeface="Consolas" panose="020B0609020204030204" pitchFamily="49" charset="0"/>
+              </a:rPr>
+              <a:t> </a:t>
+            </a:r>
+            <a:r>
+              <a:rPr lang="en-US" sz="1500" dirty="0" err="1">
+                <a:solidFill>
+                  <a:srgbClr val="000000"/>
+                </a:solidFill>
+                <a:latin typeface="Consolas" panose="020B0609020204030204" pitchFamily="49" charset="0"/>
+              </a:rPr>
+              <a:t>GetHashCode</a:t>
+            </a:r>
+            <a:r>
+              <a:rPr lang="en-US" sz="1500" dirty="0">
+                <a:solidFill>
+                  <a:srgbClr val="000000"/>
+                </a:solidFill>
+                <a:latin typeface="Consolas" panose="020B0609020204030204" pitchFamily="49" charset="0"/>
+              </a:rPr>
+              <a:t>() =&gt; </a:t>
+            </a:r>
+            <a:r>
+              <a:rPr lang="en-US" sz="1500" dirty="0" err="1">
+                <a:solidFill>
+                  <a:srgbClr val="0000FF"/>
+                </a:solidFill>
+                <a:latin typeface="Consolas" panose="020B0609020204030204" pitchFamily="49" charset="0"/>
+              </a:rPr>
+              <a:t>base</a:t>
+            </a:r>
+            <a:r>
+              <a:rPr lang="en-US" sz="1500" dirty="0" err="1">
+                <a:solidFill>
+                  <a:srgbClr val="000000"/>
+                </a:solidFill>
+                <a:latin typeface="Consolas" panose="020B0609020204030204" pitchFamily="49" charset="0"/>
+              </a:rPr>
+              <a:t>.GetHashCode</a:t>
+            </a:r>
+            <a:r>
+              <a:rPr lang="en-US" sz="1500" dirty="0">
+                <a:solidFill>
+                  <a:srgbClr val="000000"/>
+                </a:solidFill>
+                <a:latin typeface="Consolas" panose="020B0609020204030204" pitchFamily="49" charset="0"/>
+              </a:rPr>
+              <a:t>();</a:t>
+            </a:r>
+            <a:endParaRPr lang="en-GB" sz="1500" dirty="0">
+              <a:solidFill>
+                <a:srgbClr val="000000"/>
+              </a:solidFill>
+              <a:latin typeface="Consolas" panose="020B0609020204030204" pitchFamily="49" charset="0"/>
+            </a:endParaRPr>
+          </a:p>
+          <a:p>
+            <a:pPr marL="457200" lvl="1" indent="0">
+              <a:buNone/>
+            </a:pPr>
+            <a:r>
+              <a:rPr lang="en-US" sz="1500" dirty="0">
+                <a:solidFill>
+                  <a:srgbClr val="0000FF"/>
+                </a:solidFill>
+                <a:latin typeface="Consolas" panose="020B0609020204030204" pitchFamily="49" charset="0"/>
+              </a:rPr>
+              <a:t>public</a:t>
+            </a:r>
+            <a:r>
+              <a:rPr lang="en-US" sz="1500" dirty="0">
+                <a:solidFill>
+                  <a:srgbClr val="000000"/>
+                </a:solidFill>
+                <a:latin typeface="Consolas" panose="020B0609020204030204" pitchFamily="49" charset="0"/>
+              </a:rPr>
+              <a:t> </a:t>
+            </a:r>
+            <a:r>
+              <a:rPr lang="en-US" sz="1500" dirty="0">
+                <a:solidFill>
+                  <a:srgbClr val="0000FF"/>
+                </a:solidFill>
+                <a:latin typeface="Consolas" panose="020B0609020204030204" pitchFamily="49" charset="0"/>
+              </a:rPr>
+              <a:t>virtual</a:t>
+            </a:r>
+            <a:r>
+              <a:rPr lang="en-US" sz="1500" dirty="0">
+                <a:solidFill>
+                  <a:srgbClr val="000000"/>
+                </a:solidFill>
+                <a:latin typeface="Consolas" panose="020B0609020204030204" pitchFamily="49" charset="0"/>
+              </a:rPr>
+              <a:t> </a:t>
+            </a:r>
+            <a:r>
+              <a:rPr lang="en-US" sz="1500" dirty="0">
+                <a:solidFill>
+                  <a:srgbClr val="0000FF"/>
+                </a:solidFill>
+                <a:latin typeface="Consolas" panose="020B0609020204030204" pitchFamily="49" charset="0"/>
+              </a:rPr>
+              <a:t>bool</a:t>
+            </a:r>
+            <a:r>
+              <a:rPr lang="en-US" sz="1500" dirty="0">
+                <a:solidFill>
+                  <a:srgbClr val="000000"/>
+                </a:solidFill>
+                <a:latin typeface="Consolas" panose="020B0609020204030204" pitchFamily="49" charset="0"/>
+              </a:rPr>
+              <a:t> Equals(</a:t>
+            </a:r>
+            <a:r>
+              <a:rPr lang="en-US" sz="1500" dirty="0">
+                <a:solidFill>
+                  <a:srgbClr val="FF0000"/>
+                </a:solidFill>
+                <a:latin typeface="Consolas" panose="020B0609020204030204" pitchFamily="49" charset="0"/>
+              </a:rPr>
+              <a:t>[</a:t>
+            </a:r>
+            <a:r>
+              <a:rPr lang="en-US" sz="1500" dirty="0" err="1">
+                <a:solidFill>
+                  <a:srgbClr val="FF0000"/>
+                </a:solidFill>
+                <a:latin typeface="Consolas" panose="020B0609020204030204" pitchFamily="49" charset="0"/>
+              </a:rPr>
+              <a:t>NewTypeName</a:t>
+            </a:r>
+            <a:r>
+              <a:rPr lang="en-US" sz="1500" dirty="0">
+                <a:solidFill>
+                  <a:srgbClr val="FF0000"/>
+                </a:solidFill>
+                <a:latin typeface="Consolas" panose="020B0609020204030204" pitchFamily="49" charset="0"/>
+              </a:rPr>
+              <a:t>]</a:t>
+            </a:r>
+            <a:r>
+              <a:rPr lang="en-US" sz="1500" dirty="0">
+                <a:solidFill>
+                  <a:srgbClr val="000000"/>
+                </a:solidFill>
+                <a:latin typeface="Consolas" panose="020B0609020204030204" pitchFamily="49" charset="0"/>
+              </a:rPr>
+              <a:t> other) =&gt; </a:t>
+            </a:r>
+            <a:r>
+              <a:rPr lang="en-US" sz="1500" dirty="0" err="1">
+                <a:solidFill>
+                  <a:srgbClr val="000000"/>
+                </a:solidFill>
+                <a:latin typeface="Consolas" panose="020B0609020204030204" pitchFamily="49" charset="0"/>
+              </a:rPr>
+              <a:t>ReferenceEquals</a:t>
+            </a:r>
+            <a:r>
+              <a:rPr lang="en-US" sz="1500" dirty="0">
+                <a:solidFill>
+                  <a:srgbClr val="000000"/>
+                </a:solidFill>
+                <a:latin typeface="Consolas" panose="020B0609020204030204" pitchFamily="49" charset="0"/>
+              </a:rPr>
+              <a:t>(</a:t>
+            </a:r>
+            <a:r>
+              <a:rPr lang="en-US" sz="1500" dirty="0">
+                <a:solidFill>
+                  <a:srgbClr val="0000FF"/>
+                </a:solidFill>
+                <a:latin typeface="Consolas" panose="020B0609020204030204" pitchFamily="49" charset="0"/>
+              </a:rPr>
+              <a:t>this</a:t>
+            </a:r>
+            <a:r>
+              <a:rPr lang="en-US" sz="1500" dirty="0">
+                <a:solidFill>
+                  <a:srgbClr val="000000"/>
+                </a:solidFill>
+                <a:latin typeface="Consolas" panose="020B0609020204030204" pitchFamily="49" charset="0"/>
+              </a:rPr>
+              <a:t>, other);</a:t>
+            </a:r>
+            <a:endParaRPr lang="en-GB" sz="1500" dirty="0"/>
+          </a:p>
+          <a:p>
+            <a:pPr marL="457200" lvl="1" indent="0">
+              <a:buNone/>
+            </a:pPr>
+            <a:br>
+              <a:rPr lang="en-GB" dirty="0"/>
+            </a:br>
+            <a:r>
+              <a:rPr lang="en-GB" dirty="0"/>
+              <a:t>(Entity Framework currently needs these - to handle records correctly).</a:t>
+            </a:r>
+          </a:p>
+          <a:p>
+            <a:pPr marL="457200" lvl="1" indent="0">
+              <a:buNone/>
+            </a:pPr>
+            <a:endParaRPr lang="en-GB" dirty="0"/>
+          </a:p>
+          <a:p>
+            <a:pPr lvl="1"/>
+            <a:endParaRPr lang="en-GB" dirty="0"/>
+          </a:p>
+        </p:txBody>
+      </p:sp>
+    </p:spTree>
+    <p:extLst>
+      <p:ext uri="{BB962C8B-B14F-4D97-AF65-F5344CB8AC3E}">
+        <p14:creationId xmlns:p14="http://schemas.microsoft.com/office/powerpoint/2010/main" val="2156418802"/>
+      </p:ext>
+    </p:extLst>
+  </p:cSld>
+  <p:clrMapOvr>
+    <a:masterClrMapping/>
+  </p:clrMapOvr>
+</p:sld>
+</file>
+
+<file path=ppt/slides/slide2.xml><?xml version="1.0" encoding="utf-8"?>
+<p:sld xmlns:a="http://schemas.openxmlformats.org/drawingml/2006/main" xmlns:r="http://schemas.openxmlformats.org/officeDocument/2006/relationships" xmlns:p="http://schemas.openxmlformats.org/presentationml/2006/main">
+  <p:cSld>
+    <p:spTree>
+      <p:nvGrpSpPr>
+        <p:cNvPr id="1" name=""/>
+        <p:cNvGrpSpPr/>
+        <p:nvPr/>
+      </p:nvGrpSpPr>
+      <p:grpSpPr>
+        <a:xfrm>
+          <a:off x="0" y="0"/>
+          <a:ext cx="0" cy="0"/>
+          <a:chOff x="0" y="0"/>
+          <a:chExt cx="0" cy="0"/>
+        </a:xfrm>
+      </p:grpSpPr>
+      <p:sp>
+        <p:nvSpPr>
+          <p:cNvPr id="2" name="Title 1">
+            <a:extLst>
+              <a:ext uri="{FF2B5EF4-FFF2-40B4-BE49-F238E27FC236}">
+                <a16:creationId xmlns:a16="http://schemas.microsoft.com/office/drawing/2014/main" id="{5222E8BB-D300-4206-9A34-CB0AEC800321}"/>
+              </a:ext>
+            </a:extLst>
+          </p:cNvPr>
+          <p:cNvSpPr>
+            <a:spLocks noGrp="1"/>
+          </p:cNvSpPr>
+          <p:nvPr>
+            <p:ph type="title"/>
+          </p:nvPr>
+        </p:nvSpPr>
+        <p:spPr/>
+        <p:txBody>
+          <a:bodyPr/>
+          <a:lstStyle/>
+          <a:p>
+            <a:r>
+              <a:rPr lang="en-GB" dirty="0"/>
+              <a:t>What is Naked Functions?</a:t>
+            </a:r>
+          </a:p>
+        </p:txBody>
+      </p:sp>
+      <p:sp>
+        <p:nvSpPr>
+          <p:cNvPr id="3" name="Content Placeholder 2">
+            <a:extLst>
+              <a:ext uri="{FF2B5EF4-FFF2-40B4-BE49-F238E27FC236}">
+                <a16:creationId xmlns:a16="http://schemas.microsoft.com/office/drawing/2014/main" id="{0B570278-55DE-408F-8E3F-AFFD28092F68}"/>
+              </a:ext>
+            </a:extLst>
+          </p:cNvPr>
+          <p:cNvSpPr>
+            <a:spLocks noGrp="1"/>
+          </p:cNvSpPr>
+          <p:nvPr>
+            <p:ph idx="1"/>
+          </p:nvPr>
+        </p:nvSpPr>
+        <p:spPr/>
+        <p:txBody>
+          <a:bodyPr>
+            <a:normAutofit fontScale="77500" lnSpcReduction="20000"/>
+          </a:bodyPr>
+          <a:lstStyle/>
+          <a:p>
+            <a:r>
+              <a:rPr lang="en-GB" dirty="0"/>
+              <a:t>A framework for writing database-centric enterprise applications in C#, but in the ‘Functional Programming’ paradigm</a:t>
+            </a:r>
+          </a:p>
+          <a:p>
+            <a:r>
+              <a:rPr lang="en-GB" dirty="0"/>
+              <a:t>Writing an application consists only of:</a:t>
+            </a:r>
+          </a:p>
+          <a:p>
+            <a:pPr lvl="1"/>
+            <a:r>
+              <a:rPr lang="en-GB" dirty="0"/>
+              <a:t>Defining C# Records (or immutable classes) to represent domain entities</a:t>
+            </a:r>
+          </a:p>
+          <a:p>
+            <a:pPr lvl="1"/>
+            <a:r>
+              <a:rPr lang="en-GB" dirty="0"/>
+              <a:t>Defining C# (static) functions that are 100% side-effect free</a:t>
+            </a:r>
+          </a:p>
+          <a:p>
+            <a:r>
+              <a:rPr lang="en-GB" dirty="0"/>
+              <a:t>From this ‘domain code’, Microsoft Entity Framework will create the database schema</a:t>
+            </a:r>
+          </a:p>
+          <a:p>
+            <a:pPr lvl="1"/>
+            <a:r>
+              <a:rPr lang="en-GB" dirty="0"/>
+              <a:t>You may override the default schema by defining your own mappings</a:t>
+            </a:r>
+          </a:p>
+          <a:p>
+            <a:r>
+              <a:rPr lang="en-GB" dirty="0"/>
+              <a:t>From the same domain code, Naked Functions creates a comprehensive and well-documented RESTful API</a:t>
+            </a:r>
+          </a:p>
+          <a:p>
+            <a:r>
+              <a:rPr lang="en-GB" dirty="0"/>
+              <a:t>A generic single-page application Client, written in Angular, consumes this API to produce a complete user interface, rich in interactions</a:t>
+            </a:r>
+          </a:p>
+          <a:p>
+            <a:pPr lvl="1"/>
+            <a:r>
+              <a:rPr lang="en-GB" dirty="0"/>
+              <a:t>You may customise the look and feel of the generic Client …</a:t>
+            </a:r>
+          </a:p>
+          <a:p>
+            <a:pPr lvl="1"/>
+            <a:r>
+              <a:rPr lang="en-GB" dirty="0"/>
+              <a:t>… or you may write your own client in Angular using the lower-layers of the generic client (as NPM packages) to interact with the RESTful API</a:t>
+            </a:r>
+          </a:p>
+        </p:txBody>
+      </p:sp>
+    </p:spTree>
+    <p:extLst>
+      <p:ext uri="{BB962C8B-B14F-4D97-AF65-F5344CB8AC3E}">
+        <p14:creationId xmlns:p14="http://schemas.microsoft.com/office/powerpoint/2010/main" val="449744096"/>
+      </p:ext>
+    </p:extLst>
+  </p:cSld>
+  <p:clrMapOvr>
+    <a:masterClrMapping/>
+  </p:clrMapOvr>
+</p:sld>
+</file>
+
+<file path=ppt/slides/slide3.xml><?xml version="1.0" encoding="utf-8"?>
+<p:sld xmlns:a="http://schemas.openxmlformats.org/drawingml/2006/main" xmlns:r="http://schemas.openxmlformats.org/officeDocument/2006/relationships" xmlns:p="http://schemas.openxmlformats.org/presentationml/2006/main">
+  <p:cSld>
+    <p:spTree>
+      <p:nvGrpSpPr>
+        <p:cNvPr id="1" name=""/>
+        <p:cNvGrpSpPr/>
+        <p:nvPr/>
+      </p:nvGrpSpPr>
+      <p:grpSpPr>
+        <a:xfrm>
+          <a:off x="0" y="0"/>
+          <a:ext cx="0" cy="0"/>
+          <a:chOff x="0" y="0"/>
+          <a:chExt cx="0" cy="0"/>
+        </a:xfrm>
+      </p:grpSpPr>
+      <p:sp>
+        <p:nvSpPr>
+          <p:cNvPr id="2" name="Title 1">
+            <a:extLst>
+              <a:ext uri="{FF2B5EF4-FFF2-40B4-BE49-F238E27FC236}">
+                <a16:creationId xmlns:a16="http://schemas.microsoft.com/office/drawing/2014/main" id="{3DAA3EED-AAEE-4097-AFEA-8A5689927E02}"/>
+              </a:ext>
+            </a:extLst>
+          </p:cNvPr>
+          <p:cNvSpPr>
+            <a:spLocks noGrp="1"/>
+          </p:cNvSpPr>
+          <p:nvPr>
+            <p:ph type="title"/>
+          </p:nvPr>
+        </p:nvSpPr>
+        <p:spPr/>
+        <p:txBody>
+          <a:bodyPr/>
+          <a:lstStyle/>
+          <a:p>
+            <a:r>
+              <a:rPr lang="en-GB" dirty="0"/>
+              <a:t>Benefits 1</a:t>
+            </a:r>
+            <a:br>
+              <a:rPr lang="en-GB" dirty="0"/>
+            </a:br>
+            <a:r>
+              <a:rPr lang="en-GB" dirty="0"/>
+              <a:t>The advantages of FP without the hard work</a:t>
+            </a:r>
+          </a:p>
+        </p:txBody>
+      </p:sp>
+      <p:sp>
+        <p:nvSpPr>
+          <p:cNvPr id="3" name="Content Placeholder 2">
+            <a:extLst>
+              <a:ext uri="{FF2B5EF4-FFF2-40B4-BE49-F238E27FC236}">
+                <a16:creationId xmlns:a16="http://schemas.microsoft.com/office/drawing/2014/main" id="{77010E0C-AF26-40FF-BE80-BFFE13BF0307}"/>
+              </a:ext>
+            </a:extLst>
+          </p:cNvPr>
+          <p:cNvSpPr>
+            <a:spLocks noGrp="1"/>
+          </p:cNvSpPr>
+          <p:nvPr>
+            <p:ph idx="1"/>
+          </p:nvPr>
+        </p:nvSpPr>
+        <p:spPr/>
+        <p:txBody>
+          <a:bodyPr>
+            <a:normAutofit/>
+          </a:bodyPr>
+          <a:lstStyle/>
+          <a:p>
+            <a:r>
+              <a:rPr lang="en-GB" dirty="0"/>
+              <a:t>Naked Functions brings the advantages of the FP paradigm…</a:t>
+            </a:r>
+          </a:p>
+          <a:p>
+            <a:pPr lvl="1"/>
+            <a:r>
+              <a:rPr lang="en-GB" dirty="0"/>
+              <a:t>Testability, reasonability, parallelisability</a:t>
+            </a:r>
+          </a:p>
+          <a:p>
+            <a:r>
+              <a:rPr lang="en-GB" dirty="0"/>
+              <a:t>… while being extremely easy to write</a:t>
+            </a:r>
+          </a:p>
+          <a:p>
+            <a:pPr lvl="1"/>
+            <a:r>
+              <a:rPr lang="en-GB" dirty="0"/>
+              <a:t>You don’t need to worry about pure functions getting ‘infected’ by I/O concerns, because in a Naked Functions application, </a:t>
+            </a:r>
+            <a:r>
+              <a:rPr lang="en-GB" i="1" dirty="0"/>
+              <a:t>all</a:t>
+            </a:r>
+            <a:r>
+              <a:rPr lang="en-GB" dirty="0"/>
+              <a:t> I/O is handled by the framework, not by domain functions</a:t>
+            </a:r>
+          </a:p>
+          <a:p>
+            <a:endParaRPr lang="en-GB" dirty="0"/>
+          </a:p>
+        </p:txBody>
+      </p:sp>
+    </p:spTree>
+    <p:extLst>
+      <p:ext uri="{BB962C8B-B14F-4D97-AF65-F5344CB8AC3E}">
+        <p14:creationId xmlns:p14="http://schemas.microsoft.com/office/powerpoint/2010/main" val="3317580966"/>
+      </p:ext>
+    </p:extLst>
+  </p:cSld>
+  <p:clrMapOvr>
+    <a:masterClrMapping/>
+  </p:clrMapOvr>
+</p:sld>
+</file>
+
+<file path=ppt/slides/slide4.xml><?xml version="1.0" encoding="utf-8"?>
+<p:sld xmlns:a="http://schemas.openxmlformats.org/drawingml/2006/main" xmlns:r="http://schemas.openxmlformats.org/officeDocument/2006/relationships" xmlns:p="http://schemas.openxmlformats.org/presentationml/2006/main">
+  <p:cSld>
+    <p:spTree>
+      <p:nvGrpSpPr>
+        <p:cNvPr id="1" name=""/>
+        <p:cNvGrpSpPr/>
+        <p:nvPr/>
+      </p:nvGrpSpPr>
+      <p:grpSpPr>
+        <a:xfrm>
+          <a:off x="0" y="0"/>
+          <a:ext cx="0" cy="0"/>
+          <a:chOff x="0" y="0"/>
+          <a:chExt cx="0" cy="0"/>
+        </a:xfrm>
+      </p:grpSpPr>
+      <p:sp>
+        <p:nvSpPr>
+          <p:cNvPr id="2" name="Title 1">
+            <a:extLst>
+              <a:ext uri="{FF2B5EF4-FFF2-40B4-BE49-F238E27FC236}">
+                <a16:creationId xmlns:a16="http://schemas.microsoft.com/office/drawing/2014/main" id="{0A9D8B6D-A7A1-4705-9659-E3054689817A}"/>
+              </a:ext>
+            </a:extLst>
+          </p:cNvPr>
+          <p:cNvSpPr>
+            <a:spLocks noGrp="1"/>
+          </p:cNvSpPr>
+          <p:nvPr>
+            <p:ph type="title"/>
+          </p:nvPr>
+        </p:nvSpPr>
+        <p:spPr/>
+        <p:txBody>
+          <a:bodyPr>
+            <a:normAutofit fontScale="90000"/>
+          </a:bodyPr>
+          <a:lstStyle/>
+          <a:p>
+            <a:r>
+              <a:rPr lang="en-GB" dirty="0"/>
+              <a:t>Benefits 2</a:t>
+            </a:r>
+            <a:br>
+              <a:rPr lang="en-GB" dirty="0"/>
+            </a:br>
+            <a:r>
+              <a:rPr lang="en-GB" dirty="0"/>
+              <a:t>The advantages brought by the Naked Framework</a:t>
+            </a:r>
+          </a:p>
+        </p:txBody>
+      </p:sp>
+      <p:sp>
+        <p:nvSpPr>
+          <p:cNvPr id="3" name="Content Placeholder 2">
+            <a:extLst>
+              <a:ext uri="{FF2B5EF4-FFF2-40B4-BE49-F238E27FC236}">
+                <a16:creationId xmlns:a16="http://schemas.microsoft.com/office/drawing/2014/main" id="{513FC866-56F9-4165-AF52-94AB13FBD275}"/>
+              </a:ext>
+            </a:extLst>
+          </p:cNvPr>
+          <p:cNvSpPr>
+            <a:spLocks noGrp="1"/>
+          </p:cNvSpPr>
+          <p:nvPr>
+            <p:ph idx="1"/>
+          </p:nvPr>
+        </p:nvSpPr>
+        <p:spPr/>
+        <p:txBody>
+          <a:bodyPr>
+            <a:normAutofit lnSpcReduction="10000"/>
+          </a:bodyPr>
+          <a:lstStyle/>
+          <a:p>
+            <a:r>
+              <a:rPr lang="en-GB" dirty="0"/>
+              <a:t>The Naked Framework was originally designed to support object-oriented programming (OOP), as ‘Naked Objects’</a:t>
+            </a:r>
+          </a:p>
+          <a:p>
+            <a:r>
+              <a:rPr lang="en-GB" dirty="0"/>
+              <a:t>The proven core of the framework has now been re-used to bring the same advantages to the world of FP</a:t>
+            </a:r>
+          </a:p>
+          <a:p>
+            <a:pPr lvl="1"/>
+            <a:r>
+              <a:rPr lang="en-GB" dirty="0"/>
+              <a:t>Very rapid prototyping</a:t>
+            </a:r>
+          </a:p>
+          <a:p>
+            <a:pPr lvl="1"/>
+            <a:r>
+              <a:rPr lang="en-GB" dirty="0"/>
+              <a:t>Much lower maintenance effort: because you change only domain code</a:t>
+            </a:r>
+          </a:p>
+          <a:p>
+            <a:pPr lvl="1"/>
+            <a:r>
+              <a:rPr lang="en-GB" dirty="0"/>
+              <a:t>Common user interface across multiple sub-domains or separate applications</a:t>
+            </a:r>
+          </a:p>
+          <a:p>
+            <a:pPr lvl="1"/>
+            <a:r>
+              <a:rPr lang="en-GB" dirty="0"/>
+              <a:t>Efficient performance</a:t>
+            </a:r>
+          </a:p>
+          <a:p>
+            <a:pPr lvl="1"/>
+            <a:r>
+              <a:rPr lang="en-GB" dirty="0"/>
+              <a:t>Proven to work on large scale and very complex domain models</a:t>
+            </a:r>
+          </a:p>
+          <a:p>
+            <a:pPr lvl="1"/>
+            <a:r>
+              <a:rPr lang="en-GB" dirty="0"/>
+              <a:t>In-built solution for fine-grained authorization</a:t>
+            </a:r>
+          </a:p>
+          <a:p>
+            <a:pPr lvl="1"/>
+            <a:r>
+              <a:rPr lang="en-GB" dirty="0"/>
+              <a:t>The RESTful API may also be used for interconnection with other systems</a:t>
+            </a:r>
+          </a:p>
+          <a:p>
+            <a:endParaRPr lang="en-GB" dirty="0"/>
+          </a:p>
+        </p:txBody>
+      </p:sp>
+    </p:spTree>
+    <p:extLst>
+      <p:ext uri="{BB962C8B-B14F-4D97-AF65-F5344CB8AC3E}">
+        <p14:creationId xmlns:p14="http://schemas.microsoft.com/office/powerpoint/2010/main" val="2079041111"/>
+      </p:ext>
+    </p:extLst>
+  </p:cSld>
+  <p:clrMapOvr>
+    <a:masterClrMapping/>
+  </p:clrMapOvr>
+</p:sld>
+</file>
+
+<file path=ppt/slides/slide5.xml><?xml version="1.0" encoding="utf-8"?>
+<p:sld xmlns:a="http://schemas.openxmlformats.org/drawingml/2006/main" xmlns:r="http://schemas.openxmlformats.org/officeDocument/2006/relationships" xmlns:p="http://schemas.openxmlformats.org/presentationml/2006/main">
+  <p:cSld>
+    <p:spTree>
+      <p:nvGrpSpPr>
+        <p:cNvPr id="1" name=""/>
+        <p:cNvGrpSpPr/>
+        <p:nvPr/>
+      </p:nvGrpSpPr>
+      <p:grpSpPr>
+        <a:xfrm>
+          <a:off x="0" y="0"/>
+          <a:ext cx="0" cy="0"/>
+          <a:chOff x="0" y="0"/>
+          <a:chExt cx="0" cy="0"/>
+        </a:xfrm>
+      </p:grpSpPr>
+      <p:sp>
+        <p:nvSpPr>
+          <p:cNvPr id="2" name="Title 1">
+            <a:extLst>
+              <a:ext uri="{FF2B5EF4-FFF2-40B4-BE49-F238E27FC236}">
+                <a16:creationId xmlns:a16="http://schemas.microsoft.com/office/drawing/2014/main" id="{D917275F-D04F-41A9-8438-79942634ED1E}"/>
+              </a:ext>
+            </a:extLst>
+          </p:cNvPr>
+          <p:cNvSpPr>
+            <a:spLocks noGrp="1"/>
+          </p:cNvSpPr>
+          <p:nvPr>
+            <p:ph type="title"/>
+          </p:nvPr>
+        </p:nvSpPr>
+        <p:spPr/>
+        <p:txBody>
+          <a:bodyPr/>
+          <a:lstStyle/>
+          <a:p>
+            <a:r>
+              <a:rPr lang="en-GB" dirty="0"/>
+              <a:t>Getting started: Pre-requisites</a:t>
+            </a:r>
+          </a:p>
+        </p:txBody>
+      </p:sp>
+      <p:sp>
+        <p:nvSpPr>
+          <p:cNvPr id="3" name="Content Placeholder 2">
+            <a:extLst>
+              <a:ext uri="{FF2B5EF4-FFF2-40B4-BE49-F238E27FC236}">
+                <a16:creationId xmlns:a16="http://schemas.microsoft.com/office/drawing/2014/main" id="{9C64A82A-75FB-4EB2-8297-75B53A2AC9D2}"/>
+              </a:ext>
+            </a:extLst>
+          </p:cNvPr>
+          <p:cNvSpPr>
+            <a:spLocks noGrp="1"/>
+          </p:cNvSpPr>
+          <p:nvPr>
+            <p:ph idx="1"/>
+          </p:nvPr>
+        </p:nvSpPr>
+        <p:spPr/>
+        <p:txBody>
+          <a:bodyPr>
+            <a:normAutofit/>
+          </a:bodyPr>
+          <a:lstStyle/>
+          <a:p>
+            <a:r>
+              <a:rPr kumimoji="0" lang="en-GB" altLang="en-US" sz="2800" b="0" i="0" u="none" strike="noStrike" cap="none" normalizeH="0" baseline="0" dirty="0">
+                <a:ln>
+                  <a:noFill/>
+                </a:ln>
+                <a:solidFill>
+                  <a:schemeClr val="tx1"/>
+                </a:solidFill>
+                <a:effectLst/>
+                <a:latin typeface="Arial" panose="020B0604020202020204" pitchFamily="34" charset="0"/>
+                <a:ea typeface="Times New Roman" panose="02020603050405020304" pitchFamily="18" charset="0"/>
+              </a:rPr>
+              <a:t>Visual Studio 2019 </a:t>
+            </a:r>
+          </a:p>
+          <a:p>
+            <a:pPr lvl="1"/>
+            <a:r>
+              <a:rPr lang="en-GB" altLang="en-US" dirty="0">
+                <a:latin typeface="Arial" panose="020B0604020202020204" pitchFamily="34" charset="0"/>
+                <a:ea typeface="Times New Roman" panose="02020603050405020304" pitchFamily="18" charset="0"/>
+              </a:rPr>
+              <a:t>C</a:t>
+            </a:r>
+            <a:r>
+              <a:rPr kumimoji="0" lang="en-GB" altLang="en-US" b="0" i="0" u="none" strike="noStrike" cap="none" normalizeH="0" baseline="0" dirty="0">
+                <a:ln>
+                  <a:noFill/>
+                </a:ln>
+                <a:solidFill>
+                  <a:schemeClr val="tx1"/>
+                </a:solidFill>
+                <a:effectLst/>
+                <a:latin typeface="Arial" panose="020B0604020202020204" pitchFamily="34" charset="0"/>
+                <a:ea typeface="Times New Roman" panose="02020603050405020304" pitchFamily="18" charset="0"/>
+              </a:rPr>
+              <a:t>ommunity Edition is fine</a:t>
+            </a:r>
+          </a:p>
+          <a:p>
+            <a:r>
+              <a:rPr lang="en-GB" altLang="en-US" dirty="0">
+                <a:latin typeface="Arial" panose="020B0604020202020204" pitchFamily="34" charset="0"/>
+                <a:ea typeface="Times New Roman" panose="02020603050405020304" pitchFamily="18" charset="0"/>
+              </a:rPr>
+              <a:t>.NET 5.0 and C# 9 installed</a:t>
+            </a:r>
+          </a:p>
+          <a:p>
+            <a:r>
+              <a:rPr kumimoji="0" lang="en-GB" altLang="en-US" sz="2800" b="0" i="0" u="none" strike="noStrike" cap="none" normalizeH="0" baseline="0" dirty="0">
+                <a:ln>
+                  <a:noFill/>
+                </a:ln>
+                <a:solidFill>
+                  <a:schemeClr val="tx1"/>
+                </a:solidFill>
+                <a:effectLst/>
+                <a:latin typeface="Arial" panose="020B0604020202020204" pitchFamily="34" charset="0"/>
+                <a:ea typeface="Times New Roman" panose="02020603050405020304" pitchFamily="18" charset="0"/>
+              </a:rPr>
+              <a:t>SQL Server</a:t>
+            </a:r>
+          </a:p>
+          <a:p>
+            <a:pPr lvl="1"/>
+            <a:r>
+              <a:rPr kumimoji="0" lang="en-GB" altLang="en-US" b="0" i="0" u="none" strike="noStrike" cap="none" normalizeH="0" baseline="0" dirty="0">
+                <a:ln>
+                  <a:noFill/>
+                </a:ln>
+                <a:solidFill>
+                  <a:schemeClr val="tx1"/>
+                </a:solidFill>
+                <a:effectLst/>
+                <a:latin typeface="Arial" panose="020B0604020202020204" pitchFamily="34" charset="0"/>
+                <a:ea typeface="Times New Roman" panose="02020603050405020304" pitchFamily="18" charset="0"/>
+              </a:rPr>
+              <a:t>the </a:t>
+            </a:r>
+            <a:r>
+              <a:rPr kumimoji="0" lang="en-GB" altLang="en-US" b="0" i="0" u="none" strike="noStrike" cap="none" normalizeH="0" baseline="0" dirty="0" err="1">
+                <a:ln>
+                  <a:noFill/>
+                </a:ln>
+                <a:solidFill>
+                  <a:schemeClr val="tx1"/>
+                </a:solidFill>
+                <a:effectLst/>
+                <a:latin typeface="Arial" panose="020B0604020202020204" pitchFamily="34" charset="0"/>
+                <a:ea typeface="Times New Roman" panose="02020603050405020304" pitchFamily="18" charset="0"/>
+              </a:rPr>
+              <a:t>LocalDb</a:t>
+            </a:r>
+            <a:r>
+              <a:rPr kumimoji="0" lang="en-GB" altLang="en-US" b="0" i="0" u="none" strike="noStrike" cap="none" normalizeH="0" baseline="0" dirty="0">
+                <a:ln>
+                  <a:noFill/>
+                </a:ln>
+                <a:solidFill>
+                  <a:schemeClr val="tx1"/>
+                </a:solidFill>
+                <a:effectLst/>
+                <a:latin typeface="Arial" panose="020B0604020202020204" pitchFamily="34" charset="0"/>
+                <a:ea typeface="Times New Roman" panose="02020603050405020304" pitchFamily="18" charset="0"/>
+              </a:rPr>
+              <a:t> version included with VS is fine</a:t>
+            </a:r>
+          </a:p>
+        </p:txBody>
+      </p:sp>
+    </p:spTree>
+    <p:extLst>
+      <p:ext uri="{BB962C8B-B14F-4D97-AF65-F5344CB8AC3E}">
+        <p14:creationId xmlns:p14="http://schemas.microsoft.com/office/powerpoint/2010/main" val="838566347"/>
+      </p:ext>
+    </p:extLst>
+  </p:cSld>
+  <p:clrMapOvr>
+    <a:masterClrMapping/>
+  </p:clrMapOvr>
+</p:sld>
+</file>
+
+<file path=ppt/slides/slide6.xml><?xml version="1.0" encoding="utf-8"?>
+<p:sld xmlns:a="http://schemas.openxmlformats.org/drawingml/2006/main" xmlns:r="http://schemas.openxmlformats.org/officeDocument/2006/relationships" xmlns:p="http://schemas.openxmlformats.org/presentationml/2006/main">
+  <p:cSld>
+    <p:spTree>
+      <p:nvGrpSpPr>
+        <p:cNvPr id="1" name=""/>
+        <p:cNvGrpSpPr/>
+        <p:nvPr/>
+      </p:nvGrpSpPr>
+      <p:grpSpPr>
+        <a:xfrm>
+          <a:off x="0" y="0"/>
+          <a:ext cx="0" cy="0"/>
+          <a:chOff x="0" y="0"/>
+          <a:chExt cx="0" cy="0"/>
+        </a:xfrm>
+      </p:grpSpPr>
+      <p:sp>
+        <p:nvSpPr>
+          <p:cNvPr id="2" name="Title 1">
+            <a:extLst>
+              <a:ext uri="{FF2B5EF4-FFF2-40B4-BE49-F238E27FC236}">
+                <a16:creationId xmlns:a16="http://schemas.microsoft.com/office/drawing/2014/main" id="{B6EC7554-5717-4CE3-B20D-EA3766AB7E00}"/>
+              </a:ext>
+            </a:extLst>
+          </p:cNvPr>
+          <p:cNvSpPr>
+            <a:spLocks noGrp="1"/>
+          </p:cNvSpPr>
+          <p:nvPr>
+            <p:ph type="title"/>
+          </p:nvPr>
+        </p:nvSpPr>
+        <p:spPr/>
+        <p:txBody>
+          <a:bodyPr>
+            <a:noAutofit/>
+          </a:bodyPr>
+          <a:lstStyle/>
+          <a:p>
+            <a:r>
+              <a:rPr kumimoji="0" lang="en-GB" altLang="en-US" sz="3200" b="0" i="0" u="none" strike="noStrike" cap="none" normalizeH="0" baseline="0" dirty="0">
+                <a:ln>
+                  <a:noFill/>
+                </a:ln>
+                <a:solidFill>
+                  <a:schemeClr val="tx1"/>
+                </a:solidFill>
+                <a:effectLst/>
+                <a:latin typeface="Arial" panose="020B0604020202020204" pitchFamily="34" charset="0"/>
+                <a:ea typeface="Times New Roman" panose="02020603050405020304" pitchFamily="18" charset="0"/>
+              </a:rPr>
+              <a:t>A Naked Functions application consists of two solutions:</a:t>
+            </a:r>
+            <a:br>
+              <a:rPr kumimoji="0" lang="en-GB" altLang="en-US" sz="3200" b="0" i="0" u="none" strike="noStrike" cap="none" normalizeH="0" baseline="0" dirty="0">
+                <a:ln>
+                  <a:noFill/>
+                </a:ln>
+                <a:solidFill>
+                  <a:schemeClr val="tx1"/>
+                </a:solidFill>
+                <a:effectLst/>
+                <a:latin typeface="Arial" panose="020B0604020202020204" pitchFamily="34" charset="0"/>
+                <a:ea typeface="Times New Roman" panose="02020603050405020304" pitchFamily="18" charset="0"/>
+              </a:rPr>
+            </a:br>
+            <a:r>
+              <a:rPr kumimoji="0" lang="en-GB" altLang="en-US" sz="3200" b="0" i="0" u="none" strike="noStrike" cap="none" normalizeH="0" baseline="0" dirty="0">
+                <a:ln>
+                  <a:noFill/>
+                </a:ln>
+                <a:solidFill>
+                  <a:schemeClr val="tx1"/>
+                </a:solidFill>
+                <a:effectLst/>
+                <a:latin typeface="Arial" panose="020B0604020202020204" pitchFamily="34" charset="0"/>
+                <a:ea typeface="Times New Roman" panose="02020603050405020304" pitchFamily="18" charset="0"/>
+              </a:rPr>
+              <a:t>Server and Client</a:t>
+            </a:r>
+            <a:endParaRPr lang="en-GB" sz="3200" dirty="0"/>
+          </a:p>
+        </p:txBody>
+      </p:sp>
+      <p:sp>
+        <p:nvSpPr>
+          <p:cNvPr id="3" name="Content Placeholder 2">
+            <a:extLst>
+              <a:ext uri="{FF2B5EF4-FFF2-40B4-BE49-F238E27FC236}">
+                <a16:creationId xmlns:a16="http://schemas.microsoft.com/office/drawing/2014/main" id="{DB082346-F917-4AF8-A0E9-81E8FFEC7E87}"/>
+              </a:ext>
+            </a:extLst>
+          </p:cNvPr>
+          <p:cNvSpPr>
+            <a:spLocks noGrp="1"/>
+          </p:cNvSpPr>
+          <p:nvPr>
+            <p:ph idx="1"/>
+          </p:nvPr>
+        </p:nvSpPr>
+        <p:spPr/>
+        <p:txBody>
+          <a:bodyPr/>
+          <a:lstStyle/>
+          <a:p>
+            <a:r>
+              <a:rPr lang="en-GB" dirty="0"/>
+              <a:t>During development, it is best to run these two solutions in parallel, from two separate instances of Visual Studio</a:t>
+            </a:r>
+          </a:p>
+          <a:p>
+            <a:r>
+              <a:rPr lang="en-GB" dirty="0"/>
+              <a:t>Download the ‘Template’ Client solution from:</a:t>
+            </a:r>
+            <a:br>
+              <a:rPr lang="en-GB" dirty="0"/>
+            </a:br>
+            <a:r>
+              <a:rPr kumimoji="0" lang="en-GB" altLang="en-US" sz="1600" b="0" i="0" u="none" strike="noStrike" cap="none" normalizeH="0" baseline="0" dirty="0">
+                <a:ln>
+                  <a:noFill/>
+                </a:ln>
+                <a:solidFill>
+                  <a:srgbClr val="0563C1"/>
+                </a:solidFill>
+                <a:effectLst/>
+                <a:latin typeface="Arial" panose="020B0604020202020204" pitchFamily="34" charset="0"/>
+                <a:ea typeface="Times New Roman" panose="02020603050405020304" pitchFamily="18" charset="0"/>
+                <a:hlinkClick r:id="rId2"/>
+              </a:rPr>
+              <a:t>https://github.com/NakedObjectsGroup/NakedObjectsFramework/tree/master/Template/SPA%20Client</a:t>
+            </a:r>
+            <a:endParaRPr kumimoji="0" lang="en-GB" altLang="en-US" sz="400" b="0" i="0" u="none" strike="noStrike" cap="none" normalizeH="0" baseline="0" dirty="0">
+              <a:ln>
+                <a:noFill/>
+              </a:ln>
+              <a:solidFill>
+                <a:schemeClr val="tx1"/>
+              </a:solidFill>
+              <a:effectLst/>
+              <a:latin typeface="Arial" panose="020B0604020202020204" pitchFamily="34" charset="0"/>
+            </a:endParaRPr>
+          </a:p>
+          <a:p>
+            <a:r>
+              <a:rPr lang="en-GB" dirty="0"/>
+              <a:t>Running the client will launch a browser</a:t>
+            </a:r>
+          </a:p>
+          <a:p>
+            <a:pPr lvl="1"/>
+            <a:r>
+              <a:rPr lang="en-GB" dirty="0"/>
+              <a:t> We recommend using Chrome</a:t>
+            </a:r>
+          </a:p>
+          <a:p>
+            <a:pPr lvl="1"/>
+            <a:r>
+              <a:rPr lang="en-GB" dirty="0"/>
+              <a:t>After a short delay the client will </a:t>
+            </a:r>
+            <a:br>
+              <a:rPr lang="en-GB" dirty="0"/>
+            </a:br>
+            <a:r>
+              <a:rPr lang="en-GB" dirty="0"/>
+              <a:t>state that it cannot access the server</a:t>
+            </a:r>
+          </a:p>
+          <a:p>
+            <a:pPr marL="0" indent="0">
+              <a:buNone/>
+            </a:pPr>
+            <a:endParaRPr lang="en-GB" dirty="0"/>
+          </a:p>
+        </p:txBody>
+      </p:sp>
+      <p:pic>
+        <p:nvPicPr>
+          <p:cNvPr id="7" name="Picture 6">
+            <a:extLst>
+              <a:ext uri="{FF2B5EF4-FFF2-40B4-BE49-F238E27FC236}">
+                <a16:creationId xmlns:a16="http://schemas.microsoft.com/office/drawing/2014/main" id="{504B6FD1-CBB5-4E4B-BD97-926004F7F6AB}"/>
+              </a:ext>
+            </a:extLst>
+          </p:cNvPr>
+          <p:cNvPicPr>
+            <a:picLocks noChangeAspect="1"/>
+          </p:cNvPicPr>
+          <p:nvPr/>
+        </p:nvPicPr>
+        <p:blipFill rotWithShape="1">
+          <a:blip r:embed="rId3"/>
+          <a:srcRect r="13721"/>
+          <a:stretch/>
+        </p:blipFill>
+        <p:spPr>
+          <a:xfrm>
+            <a:off x="7199690" y="3429000"/>
+            <a:ext cx="4687510" cy="3311888"/>
+          </a:xfrm>
+          <a:prstGeom prst="rect">
+            <a:avLst/>
+          </a:prstGeom>
+        </p:spPr>
+      </p:pic>
+    </p:spTree>
+    <p:extLst>
+      <p:ext uri="{BB962C8B-B14F-4D97-AF65-F5344CB8AC3E}">
+        <p14:creationId xmlns:p14="http://schemas.microsoft.com/office/powerpoint/2010/main" val="2348787512"/>
+      </p:ext>
+    </p:extLst>
+  </p:cSld>
+  <p:clrMapOvr>
+    <a:masterClrMapping/>
+  </p:clrMapOvr>
+</p:sld>
+</file>
+
+<file path=ppt/slides/slide7.xml><?xml version="1.0" encoding="utf-8"?>
+<p:sld xmlns:a="http://schemas.openxmlformats.org/drawingml/2006/main" xmlns:r="http://schemas.openxmlformats.org/officeDocument/2006/relationships" xmlns:p="http://schemas.openxmlformats.org/presentationml/2006/main">
+  <p:cSld>
+    <p:spTree>
+      <p:nvGrpSpPr>
+        <p:cNvPr id="1" name=""/>
+        <p:cNvGrpSpPr/>
+        <p:nvPr/>
+      </p:nvGrpSpPr>
+      <p:grpSpPr>
+        <a:xfrm>
+          <a:off x="0" y="0"/>
+          <a:ext cx="0" cy="0"/>
+          <a:chOff x="0" y="0"/>
+          <a:chExt cx="0" cy="0"/>
+        </a:xfrm>
+      </p:grpSpPr>
+      <p:sp>
+        <p:nvSpPr>
+          <p:cNvPr id="2" name="Title 1">
+            <a:extLst>
+              <a:ext uri="{FF2B5EF4-FFF2-40B4-BE49-F238E27FC236}">
+                <a16:creationId xmlns:a16="http://schemas.microsoft.com/office/drawing/2014/main" id="{A2EB6ECB-3DC8-4C9E-8D8C-A477EA6E4D77}"/>
+              </a:ext>
+            </a:extLst>
+          </p:cNvPr>
+          <p:cNvSpPr>
+            <a:spLocks noGrp="1"/>
+          </p:cNvSpPr>
+          <p:nvPr>
+            <p:ph type="title"/>
+          </p:nvPr>
+        </p:nvSpPr>
+        <p:spPr/>
+        <p:txBody>
+          <a:bodyPr/>
+          <a:lstStyle/>
+          <a:p>
+            <a:r>
+              <a:rPr lang="en-GB" dirty="0"/>
+              <a:t>For the Server…</a:t>
+            </a:r>
+          </a:p>
+        </p:txBody>
+      </p:sp>
+      <p:sp>
+        <p:nvSpPr>
+          <p:cNvPr id="3" name="Content Placeholder 2">
+            <a:extLst>
+              <a:ext uri="{FF2B5EF4-FFF2-40B4-BE49-F238E27FC236}">
+                <a16:creationId xmlns:a16="http://schemas.microsoft.com/office/drawing/2014/main" id="{2CF4B1D3-AD5F-4658-ABCF-BB6777408DC3}"/>
+              </a:ext>
+            </a:extLst>
+          </p:cNvPr>
+          <p:cNvSpPr>
+            <a:spLocks noGrp="1"/>
+          </p:cNvSpPr>
+          <p:nvPr>
+            <p:ph idx="1"/>
+          </p:nvPr>
+        </p:nvSpPr>
+        <p:spPr/>
+        <p:txBody>
+          <a:bodyPr/>
+          <a:lstStyle/>
+          <a:p>
+            <a:r>
+              <a:rPr lang="en-GB" dirty="0"/>
+              <a:t>Download the ‘Template’ Server solution, from: </a:t>
+            </a:r>
+            <a:r>
+              <a:rPr kumimoji="0" lang="en-GB" altLang="en-US" sz="1400" b="0" i="0" u="none" strike="noStrike" cap="none" normalizeH="0" baseline="0" dirty="0">
+                <a:ln>
+                  <a:noFill/>
+                </a:ln>
+                <a:solidFill>
+                  <a:srgbClr val="0563C1"/>
+                </a:solidFill>
+                <a:effectLst/>
+                <a:latin typeface="Arial" panose="020B0604020202020204" pitchFamily="34" charset="0"/>
+                <a:ea typeface="Times New Roman" panose="02020603050405020304" pitchFamily="18" charset="0"/>
+                <a:hlinkClick r:id="rId2"/>
+              </a:rPr>
+              <a:t>https://github.com/NakedObjectsGroup/NakedObjectsFramework/tree/master/Template/Naked%20Functions%20Server</a:t>
+            </a:r>
+            <a:endParaRPr kumimoji="0" lang="en-GB" altLang="en-US" sz="300" b="0" i="0" u="none" strike="noStrike" cap="none" normalizeH="0" baseline="0" dirty="0">
+              <a:ln>
+                <a:noFill/>
+              </a:ln>
+              <a:solidFill>
+                <a:schemeClr val="tx1"/>
+              </a:solidFill>
+              <a:effectLst/>
+              <a:latin typeface="Arial" panose="020B0604020202020204" pitchFamily="34" charset="0"/>
+            </a:endParaRPr>
+          </a:p>
+          <a:p>
+            <a:r>
+              <a:rPr lang="en-GB" dirty="0"/>
+              <a:t>Running the server will launch its own browser showing the JSON Home representation of the RESTful API:</a:t>
+            </a:r>
+            <a:br>
+              <a:rPr lang="en-GB" dirty="0"/>
+            </a:br>
+            <a:endParaRPr lang="en-GB" dirty="0"/>
+          </a:p>
+          <a:p>
+            <a:pPr lvl="1"/>
+            <a:r>
+              <a:rPr lang="en-GB" dirty="0"/>
+              <a:t>Shown here in Chrome with the JSON</a:t>
+            </a:r>
+            <a:br>
+              <a:rPr lang="en-GB" dirty="0"/>
+            </a:br>
+            <a:r>
+              <a:rPr lang="en-GB" dirty="0"/>
+              <a:t>formatted by </a:t>
+            </a:r>
+            <a:r>
+              <a:rPr lang="en-GB" dirty="0" err="1"/>
+              <a:t>JSONView</a:t>
+            </a:r>
+            <a:endParaRPr lang="en-GB" dirty="0"/>
+          </a:p>
+          <a:p>
+            <a:pPr lvl="1"/>
+            <a:r>
+              <a:rPr lang="en-GB" dirty="0"/>
+              <a:t>But there is no need to be able</a:t>
+            </a:r>
+            <a:br>
+              <a:rPr lang="en-GB" dirty="0"/>
+            </a:br>
+            <a:r>
+              <a:rPr lang="en-GB" dirty="0"/>
+              <a:t>to read or even view the JSON directly.</a:t>
+            </a:r>
+          </a:p>
+          <a:p>
+            <a:pPr lvl="1"/>
+            <a:endParaRPr lang="en-GB" dirty="0"/>
+          </a:p>
+          <a:p>
+            <a:endParaRPr lang="en-GB" dirty="0"/>
+          </a:p>
+        </p:txBody>
+      </p:sp>
+      <p:pic>
+        <p:nvPicPr>
+          <p:cNvPr id="7" name="Picture 6">
+            <a:extLst>
+              <a:ext uri="{FF2B5EF4-FFF2-40B4-BE49-F238E27FC236}">
+                <a16:creationId xmlns:a16="http://schemas.microsoft.com/office/drawing/2014/main" id="{B6FF5231-CC65-4C13-B1A4-B3402E377071}"/>
+              </a:ext>
+            </a:extLst>
+          </p:cNvPr>
+          <p:cNvPicPr>
+            <a:picLocks noChangeAspect="1"/>
+          </p:cNvPicPr>
+          <p:nvPr/>
+        </p:nvPicPr>
+        <p:blipFill>
+          <a:blip r:embed="rId3"/>
+          <a:stretch>
+            <a:fillRect/>
+          </a:stretch>
+        </p:blipFill>
+        <p:spPr>
+          <a:xfrm>
+            <a:off x="6400801" y="3370274"/>
+            <a:ext cx="5565612" cy="3418473"/>
+          </a:xfrm>
+          <a:prstGeom prst="rect">
+            <a:avLst/>
+          </a:prstGeom>
+        </p:spPr>
+      </p:pic>
+    </p:spTree>
+    <p:extLst>
+      <p:ext uri="{BB962C8B-B14F-4D97-AF65-F5344CB8AC3E}">
+        <p14:creationId xmlns:p14="http://schemas.microsoft.com/office/powerpoint/2010/main" val="956630224"/>
+      </p:ext>
+    </p:extLst>
+  </p:cSld>
+  <p:clrMapOvr>
+    <a:masterClrMapping/>
+  </p:clrMapOvr>
+</p:sld>
+</file>
+
+<file path=ppt/slides/slide8.xml><?xml version="1.0" encoding="utf-8"?>
+<p:sld xmlns:a="http://schemas.openxmlformats.org/drawingml/2006/main" xmlns:r="http://schemas.openxmlformats.org/officeDocument/2006/relationships" xmlns:p="http://schemas.openxmlformats.org/presentationml/2006/main">
+  <p:cSld>
+    <p:spTree>
+      <p:nvGrpSpPr>
+        <p:cNvPr id="1" name=""/>
+        <p:cNvGrpSpPr/>
+        <p:nvPr/>
+      </p:nvGrpSpPr>
+      <p:grpSpPr>
+        <a:xfrm>
+          <a:off x="0" y="0"/>
+          <a:ext cx="0" cy="0"/>
+          <a:chOff x="0" y="0"/>
+          <a:chExt cx="0" cy="0"/>
+        </a:xfrm>
+      </p:grpSpPr>
+      <p:sp>
+        <p:nvSpPr>
+          <p:cNvPr id="2" name="Title 1">
+            <a:extLst>
+              <a:ext uri="{FF2B5EF4-FFF2-40B4-BE49-F238E27FC236}">
+                <a16:creationId xmlns:a16="http://schemas.microsoft.com/office/drawing/2014/main" id="{628D410C-A833-42CD-BD64-93FE7595A09A}"/>
+              </a:ext>
+            </a:extLst>
+          </p:cNvPr>
+          <p:cNvSpPr>
+            <a:spLocks noGrp="1"/>
+          </p:cNvSpPr>
+          <p:nvPr>
+            <p:ph type="title"/>
+          </p:nvPr>
+        </p:nvSpPr>
+        <p:spPr/>
+        <p:txBody>
+          <a:bodyPr/>
+          <a:lstStyle/>
+          <a:p>
+            <a:r>
+              <a:rPr lang="en-GB" dirty="0"/>
+              <a:t>With the Server running, click Home (     ) on the Client</a:t>
+            </a:r>
+          </a:p>
+        </p:txBody>
+      </p:sp>
+      <p:sp>
+        <p:nvSpPr>
+          <p:cNvPr id="3" name="Content Placeholder 2">
+            <a:extLst>
+              <a:ext uri="{FF2B5EF4-FFF2-40B4-BE49-F238E27FC236}">
+                <a16:creationId xmlns:a16="http://schemas.microsoft.com/office/drawing/2014/main" id="{B18ED2AF-4D03-4E93-AAE5-BB304F41262C}"/>
+              </a:ext>
+            </a:extLst>
+          </p:cNvPr>
+          <p:cNvSpPr>
+            <a:spLocks noGrp="1"/>
+          </p:cNvSpPr>
+          <p:nvPr>
+            <p:ph idx="1"/>
+          </p:nvPr>
+        </p:nvSpPr>
+        <p:spPr/>
+        <p:txBody>
+          <a:bodyPr/>
+          <a:lstStyle/>
+          <a:p>
+            <a:r>
+              <a:rPr lang="en-GB" dirty="0"/>
+              <a:t>Then open the </a:t>
+            </a:r>
+            <a:r>
+              <a:rPr lang="en-GB" b="1" dirty="0"/>
+              <a:t>Students</a:t>
+            </a:r>
+            <a:br>
+              <a:rPr lang="en-GB" dirty="0"/>
+            </a:br>
+            <a:r>
+              <a:rPr lang="en-GB" dirty="0"/>
+              <a:t>menu, click on </a:t>
+            </a:r>
+            <a:r>
+              <a:rPr lang="en-GB" b="1" dirty="0"/>
+              <a:t>All Students</a:t>
+            </a:r>
+            <a:r>
+              <a:rPr lang="en-GB" dirty="0"/>
+              <a:t>,</a:t>
+            </a:r>
+            <a:br>
+              <a:rPr lang="en-GB" dirty="0"/>
+            </a:br>
+            <a:r>
+              <a:rPr lang="en-GB" dirty="0"/>
+              <a:t>then right-click on one of </a:t>
+            </a:r>
+            <a:br>
+              <a:rPr lang="en-GB" dirty="0"/>
+            </a:br>
+            <a:r>
+              <a:rPr lang="en-GB" dirty="0"/>
+              <a:t>the returned list…</a:t>
+            </a:r>
+          </a:p>
+        </p:txBody>
+      </p:sp>
+      <p:pic>
+        <p:nvPicPr>
+          <p:cNvPr id="4" name="Picture 3">
+            <a:extLst>
+              <a:ext uri="{FF2B5EF4-FFF2-40B4-BE49-F238E27FC236}">
+                <a16:creationId xmlns:a16="http://schemas.microsoft.com/office/drawing/2014/main" id="{E1B67AF8-18D9-4B7B-AC77-B916D69255AE}"/>
+              </a:ext>
+            </a:extLst>
+          </p:cNvPr>
+          <p:cNvPicPr>
+            <a:picLocks noChangeAspect="1"/>
+          </p:cNvPicPr>
+          <p:nvPr/>
+        </p:nvPicPr>
+        <p:blipFill>
+          <a:blip r:embed="rId2"/>
+          <a:stretch>
+            <a:fillRect/>
+          </a:stretch>
+        </p:blipFill>
+        <p:spPr>
+          <a:xfrm>
+            <a:off x="9379074" y="465931"/>
+            <a:ext cx="581025" cy="561975"/>
+          </a:xfrm>
+          <a:prstGeom prst="rect">
+            <a:avLst/>
+          </a:prstGeom>
+        </p:spPr>
+      </p:pic>
+      <p:pic>
+        <p:nvPicPr>
+          <p:cNvPr id="6" name="Picture 5">
+            <a:extLst>
+              <a:ext uri="{FF2B5EF4-FFF2-40B4-BE49-F238E27FC236}">
+                <a16:creationId xmlns:a16="http://schemas.microsoft.com/office/drawing/2014/main" id="{82B84BB2-0CDE-46AD-BA48-EB65B085CF9C}"/>
+              </a:ext>
+            </a:extLst>
+          </p:cNvPr>
+          <p:cNvPicPr>
+            <a:picLocks noChangeAspect="1"/>
+          </p:cNvPicPr>
+          <p:nvPr/>
+        </p:nvPicPr>
+        <p:blipFill>
+          <a:blip r:embed="rId3"/>
+          <a:stretch>
+            <a:fillRect/>
+          </a:stretch>
+        </p:blipFill>
+        <p:spPr>
+          <a:xfrm>
+            <a:off x="5387762" y="1825625"/>
+            <a:ext cx="5966038" cy="3498410"/>
+          </a:xfrm>
+          <a:prstGeom prst="rect">
+            <a:avLst/>
+          </a:prstGeom>
+        </p:spPr>
+      </p:pic>
+    </p:spTree>
+    <p:extLst>
+      <p:ext uri="{BB962C8B-B14F-4D97-AF65-F5344CB8AC3E}">
+        <p14:creationId xmlns:p14="http://schemas.microsoft.com/office/powerpoint/2010/main" val="3432565729"/>
+      </p:ext>
+    </p:extLst>
+  </p:cSld>
+  <p:clrMapOvr>
+    <a:masterClrMapping/>
+  </p:clrMapOvr>
+</p:sld>
+</file>
+
 <file path=ppt/slides/slide9.xml><?xml version="1.0" encoding="utf-8"?>
 <p:sld xmlns:a="http://schemas.openxmlformats.org/drawingml/2006/main" xmlns:r="http://schemas.openxmlformats.org/officeDocument/2006/relationships" xmlns:p="http://schemas.openxmlformats.org/presentationml/2006/main">
   <p:cSld>
@@ -8057,7 +8175,7 @@
           <p:cNvPr id="2" name="Title 1">
             <a:extLst>
               <a:ext uri="{FF2B5EF4-FFF2-40B4-BE49-F238E27FC236}">
-                <a16:creationId xmlns:a16="http://schemas.microsoft.com/office/drawing/2014/main" id="{61240CD2-8904-4513-909A-712129DBD0A2}"/>
+                <a16:creationId xmlns:a16="http://schemas.microsoft.com/office/drawing/2014/main" id="{019B83BF-9A0E-4926-A579-8DA46A939B6E}"/>
               </a:ext>
             </a:extLst>
           </p:cNvPr>
@@ -8068,267 +8186,580 @@
             <p:ph type="title"/>
           </p:nvPr>
         </p:nvSpPr>
-        <p:spPr/>
+        <p:spPr>
+          <a:xfrm>
+            <a:off x="838200" y="365125"/>
+            <a:ext cx="10515600" cy="677291"/>
+          </a:xfrm>
+        </p:spPr>
         <p:txBody>
-          <a:bodyPr/>
+          <a:bodyPr>
+            <a:normAutofit fontScale="90000"/>
+          </a:bodyPr>
           <a:lstStyle/>
           <a:p>
             <a:r>
               <a:rPr lang="en-GB" dirty="0"/>
-              <a:t>Things to try</a:t>
+              <a:t>Explore the classes in the Model project:</a:t>
             </a:r>
           </a:p>
         </p:txBody>
       </p:sp>
-      <p:sp>
-        <p:nvSpPr>
-          <p:cNvPr id="3" name="Content Placeholder 2">
-            <a:extLst>
-              <a:ext uri="{FF2B5EF4-FFF2-40B4-BE49-F238E27FC236}">
-                <a16:creationId xmlns:a16="http://schemas.microsoft.com/office/drawing/2014/main" id="{ED8569CB-720F-4CB8-9719-8FCC9AACDE9D}"/>
-              </a:ext>
-            </a:extLst>
-          </p:cNvPr>
-          <p:cNvSpPr>
-            <a:spLocks noGrp="1"/>
-          </p:cNvSpPr>
-          <p:nvPr>
-            <p:ph idx="1"/>
-          </p:nvPr>
-        </p:nvSpPr>
-        <p:spPr/>
-        <p:txBody>
-          <a:bodyPr/>
-          <a:lstStyle/>
-          <a:p>
-            <a:r>
-              <a:rPr lang="en-GB" dirty="0"/>
-              <a:t>(Read </a:t>
-            </a:r>
-            <a:r>
-              <a:rPr lang="en-GB" dirty="0">
-                <a:hlinkClick r:id="rId2"/>
-              </a:rPr>
-              <a:t>The Naked Functions programming </a:t>
-            </a:r>
-            <a:r>
-              <a:rPr lang="en-GB">
-                <a:hlinkClick r:id="rId2"/>
-              </a:rPr>
-              <a:t>model </a:t>
-            </a:r>
-            <a:r>
-              <a:rPr lang="en-GB"/>
-              <a:t> presentation </a:t>
-            </a:r>
-            <a:r>
-              <a:rPr lang="en-GB" dirty="0"/>
-              <a:t>first)</a:t>
-            </a:r>
-          </a:p>
-          <a:p>
-            <a:r>
-              <a:rPr lang="en-GB" dirty="0"/>
-              <a:t>Adding new properties to the Student type</a:t>
-            </a:r>
-          </a:p>
-          <a:p>
-            <a:pPr lvl="1"/>
-            <a:r>
-              <a:rPr lang="en-GB" sz="1900" dirty="0" err="1">
-                <a:solidFill>
-                  <a:srgbClr val="000000"/>
-                </a:solidFill>
-                <a:latin typeface="Consolas" panose="020B0609020204030204" pitchFamily="49" charset="0"/>
-              </a:rPr>
-              <a:t>DateOfBirth</a:t>
-            </a:r>
-            <a:r>
-              <a:rPr lang="en-GB" sz="2400" dirty="0"/>
-              <a:t>,</a:t>
-            </a:r>
-            <a:r>
-              <a:rPr lang="en-GB" sz="1900" dirty="0">
-                <a:solidFill>
-                  <a:srgbClr val="000000"/>
-                </a:solidFill>
-                <a:latin typeface="Consolas" panose="020B0609020204030204" pitchFamily="49" charset="0"/>
-              </a:rPr>
-              <a:t> Address</a:t>
-            </a:r>
-            <a:r>
-              <a:rPr lang="en-GB" dirty="0"/>
-              <a:t>, or splitting the </a:t>
-            </a:r>
-            <a:r>
-              <a:rPr lang="en-GB" sz="1900" dirty="0" err="1">
-                <a:solidFill>
-                  <a:srgbClr val="000000"/>
-                </a:solidFill>
-                <a:latin typeface="Consolas" panose="020B0609020204030204" pitchFamily="49" charset="0"/>
-              </a:rPr>
-              <a:t>FullName</a:t>
-            </a:r>
-            <a:r>
-              <a:rPr lang="en-GB" dirty="0"/>
-              <a:t> into </a:t>
-            </a:r>
-            <a:r>
-              <a:rPr lang="en-GB" sz="1900" dirty="0">
-                <a:solidFill>
-                  <a:srgbClr val="000000"/>
-                </a:solidFill>
-                <a:latin typeface="Consolas" panose="020B0609020204030204" pitchFamily="49" charset="0"/>
-              </a:rPr>
-              <a:t>FirstName</a:t>
-            </a:r>
-            <a:r>
-              <a:rPr lang="en-GB" dirty="0"/>
-              <a:t> and </a:t>
-            </a:r>
-            <a:r>
-              <a:rPr lang="en-GB" sz="1900" dirty="0" err="1">
-                <a:solidFill>
-                  <a:srgbClr val="000000"/>
-                </a:solidFill>
-                <a:latin typeface="Consolas" panose="020B0609020204030204" pitchFamily="49" charset="0"/>
-              </a:rPr>
-              <a:t>LastName</a:t>
-            </a:r>
-            <a:endParaRPr lang="en-GB" sz="1900" dirty="0">
+      <p:pic>
+        <p:nvPicPr>
+          <p:cNvPr id="4" name="Picture 3">
+            <a:extLst>
+              <a:ext uri="{FF2B5EF4-FFF2-40B4-BE49-F238E27FC236}">
+                <a16:creationId xmlns:a16="http://schemas.microsoft.com/office/drawing/2014/main" id="{ACD96090-8DFC-4EAC-A269-BAFCC66D376A}"/>
+              </a:ext>
+            </a:extLst>
+          </p:cNvPr>
+          <p:cNvPicPr>
+            <a:picLocks noChangeAspect="1"/>
+          </p:cNvPicPr>
+          <p:nvPr/>
+        </p:nvPicPr>
+        <p:blipFill rotWithShape="1">
+          <a:blip r:embed="rId2"/>
+          <a:srcRect l="28832" b="26728"/>
+          <a:stretch/>
+        </p:blipFill>
+        <p:spPr>
+          <a:xfrm>
+            <a:off x="3472137" y="2560228"/>
+            <a:ext cx="3618450" cy="2413794"/>
+          </a:xfrm>
+          <a:prstGeom prst="rect">
+            <a:avLst/>
+          </a:prstGeom>
+        </p:spPr>
+      </p:pic>
+      <p:grpSp>
+        <p:nvGrpSpPr>
+          <p:cNvPr id="5" name="Group 4">
+            <a:extLst>
+              <a:ext uri="{FF2B5EF4-FFF2-40B4-BE49-F238E27FC236}">
+                <a16:creationId xmlns:a16="http://schemas.microsoft.com/office/drawing/2014/main" id="{70B857B3-2A99-4C63-B13E-D4F46F9316E4}"/>
+              </a:ext>
+            </a:extLst>
+          </p:cNvPr>
+          <p:cNvGrpSpPr/>
+          <p:nvPr/>
+        </p:nvGrpSpPr>
+        <p:grpSpPr>
+          <a:xfrm>
+            <a:off x="237259" y="3159225"/>
+            <a:ext cx="3234878" cy="646331"/>
+            <a:chOff x="487642" y="4421495"/>
+            <a:chExt cx="3234878" cy="646331"/>
+          </a:xfrm>
+        </p:grpSpPr>
+        <p:sp>
+          <p:nvSpPr>
+            <p:cNvPr id="6" name="TextBox 5">
+              <a:extLst>
+                <a:ext uri="{FF2B5EF4-FFF2-40B4-BE49-F238E27FC236}">
+                  <a16:creationId xmlns:a16="http://schemas.microsoft.com/office/drawing/2014/main" id="{30CC434C-EF65-4413-88DF-293BCF73AF40}"/>
+                </a:ext>
+              </a:extLst>
+            </p:cNvPr>
+            <p:cNvSpPr txBox="1"/>
+            <p:nvPr/>
+          </p:nvSpPr>
+          <p:spPr>
+            <a:xfrm>
+              <a:off x="487642" y="4421495"/>
+              <a:ext cx="2241941" cy="646331"/>
+            </a:xfrm>
+            <a:prstGeom prst="rect">
+              <a:avLst/>
+            </a:prstGeom>
+            <a:solidFill>
+              <a:schemeClr val="bg1"/>
+            </a:solidFill>
+            <a:ln w="28575">
               <a:solidFill>
-                <a:srgbClr val="000000"/>
+                <a:schemeClr val="accent1"/>
               </a:solidFill>
-              <a:latin typeface="Consolas" panose="020B0609020204030204" pitchFamily="49" charset="0"/>
-            </a:endParaRPr>
-          </a:p>
-          <a:p>
-            <a:pPr lvl="1"/>
-            <a:r>
-              <a:rPr lang="en-GB" dirty="0"/>
-              <a:t>Use </a:t>
-            </a:r>
-            <a:r>
-              <a:rPr lang="en-GB" sz="1900" dirty="0">
-                <a:solidFill>
-                  <a:srgbClr val="000000"/>
-                </a:solidFill>
-                <a:latin typeface="Consolas" panose="020B0609020204030204" pitchFamily="49" charset="0"/>
-              </a:rPr>
-              <a:t>[</a:t>
-            </a:r>
-            <a:r>
-              <a:rPr lang="en-GB" sz="1900" dirty="0" err="1">
-                <a:solidFill>
-                  <a:srgbClr val="000000"/>
-                </a:solidFill>
-                <a:latin typeface="Consolas" panose="020B0609020204030204" pitchFamily="49" charset="0"/>
-              </a:rPr>
-              <a:t>MemberOrder</a:t>
-            </a:r>
-            <a:r>
-              <a:rPr lang="en-GB" sz="1900" dirty="0">
-                <a:solidFill>
-                  <a:srgbClr val="000000"/>
-                </a:solidFill>
-                <a:latin typeface="Consolas" panose="020B0609020204030204" pitchFamily="49" charset="0"/>
-              </a:rPr>
-              <a:t>] </a:t>
-            </a:r>
-            <a:r>
-              <a:rPr lang="en-GB" dirty="0"/>
-              <a:t>to control ordering, </a:t>
-            </a:r>
-            <a:br>
-              <a:rPr lang="en-GB" dirty="0"/>
-            </a:br>
-            <a:r>
-              <a:rPr lang="en-GB" sz="1900" dirty="0">
-                <a:solidFill>
-                  <a:srgbClr val="000000"/>
-                </a:solidFill>
-                <a:latin typeface="Consolas" panose="020B0609020204030204" pitchFamily="49" charset="0"/>
-              </a:rPr>
-              <a:t>[Mask("d")] </a:t>
-            </a:r>
-            <a:r>
-              <a:rPr lang="en-GB" dirty="0"/>
-              <a:t>to format the </a:t>
-            </a:r>
-            <a:r>
-              <a:rPr lang="en-GB" sz="1900" dirty="0" err="1">
-                <a:solidFill>
-                  <a:srgbClr val="000000"/>
-                </a:solidFill>
-                <a:latin typeface="Consolas" panose="020B0609020204030204" pitchFamily="49" charset="0"/>
-              </a:rPr>
-              <a:t>DateTime</a:t>
-            </a:r>
-            <a:r>
-              <a:rPr lang="en-GB" dirty="0"/>
-              <a:t> property nicely</a:t>
-            </a:r>
-          </a:p>
-          <a:p>
-            <a:r>
-              <a:rPr lang="en-GB" dirty="0"/>
-              <a:t>Adding or modifying a menu function, to find students using new properties</a:t>
-            </a:r>
-          </a:p>
-          <a:p>
-            <a:r>
-              <a:rPr lang="en-GB" dirty="0"/>
-              <a:t>Creating a new </a:t>
-            </a:r>
-            <a:r>
-              <a:rPr lang="en-GB" sz="1900" dirty="0" err="1">
-                <a:solidFill>
-                  <a:srgbClr val="000000"/>
-                </a:solidFill>
-                <a:latin typeface="Consolas" panose="020B0609020204030204" pitchFamily="49" charset="0"/>
-              </a:rPr>
-              <a:t>Student_Functions</a:t>
-            </a:r>
-            <a:r>
-              <a:rPr lang="en-GB" sz="1900" dirty="0">
-                <a:solidFill>
-                  <a:srgbClr val="000000"/>
-                </a:solidFill>
-                <a:latin typeface="Consolas" panose="020B0609020204030204" pitchFamily="49" charset="0"/>
-              </a:rPr>
-              <a:t> </a:t>
-            </a:r>
-            <a:r>
-              <a:rPr lang="en-GB" dirty="0"/>
-              <a:t>static type, with static functions taking </a:t>
-            </a:r>
-            <a:r>
-              <a:rPr lang="en-GB" sz="1900" dirty="0">
-                <a:solidFill>
-                  <a:srgbClr val="000000"/>
-                </a:solidFill>
-                <a:latin typeface="Consolas" panose="020B0609020204030204" pitchFamily="49" charset="0"/>
-              </a:rPr>
-              <a:t>this Student s </a:t>
-            </a:r>
-            <a:r>
-              <a:rPr lang="en-GB" dirty="0"/>
-              <a:t>as the first parameter</a:t>
-            </a:r>
-          </a:p>
-          <a:p>
-            <a:pPr lvl="1"/>
-            <a:r>
-              <a:rPr lang="en-GB" dirty="0"/>
-              <a:t>Use this pattern to allow properties of a student to be edited, for example</a:t>
-            </a:r>
-          </a:p>
-        </p:txBody>
-      </p:sp>
+            </a:ln>
+          </p:spPr>
+          <p:txBody>
+            <a:bodyPr wrap="square" rtlCol="0">
+              <a:spAutoFit/>
+            </a:bodyPr>
+            <a:lstStyle/>
+            <a:p>
+              <a:r>
+                <a:rPr lang="en-GB" sz="1200" dirty="0">
+                  <a:solidFill>
+                    <a:srgbClr val="FF0000"/>
+                  </a:solidFill>
+                </a:rPr>
+                <a:t>1. Static class defining standalone functions that make up the </a:t>
+              </a:r>
+              <a:r>
+                <a:rPr lang="en-GB" sz="1200" b="1" dirty="0">
+                  <a:solidFill>
+                    <a:srgbClr val="FF0000"/>
+                  </a:solidFill>
+                </a:rPr>
+                <a:t>Students</a:t>
+              </a:r>
+              <a:r>
+                <a:rPr lang="en-GB" sz="1200" dirty="0">
+                  <a:solidFill>
+                    <a:srgbClr val="FF0000"/>
+                  </a:solidFill>
+                </a:rPr>
+                <a:t> menu</a:t>
+              </a:r>
+            </a:p>
+          </p:txBody>
+        </p:sp>
+        <p:cxnSp>
+          <p:nvCxnSpPr>
+            <p:cNvPr id="8" name="Straight Arrow Connector 7">
+              <a:extLst>
+                <a:ext uri="{FF2B5EF4-FFF2-40B4-BE49-F238E27FC236}">
+                  <a16:creationId xmlns:a16="http://schemas.microsoft.com/office/drawing/2014/main" id="{F37ED13D-9ACF-4E0F-A541-6D2E6EAC4A09}"/>
+                </a:ext>
+              </a:extLst>
+            </p:cNvPr>
+            <p:cNvCxnSpPr>
+              <a:cxnSpLocks/>
+              <a:stCxn id="6" idx="3"/>
+            </p:cNvCxnSpPr>
+            <p:nvPr/>
+          </p:nvCxnSpPr>
+          <p:spPr>
+            <a:xfrm>
+              <a:off x="2729583" y="4744661"/>
+              <a:ext cx="992937" cy="0"/>
+            </a:xfrm>
+            <a:prstGeom prst="straightConnector1">
+              <a:avLst/>
+            </a:prstGeom>
+            <a:ln w="28575">
+              <a:tailEnd type="triangle"/>
+            </a:ln>
+          </p:spPr>
+          <p:style>
+            <a:lnRef idx="1">
+              <a:schemeClr val="accent1"/>
+            </a:lnRef>
+            <a:fillRef idx="0">
+              <a:schemeClr val="accent1"/>
+            </a:fillRef>
+            <a:effectRef idx="0">
+              <a:schemeClr val="accent1"/>
+            </a:effectRef>
+            <a:fontRef idx="minor">
+              <a:schemeClr val="tx1"/>
+            </a:fontRef>
+          </p:style>
+        </p:cxnSp>
+      </p:grpSp>
+      <p:grpSp>
+        <p:nvGrpSpPr>
+          <p:cNvPr id="12" name="Group 11">
+            <a:extLst>
+              <a:ext uri="{FF2B5EF4-FFF2-40B4-BE49-F238E27FC236}">
+                <a16:creationId xmlns:a16="http://schemas.microsoft.com/office/drawing/2014/main" id="{A20B4745-6578-4FD1-A941-4D3979666A5C}"/>
+              </a:ext>
+            </a:extLst>
+          </p:cNvPr>
+          <p:cNvGrpSpPr/>
+          <p:nvPr/>
+        </p:nvGrpSpPr>
+        <p:grpSpPr>
+          <a:xfrm>
+            <a:off x="5669280" y="3901226"/>
+            <a:ext cx="4761799" cy="276999"/>
+            <a:chOff x="-1572752" y="2621733"/>
+            <a:chExt cx="4008445" cy="276999"/>
+          </a:xfrm>
+        </p:grpSpPr>
+        <p:sp>
+          <p:nvSpPr>
+            <p:cNvPr id="13" name="TextBox 12">
+              <a:extLst>
+                <a:ext uri="{FF2B5EF4-FFF2-40B4-BE49-F238E27FC236}">
+                  <a16:creationId xmlns:a16="http://schemas.microsoft.com/office/drawing/2014/main" id="{5F995B6E-6323-43FB-86EA-65BB9F63B940}"/>
+                </a:ext>
+              </a:extLst>
+            </p:cNvPr>
+            <p:cNvSpPr txBox="1"/>
+            <p:nvPr/>
+          </p:nvSpPr>
+          <p:spPr>
+            <a:xfrm>
+              <a:off x="339587" y="2621733"/>
+              <a:ext cx="2096106" cy="276999"/>
+            </a:xfrm>
+            <a:prstGeom prst="rect">
+              <a:avLst/>
+            </a:prstGeom>
+            <a:solidFill>
+              <a:schemeClr val="bg1"/>
+            </a:solidFill>
+            <a:ln w="28575">
+              <a:solidFill>
+                <a:schemeClr val="accent1"/>
+              </a:solidFill>
+            </a:ln>
+          </p:spPr>
+          <p:txBody>
+            <a:bodyPr wrap="square" rtlCol="0">
+              <a:spAutoFit/>
+            </a:bodyPr>
+            <a:lstStyle/>
+            <a:p>
+              <a:r>
+                <a:rPr lang="en-GB" sz="1200" dirty="0">
+                  <a:solidFill>
+                    <a:srgbClr val="FF0000"/>
+                  </a:solidFill>
+                </a:rPr>
+                <a:t>2. Record defining the </a:t>
+              </a:r>
+              <a:r>
+                <a:rPr lang="en-GB" sz="1100" dirty="0">
+                  <a:latin typeface="Consolas" panose="020B0609020204030204" pitchFamily="49" charset="0"/>
+                </a:rPr>
+                <a:t>Student</a:t>
+              </a:r>
+              <a:r>
+                <a:rPr lang="en-GB" sz="1200" dirty="0">
+                  <a:solidFill>
+                    <a:srgbClr val="FF0000"/>
+                  </a:solidFill>
+                </a:rPr>
+                <a:t> type</a:t>
+              </a:r>
+            </a:p>
+          </p:txBody>
+        </p:sp>
+        <p:cxnSp>
+          <p:nvCxnSpPr>
+            <p:cNvPr id="14" name="Straight Arrow Connector 13">
+              <a:extLst>
+                <a:ext uri="{FF2B5EF4-FFF2-40B4-BE49-F238E27FC236}">
+                  <a16:creationId xmlns:a16="http://schemas.microsoft.com/office/drawing/2014/main" id="{1ED1FA0C-DD01-46DA-AE39-02F993EF825A}"/>
+                </a:ext>
+              </a:extLst>
+            </p:cNvPr>
+            <p:cNvCxnSpPr>
+              <a:cxnSpLocks/>
+              <a:stCxn id="13" idx="1"/>
+            </p:cNvCxnSpPr>
+            <p:nvPr/>
+          </p:nvCxnSpPr>
+          <p:spPr>
+            <a:xfrm flipH="1">
+              <a:off x="-1572752" y="2760233"/>
+              <a:ext cx="1912339" cy="17781"/>
+            </a:xfrm>
+            <a:prstGeom prst="straightConnector1">
+              <a:avLst/>
+            </a:prstGeom>
+            <a:ln w="28575">
+              <a:tailEnd type="triangle"/>
+            </a:ln>
+          </p:spPr>
+          <p:style>
+            <a:lnRef idx="1">
+              <a:schemeClr val="accent1"/>
+            </a:lnRef>
+            <a:fillRef idx="0">
+              <a:schemeClr val="accent1"/>
+            </a:fillRef>
+            <a:effectRef idx="0">
+              <a:schemeClr val="accent1"/>
+            </a:effectRef>
+            <a:fontRef idx="minor">
+              <a:schemeClr val="tx1"/>
+            </a:fontRef>
+          </p:style>
+        </p:cxnSp>
+      </p:grpSp>
+      <p:grpSp>
+        <p:nvGrpSpPr>
+          <p:cNvPr id="19" name="Group 18">
+            <a:extLst>
+              <a:ext uri="{FF2B5EF4-FFF2-40B4-BE49-F238E27FC236}">
+                <a16:creationId xmlns:a16="http://schemas.microsoft.com/office/drawing/2014/main" id="{683658DE-3CB9-4542-B4D0-EB7AF13D0CF4}"/>
+              </a:ext>
+            </a:extLst>
+          </p:cNvPr>
+          <p:cNvGrpSpPr/>
+          <p:nvPr/>
+        </p:nvGrpSpPr>
+        <p:grpSpPr>
+          <a:xfrm>
+            <a:off x="237259" y="4178225"/>
+            <a:ext cx="3362409" cy="461665"/>
+            <a:chOff x="-43955" y="2430870"/>
+            <a:chExt cx="3362409" cy="461665"/>
+          </a:xfrm>
+        </p:grpSpPr>
+        <p:sp>
+          <p:nvSpPr>
+            <p:cNvPr id="20" name="TextBox 19">
+              <a:extLst>
+                <a:ext uri="{FF2B5EF4-FFF2-40B4-BE49-F238E27FC236}">
+                  <a16:creationId xmlns:a16="http://schemas.microsoft.com/office/drawing/2014/main" id="{D18AF7E5-DE34-410D-BA8D-D5C56A5F2E88}"/>
+                </a:ext>
+              </a:extLst>
+            </p:cNvPr>
+            <p:cNvSpPr txBox="1"/>
+            <p:nvPr/>
+          </p:nvSpPr>
+          <p:spPr>
+            <a:xfrm>
+              <a:off x="-43955" y="2430870"/>
+              <a:ext cx="2241941" cy="461665"/>
+            </a:xfrm>
+            <a:prstGeom prst="rect">
+              <a:avLst/>
+            </a:prstGeom>
+            <a:solidFill>
+              <a:schemeClr val="bg1"/>
+            </a:solidFill>
+            <a:ln w="28575">
+              <a:solidFill>
+                <a:schemeClr val="accent1"/>
+              </a:solidFill>
+            </a:ln>
+          </p:spPr>
+          <p:txBody>
+            <a:bodyPr wrap="square" rtlCol="0">
+              <a:spAutoFit/>
+            </a:bodyPr>
+            <a:lstStyle/>
+            <a:p>
+              <a:r>
+                <a:rPr lang="en-GB" sz="1200" dirty="0">
+                  <a:solidFill>
+                    <a:srgbClr val="FF0000"/>
+                  </a:solidFill>
+                </a:rPr>
+                <a:t>3. Standard Entity Framework classes to manage persistence</a:t>
+              </a:r>
+            </a:p>
+          </p:txBody>
+        </p:sp>
+        <p:cxnSp>
+          <p:nvCxnSpPr>
+            <p:cNvPr id="21" name="Straight Arrow Connector 20">
+              <a:extLst>
+                <a:ext uri="{FF2B5EF4-FFF2-40B4-BE49-F238E27FC236}">
+                  <a16:creationId xmlns:a16="http://schemas.microsoft.com/office/drawing/2014/main" id="{D17ED453-84A0-4885-AABC-C1EA4BB23D18}"/>
+                </a:ext>
+              </a:extLst>
+            </p:cNvPr>
+            <p:cNvCxnSpPr>
+              <a:cxnSpLocks/>
+              <a:stCxn id="20" idx="3"/>
+            </p:cNvCxnSpPr>
+            <p:nvPr/>
+          </p:nvCxnSpPr>
+          <p:spPr>
+            <a:xfrm flipV="1">
+              <a:off x="2197986" y="2576293"/>
+              <a:ext cx="1120468" cy="85410"/>
+            </a:xfrm>
+            <a:prstGeom prst="straightConnector1">
+              <a:avLst/>
+            </a:prstGeom>
+            <a:ln w="28575">
+              <a:tailEnd type="triangle"/>
+            </a:ln>
+          </p:spPr>
+          <p:style>
+            <a:lnRef idx="1">
+              <a:schemeClr val="accent1"/>
+            </a:lnRef>
+            <a:fillRef idx="0">
+              <a:schemeClr val="accent1"/>
+            </a:fillRef>
+            <a:effectRef idx="0">
+              <a:schemeClr val="accent1"/>
+            </a:effectRef>
+            <a:fontRef idx="minor">
+              <a:schemeClr val="tx1"/>
+            </a:fontRef>
+          </p:style>
+        </p:cxnSp>
+        <p:cxnSp>
+          <p:nvCxnSpPr>
+            <p:cNvPr id="23" name="Straight Arrow Connector 22">
+              <a:extLst>
+                <a:ext uri="{FF2B5EF4-FFF2-40B4-BE49-F238E27FC236}">
+                  <a16:creationId xmlns:a16="http://schemas.microsoft.com/office/drawing/2014/main" id="{2DEA5BD2-E5D3-4492-AC1C-D5137769EF62}"/>
+                </a:ext>
+              </a:extLst>
+            </p:cNvPr>
+            <p:cNvCxnSpPr>
+              <a:cxnSpLocks/>
+              <a:stCxn id="20" idx="3"/>
+            </p:cNvCxnSpPr>
+            <p:nvPr/>
+          </p:nvCxnSpPr>
+          <p:spPr>
+            <a:xfrm>
+              <a:off x="2197986" y="2661703"/>
+              <a:ext cx="1120468" cy="145423"/>
+            </a:xfrm>
+            <a:prstGeom prst="straightConnector1">
+              <a:avLst/>
+            </a:prstGeom>
+            <a:ln w="28575">
+              <a:tailEnd type="triangle"/>
+            </a:ln>
+          </p:spPr>
+          <p:style>
+            <a:lnRef idx="1">
+              <a:schemeClr val="accent1"/>
+            </a:lnRef>
+            <a:fillRef idx="0">
+              <a:schemeClr val="accent1"/>
+            </a:fillRef>
+            <a:effectRef idx="0">
+              <a:schemeClr val="accent1"/>
+            </a:effectRef>
+            <a:fontRef idx="minor">
+              <a:schemeClr val="tx1"/>
+            </a:fontRef>
+          </p:style>
+        </p:cxnSp>
+      </p:grpSp>
+      <p:grpSp>
+        <p:nvGrpSpPr>
+          <p:cNvPr id="28" name="Group 27">
+            <a:extLst>
+              <a:ext uri="{FF2B5EF4-FFF2-40B4-BE49-F238E27FC236}">
+                <a16:creationId xmlns:a16="http://schemas.microsoft.com/office/drawing/2014/main" id="{E90C3423-08B3-42C9-B5C5-EB95DE2B8246}"/>
+              </a:ext>
+            </a:extLst>
+          </p:cNvPr>
+          <p:cNvGrpSpPr/>
+          <p:nvPr/>
+        </p:nvGrpSpPr>
+        <p:grpSpPr>
+          <a:xfrm>
+            <a:off x="5870448" y="4502269"/>
+            <a:ext cx="4701091" cy="646331"/>
+            <a:chOff x="-1922615" y="2084212"/>
+            <a:chExt cx="6556262" cy="608903"/>
+          </a:xfrm>
+        </p:grpSpPr>
+        <p:sp>
+          <p:nvSpPr>
+            <p:cNvPr id="29" name="TextBox 28">
+              <a:extLst>
+                <a:ext uri="{FF2B5EF4-FFF2-40B4-BE49-F238E27FC236}">
+                  <a16:creationId xmlns:a16="http://schemas.microsoft.com/office/drawing/2014/main" id="{5C8FF11D-0193-47A2-A7CB-4DD7C99057F5}"/>
+                </a:ext>
+              </a:extLst>
+            </p:cNvPr>
+            <p:cNvSpPr txBox="1"/>
+            <p:nvPr/>
+          </p:nvSpPr>
+          <p:spPr>
+            <a:xfrm>
+              <a:off x="965065" y="2084212"/>
+              <a:ext cx="3668582" cy="608903"/>
+            </a:xfrm>
+            <a:prstGeom prst="rect">
+              <a:avLst/>
+            </a:prstGeom>
+            <a:solidFill>
+              <a:schemeClr val="bg1"/>
+            </a:solidFill>
+            <a:ln w="28575">
+              <a:solidFill>
+                <a:schemeClr val="accent1"/>
+              </a:solidFill>
+            </a:ln>
+          </p:spPr>
+          <p:txBody>
+            <a:bodyPr wrap="square" rtlCol="0">
+              <a:spAutoFit/>
+            </a:bodyPr>
+            <a:lstStyle/>
+            <a:p>
+              <a:r>
+                <a:rPr lang="en-GB" sz="1200" dirty="0">
+                  <a:solidFill>
+                    <a:srgbClr val="FF0000"/>
+                  </a:solidFill>
+                </a:rPr>
+                <a:t>4. </a:t>
+              </a:r>
+              <a:r>
+                <a:rPr lang="en-GB" sz="1100" dirty="0" err="1">
+                  <a:latin typeface="Consolas" panose="020B0609020204030204" pitchFamily="49" charset="0"/>
+                </a:rPr>
+                <a:t>ModelConfig</a:t>
+              </a:r>
+              <a:r>
+                <a:rPr lang="en-GB" sz="1200" dirty="0">
+                  <a:solidFill>
+                    <a:srgbClr val="FF0000"/>
+                  </a:solidFill>
+                </a:rPr>
+                <a:t> is how the Server project reads the capabilities of the Model.  (Explained on next slide.)</a:t>
+              </a:r>
+            </a:p>
+          </p:txBody>
+        </p:sp>
+        <p:cxnSp>
+          <p:nvCxnSpPr>
+            <p:cNvPr id="30" name="Straight Arrow Connector 29">
+              <a:extLst>
+                <a:ext uri="{FF2B5EF4-FFF2-40B4-BE49-F238E27FC236}">
+                  <a16:creationId xmlns:a16="http://schemas.microsoft.com/office/drawing/2014/main" id="{978FDBBF-8947-415F-B701-2E5473BFD3D3}"/>
+                </a:ext>
+              </a:extLst>
+            </p:cNvPr>
+            <p:cNvCxnSpPr>
+              <a:cxnSpLocks/>
+              <a:stCxn id="29" idx="1"/>
+            </p:cNvCxnSpPr>
+            <p:nvPr/>
+          </p:nvCxnSpPr>
+          <p:spPr>
+            <a:xfrm flipH="1">
+              <a:off x="-1922615" y="2388664"/>
+              <a:ext cx="2887681" cy="16999"/>
+            </a:xfrm>
+            <a:prstGeom prst="straightConnector1">
+              <a:avLst/>
+            </a:prstGeom>
+            <a:ln w="28575">
+              <a:tailEnd type="triangle"/>
+            </a:ln>
+          </p:spPr>
+          <p:style>
+            <a:lnRef idx="1">
+              <a:schemeClr val="accent1"/>
+            </a:lnRef>
+            <a:fillRef idx="0">
+              <a:schemeClr val="accent1"/>
+            </a:fillRef>
+            <a:effectRef idx="0">
+              <a:schemeClr val="accent1"/>
+            </a:effectRef>
+            <a:fontRef idx="minor">
+              <a:schemeClr val="tx1"/>
+            </a:fontRef>
+          </p:style>
+        </p:cxnSp>
+      </p:grpSp>
     </p:spTree>
     <p:extLst>
       <p:ext uri="{BB962C8B-B14F-4D97-AF65-F5344CB8AC3E}">
-        <p14:creationId xmlns:p14="http://schemas.microsoft.com/office/powerpoint/2010/main" val="1177773297"/>
+        <p14:creationId xmlns:p14="http://schemas.microsoft.com/office/powerpoint/2010/main" val="1674066649"/>
       </p:ext>
     </p:extLst>
   </p:cSld>
